--- a/presentation/Drug Target affinity.pptx
+++ b/presentation/Drug Target affinity.pptx
@@ -5,7 +5,7 @@
     <p:sldMasterId id="2147483708" r:id="rId1"/>
   </p:sldMasterIdLst>
   <p:notesMasterIdLst>
-    <p:notesMasterId r:id="rId13"/>
+    <p:notesMasterId r:id="rId29"/>
   </p:notesMasterIdLst>
   <p:sldIdLst>
     <p:sldId id="256" r:id="rId2"/>
@@ -17,8 +17,24 @@
     <p:sldId id="257" r:id="rId8"/>
     <p:sldId id="266" r:id="rId9"/>
     <p:sldId id="264" r:id="rId10"/>
-    <p:sldId id="263" r:id="rId11"/>
-    <p:sldId id="265" r:id="rId12"/>
+    <p:sldId id="267" r:id="rId11"/>
+    <p:sldId id="269" r:id="rId12"/>
+    <p:sldId id="271" r:id="rId13"/>
+    <p:sldId id="268" r:id="rId14"/>
+    <p:sldId id="263" r:id="rId15"/>
+    <p:sldId id="265" r:id="rId16"/>
+    <p:sldId id="272" r:id="rId17"/>
+    <p:sldId id="270" r:id="rId18"/>
+    <p:sldId id="273" r:id="rId19"/>
+    <p:sldId id="274" r:id="rId20"/>
+    <p:sldId id="275" r:id="rId21"/>
+    <p:sldId id="277" r:id="rId22"/>
+    <p:sldId id="276" r:id="rId23"/>
+    <p:sldId id="278" r:id="rId24"/>
+    <p:sldId id="279" r:id="rId25"/>
+    <p:sldId id="281" r:id="rId26"/>
+    <p:sldId id="280" r:id="rId27"/>
+    <p:sldId id="282" r:id="rId28"/>
   </p:sldIdLst>
   <p:sldSz cx="9144000" cy="6858000" type="screen4x3"/>
   <p:notesSz cx="6858000" cy="9144000"/>
@@ -202,7 +218,7 @@
           <a:p>
             <a:fld id="{8EF0DE39-7A54-47F9-AEA5-5AC06FD683AA}" type="datetimeFigureOut">
               <a:rPr lang="en-US" smtClean="0"/>
-              <a:t>8/5/2024</a:t>
+              <a:t>8/14/2024</a:t>
             </a:fld>
             <a:endParaRPr lang="en-US"/>
           </a:p>
@@ -514,18 +530,6 @@
           <a:bodyPr/>
           <a:lstStyle/>
           <a:p>
-            <a:r>
-              <a:rPr lang="en-US" sz="1200" b="0" i="0" kern="1200" dirty="0" smtClean="0">
-                <a:solidFill>
-                  <a:schemeClr val="tx1"/>
-                </a:solidFill>
-                <a:effectLst/>
-                <a:latin typeface="+mn-lt"/>
-                <a:ea typeface="+mn-ea"/>
-                <a:cs typeface="+mn-cs"/>
-              </a:rPr>
-              <a:t>A SMILES string describes the atoms and bonds of a molecule in a way that is both concise and reasonably intuitive to chemists.</a:t>
-            </a:r>
             <a:endParaRPr lang="en-US" dirty="0"/>
           </a:p>
         </p:txBody>
@@ -547,7 +551,7 @@
           <a:p>
             <a:fld id="{C7689D65-4FEA-4151-83A2-DE7BE828DF61}" type="slidenum">
               <a:rPr lang="en-US" smtClean="0"/>
-              <a:t>6</a:t>
+              <a:t>1</a:t>
             </a:fld>
             <a:endParaRPr lang="en-US"/>
           </a:p>
@@ -556,7 +560,937 @@
     </p:spTree>
     <p:extLst>
       <p:ext uri="{BB962C8B-B14F-4D97-AF65-F5344CB8AC3E}">
-        <p14:creationId xmlns:p14="http://schemas.microsoft.com/office/powerpoint/2010/main" val="692526755"/>
+        <p14:creationId xmlns:p14="http://schemas.microsoft.com/office/powerpoint/2010/main" val="3175334102"/>
+      </p:ext>
+    </p:extLst>
+  </p:cSld>
+  <p:clrMapOvr>
+    <a:masterClrMapping/>
+  </p:clrMapOvr>
+</p:notes>
+</file>
+
+<file path=ppt/notesSlides/notesSlide10.xml><?xml version="1.0" encoding="utf-8"?>
+<p:notes xmlns:a="http://schemas.openxmlformats.org/drawingml/2006/main" xmlns:r="http://schemas.openxmlformats.org/officeDocument/2006/relationships" xmlns:p="http://schemas.openxmlformats.org/presentationml/2006/main">
+  <p:cSld>
+    <p:spTree>
+      <p:nvGrpSpPr>
+        <p:cNvPr id="1" name=""/>
+        <p:cNvGrpSpPr/>
+        <p:nvPr/>
+      </p:nvGrpSpPr>
+      <p:grpSpPr>
+        <a:xfrm>
+          <a:off x="0" y="0"/>
+          <a:ext cx="0" cy="0"/>
+          <a:chOff x="0" y="0"/>
+          <a:chExt cx="0" cy="0"/>
+        </a:xfrm>
+      </p:grpSpPr>
+      <p:sp>
+        <p:nvSpPr>
+          <p:cNvPr id="2" name="Slide Image Placeholder 1"/>
+          <p:cNvSpPr>
+            <a:spLocks noGrp="1" noRot="1" noChangeAspect="1"/>
+          </p:cNvSpPr>
+          <p:nvPr>
+            <p:ph type="sldImg"/>
+          </p:nvPr>
+        </p:nvSpPr>
+        <p:spPr/>
+      </p:sp>
+      <p:sp>
+        <p:nvSpPr>
+          <p:cNvPr id="3" name="Notes Placeholder 2"/>
+          <p:cNvSpPr>
+            <a:spLocks noGrp="1"/>
+          </p:cNvSpPr>
+          <p:nvPr>
+            <p:ph type="body" idx="1"/>
+          </p:nvPr>
+        </p:nvSpPr>
+        <p:spPr/>
+        <p:txBody>
+          <a:bodyPr/>
+          <a:lstStyle/>
+          <a:p>
+            <a:r>
+              <a:rPr lang="en-US" sz="1200" b="0" i="0" kern="1200" dirty="0" smtClean="0">
+                <a:solidFill>
+                  <a:schemeClr val="tx1"/>
+                </a:solidFill>
+                <a:effectLst/>
+                <a:latin typeface="+mn-lt"/>
+                <a:ea typeface="+mn-ea"/>
+                <a:cs typeface="+mn-cs"/>
+              </a:rPr>
+              <a:t>The kinase dissociation constant, often denoted as </a:t>
+            </a:r>
+            <a:r>
+              <a:rPr lang="en-US" sz="1200" b="0" i="0" kern="1200" dirty="0" err="1" smtClean="0">
+                <a:solidFill>
+                  <a:schemeClr val="tx1"/>
+                </a:solidFill>
+                <a:effectLst/>
+                <a:latin typeface="+mn-lt"/>
+                <a:ea typeface="+mn-ea"/>
+                <a:cs typeface="+mn-cs"/>
+              </a:rPr>
+              <a:t>Kd</a:t>
+            </a:r>
+            <a:r>
+              <a:rPr lang="en-US" sz="1200" b="0" i="0" kern="1200" dirty="0" smtClean="0">
+                <a:solidFill>
+                  <a:schemeClr val="tx1"/>
+                </a:solidFill>
+                <a:effectLst/>
+                <a:latin typeface="+mn-lt"/>
+                <a:ea typeface="+mn-ea"/>
+                <a:cs typeface="+mn-cs"/>
+              </a:rPr>
+              <a:t>, is a measure of the strength of the interaction between a kinase enzyme and its substrate or inhibitor. It represents the concentration of the substrate or inhibitor at which the kinase enzyme is half-saturated.</a:t>
+            </a:r>
+          </a:p>
+          <a:p>
+            <a:r>
+              <a:rPr lang="en-US" sz="1200" b="0" i="0" kern="1200" dirty="0" smtClean="0">
+                <a:solidFill>
+                  <a:schemeClr val="tx1"/>
+                </a:solidFill>
+                <a:effectLst/>
+                <a:latin typeface="+mn-lt"/>
+                <a:ea typeface="+mn-ea"/>
+                <a:cs typeface="+mn-cs"/>
+              </a:rPr>
+              <a:t>Specifically, the kinase dissociation constant is defined as:</a:t>
+            </a:r>
+          </a:p>
+          <a:p>
+            <a:r>
+              <a:rPr lang="en-US" sz="1200" b="0" i="0" kern="1200" dirty="0" err="1" smtClean="0">
+                <a:solidFill>
+                  <a:schemeClr val="tx1"/>
+                </a:solidFill>
+                <a:effectLst/>
+                <a:latin typeface="+mn-lt"/>
+                <a:ea typeface="+mn-ea"/>
+                <a:cs typeface="+mn-cs"/>
+              </a:rPr>
+              <a:t>Kd</a:t>
+            </a:r>
+            <a:r>
+              <a:rPr lang="en-US" sz="1200" b="0" i="0" kern="1200" dirty="0" smtClean="0">
+                <a:solidFill>
+                  <a:schemeClr val="tx1"/>
+                </a:solidFill>
+                <a:effectLst/>
+                <a:latin typeface="+mn-lt"/>
+                <a:ea typeface="+mn-ea"/>
+                <a:cs typeface="+mn-cs"/>
+              </a:rPr>
+              <a:t> = [Enzyme] × [Substrate] / [Enzyme-Substrate Complex]</a:t>
+            </a:r>
+          </a:p>
+          <a:p>
+            <a:r>
+              <a:rPr lang="en-US" sz="1200" b="0" i="0" kern="1200" dirty="0" smtClean="0">
+                <a:solidFill>
+                  <a:schemeClr val="tx1"/>
+                </a:solidFill>
+                <a:effectLst/>
+                <a:latin typeface="+mn-lt"/>
+                <a:ea typeface="+mn-ea"/>
+                <a:cs typeface="+mn-cs"/>
+              </a:rPr>
+              <a:t>Where:</a:t>
+            </a:r>
+          </a:p>
+          <a:p>
+            <a:r>
+              <a:rPr lang="en-US" sz="1200" b="0" i="0" kern="1200" dirty="0" smtClean="0">
+                <a:solidFill>
+                  <a:schemeClr val="tx1"/>
+                </a:solidFill>
+                <a:effectLst/>
+                <a:latin typeface="+mn-lt"/>
+                <a:ea typeface="+mn-ea"/>
+                <a:cs typeface="+mn-cs"/>
+              </a:rPr>
+              <a:t>[Enzyme] is the concentration of the free, unbound kinase enzyme</a:t>
+            </a:r>
+          </a:p>
+          <a:p>
+            <a:r>
+              <a:rPr lang="en-US" sz="1200" b="0" i="0" kern="1200" dirty="0" smtClean="0">
+                <a:solidFill>
+                  <a:schemeClr val="tx1"/>
+                </a:solidFill>
+                <a:effectLst/>
+                <a:latin typeface="+mn-lt"/>
+                <a:ea typeface="+mn-ea"/>
+                <a:cs typeface="+mn-cs"/>
+              </a:rPr>
+              <a:t>[Substrate] is the concentration of the free, unbound substrate</a:t>
+            </a:r>
+          </a:p>
+          <a:p>
+            <a:r>
+              <a:rPr lang="en-US" sz="1200" b="0" i="0" kern="1200" dirty="0" smtClean="0">
+                <a:solidFill>
+                  <a:schemeClr val="tx1"/>
+                </a:solidFill>
+                <a:effectLst/>
+                <a:latin typeface="+mn-lt"/>
+                <a:ea typeface="+mn-ea"/>
+                <a:cs typeface="+mn-cs"/>
+              </a:rPr>
+              <a:t>[Enzyme-Substrate Complex] is the concentration of the enzyme-substrate complex</a:t>
+            </a:r>
+          </a:p>
+          <a:p>
+            <a:r>
+              <a:rPr lang="en-US" sz="1200" b="0" i="0" kern="1200" dirty="0" smtClean="0">
+                <a:solidFill>
+                  <a:schemeClr val="tx1"/>
+                </a:solidFill>
+                <a:effectLst/>
+                <a:latin typeface="+mn-lt"/>
+                <a:ea typeface="+mn-ea"/>
+                <a:cs typeface="+mn-cs"/>
+              </a:rPr>
+              <a:t>A lower </a:t>
+            </a:r>
+            <a:r>
+              <a:rPr lang="en-US" sz="1200" b="0" i="0" kern="1200" dirty="0" err="1" smtClean="0">
+                <a:solidFill>
+                  <a:schemeClr val="tx1"/>
+                </a:solidFill>
+                <a:effectLst/>
+                <a:latin typeface="+mn-lt"/>
+                <a:ea typeface="+mn-ea"/>
+                <a:cs typeface="+mn-cs"/>
+              </a:rPr>
+              <a:t>Kd</a:t>
+            </a:r>
+            <a:r>
+              <a:rPr lang="en-US" sz="1200" b="0" i="0" kern="1200" dirty="0" smtClean="0">
+                <a:solidFill>
+                  <a:schemeClr val="tx1"/>
+                </a:solidFill>
+                <a:effectLst/>
+                <a:latin typeface="+mn-lt"/>
+                <a:ea typeface="+mn-ea"/>
+                <a:cs typeface="+mn-cs"/>
+              </a:rPr>
+              <a:t> value indicates a stronger binding affinity between the kinase and its substrate or inhibitor. A high-affinity interaction has a low </a:t>
+            </a:r>
+            <a:r>
+              <a:rPr lang="en-US" sz="1200" b="0" i="0" kern="1200" dirty="0" err="1" smtClean="0">
+                <a:solidFill>
+                  <a:schemeClr val="tx1"/>
+                </a:solidFill>
+                <a:effectLst/>
+                <a:latin typeface="+mn-lt"/>
+                <a:ea typeface="+mn-ea"/>
+                <a:cs typeface="+mn-cs"/>
+              </a:rPr>
+              <a:t>Kd</a:t>
+            </a:r>
+            <a:r>
+              <a:rPr lang="en-US" sz="1200" b="0" i="0" kern="1200" dirty="0" smtClean="0">
+                <a:solidFill>
+                  <a:schemeClr val="tx1"/>
+                </a:solidFill>
+                <a:effectLst/>
+                <a:latin typeface="+mn-lt"/>
+                <a:ea typeface="+mn-ea"/>
+                <a:cs typeface="+mn-cs"/>
+              </a:rPr>
+              <a:t>, while a low-affinity interaction has a high </a:t>
+            </a:r>
+            <a:r>
+              <a:rPr lang="en-US" sz="1200" b="0" i="0" kern="1200" dirty="0" err="1" smtClean="0">
+                <a:solidFill>
+                  <a:schemeClr val="tx1"/>
+                </a:solidFill>
+                <a:effectLst/>
+                <a:latin typeface="+mn-lt"/>
+                <a:ea typeface="+mn-ea"/>
+                <a:cs typeface="+mn-cs"/>
+              </a:rPr>
+              <a:t>Kd</a:t>
+            </a:r>
+            <a:r>
+              <a:rPr lang="en-US" sz="1200" b="0" i="0" kern="1200" smtClean="0">
+                <a:solidFill>
+                  <a:schemeClr val="tx1"/>
+                </a:solidFill>
+                <a:effectLst/>
+                <a:latin typeface="+mn-lt"/>
+                <a:ea typeface="+mn-ea"/>
+                <a:cs typeface="+mn-cs"/>
+              </a:rPr>
+              <a:t>.</a:t>
+            </a:r>
+            <a:endParaRPr lang="en-US" sz="1200" b="0" i="0" kern="1200">
+              <a:solidFill>
+                <a:schemeClr val="tx1"/>
+              </a:solidFill>
+              <a:effectLst/>
+              <a:latin typeface="+mn-lt"/>
+              <a:ea typeface="+mn-ea"/>
+              <a:cs typeface="+mn-cs"/>
+            </a:endParaRPr>
+          </a:p>
+        </p:txBody>
+      </p:sp>
+      <p:sp>
+        <p:nvSpPr>
+          <p:cNvPr id="4" name="Slide Number Placeholder 3"/>
+          <p:cNvSpPr>
+            <a:spLocks noGrp="1"/>
+          </p:cNvSpPr>
+          <p:nvPr>
+            <p:ph type="sldNum" sz="quarter" idx="10"/>
+          </p:nvPr>
+        </p:nvSpPr>
+        <p:spPr/>
+        <p:txBody>
+          <a:bodyPr/>
+          <a:lstStyle/>
+          <a:p>
+            <a:fld id="{C7689D65-4FEA-4151-83A2-DE7BE828DF61}" type="slidenum">
+              <a:rPr lang="en-US" smtClean="0"/>
+              <a:t>16</a:t>
+            </a:fld>
+            <a:endParaRPr lang="en-US"/>
+          </a:p>
+        </p:txBody>
+      </p:sp>
+    </p:spTree>
+    <p:extLst>
+      <p:ext uri="{BB962C8B-B14F-4D97-AF65-F5344CB8AC3E}">
+        <p14:creationId xmlns:p14="http://schemas.microsoft.com/office/powerpoint/2010/main" val="2544302419"/>
+      </p:ext>
+    </p:extLst>
+  </p:cSld>
+  <p:clrMapOvr>
+    <a:masterClrMapping/>
+  </p:clrMapOvr>
+</p:notes>
+</file>
+
+<file path=ppt/notesSlides/notesSlide11.xml><?xml version="1.0" encoding="utf-8"?>
+<p:notes xmlns:a="http://schemas.openxmlformats.org/drawingml/2006/main" xmlns:r="http://schemas.openxmlformats.org/officeDocument/2006/relationships" xmlns:p="http://schemas.openxmlformats.org/presentationml/2006/main">
+  <p:cSld>
+    <p:spTree>
+      <p:nvGrpSpPr>
+        <p:cNvPr id="1" name=""/>
+        <p:cNvGrpSpPr/>
+        <p:nvPr/>
+      </p:nvGrpSpPr>
+      <p:grpSpPr>
+        <a:xfrm>
+          <a:off x="0" y="0"/>
+          <a:ext cx="0" cy="0"/>
+          <a:chOff x="0" y="0"/>
+          <a:chExt cx="0" cy="0"/>
+        </a:xfrm>
+      </p:grpSpPr>
+      <p:sp>
+        <p:nvSpPr>
+          <p:cNvPr id="2" name="Slide Image Placeholder 1"/>
+          <p:cNvSpPr>
+            <a:spLocks noGrp="1" noRot="1" noChangeAspect="1"/>
+          </p:cNvSpPr>
+          <p:nvPr>
+            <p:ph type="sldImg"/>
+          </p:nvPr>
+        </p:nvSpPr>
+        <p:spPr/>
+      </p:sp>
+      <p:sp>
+        <p:nvSpPr>
+          <p:cNvPr id="3" name="Notes Placeholder 2"/>
+          <p:cNvSpPr>
+            <a:spLocks noGrp="1"/>
+          </p:cNvSpPr>
+          <p:nvPr>
+            <p:ph type="body" idx="1"/>
+          </p:nvPr>
+        </p:nvSpPr>
+        <p:spPr/>
+        <p:txBody>
+          <a:bodyPr/>
+          <a:lstStyle/>
+          <a:p>
+            <a:r>
+              <a:rPr lang="en-US" sz="1200" b="0" i="0" kern="1200" dirty="0" smtClean="0">
+                <a:solidFill>
+                  <a:schemeClr val="tx1"/>
+                </a:solidFill>
+                <a:effectLst/>
+                <a:latin typeface="+mn-lt"/>
+                <a:ea typeface="+mn-ea"/>
+                <a:cs typeface="+mn-cs"/>
+              </a:rPr>
+              <a:t>The kinase dissociation constant, often denoted as </a:t>
+            </a:r>
+            <a:r>
+              <a:rPr lang="en-US" sz="1200" b="0" i="0" kern="1200" dirty="0" err="1" smtClean="0">
+                <a:solidFill>
+                  <a:schemeClr val="tx1"/>
+                </a:solidFill>
+                <a:effectLst/>
+                <a:latin typeface="+mn-lt"/>
+                <a:ea typeface="+mn-ea"/>
+                <a:cs typeface="+mn-cs"/>
+              </a:rPr>
+              <a:t>Kd</a:t>
+            </a:r>
+            <a:r>
+              <a:rPr lang="en-US" sz="1200" b="0" i="0" kern="1200" dirty="0" smtClean="0">
+                <a:solidFill>
+                  <a:schemeClr val="tx1"/>
+                </a:solidFill>
+                <a:effectLst/>
+                <a:latin typeface="+mn-lt"/>
+                <a:ea typeface="+mn-ea"/>
+                <a:cs typeface="+mn-cs"/>
+              </a:rPr>
+              <a:t>, is a measure of the strength of the interaction between a kinase enzyme and its substrate or inhibitor. It represents the concentration of the substrate or inhibitor at which the kinase enzyme is half-saturated.</a:t>
+            </a:r>
+          </a:p>
+          <a:p>
+            <a:r>
+              <a:rPr lang="en-US" sz="1200" b="0" i="0" kern="1200" dirty="0" smtClean="0">
+                <a:solidFill>
+                  <a:schemeClr val="tx1"/>
+                </a:solidFill>
+                <a:effectLst/>
+                <a:latin typeface="+mn-lt"/>
+                <a:ea typeface="+mn-ea"/>
+                <a:cs typeface="+mn-cs"/>
+              </a:rPr>
+              <a:t>Specifically, the kinase dissociation constant is defined as:</a:t>
+            </a:r>
+          </a:p>
+          <a:p>
+            <a:r>
+              <a:rPr lang="en-US" sz="1200" b="0" i="0" kern="1200" dirty="0" err="1" smtClean="0">
+                <a:solidFill>
+                  <a:schemeClr val="tx1"/>
+                </a:solidFill>
+                <a:effectLst/>
+                <a:latin typeface="+mn-lt"/>
+                <a:ea typeface="+mn-ea"/>
+                <a:cs typeface="+mn-cs"/>
+              </a:rPr>
+              <a:t>Kd</a:t>
+            </a:r>
+            <a:r>
+              <a:rPr lang="en-US" sz="1200" b="0" i="0" kern="1200" dirty="0" smtClean="0">
+                <a:solidFill>
+                  <a:schemeClr val="tx1"/>
+                </a:solidFill>
+                <a:effectLst/>
+                <a:latin typeface="+mn-lt"/>
+                <a:ea typeface="+mn-ea"/>
+                <a:cs typeface="+mn-cs"/>
+              </a:rPr>
+              <a:t> = [Enzyme] × [Substrate] / [Enzyme-Substrate Complex]</a:t>
+            </a:r>
+          </a:p>
+          <a:p>
+            <a:r>
+              <a:rPr lang="en-US" sz="1200" b="0" i="0" kern="1200" dirty="0" smtClean="0">
+                <a:solidFill>
+                  <a:schemeClr val="tx1"/>
+                </a:solidFill>
+                <a:effectLst/>
+                <a:latin typeface="+mn-lt"/>
+                <a:ea typeface="+mn-ea"/>
+                <a:cs typeface="+mn-cs"/>
+              </a:rPr>
+              <a:t>Where:</a:t>
+            </a:r>
+          </a:p>
+          <a:p>
+            <a:r>
+              <a:rPr lang="en-US" sz="1200" b="0" i="0" kern="1200" dirty="0" smtClean="0">
+                <a:solidFill>
+                  <a:schemeClr val="tx1"/>
+                </a:solidFill>
+                <a:effectLst/>
+                <a:latin typeface="+mn-lt"/>
+                <a:ea typeface="+mn-ea"/>
+                <a:cs typeface="+mn-cs"/>
+              </a:rPr>
+              <a:t>[Enzyme] is the concentration of the free, unbound kinase enzyme</a:t>
+            </a:r>
+          </a:p>
+          <a:p>
+            <a:r>
+              <a:rPr lang="en-US" sz="1200" b="0" i="0" kern="1200" dirty="0" smtClean="0">
+                <a:solidFill>
+                  <a:schemeClr val="tx1"/>
+                </a:solidFill>
+                <a:effectLst/>
+                <a:latin typeface="+mn-lt"/>
+                <a:ea typeface="+mn-ea"/>
+                <a:cs typeface="+mn-cs"/>
+              </a:rPr>
+              <a:t>[Substrate] is the concentration of the free, unbound substrate</a:t>
+            </a:r>
+          </a:p>
+          <a:p>
+            <a:r>
+              <a:rPr lang="en-US" sz="1200" b="0" i="0" kern="1200" dirty="0" smtClean="0">
+                <a:solidFill>
+                  <a:schemeClr val="tx1"/>
+                </a:solidFill>
+                <a:effectLst/>
+                <a:latin typeface="+mn-lt"/>
+                <a:ea typeface="+mn-ea"/>
+                <a:cs typeface="+mn-cs"/>
+              </a:rPr>
+              <a:t>[Enzyme-Substrate Complex] is the concentration of the enzyme-substrate complex</a:t>
+            </a:r>
+          </a:p>
+          <a:p>
+            <a:r>
+              <a:rPr lang="en-US" sz="1200" b="0" i="0" kern="1200" dirty="0" smtClean="0">
+                <a:solidFill>
+                  <a:schemeClr val="tx1"/>
+                </a:solidFill>
+                <a:effectLst/>
+                <a:latin typeface="+mn-lt"/>
+                <a:ea typeface="+mn-ea"/>
+                <a:cs typeface="+mn-cs"/>
+              </a:rPr>
+              <a:t>A lower </a:t>
+            </a:r>
+            <a:r>
+              <a:rPr lang="en-US" sz="1200" b="0" i="0" kern="1200" dirty="0" err="1" smtClean="0">
+                <a:solidFill>
+                  <a:schemeClr val="tx1"/>
+                </a:solidFill>
+                <a:effectLst/>
+                <a:latin typeface="+mn-lt"/>
+                <a:ea typeface="+mn-ea"/>
+                <a:cs typeface="+mn-cs"/>
+              </a:rPr>
+              <a:t>Kd</a:t>
+            </a:r>
+            <a:r>
+              <a:rPr lang="en-US" sz="1200" b="0" i="0" kern="1200" dirty="0" smtClean="0">
+                <a:solidFill>
+                  <a:schemeClr val="tx1"/>
+                </a:solidFill>
+                <a:effectLst/>
+                <a:latin typeface="+mn-lt"/>
+                <a:ea typeface="+mn-ea"/>
+                <a:cs typeface="+mn-cs"/>
+              </a:rPr>
+              <a:t> value indicates a stronger binding affinity between the kinase and its substrate or inhibitor. A high-affinity interaction has a low </a:t>
+            </a:r>
+            <a:r>
+              <a:rPr lang="en-US" sz="1200" b="0" i="0" kern="1200" dirty="0" err="1" smtClean="0">
+                <a:solidFill>
+                  <a:schemeClr val="tx1"/>
+                </a:solidFill>
+                <a:effectLst/>
+                <a:latin typeface="+mn-lt"/>
+                <a:ea typeface="+mn-ea"/>
+                <a:cs typeface="+mn-cs"/>
+              </a:rPr>
+              <a:t>Kd</a:t>
+            </a:r>
+            <a:r>
+              <a:rPr lang="en-US" sz="1200" b="0" i="0" kern="1200" dirty="0" smtClean="0">
+                <a:solidFill>
+                  <a:schemeClr val="tx1"/>
+                </a:solidFill>
+                <a:effectLst/>
+                <a:latin typeface="+mn-lt"/>
+                <a:ea typeface="+mn-ea"/>
+                <a:cs typeface="+mn-cs"/>
+              </a:rPr>
+              <a:t>, while a low-affinity interaction has a high </a:t>
+            </a:r>
+            <a:r>
+              <a:rPr lang="en-US" sz="1200" b="0" i="0" kern="1200" dirty="0" err="1" smtClean="0">
+                <a:solidFill>
+                  <a:schemeClr val="tx1"/>
+                </a:solidFill>
+                <a:effectLst/>
+                <a:latin typeface="+mn-lt"/>
+                <a:ea typeface="+mn-ea"/>
+                <a:cs typeface="+mn-cs"/>
+              </a:rPr>
+              <a:t>Kd</a:t>
+            </a:r>
+            <a:r>
+              <a:rPr lang="en-US" sz="1200" b="0" i="0" kern="1200" dirty="0" smtClean="0">
+                <a:solidFill>
+                  <a:schemeClr val="tx1"/>
+                </a:solidFill>
+                <a:effectLst/>
+                <a:latin typeface="+mn-lt"/>
+                <a:ea typeface="+mn-ea"/>
+                <a:cs typeface="+mn-cs"/>
+              </a:rPr>
+              <a:t>.</a:t>
+            </a:r>
+            <a:endParaRPr lang="en-US" sz="1200" b="0" i="0" kern="1200" dirty="0">
+              <a:solidFill>
+                <a:schemeClr val="tx1"/>
+              </a:solidFill>
+              <a:effectLst/>
+              <a:latin typeface="+mn-lt"/>
+              <a:ea typeface="+mn-ea"/>
+              <a:cs typeface="+mn-cs"/>
+            </a:endParaRPr>
+          </a:p>
+        </p:txBody>
+      </p:sp>
+      <p:sp>
+        <p:nvSpPr>
+          <p:cNvPr id="4" name="Slide Number Placeholder 3"/>
+          <p:cNvSpPr>
+            <a:spLocks noGrp="1"/>
+          </p:cNvSpPr>
+          <p:nvPr>
+            <p:ph type="sldNum" sz="quarter" idx="10"/>
+          </p:nvPr>
+        </p:nvSpPr>
+        <p:spPr/>
+        <p:txBody>
+          <a:bodyPr/>
+          <a:lstStyle/>
+          <a:p>
+            <a:fld id="{C7689D65-4FEA-4151-83A2-DE7BE828DF61}" type="slidenum">
+              <a:rPr lang="en-US" smtClean="0"/>
+              <a:t>17</a:t>
+            </a:fld>
+            <a:endParaRPr lang="en-US"/>
+          </a:p>
+        </p:txBody>
+      </p:sp>
+    </p:spTree>
+    <p:extLst>
+      <p:ext uri="{BB962C8B-B14F-4D97-AF65-F5344CB8AC3E}">
+        <p14:creationId xmlns:p14="http://schemas.microsoft.com/office/powerpoint/2010/main" val="2544302419"/>
+      </p:ext>
+    </p:extLst>
+  </p:cSld>
+  <p:clrMapOvr>
+    <a:masterClrMapping/>
+  </p:clrMapOvr>
+</p:notes>
+</file>
+
+<file path=ppt/notesSlides/notesSlide12.xml><?xml version="1.0" encoding="utf-8"?>
+<p:notes xmlns:a="http://schemas.openxmlformats.org/drawingml/2006/main" xmlns:r="http://schemas.openxmlformats.org/officeDocument/2006/relationships" xmlns:p="http://schemas.openxmlformats.org/presentationml/2006/main">
+  <p:cSld>
+    <p:spTree>
+      <p:nvGrpSpPr>
+        <p:cNvPr id="1" name=""/>
+        <p:cNvGrpSpPr/>
+        <p:nvPr/>
+      </p:nvGrpSpPr>
+      <p:grpSpPr>
+        <a:xfrm>
+          <a:off x="0" y="0"/>
+          <a:ext cx="0" cy="0"/>
+          <a:chOff x="0" y="0"/>
+          <a:chExt cx="0" cy="0"/>
+        </a:xfrm>
+      </p:grpSpPr>
+      <p:sp>
+        <p:nvSpPr>
+          <p:cNvPr id="2" name="Slide Image Placeholder 1"/>
+          <p:cNvSpPr>
+            <a:spLocks noGrp="1" noRot="1" noChangeAspect="1"/>
+          </p:cNvSpPr>
+          <p:nvPr>
+            <p:ph type="sldImg"/>
+          </p:nvPr>
+        </p:nvSpPr>
+        <p:spPr/>
+      </p:sp>
+      <p:sp>
+        <p:nvSpPr>
+          <p:cNvPr id="3" name="Notes Placeholder 2"/>
+          <p:cNvSpPr>
+            <a:spLocks noGrp="1"/>
+          </p:cNvSpPr>
+          <p:nvPr>
+            <p:ph type="body" idx="1"/>
+          </p:nvPr>
+        </p:nvSpPr>
+        <p:spPr/>
+        <p:txBody>
+          <a:bodyPr/>
+          <a:lstStyle/>
+          <a:p>
+            <a:r>
+              <a:rPr lang="en-US" sz="1200" b="0" i="0" kern="1200" dirty="0" smtClean="0">
+                <a:solidFill>
+                  <a:schemeClr val="tx1"/>
+                </a:solidFill>
+                <a:effectLst/>
+                <a:latin typeface="+mn-lt"/>
+                <a:ea typeface="+mn-ea"/>
+                <a:cs typeface="+mn-cs"/>
+              </a:rPr>
+              <a:t>The kinase dissociation constant, often denoted as </a:t>
+            </a:r>
+            <a:r>
+              <a:rPr lang="en-US" sz="1200" b="0" i="0" kern="1200" dirty="0" err="1" smtClean="0">
+                <a:solidFill>
+                  <a:schemeClr val="tx1"/>
+                </a:solidFill>
+                <a:effectLst/>
+                <a:latin typeface="+mn-lt"/>
+                <a:ea typeface="+mn-ea"/>
+                <a:cs typeface="+mn-cs"/>
+              </a:rPr>
+              <a:t>Kd</a:t>
+            </a:r>
+            <a:r>
+              <a:rPr lang="en-US" sz="1200" b="0" i="0" kern="1200" dirty="0" smtClean="0">
+                <a:solidFill>
+                  <a:schemeClr val="tx1"/>
+                </a:solidFill>
+                <a:effectLst/>
+                <a:latin typeface="+mn-lt"/>
+                <a:ea typeface="+mn-ea"/>
+                <a:cs typeface="+mn-cs"/>
+              </a:rPr>
+              <a:t>, is a measure of the strength of the interaction between a kinase enzyme and its substrate or inhibitor. It represents the concentration of the substrate or inhibitor at which the kinase enzyme is half-saturated.</a:t>
+            </a:r>
+          </a:p>
+          <a:p>
+            <a:r>
+              <a:rPr lang="en-US" sz="1200" b="0" i="0" kern="1200" dirty="0" smtClean="0">
+                <a:solidFill>
+                  <a:schemeClr val="tx1"/>
+                </a:solidFill>
+                <a:effectLst/>
+                <a:latin typeface="+mn-lt"/>
+                <a:ea typeface="+mn-ea"/>
+                <a:cs typeface="+mn-cs"/>
+              </a:rPr>
+              <a:t>Specifically, the kinase dissociation constant is defined as:</a:t>
+            </a:r>
+          </a:p>
+          <a:p>
+            <a:r>
+              <a:rPr lang="en-US" sz="1200" b="0" i="0" kern="1200" dirty="0" err="1" smtClean="0">
+                <a:solidFill>
+                  <a:schemeClr val="tx1"/>
+                </a:solidFill>
+                <a:effectLst/>
+                <a:latin typeface="+mn-lt"/>
+                <a:ea typeface="+mn-ea"/>
+                <a:cs typeface="+mn-cs"/>
+              </a:rPr>
+              <a:t>Kd</a:t>
+            </a:r>
+            <a:r>
+              <a:rPr lang="en-US" sz="1200" b="0" i="0" kern="1200" dirty="0" smtClean="0">
+                <a:solidFill>
+                  <a:schemeClr val="tx1"/>
+                </a:solidFill>
+                <a:effectLst/>
+                <a:latin typeface="+mn-lt"/>
+                <a:ea typeface="+mn-ea"/>
+                <a:cs typeface="+mn-cs"/>
+              </a:rPr>
+              <a:t> = [Enzyme] × [Substrate] / [Enzyme-Substrate Complex]</a:t>
+            </a:r>
+          </a:p>
+          <a:p>
+            <a:r>
+              <a:rPr lang="en-US" sz="1200" b="0" i="0" kern="1200" dirty="0" smtClean="0">
+                <a:solidFill>
+                  <a:schemeClr val="tx1"/>
+                </a:solidFill>
+                <a:effectLst/>
+                <a:latin typeface="+mn-lt"/>
+                <a:ea typeface="+mn-ea"/>
+                <a:cs typeface="+mn-cs"/>
+              </a:rPr>
+              <a:t>Where:</a:t>
+            </a:r>
+          </a:p>
+          <a:p>
+            <a:r>
+              <a:rPr lang="en-US" sz="1200" b="0" i="0" kern="1200" dirty="0" smtClean="0">
+                <a:solidFill>
+                  <a:schemeClr val="tx1"/>
+                </a:solidFill>
+                <a:effectLst/>
+                <a:latin typeface="+mn-lt"/>
+                <a:ea typeface="+mn-ea"/>
+                <a:cs typeface="+mn-cs"/>
+              </a:rPr>
+              <a:t>[Enzyme] is the concentration of the free, unbound kinase enzyme</a:t>
+            </a:r>
+          </a:p>
+          <a:p>
+            <a:r>
+              <a:rPr lang="en-US" sz="1200" b="0" i="0" kern="1200" dirty="0" smtClean="0">
+                <a:solidFill>
+                  <a:schemeClr val="tx1"/>
+                </a:solidFill>
+                <a:effectLst/>
+                <a:latin typeface="+mn-lt"/>
+                <a:ea typeface="+mn-ea"/>
+                <a:cs typeface="+mn-cs"/>
+              </a:rPr>
+              <a:t>[Substrate] is the concentration of the free, unbound substrate</a:t>
+            </a:r>
+          </a:p>
+          <a:p>
+            <a:r>
+              <a:rPr lang="en-US" sz="1200" b="0" i="0" kern="1200" dirty="0" smtClean="0">
+                <a:solidFill>
+                  <a:schemeClr val="tx1"/>
+                </a:solidFill>
+                <a:effectLst/>
+                <a:latin typeface="+mn-lt"/>
+                <a:ea typeface="+mn-ea"/>
+                <a:cs typeface="+mn-cs"/>
+              </a:rPr>
+              <a:t>[Enzyme-Substrate Complex] is the concentration of the enzyme-substrate complex</a:t>
+            </a:r>
+          </a:p>
+          <a:p>
+            <a:r>
+              <a:rPr lang="en-US" sz="1200" b="0" i="0" kern="1200" dirty="0" smtClean="0">
+                <a:solidFill>
+                  <a:schemeClr val="tx1"/>
+                </a:solidFill>
+                <a:effectLst/>
+                <a:latin typeface="+mn-lt"/>
+                <a:ea typeface="+mn-ea"/>
+                <a:cs typeface="+mn-cs"/>
+              </a:rPr>
+              <a:t>A lower </a:t>
+            </a:r>
+            <a:r>
+              <a:rPr lang="en-US" sz="1200" b="0" i="0" kern="1200" dirty="0" err="1" smtClean="0">
+                <a:solidFill>
+                  <a:schemeClr val="tx1"/>
+                </a:solidFill>
+                <a:effectLst/>
+                <a:latin typeface="+mn-lt"/>
+                <a:ea typeface="+mn-ea"/>
+                <a:cs typeface="+mn-cs"/>
+              </a:rPr>
+              <a:t>Kd</a:t>
+            </a:r>
+            <a:r>
+              <a:rPr lang="en-US" sz="1200" b="0" i="0" kern="1200" dirty="0" smtClean="0">
+                <a:solidFill>
+                  <a:schemeClr val="tx1"/>
+                </a:solidFill>
+                <a:effectLst/>
+                <a:latin typeface="+mn-lt"/>
+                <a:ea typeface="+mn-ea"/>
+                <a:cs typeface="+mn-cs"/>
+              </a:rPr>
+              <a:t> value indicates a stronger binding affinity between the kinase and its substrate or inhibitor. A high-affinity interaction has a low </a:t>
+            </a:r>
+            <a:r>
+              <a:rPr lang="en-US" sz="1200" b="0" i="0" kern="1200" dirty="0" err="1" smtClean="0">
+                <a:solidFill>
+                  <a:schemeClr val="tx1"/>
+                </a:solidFill>
+                <a:effectLst/>
+                <a:latin typeface="+mn-lt"/>
+                <a:ea typeface="+mn-ea"/>
+                <a:cs typeface="+mn-cs"/>
+              </a:rPr>
+              <a:t>Kd</a:t>
+            </a:r>
+            <a:r>
+              <a:rPr lang="en-US" sz="1200" b="0" i="0" kern="1200" dirty="0" smtClean="0">
+                <a:solidFill>
+                  <a:schemeClr val="tx1"/>
+                </a:solidFill>
+                <a:effectLst/>
+                <a:latin typeface="+mn-lt"/>
+                <a:ea typeface="+mn-ea"/>
+                <a:cs typeface="+mn-cs"/>
+              </a:rPr>
+              <a:t>, while a low-affinity interaction has a high </a:t>
+            </a:r>
+            <a:r>
+              <a:rPr lang="en-US" sz="1200" b="0" i="0" kern="1200" dirty="0" err="1" smtClean="0">
+                <a:solidFill>
+                  <a:schemeClr val="tx1"/>
+                </a:solidFill>
+                <a:effectLst/>
+                <a:latin typeface="+mn-lt"/>
+                <a:ea typeface="+mn-ea"/>
+                <a:cs typeface="+mn-cs"/>
+              </a:rPr>
+              <a:t>Kd</a:t>
+            </a:r>
+            <a:r>
+              <a:rPr lang="en-US" sz="1200" b="0" i="0" kern="1200" dirty="0" smtClean="0">
+                <a:solidFill>
+                  <a:schemeClr val="tx1"/>
+                </a:solidFill>
+                <a:effectLst/>
+                <a:latin typeface="+mn-lt"/>
+                <a:ea typeface="+mn-ea"/>
+                <a:cs typeface="+mn-cs"/>
+              </a:rPr>
+              <a:t>.</a:t>
+            </a:r>
+            <a:endParaRPr lang="en-US" sz="1200" b="0" i="0" kern="1200" dirty="0">
+              <a:solidFill>
+                <a:schemeClr val="tx1"/>
+              </a:solidFill>
+              <a:effectLst/>
+              <a:latin typeface="+mn-lt"/>
+              <a:ea typeface="+mn-ea"/>
+              <a:cs typeface="+mn-cs"/>
+            </a:endParaRPr>
+          </a:p>
+        </p:txBody>
+      </p:sp>
+      <p:sp>
+        <p:nvSpPr>
+          <p:cNvPr id="4" name="Slide Number Placeholder 3"/>
+          <p:cNvSpPr>
+            <a:spLocks noGrp="1"/>
+          </p:cNvSpPr>
+          <p:nvPr>
+            <p:ph type="sldNum" sz="quarter" idx="10"/>
+          </p:nvPr>
+        </p:nvSpPr>
+        <p:spPr/>
+        <p:txBody>
+          <a:bodyPr/>
+          <a:lstStyle/>
+          <a:p>
+            <a:fld id="{C7689D65-4FEA-4151-83A2-DE7BE828DF61}" type="slidenum">
+              <a:rPr lang="en-US" smtClean="0"/>
+              <a:t>18</a:t>
+            </a:fld>
+            <a:endParaRPr lang="en-US"/>
+          </a:p>
+        </p:txBody>
+      </p:sp>
+    </p:spTree>
+    <p:extLst>
+      <p:ext uri="{BB962C8B-B14F-4D97-AF65-F5344CB8AC3E}">
+        <p14:creationId xmlns:p14="http://schemas.microsoft.com/office/powerpoint/2010/main" val="2544302419"/>
       </p:ext>
     </p:extLst>
   </p:cSld>
@@ -620,21 +1554,7 @@
                 <a:ea typeface="+mn-ea"/>
                 <a:cs typeface="+mn-cs"/>
               </a:rPr>
-              <a:t>Any molecule can be converted into a corresponding molecular graph. in order to analyze them and learn to make predictions about them.</a:t>
-            </a:r>
-          </a:p>
-          <a:p>
-            <a:r>
-              <a:rPr lang="en-US" sz="1200" b="0" i="0" kern="1200" dirty="0" smtClean="0">
-                <a:solidFill>
-                  <a:schemeClr val="tx1"/>
-                </a:solidFill>
-                <a:effectLst/>
-                <a:latin typeface="+mn-lt"/>
-                <a:ea typeface="+mn-ea"/>
-                <a:cs typeface="+mn-cs"/>
-              </a:rPr>
-              <a:t>A molecular graph describes the set of atoms in a molecule and how they are bonded together.</a:t>
+              <a:t>A SMILES string describes the atoms and bonds of a molecule in a way that is both concise and reasonably intuitive to chemists.</a:t>
             </a:r>
             <a:endParaRPr lang="en-US" dirty="0"/>
           </a:p>
@@ -657,7 +1577,7 @@
           <a:p>
             <a:fld id="{C7689D65-4FEA-4151-83A2-DE7BE828DF61}" type="slidenum">
               <a:rPr lang="en-US" smtClean="0"/>
-              <a:t>7</a:t>
+              <a:t>6</a:t>
             </a:fld>
             <a:endParaRPr lang="en-US"/>
           </a:p>
@@ -666,7 +1586,7 @@
     </p:spTree>
     <p:extLst>
       <p:ext uri="{BB962C8B-B14F-4D97-AF65-F5344CB8AC3E}">
-        <p14:creationId xmlns:p14="http://schemas.microsoft.com/office/powerpoint/2010/main" val="1002761845"/>
+        <p14:creationId xmlns:p14="http://schemas.microsoft.com/office/powerpoint/2010/main" val="692526755"/>
       </p:ext>
     </p:extLst>
   </p:cSld>
@@ -730,6 +1650,116 @@
                 <a:ea typeface="+mn-ea"/>
                 <a:cs typeface="+mn-cs"/>
               </a:rPr>
+              <a:t>Any molecule can be converted into a corresponding molecular graph. in order to analyze them and learn to make predictions about them.</a:t>
+            </a:r>
+          </a:p>
+          <a:p>
+            <a:r>
+              <a:rPr lang="en-US" sz="1200" b="0" i="0" kern="1200" dirty="0" smtClean="0">
+                <a:solidFill>
+                  <a:schemeClr val="tx1"/>
+                </a:solidFill>
+                <a:effectLst/>
+                <a:latin typeface="+mn-lt"/>
+                <a:ea typeface="+mn-ea"/>
+                <a:cs typeface="+mn-cs"/>
+              </a:rPr>
+              <a:t>A molecular graph describes the set of atoms in a molecule and how they are bonded together.</a:t>
+            </a:r>
+            <a:endParaRPr lang="en-US" dirty="0"/>
+          </a:p>
+        </p:txBody>
+      </p:sp>
+      <p:sp>
+        <p:nvSpPr>
+          <p:cNvPr id="4" name="Slide Number Placeholder 3"/>
+          <p:cNvSpPr>
+            <a:spLocks noGrp="1"/>
+          </p:cNvSpPr>
+          <p:nvPr>
+            <p:ph type="sldNum" sz="quarter" idx="10"/>
+          </p:nvPr>
+        </p:nvSpPr>
+        <p:spPr/>
+        <p:txBody>
+          <a:bodyPr/>
+          <a:lstStyle/>
+          <a:p>
+            <a:fld id="{C7689D65-4FEA-4151-83A2-DE7BE828DF61}" type="slidenum">
+              <a:rPr lang="en-US" smtClean="0"/>
+              <a:t>7</a:t>
+            </a:fld>
+            <a:endParaRPr lang="en-US"/>
+          </a:p>
+        </p:txBody>
+      </p:sp>
+    </p:spTree>
+    <p:extLst>
+      <p:ext uri="{BB962C8B-B14F-4D97-AF65-F5344CB8AC3E}">
+        <p14:creationId xmlns:p14="http://schemas.microsoft.com/office/powerpoint/2010/main" val="1002761845"/>
+      </p:ext>
+    </p:extLst>
+  </p:cSld>
+  <p:clrMapOvr>
+    <a:masterClrMapping/>
+  </p:clrMapOvr>
+</p:notes>
+</file>
+
+<file path=ppt/notesSlides/notesSlide4.xml><?xml version="1.0" encoding="utf-8"?>
+<p:notes xmlns:a="http://schemas.openxmlformats.org/drawingml/2006/main" xmlns:r="http://schemas.openxmlformats.org/officeDocument/2006/relationships" xmlns:p="http://schemas.openxmlformats.org/presentationml/2006/main">
+  <p:cSld>
+    <p:spTree>
+      <p:nvGrpSpPr>
+        <p:cNvPr id="1" name=""/>
+        <p:cNvGrpSpPr/>
+        <p:nvPr/>
+      </p:nvGrpSpPr>
+      <p:grpSpPr>
+        <a:xfrm>
+          <a:off x="0" y="0"/>
+          <a:ext cx="0" cy="0"/>
+          <a:chOff x="0" y="0"/>
+          <a:chExt cx="0" cy="0"/>
+        </a:xfrm>
+      </p:grpSpPr>
+      <p:sp>
+        <p:nvSpPr>
+          <p:cNvPr id="2" name="Slide Image Placeholder 1"/>
+          <p:cNvSpPr>
+            <a:spLocks noGrp="1" noRot="1" noChangeAspect="1"/>
+          </p:cNvSpPr>
+          <p:nvPr>
+            <p:ph type="sldImg"/>
+          </p:nvPr>
+        </p:nvSpPr>
+        <p:spPr/>
+      </p:sp>
+      <p:sp>
+        <p:nvSpPr>
+          <p:cNvPr id="3" name="Notes Placeholder 2"/>
+          <p:cNvSpPr>
+            <a:spLocks noGrp="1"/>
+          </p:cNvSpPr>
+          <p:nvPr>
+            <p:ph type="body" idx="1"/>
+          </p:nvPr>
+        </p:nvSpPr>
+        <p:spPr/>
+        <p:txBody>
+          <a:bodyPr/>
+          <a:lstStyle/>
+          <a:p>
+            <a:r>
+              <a:rPr lang="en-US" sz="1200" b="0" i="0" kern="1200" dirty="0" smtClean="0">
+                <a:solidFill>
+                  <a:schemeClr val="tx1"/>
+                </a:solidFill>
+                <a:effectLst/>
+                <a:latin typeface="+mn-lt"/>
+                <a:ea typeface="+mn-ea"/>
+                <a:cs typeface="+mn-cs"/>
+              </a:rPr>
               <a:t>In the context of the </a:t>
             </a:r>
             <a:r>
@@ -1007,6 +2037,2658 @@
     <p:extLst>
       <p:ext uri="{BB962C8B-B14F-4D97-AF65-F5344CB8AC3E}">
         <p14:creationId xmlns:p14="http://schemas.microsoft.com/office/powerpoint/2010/main" val="78606799"/>
+      </p:ext>
+    </p:extLst>
+  </p:cSld>
+  <p:clrMapOvr>
+    <a:masterClrMapping/>
+  </p:clrMapOvr>
+</p:notes>
+</file>
+
+<file path=ppt/notesSlides/notesSlide5.xml><?xml version="1.0" encoding="utf-8"?>
+<p:notes xmlns:a="http://schemas.openxmlformats.org/drawingml/2006/main" xmlns:r="http://schemas.openxmlformats.org/officeDocument/2006/relationships" xmlns:p="http://schemas.openxmlformats.org/presentationml/2006/main">
+  <p:cSld>
+    <p:spTree>
+      <p:nvGrpSpPr>
+        <p:cNvPr id="1" name=""/>
+        <p:cNvGrpSpPr/>
+        <p:nvPr/>
+      </p:nvGrpSpPr>
+      <p:grpSpPr>
+        <a:xfrm>
+          <a:off x="0" y="0"/>
+          <a:ext cx="0" cy="0"/>
+          <a:chOff x="0" y="0"/>
+          <a:chExt cx="0" cy="0"/>
+        </a:xfrm>
+      </p:grpSpPr>
+      <p:sp>
+        <p:nvSpPr>
+          <p:cNvPr id="2" name="Slide Image Placeholder 1"/>
+          <p:cNvSpPr>
+            <a:spLocks noGrp="1" noRot="1" noChangeAspect="1"/>
+          </p:cNvSpPr>
+          <p:nvPr>
+            <p:ph type="sldImg"/>
+          </p:nvPr>
+        </p:nvSpPr>
+        <p:spPr/>
+      </p:sp>
+      <p:sp>
+        <p:nvSpPr>
+          <p:cNvPr id="3" name="Notes Placeholder 2"/>
+          <p:cNvSpPr>
+            <a:spLocks noGrp="1"/>
+          </p:cNvSpPr>
+          <p:nvPr>
+            <p:ph type="body" idx="1"/>
+          </p:nvPr>
+        </p:nvSpPr>
+        <p:spPr/>
+        <p:txBody>
+          <a:bodyPr/>
+          <a:lstStyle/>
+          <a:p>
+            <a:r>
+              <a:rPr lang="en-US" sz="1200" b="0" i="0" kern="1200" dirty="0" smtClean="0">
+                <a:solidFill>
+                  <a:schemeClr val="tx1"/>
+                </a:solidFill>
+                <a:effectLst/>
+                <a:latin typeface="+mn-lt"/>
+                <a:ea typeface="+mn-ea"/>
+                <a:cs typeface="+mn-cs"/>
+              </a:rPr>
+              <a:t>It corresponds to the affinity which the ligand has for the binding site. Ligands with higher, more favorable free energy of association bind “tighter” and therefore have greater preference for the bound state. Because </a:t>
+            </a:r>
+            <a:r>
+              <a:rPr lang="en-US" sz="1200" b="0" i="0" kern="1200" dirty="0" err="1" smtClean="0">
+                <a:solidFill>
+                  <a:schemeClr val="tx1"/>
+                </a:solidFill>
+                <a:effectLst/>
+                <a:latin typeface="+mn-lt"/>
+                <a:ea typeface="+mn-ea"/>
+                <a:cs typeface="+mn-cs"/>
+              </a:rPr>
+              <a:t>Kd</a:t>
+            </a:r>
+            <a:r>
+              <a:rPr lang="en-US" sz="1200" b="0" i="0" kern="1200" dirty="0" smtClean="0">
+                <a:solidFill>
+                  <a:schemeClr val="tx1"/>
+                </a:solidFill>
+                <a:effectLst/>
+                <a:latin typeface="+mn-lt"/>
+                <a:ea typeface="+mn-ea"/>
+                <a:cs typeface="+mn-cs"/>
+              </a:rPr>
+              <a:t> is defined as a dissociation constant, higher affinity ligands have lower </a:t>
+            </a:r>
+            <a:r>
+              <a:rPr lang="en-US" sz="1200" b="0" i="0" kern="1200" dirty="0" err="1" smtClean="0">
+                <a:solidFill>
+                  <a:schemeClr val="tx1"/>
+                </a:solidFill>
+                <a:effectLst/>
+                <a:latin typeface="+mn-lt"/>
+                <a:ea typeface="+mn-ea"/>
+                <a:cs typeface="+mn-cs"/>
+              </a:rPr>
+              <a:t>Kd</a:t>
+            </a:r>
+            <a:r>
+              <a:rPr lang="en-US" sz="1200" b="0" i="0" kern="1200" dirty="0" smtClean="0">
+                <a:solidFill>
+                  <a:schemeClr val="tx1"/>
+                </a:solidFill>
+                <a:effectLst/>
+                <a:latin typeface="+mn-lt"/>
+                <a:ea typeface="+mn-ea"/>
+                <a:cs typeface="+mn-cs"/>
+              </a:rPr>
+              <a:t> values. As an equilibrium constant, we can express it as the ratio of product concentrations over reactants:</a:t>
+            </a:r>
+          </a:p>
+          <a:p>
+            <a:endParaRPr lang="en-US" sz="1200" b="1" i="0" u="sng" kern="1200" cap="all" dirty="0" smtClean="0">
+              <a:solidFill>
+                <a:schemeClr val="tx1"/>
+              </a:solidFill>
+              <a:effectLst/>
+              <a:latin typeface="+mn-lt"/>
+              <a:ea typeface="+mn-ea"/>
+              <a:cs typeface="+mn-cs"/>
+            </a:endParaRPr>
+          </a:p>
+          <a:p>
+            <a:r>
+              <a:rPr lang="en-US" sz="1200" b="1" i="0" u="sng" kern="1200" cap="all" dirty="0" smtClean="0">
+                <a:solidFill>
+                  <a:schemeClr val="tx1"/>
+                </a:solidFill>
+                <a:effectLst/>
+                <a:latin typeface="+mn-lt"/>
+                <a:ea typeface="+mn-ea"/>
+                <a:cs typeface="+mn-cs"/>
+              </a:rPr>
+              <a:t>Equilibrium dissociation constant (</a:t>
+            </a:r>
+            <a:r>
+              <a:rPr lang="en-US" sz="1200" b="1" i="0" u="sng" kern="1200" cap="all" dirty="0" err="1" smtClean="0">
+                <a:solidFill>
+                  <a:schemeClr val="tx1"/>
+                </a:solidFill>
+                <a:effectLst/>
+                <a:latin typeface="+mn-lt"/>
+                <a:ea typeface="+mn-ea"/>
+                <a:cs typeface="+mn-cs"/>
+              </a:rPr>
+              <a:t>K</a:t>
+            </a:r>
+            <a:r>
+              <a:rPr lang="en-US" sz="1200" b="1" i="0" u="sng" kern="1200" cap="all" baseline="-25000" dirty="0" err="1" smtClean="0">
+                <a:solidFill>
+                  <a:schemeClr val="tx1"/>
+                </a:solidFill>
+                <a:effectLst/>
+                <a:latin typeface="+mn-lt"/>
+                <a:ea typeface="+mn-ea"/>
+                <a:cs typeface="+mn-cs"/>
+              </a:rPr>
+              <a:t>d</a:t>
+            </a:r>
+            <a:r>
+              <a:rPr lang="en-US" sz="1200" b="1" i="0" u="sng" kern="1200" cap="all" dirty="0" smtClean="0">
+                <a:solidFill>
+                  <a:schemeClr val="tx1"/>
+                </a:solidFill>
+                <a:effectLst/>
+                <a:latin typeface="+mn-lt"/>
+                <a:ea typeface="+mn-ea"/>
+                <a:cs typeface="+mn-cs"/>
+              </a:rPr>
+              <a:t>)</a:t>
+            </a:r>
+            <a:r>
+              <a:rPr lang="en-US" sz="1200" b="1" i="0" kern="1200" cap="all" dirty="0" smtClean="0">
+                <a:solidFill>
+                  <a:schemeClr val="tx1"/>
+                </a:solidFill>
+                <a:effectLst/>
+                <a:latin typeface="+mn-lt"/>
+                <a:ea typeface="+mn-ea"/>
+                <a:cs typeface="+mn-cs"/>
+              </a:rPr>
+              <a:t> </a:t>
+            </a:r>
+          </a:p>
+          <a:p>
+            <a:r>
+              <a:rPr lang="en-US" sz="1200" b="1" i="0" kern="1200" dirty="0" smtClean="0">
+                <a:solidFill>
+                  <a:schemeClr val="tx1"/>
+                </a:solidFill>
+                <a:effectLst/>
+                <a:latin typeface="+mn-lt"/>
+                <a:ea typeface="+mn-ea"/>
+                <a:cs typeface="+mn-cs"/>
+              </a:rPr>
+              <a:t>Definition: </a:t>
+            </a:r>
+            <a:r>
+              <a:rPr lang="en-US" dirty="0" smtClean="0"/>
+              <a:t/>
+            </a:r>
+            <a:br>
+              <a:rPr lang="en-US" dirty="0" smtClean="0"/>
+            </a:br>
+            <a:r>
+              <a:rPr lang="en-US" sz="1200" kern="1200" dirty="0" smtClean="0">
+                <a:solidFill>
+                  <a:schemeClr val="tx1"/>
+                </a:solidFill>
+                <a:effectLst/>
+                <a:latin typeface="+mn-lt"/>
+                <a:ea typeface="+mn-ea"/>
+                <a:cs typeface="+mn-cs"/>
+              </a:rPr>
+              <a:t>A measure of the tendency of a larger complex to separate (dissociate) into its smaller parts. For example, when a protein complex separates into its component proteins, or when a salt splits-up into its component ions. The dissociation reaction can be represented as </a:t>
+            </a:r>
+            <a:r>
+              <a:rPr lang="en-US" sz="1200" kern="1200" dirty="0" err="1" smtClean="0">
+                <a:solidFill>
+                  <a:schemeClr val="tx1"/>
+                </a:solidFill>
+                <a:effectLst/>
+                <a:latin typeface="+mn-lt"/>
+                <a:ea typeface="+mn-ea"/>
+                <a:cs typeface="+mn-cs"/>
+              </a:rPr>
+              <a:t>A</a:t>
+            </a:r>
+            <a:r>
+              <a:rPr lang="en-US" sz="1200" kern="1200" baseline="-25000" dirty="0" err="1" smtClean="0">
+                <a:solidFill>
+                  <a:schemeClr val="tx1"/>
+                </a:solidFill>
+                <a:effectLst/>
+                <a:latin typeface="+mn-lt"/>
+                <a:ea typeface="+mn-ea"/>
+                <a:cs typeface="+mn-cs"/>
+              </a:rPr>
+              <a:t>x</a:t>
+            </a:r>
+            <a:r>
+              <a:rPr lang="en-US" sz="1200" kern="1200" dirty="0" err="1" smtClean="0">
+                <a:solidFill>
+                  <a:schemeClr val="tx1"/>
+                </a:solidFill>
+                <a:effectLst/>
+                <a:latin typeface="+mn-lt"/>
+                <a:ea typeface="+mn-ea"/>
+                <a:cs typeface="+mn-cs"/>
+              </a:rPr>
+              <a:t>B</a:t>
+            </a:r>
+            <a:r>
+              <a:rPr lang="en-US" sz="1200" kern="1200" baseline="-25000" dirty="0" err="1" smtClean="0">
+                <a:solidFill>
+                  <a:schemeClr val="tx1"/>
+                </a:solidFill>
+                <a:effectLst/>
+                <a:latin typeface="+mn-lt"/>
+                <a:ea typeface="+mn-ea"/>
+                <a:cs typeface="+mn-cs"/>
+              </a:rPr>
+              <a:t>y</a:t>
+            </a:r>
+            <a:r>
+              <a:rPr lang="en-US" sz="1200" kern="1200" dirty="0" smtClean="0">
+                <a:solidFill>
+                  <a:schemeClr val="tx1"/>
+                </a:solidFill>
+                <a:effectLst/>
+                <a:latin typeface="+mn-lt"/>
+                <a:ea typeface="+mn-ea"/>
+                <a:cs typeface="+mn-cs"/>
+              </a:rPr>
+              <a:t> ⇄  A</a:t>
+            </a:r>
+            <a:r>
+              <a:rPr lang="en-US" sz="1200" kern="1200" baseline="-25000" dirty="0" smtClean="0">
+                <a:solidFill>
+                  <a:schemeClr val="tx1"/>
+                </a:solidFill>
+                <a:effectLst/>
+                <a:latin typeface="+mn-lt"/>
+                <a:ea typeface="+mn-ea"/>
+                <a:cs typeface="+mn-cs"/>
+              </a:rPr>
+              <a:t>x</a:t>
+            </a:r>
+            <a:r>
+              <a:rPr lang="en-US" sz="1200" kern="1200" dirty="0" smtClean="0">
+                <a:solidFill>
+                  <a:schemeClr val="tx1"/>
+                </a:solidFill>
+                <a:effectLst/>
+                <a:latin typeface="+mn-lt"/>
+                <a:ea typeface="+mn-ea"/>
+                <a:cs typeface="+mn-cs"/>
+              </a:rPr>
+              <a:t> + B</a:t>
+            </a:r>
+            <a:r>
+              <a:rPr lang="en-US" sz="1200" kern="1200" baseline="-25000" dirty="0" smtClean="0">
+                <a:solidFill>
+                  <a:schemeClr val="tx1"/>
+                </a:solidFill>
+                <a:effectLst/>
+                <a:latin typeface="+mn-lt"/>
+                <a:ea typeface="+mn-ea"/>
+                <a:cs typeface="+mn-cs"/>
+              </a:rPr>
+              <a:t>y</a:t>
+            </a:r>
+            <a:r>
+              <a:rPr lang="en-US" sz="1200" kern="1200" dirty="0" smtClean="0">
+                <a:solidFill>
+                  <a:schemeClr val="tx1"/>
+                </a:solidFill>
+                <a:effectLst/>
+                <a:latin typeface="+mn-lt"/>
+                <a:ea typeface="+mn-ea"/>
+                <a:cs typeface="+mn-cs"/>
+              </a:rPr>
+              <a:t> and the equilibrium dissociation constant (</a:t>
+            </a:r>
+            <a:r>
+              <a:rPr lang="en-US" sz="1200" kern="1200" dirty="0" err="1" smtClean="0">
+                <a:solidFill>
+                  <a:schemeClr val="tx1"/>
+                </a:solidFill>
+                <a:effectLst/>
+                <a:latin typeface="+mn-lt"/>
+                <a:ea typeface="+mn-ea"/>
+                <a:cs typeface="+mn-cs"/>
+              </a:rPr>
+              <a:t>K</a:t>
+            </a:r>
+            <a:r>
+              <a:rPr lang="en-US" sz="1200" kern="1200" baseline="-25000" dirty="0" err="1" smtClean="0">
+                <a:solidFill>
+                  <a:schemeClr val="tx1"/>
+                </a:solidFill>
+                <a:effectLst/>
+                <a:latin typeface="+mn-lt"/>
+                <a:ea typeface="+mn-ea"/>
+                <a:cs typeface="+mn-cs"/>
+              </a:rPr>
+              <a:t>d</a:t>
+            </a:r>
+            <a:r>
+              <a:rPr lang="en-US" sz="1200" kern="1200" dirty="0" smtClean="0">
+                <a:solidFill>
+                  <a:schemeClr val="tx1"/>
+                </a:solidFill>
+                <a:effectLst/>
+                <a:latin typeface="+mn-lt"/>
+                <a:ea typeface="+mn-ea"/>
+                <a:cs typeface="+mn-cs"/>
+              </a:rPr>
+              <a:t>) is calculated as </a:t>
+            </a:r>
+            <a:r>
+              <a:rPr lang="en-US" sz="1200" kern="1200" dirty="0" err="1" smtClean="0">
+                <a:solidFill>
+                  <a:schemeClr val="tx1"/>
+                </a:solidFill>
+                <a:effectLst/>
+                <a:latin typeface="+mn-lt"/>
+                <a:ea typeface="+mn-ea"/>
+                <a:cs typeface="+mn-cs"/>
+              </a:rPr>
+              <a:t>K</a:t>
+            </a:r>
+            <a:r>
+              <a:rPr lang="en-US" sz="1200" kern="1200" baseline="-25000" dirty="0" err="1" smtClean="0">
+                <a:solidFill>
+                  <a:schemeClr val="tx1"/>
+                </a:solidFill>
+                <a:effectLst/>
+                <a:latin typeface="+mn-lt"/>
+                <a:ea typeface="+mn-ea"/>
+                <a:cs typeface="+mn-cs"/>
+              </a:rPr>
+              <a:t>d</a:t>
+            </a:r>
+            <a:r>
+              <a:rPr lang="en-US" sz="1200" kern="1200" baseline="-25000" dirty="0" smtClean="0">
+                <a:solidFill>
+                  <a:schemeClr val="tx1"/>
+                </a:solidFill>
+                <a:effectLst/>
+                <a:latin typeface="+mn-lt"/>
+                <a:ea typeface="+mn-ea"/>
+                <a:cs typeface="+mn-cs"/>
+              </a:rPr>
+              <a:t> </a:t>
+            </a:r>
+            <a:r>
+              <a:rPr lang="en-US" sz="1200" kern="1200" dirty="0" smtClean="0">
+                <a:solidFill>
+                  <a:schemeClr val="tx1"/>
+                </a:solidFill>
+                <a:effectLst/>
+                <a:latin typeface="+mn-lt"/>
+                <a:ea typeface="+mn-ea"/>
+                <a:cs typeface="+mn-cs"/>
+              </a:rPr>
+              <a:t>=([A</a:t>
+            </a:r>
+            <a:r>
+              <a:rPr lang="en-US" sz="1200" kern="1200" baseline="-25000" dirty="0" smtClean="0">
+                <a:solidFill>
+                  <a:schemeClr val="tx1"/>
+                </a:solidFill>
+                <a:effectLst/>
+                <a:latin typeface="+mn-lt"/>
+                <a:ea typeface="+mn-ea"/>
+                <a:cs typeface="+mn-cs"/>
+              </a:rPr>
+              <a:t>x</a:t>
+            </a:r>
+            <a:r>
+              <a:rPr lang="en-US" sz="1200" kern="1200" dirty="0" smtClean="0">
+                <a:solidFill>
+                  <a:schemeClr val="tx1"/>
+                </a:solidFill>
+                <a:effectLst/>
+                <a:latin typeface="+mn-lt"/>
+                <a:ea typeface="+mn-ea"/>
+                <a:cs typeface="+mn-cs"/>
+              </a:rPr>
+              <a:t>][B</a:t>
+            </a:r>
+            <a:r>
+              <a:rPr lang="en-US" sz="1200" kern="1200" baseline="-25000" dirty="0" smtClean="0">
+                <a:solidFill>
+                  <a:schemeClr val="tx1"/>
+                </a:solidFill>
+                <a:effectLst/>
+                <a:latin typeface="+mn-lt"/>
+                <a:ea typeface="+mn-ea"/>
+                <a:cs typeface="+mn-cs"/>
+              </a:rPr>
+              <a:t>y</a:t>
+            </a:r>
+            <a:r>
+              <a:rPr lang="en-US" sz="1200" kern="1200" dirty="0" smtClean="0">
+                <a:solidFill>
+                  <a:schemeClr val="tx1"/>
+                </a:solidFill>
+                <a:effectLst/>
+                <a:latin typeface="+mn-lt"/>
+                <a:ea typeface="+mn-ea"/>
+                <a:cs typeface="+mn-cs"/>
+              </a:rPr>
+              <a:t>])/[</a:t>
+            </a:r>
+            <a:r>
+              <a:rPr lang="en-US" sz="1200" kern="1200" dirty="0" err="1" smtClean="0">
+                <a:solidFill>
+                  <a:schemeClr val="tx1"/>
+                </a:solidFill>
+                <a:effectLst/>
+                <a:latin typeface="+mn-lt"/>
+                <a:ea typeface="+mn-ea"/>
+                <a:cs typeface="+mn-cs"/>
+              </a:rPr>
+              <a:t>A</a:t>
+            </a:r>
+            <a:r>
+              <a:rPr lang="en-US" sz="1200" kern="1200" baseline="-25000" dirty="0" err="1" smtClean="0">
+                <a:solidFill>
+                  <a:schemeClr val="tx1"/>
+                </a:solidFill>
+                <a:effectLst/>
+                <a:latin typeface="+mn-lt"/>
+                <a:ea typeface="+mn-ea"/>
+                <a:cs typeface="+mn-cs"/>
+              </a:rPr>
+              <a:t>x</a:t>
+            </a:r>
+            <a:r>
+              <a:rPr lang="en-US" sz="1200" kern="1200" dirty="0" err="1" smtClean="0">
+                <a:solidFill>
+                  <a:schemeClr val="tx1"/>
+                </a:solidFill>
+                <a:effectLst/>
+                <a:latin typeface="+mn-lt"/>
+                <a:ea typeface="+mn-ea"/>
+                <a:cs typeface="+mn-cs"/>
+              </a:rPr>
+              <a:t>B</a:t>
+            </a:r>
+            <a:r>
+              <a:rPr lang="en-US" sz="1200" kern="1200" baseline="-25000" dirty="0" err="1" smtClean="0">
+                <a:solidFill>
+                  <a:schemeClr val="tx1"/>
+                </a:solidFill>
+                <a:effectLst/>
+                <a:latin typeface="+mn-lt"/>
+                <a:ea typeface="+mn-ea"/>
+                <a:cs typeface="+mn-cs"/>
+              </a:rPr>
+              <a:t>y</a:t>
+            </a:r>
+            <a:r>
+              <a:rPr lang="en-US" sz="1200" kern="1200" dirty="0" smtClean="0">
+                <a:solidFill>
+                  <a:schemeClr val="tx1"/>
+                </a:solidFill>
+                <a:effectLst/>
+                <a:latin typeface="+mn-lt"/>
+                <a:ea typeface="+mn-ea"/>
+                <a:cs typeface="+mn-cs"/>
+              </a:rPr>
+              <a:t>]  where [A</a:t>
+            </a:r>
+            <a:r>
+              <a:rPr lang="en-US" sz="1200" kern="1200" baseline="-25000" dirty="0" smtClean="0">
+                <a:solidFill>
+                  <a:schemeClr val="tx1"/>
+                </a:solidFill>
+                <a:effectLst/>
+                <a:latin typeface="+mn-lt"/>
+                <a:ea typeface="+mn-ea"/>
+                <a:cs typeface="+mn-cs"/>
+              </a:rPr>
+              <a:t>x</a:t>
+            </a:r>
+            <a:r>
+              <a:rPr lang="en-US" sz="1200" kern="1200" dirty="0" smtClean="0">
+                <a:solidFill>
+                  <a:schemeClr val="tx1"/>
+                </a:solidFill>
+                <a:effectLst/>
+                <a:latin typeface="+mn-lt"/>
+                <a:ea typeface="+mn-ea"/>
+                <a:cs typeface="+mn-cs"/>
+              </a:rPr>
+              <a:t>], [B</a:t>
+            </a:r>
+            <a:r>
+              <a:rPr lang="en-US" sz="1200" kern="1200" baseline="-25000" dirty="0" smtClean="0">
+                <a:solidFill>
+                  <a:schemeClr val="tx1"/>
+                </a:solidFill>
+                <a:effectLst/>
+                <a:latin typeface="+mn-lt"/>
+                <a:ea typeface="+mn-ea"/>
+                <a:cs typeface="+mn-cs"/>
+              </a:rPr>
+              <a:t>y</a:t>
+            </a:r>
+            <a:r>
+              <a:rPr lang="en-US" sz="1200" kern="1200" dirty="0" smtClean="0">
+                <a:solidFill>
+                  <a:schemeClr val="tx1"/>
+                </a:solidFill>
+                <a:effectLst/>
+                <a:latin typeface="+mn-lt"/>
+                <a:ea typeface="+mn-ea"/>
+                <a:cs typeface="+mn-cs"/>
+              </a:rPr>
+              <a:t>], and [</a:t>
+            </a:r>
+            <a:r>
+              <a:rPr lang="en-US" sz="1200" kern="1200" dirty="0" err="1" smtClean="0">
+                <a:solidFill>
+                  <a:schemeClr val="tx1"/>
+                </a:solidFill>
+                <a:effectLst/>
+                <a:latin typeface="+mn-lt"/>
+                <a:ea typeface="+mn-ea"/>
+                <a:cs typeface="+mn-cs"/>
+              </a:rPr>
+              <a:t>A</a:t>
+            </a:r>
+            <a:r>
+              <a:rPr lang="en-US" sz="1200" kern="1200" baseline="-25000" dirty="0" err="1" smtClean="0">
+                <a:solidFill>
+                  <a:schemeClr val="tx1"/>
+                </a:solidFill>
+                <a:effectLst/>
+                <a:latin typeface="+mn-lt"/>
+                <a:ea typeface="+mn-ea"/>
+                <a:cs typeface="+mn-cs"/>
+              </a:rPr>
+              <a:t>x</a:t>
+            </a:r>
+            <a:r>
+              <a:rPr lang="en-US" sz="1200" kern="1200" dirty="0" err="1" smtClean="0">
+                <a:solidFill>
+                  <a:schemeClr val="tx1"/>
+                </a:solidFill>
+                <a:effectLst/>
+                <a:latin typeface="+mn-lt"/>
+                <a:ea typeface="+mn-ea"/>
+                <a:cs typeface="+mn-cs"/>
+              </a:rPr>
+              <a:t>B</a:t>
+            </a:r>
+            <a:r>
+              <a:rPr lang="en-US" sz="1200" kern="1200" baseline="-25000" dirty="0" err="1" smtClean="0">
+                <a:solidFill>
+                  <a:schemeClr val="tx1"/>
+                </a:solidFill>
+                <a:effectLst/>
+                <a:latin typeface="+mn-lt"/>
+                <a:ea typeface="+mn-ea"/>
+                <a:cs typeface="+mn-cs"/>
+              </a:rPr>
+              <a:t>y</a:t>
+            </a:r>
+            <a:r>
+              <a:rPr lang="en-US" sz="1200" kern="1200" dirty="0" smtClean="0">
+                <a:solidFill>
+                  <a:schemeClr val="tx1"/>
+                </a:solidFill>
+                <a:effectLst/>
+                <a:latin typeface="+mn-lt"/>
+                <a:ea typeface="+mn-ea"/>
+                <a:cs typeface="+mn-cs"/>
+              </a:rPr>
+              <a:t>] are the concentrations of each component and the fully formed complex at equilibrium.  </a:t>
+            </a:r>
+            <a:r>
+              <a:rPr lang="en-US" dirty="0" smtClean="0"/>
+              <a:t/>
+            </a:r>
+            <a:br>
+              <a:rPr lang="en-US" dirty="0" smtClean="0"/>
+            </a:br>
+            <a:r>
+              <a:rPr lang="en-US" sz="1200" b="1" i="0" kern="1200" dirty="0" smtClean="0">
+                <a:solidFill>
+                  <a:schemeClr val="tx1"/>
+                </a:solidFill>
+                <a:effectLst/>
+                <a:latin typeface="+mn-lt"/>
+                <a:ea typeface="+mn-ea"/>
+                <a:cs typeface="+mn-cs"/>
+              </a:rPr>
+              <a:t>Relevance: </a:t>
+            </a:r>
+            <a:r>
+              <a:rPr lang="en-US" dirty="0" smtClean="0"/>
+              <a:t/>
+            </a:r>
+            <a:br>
+              <a:rPr lang="en-US" dirty="0" smtClean="0"/>
+            </a:br>
+            <a:r>
+              <a:rPr lang="en-US" sz="1200" kern="1200" dirty="0" smtClean="0">
+                <a:solidFill>
+                  <a:schemeClr val="tx1"/>
+                </a:solidFill>
+                <a:effectLst/>
+                <a:latin typeface="+mn-lt"/>
+                <a:ea typeface="+mn-ea"/>
+                <a:cs typeface="+mn-cs"/>
+              </a:rPr>
+              <a:t>In </a:t>
+            </a:r>
+            <a:r>
+              <a:rPr lang="en-US" sz="1200" u="sng" kern="1200" dirty="0" smtClean="0">
+                <a:solidFill>
+                  <a:schemeClr val="tx1"/>
+                </a:solidFill>
+                <a:effectLst/>
+                <a:latin typeface="+mn-lt"/>
+                <a:ea typeface="+mn-ea"/>
+                <a:cs typeface="+mn-cs"/>
+                <a:hlinkClick r:id="rId3"/>
+              </a:rPr>
+              <a:t>receptor pharmacology</a:t>
+            </a:r>
+            <a:r>
+              <a:rPr lang="en-US" sz="1200" kern="1200" dirty="0" smtClean="0">
+                <a:solidFill>
+                  <a:schemeClr val="tx1"/>
+                </a:solidFill>
+                <a:effectLst/>
+                <a:latin typeface="+mn-lt"/>
+                <a:ea typeface="+mn-ea"/>
+                <a:cs typeface="+mn-cs"/>
+              </a:rPr>
+              <a:t>, the dissociation constant is commonly used to describe the </a:t>
+            </a:r>
+            <a:r>
+              <a:rPr lang="en-US" sz="1200" u="sng" kern="1200" dirty="0" smtClean="0">
+                <a:solidFill>
+                  <a:schemeClr val="tx1"/>
+                </a:solidFill>
+                <a:effectLst/>
+                <a:latin typeface="+mn-lt"/>
+                <a:ea typeface="+mn-ea"/>
+                <a:cs typeface="+mn-cs"/>
+                <a:hlinkClick r:id="rId4"/>
+              </a:rPr>
+              <a:t>affinity</a:t>
+            </a:r>
+            <a:r>
+              <a:rPr lang="en-US" sz="1200" kern="1200" dirty="0" smtClean="0">
+                <a:solidFill>
+                  <a:schemeClr val="tx1"/>
+                </a:solidFill>
+                <a:effectLst/>
+                <a:latin typeface="+mn-lt"/>
+                <a:ea typeface="+mn-ea"/>
+                <a:cs typeface="+mn-cs"/>
+              </a:rPr>
+              <a:t> between a ligand and its receptor. Therefore, </a:t>
+            </a:r>
+            <a:r>
+              <a:rPr lang="en-US" sz="1200" kern="1200" dirty="0" err="1" smtClean="0">
+                <a:solidFill>
+                  <a:schemeClr val="tx1"/>
+                </a:solidFill>
+                <a:effectLst/>
+                <a:latin typeface="+mn-lt"/>
+                <a:ea typeface="+mn-ea"/>
+                <a:cs typeface="+mn-cs"/>
+              </a:rPr>
+              <a:t>K</a:t>
+            </a:r>
+            <a:r>
+              <a:rPr lang="en-US" sz="1200" kern="1200" baseline="-25000" dirty="0" err="1" smtClean="0">
+                <a:solidFill>
+                  <a:schemeClr val="tx1"/>
+                </a:solidFill>
+                <a:effectLst/>
+                <a:latin typeface="+mn-lt"/>
+                <a:ea typeface="+mn-ea"/>
+                <a:cs typeface="+mn-cs"/>
+              </a:rPr>
+              <a:t>d</a:t>
+            </a:r>
+            <a:r>
+              <a:rPr lang="en-US" sz="1200" kern="1200" dirty="0" smtClean="0">
+                <a:solidFill>
+                  <a:schemeClr val="tx1"/>
+                </a:solidFill>
+                <a:latin typeface="+mn-lt"/>
+                <a:ea typeface="+mn-ea"/>
+                <a:cs typeface="+mn-cs"/>
+              </a:rPr>
+              <a:t> </a:t>
+            </a:r>
+            <a:r>
+              <a:rPr lang="en-US" sz="1200" kern="1200" dirty="0" smtClean="0">
+                <a:solidFill>
+                  <a:schemeClr val="tx1"/>
+                </a:solidFill>
+                <a:effectLst/>
+                <a:latin typeface="+mn-lt"/>
+                <a:ea typeface="+mn-ea"/>
+                <a:cs typeface="+mn-cs"/>
+              </a:rPr>
+              <a:t>can be used as a measure of binding affinity (how tightly a ligand binds to a receptor). The ligand-receptor binding reaction can be represented as L + R</a:t>
+            </a:r>
+            <a:r>
+              <a:rPr lang="en-US" sz="1200" kern="1200" dirty="0" smtClean="0">
+                <a:solidFill>
+                  <a:schemeClr val="tx1"/>
+                </a:solidFill>
+                <a:latin typeface="+mn-lt"/>
+                <a:ea typeface="+mn-ea"/>
+                <a:cs typeface="+mn-cs"/>
+              </a:rPr>
+              <a:t> </a:t>
+            </a:r>
+            <a:r>
+              <a:rPr lang="en-US" sz="1200" kern="1200" dirty="0" smtClean="0">
+                <a:solidFill>
+                  <a:schemeClr val="tx1"/>
+                </a:solidFill>
+                <a:effectLst/>
+                <a:latin typeface="+mn-lt"/>
+                <a:ea typeface="+mn-ea"/>
+                <a:cs typeface="+mn-cs"/>
+              </a:rPr>
+              <a:t>⇄ LR and </a:t>
+            </a:r>
+            <a:r>
+              <a:rPr lang="en-US" sz="1200" kern="1200" dirty="0" err="1" smtClean="0">
+                <a:solidFill>
+                  <a:schemeClr val="tx1"/>
+                </a:solidFill>
+                <a:effectLst/>
+                <a:latin typeface="+mn-lt"/>
+                <a:ea typeface="+mn-ea"/>
+                <a:cs typeface="+mn-cs"/>
+              </a:rPr>
+              <a:t>K</a:t>
+            </a:r>
+            <a:r>
+              <a:rPr lang="en-US" sz="1200" kern="1200" baseline="-25000" dirty="0" err="1" smtClean="0">
+                <a:solidFill>
+                  <a:schemeClr val="tx1"/>
+                </a:solidFill>
+                <a:effectLst/>
+                <a:latin typeface="+mn-lt"/>
+                <a:ea typeface="+mn-ea"/>
+                <a:cs typeface="+mn-cs"/>
+              </a:rPr>
+              <a:t>d</a:t>
+            </a:r>
+            <a:r>
+              <a:rPr lang="en-US" sz="1200" kern="1200" dirty="0" smtClean="0">
+                <a:solidFill>
+                  <a:schemeClr val="tx1"/>
+                </a:solidFill>
+                <a:latin typeface="+mn-lt"/>
+                <a:ea typeface="+mn-ea"/>
+                <a:cs typeface="+mn-cs"/>
+              </a:rPr>
+              <a:t> </a:t>
+            </a:r>
+            <a:r>
+              <a:rPr lang="en-US" sz="1200" kern="1200" dirty="0" smtClean="0">
+                <a:solidFill>
+                  <a:schemeClr val="tx1"/>
+                </a:solidFill>
+                <a:effectLst/>
+                <a:latin typeface="+mn-lt"/>
+                <a:ea typeface="+mn-ea"/>
+                <a:cs typeface="+mn-cs"/>
+              </a:rPr>
+              <a:t>can be calculated as </a:t>
+            </a:r>
+            <a:r>
+              <a:rPr lang="en-US" sz="1200" kern="1200" dirty="0" err="1" smtClean="0">
+                <a:solidFill>
+                  <a:schemeClr val="tx1"/>
+                </a:solidFill>
+                <a:effectLst/>
+                <a:latin typeface="+mn-lt"/>
+                <a:ea typeface="+mn-ea"/>
+                <a:cs typeface="+mn-cs"/>
+              </a:rPr>
+              <a:t>K</a:t>
+            </a:r>
+            <a:r>
+              <a:rPr lang="en-US" sz="1200" kern="1200" baseline="-25000" dirty="0" err="1" smtClean="0">
+                <a:solidFill>
+                  <a:schemeClr val="tx1"/>
+                </a:solidFill>
+                <a:effectLst/>
+                <a:latin typeface="+mn-lt"/>
+                <a:ea typeface="+mn-ea"/>
+                <a:cs typeface="+mn-cs"/>
+              </a:rPr>
+              <a:t>d</a:t>
+            </a:r>
+            <a:r>
+              <a:rPr lang="en-US" sz="1200" kern="1200" dirty="0" smtClean="0">
+                <a:solidFill>
+                  <a:schemeClr val="tx1"/>
+                </a:solidFill>
+                <a:latin typeface="+mn-lt"/>
+                <a:ea typeface="+mn-ea"/>
+                <a:cs typeface="+mn-cs"/>
+              </a:rPr>
+              <a:t> </a:t>
+            </a:r>
+            <a:r>
+              <a:rPr lang="en-US" sz="1200" kern="1200" dirty="0" smtClean="0">
+                <a:solidFill>
+                  <a:schemeClr val="tx1"/>
+                </a:solidFill>
+                <a:effectLst/>
+                <a:latin typeface="+mn-lt"/>
+                <a:ea typeface="+mn-ea"/>
+                <a:cs typeface="+mn-cs"/>
+              </a:rPr>
+              <a:t>=([L][R])/[LR]. In the case of ligand-receptor complexes, </a:t>
+            </a:r>
+            <a:r>
+              <a:rPr lang="en-US" sz="1200" kern="1200" dirty="0" err="1" smtClean="0">
+                <a:solidFill>
+                  <a:schemeClr val="tx1"/>
+                </a:solidFill>
+                <a:effectLst/>
+                <a:latin typeface="+mn-lt"/>
+                <a:ea typeface="+mn-ea"/>
+                <a:cs typeface="+mn-cs"/>
+              </a:rPr>
+              <a:t>K</a:t>
+            </a:r>
+            <a:r>
+              <a:rPr lang="en-US" sz="1200" kern="1200" baseline="-25000" dirty="0" err="1" smtClean="0">
+                <a:solidFill>
+                  <a:schemeClr val="tx1"/>
+                </a:solidFill>
+                <a:effectLst/>
+                <a:latin typeface="+mn-lt"/>
+                <a:ea typeface="+mn-ea"/>
+                <a:cs typeface="+mn-cs"/>
+              </a:rPr>
+              <a:t>d</a:t>
+            </a:r>
+            <a:r>
+              <a:rPr lang="en-US" sz="1200" kern="1200" baseline="-25000" dirty="0" smtClean="0">
+                <a:solidFill>
+                  <a:schemeClr val="tx1"/>
+                </a:solidFill>
+                <a:effectLst/>
+                <a:latin typeface="+mn-lt"/>
+                <a:ea typeface="+mn-ea"/>
+                <a:cs typeface="+mn-cs"/>
+              </a:rPr>
+              <a:t> </a:t>
+            </a:r>
+            <a:r>
+              <a:rPr lang="en-US" sz="1200" kern="1200" dirty="0" smtClean="0">
+                <a:solidFill>
+                  <a:schemeClr val="tx1"/>
+                </a:solidFill>
+                <a:effectLst/>
+                <a:latin typeface="+mn-lt"/>
+                <a:ea typeface="+mn-ea"/>
+                <a:cs typeface="+mn-cs"/>
+              </a:rPr>
+              <a:t>represents the ligand concentration</a:t>
+            </a:r>
+            <a:r>
+              <a:rPr lang="en-US" sz="1200" kern="1200" dirty="0" smtClean="0">
+                <a:solidFill>
+                  <a:schemeClr val="tx1"/>
+                </a:solidFill>
+                <a:latin typeface="+mn-lt"/>
+                <a:ea typeface="+mn-ea"/>
+                <a:cs typeface="+mn-cs"/>
+              </a:rPr>
+              <a:t> and </a:t>
+            </a:r>
+            <a:r>
+              <a:rPr lang="en-US" sz="1200" kern="1200" dirty="0" smtClean="0">
+                <a:solidFill>
+                  <a:schemeClr val="tx1"/>
+                </a:solidFill>
+                <a:effectLst/>
+                <a:latin typeface="+mn-lt"/>
+                <a:ea typeface="+mn-ea"/>
+                <a:cs typeface="+mn-cs"/>
+              </a:rPr>
+              <a:t>should be calculated</a:t>
+            </a:r>
+            <a:r>
+              <a:rPr lang="en-US" sz="1200" kern="1200" dirty="0" smtClean="0">
+                <a:solidFill>
+                  <a:schemeClr val="tx1"/>
+                </a:solidFill>
+                <a:latin typeface="+mn-lt"/>
+                <a:ea typeface="+mn-ea"/>
+                <a:cs typeface="+mn-cs"/>
+              </a:rPr>
+              <a:t> </a:t>
+            </a:r>
+            <a:r>
+              <a:rPr lang="en-US" sz="1200" kern="1200" dirty="0" smtClean="0">
+                <a:solidFill>
+                  <a:schemeClr val="tx1"/>
+                </a:solidFill>
+                <a:effectLst/>
+                <a:latin typeface="+mn-lt"/>
+                <a:ea typeface="+mn-ea"/>
+                <a:cs typeface="+mn-cs"/>
+              </a:rPr>
+              <a:t>when 50% of the receptors are bound to ligands. The smaller the </a:t>
+            </a:r>
+            <a:r>
+              <a:rPr lang="en-US" sz="1200" kern="1200" dirty="0" err="1" smtClean="0">
+                <a:solidFill>
+                  <a:schemeClr val="tx1"/>
+                </a:solidFill>
+                <a:effectLst/>
+                <a:latin typeface="+mn-lt"/>
+                <a:ea typeface="+mn-ea"/>
+                <a:cs typeface="+mn-cs"/>
+              </a:rPr>
+              <a:t>K</a:t>
+            </a:r>
+            <a:r>
+              <a:rPr lang="en-US" sz="1200" kern="1200" baseline="-25000" dirty="0" err="1" smtClean="0">
+                <a:solidFill>
+                  <a:schemeClr val="tx1"/>
+                </a:solidFill>
+                <a:effectLst/>
+                <a:latin typeface="+mn-lt"/>
+                <a:ea typeface="+mn-ea"/>
+                <a:cs typeface="+mn-cs"/>
+              </a:rPr>
+              <a:t>d</a:t>
+            </a:r>
+            <a:r>
+              <a:rPr lang="en-US" sz="1200" kern="1200" baseline="-25000" dirty="0" smtClean="0">
+                <a:solidFill>
+                  <a:schemeClr val="tx1"/>
+                </a:solidFill>
+                <a:effectLst/>
+                <a:latin typeface="+mn-lt"/>
+                <a:ea typeface="+mn-ea"/>
+                <a:cs typeface="+mn-cs"/>
+              </a:rPr>
+              <a:t>,</a:t>
+            </a:r>
+            <a:r>
+              <a:rPr lang="en-US" sz="1200" kern="1200" dirty="0" smtClean="0">
+                <a:solidFill>
+                  <a:schemeClr val="tx1"/>
+                </a:solidFill>
+                <a:latin typeface="+mn-lt"/>
+                <a:ea typeface="+mn-ea"/>
+                <a:cs typeface="+mn-cs"/>
+              </a:rPr>
+              <a:t> </a:t>
+            </a:r>
+            <a:r>
+              <a:rPr lang="en-US" sz="1200" kern="1200" dirty="0" smtClean="0">
+                <a:solidFill>
+                  <a:schemeClr val="tx1"/>
+                </a:solidFill>
+                <a:effectLst/>
+                <a:latin typeface="+mn-lt"/>
+                <a:ea typeface="+mn-ea"/>
+                <a:cs typeface="+mn-cs"/>
+              </a:rPr>
+              <a:t>the more tightly bound the ligand is and therefore the higher the </a:t>
+            </a:r>
+            <a:r>
+              <a:rPr lang="en-US" sz="1200" u="sng" kern="1200" dirty="0" smtClean="0">
+                <a:solidFill>
+                  <a:schemeClr val="tx1"/>
+                </a:solidFill>
+                <a:effectLst/>
+                <a:latin typeface="+mn-lt"/>
+                <a:ea typeface="+mn-ea"/>
+                <a:cs typeface="+mn-cs"/>
+                <a:hlinkClick r:id="rId4"/>
+              </a:rPr>
+              <a:t>affinity</a:t>
+            </a:r>
+            <a:r>
+              <a:rPr lang="en-US" sz="1200" kern="1200" dirty="0" smtClean="0">
+                <a:solidFill>
+                  <a:schemeClr val="tx1"/>
+                </a:solidFill>
+                <a:effectLst/>
+                <a:latin typeface="+mn-lt"/>
+                <a:ea typeface="+mn-ea"/>
+                <a:cs typeface="+mn-cs"/>
+              </a:rPr>
+              <a:t> between the ligand and the receptor.   </a:t>
+            </a:r>
+            <a:endParaRPr lang="en-US" dirty="0"/>
+          </a:p>
+        </p:txBody>
+      </p:sp>
+      <p:sp>
+        <p:nvSpPr>
+          <p:cNvPr id="4" name="Slide Number Placeholder 3"/>
+          <p:cNvSpPr>
+            <a:spLocks noGrp="1"/>
+          </p:cNvSpPr>
+          <p:nvPr>
+            <p:ph type="sldNum" sz="quarter" idx="10"/>
+          </p:nvPr>
+        </p:nvSpPr>
+        <p:spPr/>
+        <p:txBody>
+          <a:bodyPr/>
+          <a:lstStyle/>
+          <a:p>
+            <a:fld id="{C7689D65-4FEA-4151-83A2-DE7BE828DF61}" type="slidenum">
+              <a:rPr lang="en-US" smtClean="0"/>
+              <a:t>10</a:t>
+            </a:fld>
+            <a:endParaRPr lang="en-US"/>
+          </a:p>
+        </p:txBody>
+      </p:sp>
+    </p:spTree>
+    <p:extLst>
+      <p:ext uri="{BB962C8B-B14F-4D97-AF65-F5344CB8AC3E}">
+        <p14:creationId xmlns:p14="http://schemas.microsoft.com/office/powerpoint/2010/main" val="897775463"/>
+      </p:ext>
+    </p:extLst>
+  </p:cSld>
+  <p:clrMapOvr>
+    <a:masterClrMapping/>
+  </p:clrMapOvr>
+</p:notes>
+</file>
+
+<file path=ppt/notesSlides/notesSlide6.xml><?xml version="1.0" encoding="utf-8"?>
+<p:notes xmlns:a="http://schemas.openxmlformats.org/drawingml/2006/main" xmlns:r="http://schemas.openxmlformats.org/officeDocument/2006/relationships" xmlns:p="http://schemas.openxmlformats.org/presentationml/2006/main">
+  <p:cSld>
+    <p:spTree>
+      <p:nvGrpSpPr>
+        <p:cNvPr id="1" name=""/>
+        <p:cNvGrpSpPr/>
+        <p:nvPr/>
+      </p:nvGrpSpPr>
+      <p:grpSpPr>
+        <a:xfrm>
+          <a:off x="0" y="0"/>
+          <a:ext cx="0" cy="0"/>
+          <a:chOff x="0" y="0"/>
+          <a:chExt cx="0" cy="0"/>
+        </a:xfrm>
+      </p:grpSpPr>
+      <p:sp>
+        <p:nvSpPr>
+          <p:cNvPr id="2" name="Slide Image Placeholder 1"/>
+          <p:cNvSpPr>
+            <a:spLocks noGrp="1" noRot="1" noChangeAspect="1"/>
+          </p:cNvSpPr>
+          <p:nvPr>
+            <p:ph type="sldImg"/>
+          </p:nvPr>
+        </p:nvSpPr>
+        <p:spPr/>
+      </p:sp>
+      <p:sp>
+        <p:nvSpPr>
+          <p:cNvPr id="3" name="Notes Placeholder 2"/>
+          <p:cNvSpPr>
+            <a:spLocks noGrp="1"/>
+          </p:cNvSpPr>
+          <p:nvPr>
+            <p:ph type="body" idx="1"/>
+          </p:nvPr>
+        </p:nvSpPr>
+        <p:spPr/>
+        <p:txBody>
+          <a:bodyPr/>
+          <a:lstStyle/>
+          <a:p>
+            <a:r>
+              <a:rPr lang="en-US" sz="1200" b="0" i="0" kern="1200" dirty="0" smtClean="0">
+                <a:solidFill>
+                  <a:schemeClr val="tx1"/>
+                </a:solidFill>
+                <a:effectLst/>
+                <a:latin typeface="+mn-lt"/>
+                <a:ea typeface="+mn-ea"/>
+                <a:cs typeface="+mn-cs"/>
+              </a:rPr>
+              <a:t>because the inhibitor “competes” with substrate for binding the active site of the enzyme. By reducing the availability of this site for substrate binding, product formation is hindered.</a:t>
+            </a:r>
+          </a:p>
+          <a:p>
+            <a:endParaRPr lang="en-US" sz="1200" b="1" i="0" u="sng" kern="1200" cap="all" dirty="0" smtClean="0">
+              <a:solidFill>
+                <a:schemeClr val="tx1"/>
+              </a:solidFill>
+              <a:effectLst/>
+              <a:latin typeface="+mn-lt"/>
+              <a:ea typeface="+mn-ea"/>
+              <a:cs typeface="+mn-cs"/>
+            </a:endParaRPr>
+          </a:p>
+          <a:p>
+            <a:r>
+              <a:rPr lang="en-US" sz="1200" b="1" i="0" u="sng" kern="1200" cap="all" dirty="0" smtClean="0">
+                <a:solidFill>
+                  <a:schemeClr val="tx1"/>
+                </a:solidFill>
+                <a:effectLst/>
+                <a:latin typeface="+mn-lt"/>
+                <a:ea typeface="+mn-ea"/>
+                <a:cs typeface="+mn-cs"/>
+              </a:rPr>
+              <a:t>Inhibitory constant (K</a:t>
+            </a:r>
+            <a:r>
+              <a:rPr lang="en-US" sz="1200" b="1" i="0" u="sng" kern="1200" cap="all" baseline="-25000" dirty="0" smtClean="0">
+                <a:solidFill>
+                  <a:schemeClr val="tx1"/>
+                </a:solidFill>
+                <a:effectLst/>
+                <a:latin typeface="+mn-lt"/>
+                <a:ea typeface="+mn-ea"/>
+                <a:cs typeface="+mn-cs"/>
+              </a:rPr>
+              <a:t>i</a:t>
+            </a:r>
+            <a:r>
+              <a:rPr lang="en-US" sz="1200" b="1" i="0" u="sng" kern="1200" cap="all" dirty="0" smtClean="0">
+                <a:solidFill>
+                  <a:schemeClr val="tx1"/>
+                </a:solidFill>
+                <a:effectLst/>
+                <a:latin typeface="+mn-lt"/>
+                <a:ea typeface="+mn-ea"/>
+                <a:cs typeface="+mn-cs"/>
+              </a:rPr>
+              <a:t>)</a:t>
+            </a:r>
+            <a:r>
+              <a:rPr lang="en-US" sz="1200" b="1" i="0" kern="1200" cap="all" dirty="0" smtClean="0">
+                <a:solidFill>
+                  <a:schemeClr val="tx1"/>
+                </a:solidFill>
+                <a:effectLst/>
+                <a:latin typeface="+mn-lt"/>
+                <a:ea typeface="+mn-ea"/>
+                <a:cs typeface="+mn-cs"/>
+              </a:rPr>
+              <a:t> </a:t>
+            </a:r>
+          </a:p>
+          <a:p>
+            <a:r>
+              <a:rPr lang="en-US" sz="1200" b="1" i="0" kern="1200" dirty="0" smtClean="0">
+                <a:solidFill>
+                  <a:schemeClr val="tx1"/>
+                </a:solidFill>
+                <a:effectLst/>
+                <a:latin typeface="+mn-lt"/>
+                <a:ea typeface="+mn-ea"/>
+                <a:cs typeface="+mn-cs"/>
+              </a:rPr>
+              <a:t>Definition: </a:t>
+            </a:r>
+            <a:r>
+              <a:rPr lang="en-US" dirty="0" smtClean="0"/>
+              <a:t/>
+            </a:r>
+            <a:br>
+              <a:rPr lang="en-US" dirty="0" smtClean="0"/>
+            </a:br>
+            <a:r>
+              <a:rPr lang="en-US" sz="1200" kern="1200" dirty="0" smtClean="0">
+                <a:solidFill>
+                  <a:schemeClr val="tx1"/>
+                </a:solidFill>
+                <a:effectLst/>
+                <a:latin typeface="+mn-lt"/>
+                <a:ea typeface="+mn-ea"/>
+                <a:cs typeface="+mn-cs"/>
+              </a:rPr>
+              <a:t>The inhibitory constant (K</a:t>
+            </a:r>
+            <a:r>
+              <a:rPr lang="en-US" sz="1200" kern="1200" baseline="-25000" dirty="0" smtClean="0">
+                <a:solidFill>
+                  <a:schemeClr val="tx1"/>
+                </a:solidFill>
+                <a:effectLst/>
+                <a:latin typeface="+mn-lt"/>
+                <a:ea typeface="+mn-ea"/>
+                <a:cs typeface="+mn-cs"/>
+              </a:rPr>
+              <a:t>i</a:t>
+            </a:r>
+            <a:r>
+              <a:rPr lang="en-US" sz="1200" kern="1200" dirty="0" smtClean="0">
+                <a:solidFill>
+                  <a:schemeClr val="tx1"/>
+                </a:solidFill>
+                <a:effectLst/>
+                <a:latin typeface="+mn-lt"/>
+                <a:ea typeface="+mn-ea"/>
+                <a:cs typeface="+mn-cs"/>
+              </a:rPr>
+              <a:t>) is a type of </a:t>
+            </a:r>
+            <a:r>
+              <a:rPr lang="en-US" sz="1200" u="sng" kern="1200" dirty="0" smtClean="0">
+                <a:solidFill>
+                  <a:schemeClr val="tx1"/>
+                </a:solidFill>
+                <a:effectLst/>
+                <a:latin typeface="+mn-lt"/>
+                <a:ea typeface="+mn-ea"/>
+                <a:cs typeface="+mn-cs"/>
+                <a:hlinkClick r:id="rId3"/>
+              </a:rPr>
+              <a:t>equilibrium dissociation constant (</a:t>
+            </a:r>
+            <a:r>
+              <a:rPr lang="en-US" sz="1200" u="sng" kern="1200" dirty="0" err="1" smtClean="0">
+                <a:solidFill>
+                  <a:schemeClr val="tx1"/>
+                </a:solidFill>
+                <a:effectLst/>
+                <a:latin typeface="+mn-lt"/>
+                <a:ea typeface="+mn-ea"/>
+                <a:cs typeface="+mn-cs"/>
+                <a:hlinkClick r:id="rId3"/>
+              </a:rPr>
+              <a:t>K</a:t>
+            </a:r>
+            <a:r>
+              <a:rPr lang="en-US" sz="1200" u="sng" kern="1200" baseline="-25000" dirty="0" err="1" smtClean="0">
+                <a:solidFill>
+                  <a:schemeClr val="tx1"/>
+                </a:solidFill>
+                <a:effectLst/>
+                <a:latin typeface="+mn-lt"/>
+                <a:ea typeface="+mn-ea"/>
+                <a:cs typeface="+mn-cs"/>
+                <a:hlinkClick r:id="rId3"/>
+              </a:rPr>
+              <a:t>d</a:t>
+            </a:r>
+            <a:r>
+              <a:rPr lang="en-US" sz="1200" u="sng" kern="1200" dirty="0" smtClean="0">
+                <a:solidFill>
+                  <a:schemeClr val="tx1"/>
+                </a:solidFill>
+                <a:effectLst/>
+                <a:latin typeface="+mn-lt"/>
+                <a:ea typeface="+mn-ea"/>
+                <a:cs typeface="+mn-cs"/>
+                <a:hlinkClick r:id="rId3"/>
+              </a:rPr>
+              <a:t>)</a:t>
+            </a:r>
+            <a:r>
+              <a:rPr lang="en-US" sz="1200" kern="1200" dirty="0" smtClean="0">
+                <a:solidFill>
+                  <a:schemeClr val="tx1"/>
+                </a:solidFill>
+                <a:effectLst/>
+                <a:latin typeface="+mn-lt"/>
+                <a:ea typeface="+mn-ea"/>
+                <a:cs typeface="+mn-cs"/>
+              </a:rPr>
+              <a:t> that represents the equilibrium binding </a:t>
+            </a:r>
+            <a:r>
+              <a:rPr lang="en-US" sz="1200" u="sng" kern="1200" dirty="0" smtClean="0">
+                <a:solidFill>
+                  <a:schemeClr val="tx1"/>
+                </a:solidFill>
+                <a:effectLst/>
+                <a:latin typeface="+mn-lt"/>
+                <a:ea typeface="+mn-ea"/>
+                <a:cs typeface="+mn-cs"/>
+                <a:hlinkClick r:id="rId4"/>
+              </a:rPr>
+              <a:t>affinity</a:t>
+            </a:r>
+            <a:r>
+              <a:rPr lang="en-US" sz="1200" kern="1200" dirty="0" smtClean="0">
+                <a:solidFill>
+                  <a:schemeClr val="tx1"/>
+                </a:solidFill>
+                <a:effectLst/>
+                <a:latin typeface="+mn-lt"/>
+                <a:ea typeface="+mn-ea"/>
+                <a:cs typeface="+mn-cs"/>
+              </a:rPr>
+              <a:t> for a ligand that reduces the activity of its binding partner. K</a:t>
+            </a:r>
+            <a:r>
+              <a:rPr lang="en-US" sz="1200" kern="1200" baseline="-25000" dirty="0" smtClean="0">
+                <a:solidFill>
+                  <a:schemeClr val="tx1"/>
+                </a:solidFill>
+                <a:effectLst/>
+                <a:latin typeface="+mn-lt"/>
+                <a:ea typeface="+mn-ea"/>
+                <a:cs typeface="+mn-cs"/>
+              </a:rPr>
+              <a:t>i </a:t>
+            </a:r>
+            <a:r>
+              <a:rPr lang="en-US" sz="1200" kern="1200" dirty="0" smtClean="0">
+                <a:solidFill>
+                  <a:schemeClr val="tx1"/>
+                </a:solidFill>
+                <a:effectLst/>
+                <a:latin typeface="+mn-lt"/>
+                <a:ea typeface="+mn-ea"/>
+                <a:cs typeface="+mn-cs"/>
+              </a:rPr>
+              <a:t>represents the concentration at which the inhibitor ligand occupies 50% of the receptor sites when no competing ligand is present. The smaller the K</a:t>
+            </a:r>
+            <a:r>
+              <a:rPr lang="en-US" sz="1200" kern="1200" baseline="-25000" dirty="0" smtClean="0">
+                <a:solidFill>
+                  <a:schemeClr val="tx1"/>
+                </a:solidFill>
+                <a:effectLst/>
+                <a:latin typeface="+mn-lt"/>
+                <a:ea typeface="+mn-ea"/>
+                <a:cs typeface="+mn-cs"/>
+              </a:rPr>
+              <a:t>i</a:t>
+            </a:r>
+            <a:r>
+              <a:rPr lang="en-US" sz="1200" kern="1200" dirty="0" smtClean="0">
+                <a:solidFill>
+                  <a:schemeClr val="tx1"/>
+                </a:solidFill>
+                <a:effectLst/>
+                <a:latin typeface="+mn-lt"/>
+                <a:ea typeface="+mn-ea"/>
+                <a:cs typeface="+mn-cs"/>
+              </a:rPr>
+              <a:t> the greater the binding affinity and the smaller the amount of ligand is needed to inhibit its binding partners activity. </a:t>
+            </a:r>
+          </a:p>
+          <a:p>
+            <a:endParaRPr lang="en-US" dirty="0" smtClean="0"/>
+          </a:p>
+          <a:p>
+            <a:pPr marL="0" marR="0" lvl="1" indent="0" algn="l" defTabSz="914400" rtl="0" eaLnBrk="1" fontAlgn="auto" latinLnBrk="0" hangingPunct="1">
+              <a:lnSpc>
+                <a:spcPct val="100000"/>
+              </a:lnSpc>
+              <a:spcBef>
+                <a:spcPts val="0"/>
+              </a:spcBef>
+              <a:spcAft>
+                <a:spcPts val="0"/>
+              </a:spcAft>
+              <a:buClrTx/>
+              <a:buSzTx/>
+              <a:buFontTx/>
+              <a:buNone/>
+              <a:tabLst/>
+              <a:defRPr/>
+            </a:pPr>
+            <a:r>
+              <a:rPr lang="en-US" dirty="0" smtClean="0"/>
+              <a:t>meaning the drug is a more potent inhibitor.</a:t>
+            </a:r>
+          </a:p>
+          <a:p>
+            <a:pPr marL="0" marR="0" lvl="1" indent="0" algn="l" defTabSz="914400" rtl="0" eaLnBrk="1" fontAlgn="auto" latinLnBrk="0" hangingPunct="1">
+              <a:lnSpc>
+                <a:spcPct val="100000"/>
+              </a:lnSpc>
+              <a:spcBef>
+                <a:spcPts val="0"/>
+              </a:spcBef>
+              <a:spcAft>
+                <a:spcPts val="0"/>
+              </a:spcAft>
+              <a:buClrTx/>
+              <a:buSzTx/>
+              <a:buFontTx/>
+              <a:buNone/>
+              <a:tabLst/>
+              <a:defRPr/>
+            </a:pPr>
+            <a:endParaRPr lang="en-US" sz="1200" b="0" i="0" kern="1200" dirty="0" smtClean="0">
+              <a:solidFill>
+                <a:schemeClr val="tx1"/>
+              </a:solidFill>
+              <a:effectLst/>
+              <a:latin typeface="+mn-lt"/>
+              <a:ea typeface="+mn-ea"/>
+              <a:cs typeface="+mn-cs"/>
+            </a:endParaRPr>
+          </a:p>
+          <a:p>
+            <a:pPr marL="0" marR="0" lvl="1" indent="0" algn="l" defTabSz="914400" rtl="0" eaLnBrk="1" fontAlgn="auto" latinLnBrk="0" hangingPunct="1">
+              <a:lnSpc>
+                <a:spcPct val="100000"/>
+              </a:lnSpc>
+              <a:spcBef>
+                <a:spcPts val="0"/>
+              </a:spcBef>
+              <a:spcAft>
+                <a:spcPts val="0"/>
+              </a:spcAft>
+              <a:buClrTx/>
+              <a:buSzTx/>
+              <a:buFontTx/>
+              <a:buNone/>
+              <a:tabLst/>
+              <a:defRPr/>
+            </a:pPr>
+            <a:r>
+              <a:rPr lang="en-US" sz="1200" b="0" i="0" kern="1200" dirty="0" smtClean="0">
+                <a:solidFill>
+                  <a:schemeClr val="tx1"/>
+                </a:solidFill>
+                <a:effectLst/>
+                <a:latin typeface="+mn-lt"/>
+                <a:ea typeface="+mn-ea"/>
+                <a:cs typeface="+mn-cs"/>
+              </a:rPr>
+              <a:t>In summary, Ki and </a:t>
+            </a:r>
+            <a:r>
+              <a:rPr lang="en-US" sz="1200" b="0" i="0" kern="1200" dirty="0" err="1" smtClean="0">
+                <a:solidFill>
+                  <a:schemeClr val="tx1"/>
+                </a:solidFill>
+                <a:effectLst/>
+                <a:latin typeface="+mn-lt"/>
+                <a:ea typeface="+mn-ea"/>
+                <a:cs typeface="+mn-cs"/>
+              </a:rPr>
+              <a:t>Kd</a:t>
+            </a:r>
+            <a:r>
+              <a:rPr lang="en-US" sz="1200" b="0" i="0" kern="1200" dirty="0" smtClean="0">
+                <a:solidFill>
+                  <a:schemeClr val="tx1"/>
+                </a:solidFill>
+                <a:effectLst/>
+                <a:latin typeface="+mn-lt"/>
+                <a:ea typeface="+mn-ea"/>
+                <a:cs typeface="+mn-cs"/>
+              </a:rPr>
+              <a:t> are both measures of binding affinity, but they provide different information about the drug-target interaction. Ki is more relevant in the context of competitive inhibition, while </a:t>
+            </a:r>
+            <a:r>
+              <a:rPr lang="en-US" sz="1200" b="0" i="0" kern="1200" dirty="0" err="1" smtClean="0">
+                <a:solidFill>
+                  <a:schemeClr val="tx1"/>
+                </a:solidFill>
+                <a:effectLst/>
+                <a:latin typeface="+mn-lt"/>
+                <a:ea typeface="+mn-ea"/>
+                <a:cs typeface="+mn-cs"/>
+              </a:rPr>
+              <a:t>Kd</a:t>
+            </a:r>
+            <a:r>
+              <a:rPr lang="en-US" sz="1200" b="0" i="0" kern="1200" dirty="0" smtClean="0">
+                <a:solidFill>
+                  <a:schemeClr val="tx1"/>
+                </a:solidFill>
+                <a:effectLst/>
+                <a:latin typeface="+mn-lt"/>
+                <a:ea typeface="+mn-ea"/>
+                <a:cs typeface="+mn-cs"/>
+              </a:rPr>
+              <a:t> is a more general measure of binding strength.</a:t>
+            </a:r>
+          </a:p>
+          <a:p>
+            <a:pPr marL="0" marR="0" lvl="1" indent="0" algn="l" defTabSz="914400" rtl="0" eaLnBrk="1" fontAlgn="auto" latinLnBrk="0" hangingPunct="1">
+              <a:lnSpc>
+                <a:spcPct val="100000"/>
+              </a:lnSpc>
+              <a:spcBef>
+                <a:spcPts val="0"/>
+              </a:spcBef>
+              <a:spcAft>
+                <a:spcPts val="0"/>
+              </a:spcAft>
+              <a:buClrTx/>
+              <a:buSzTx/>
+              <a:buFontTx/>
+              <a:buNone/>
+              <a:tabLst/>
+              <a:defRPr/>
+            </a:pPr>
+            <a:endParaRPr lang="en-US" sz="1200" b="0" i="0" kern="1200" dirty="0" smtClean="0">
+              <a:solidFill>
+                <a:schemeClr val="tx1"/>
+              </a:solidFill>
+              <a:effectLst/>
+              <a:latin typeface="+mn-lt"/>
+              <a:ea typeface="+mn-ea"/>
+              <a:cs typeface="+mn-cs"/>
+            </a:endParaRPr>
+          </a:p>
+          <a:p>
+            <a:pPr marL="0" marR="0" lvl="1" indent="0" algn="l" defTabSz="914400" rtl="0" eaLnBrk="1" fontAlgn="auto" latinLnBrk="0" hangingPunct="1">
+              <a:lnSpc>
+                <a:spcPct val="100000"/>
+              </a:lnSpc>
+              <a:spcBef>
+                <a:spcPts val="0"/>
+              </a:spcBef>
+              <a:spcAft>
+                <a:spcPts val="0"/>
+              </a:spcAft>
+              <a:buClrTx/>
+              <a:buSzTx/>
+              <a:buFontTx/>
+              <a:buNone/>
+              <a:tabLst/>
+              <a:defRPr/>
+            </a:pPr>
+            <a:r>
+              <a:rPr lang="en-US" sz="1200" b="0" i="0" kern="1200" dirty="0" smtClean="0">
+                <a:solidFill>
+                  <a:schemeClr val="tx1"/>
+                </a:solidFill>
+                <a:effectLst/>
+                <a:latin typeface="+mn-lt"/>
+                <a:ea typeface="+mn-ea"/>
+                <a:cs typeface="+mn-cs"/>
+              </a:rPr>
+              <a:t>the dissociation term in </a:t>
+            </a:r>
+            <a:r>
+              <a:rPr lang="en-US" sz="1200" b="0" i="0" kern="1200" dirty="0" err="1" smtClean="0">
+                <a:solidFill>
+                  <a:schemeClr val="tx1"/>
+                </a:solidFill>
+                <a:effectLst/>
+                <a:latin typeface="+mn-lt"/>
+                <a:ea typeface="+mn-ea"/>
+                <a:cs typeface="+mn-cs"/>
+              </a:rPr>
+              <a:t>Kd</a:t>
+            </a:r>
+            <a:r>
+              <a:rPr lang="en-US" sz="1200" b="0" i="0" kern="1200" dirty="0" smtClean="0">
+                <a:solidFill>
+                  <a:schemeClr val="tx1"/>
+                </a:solidFill>
+                <a:effectLst/>
+                <a:latin typeface="+mn-lt"/>
+                <a:ea typeface="+mn-ea"/>
+                <a:cs typeface="+mn-cs"/>
+              </a:rPr>
+              <a:t> implies the equilibrium binding dynamics between the ligand and the target, while the inhibition term in Ki implies the potency of the inhibitor in modulating the enzyme's function. Both measures are important in understanding the interactions between ligands and enzymes or proteins, and in the development of effective therapeutic interventions</a:t>
+            </a:r>
+            <a:endParaRPr lang="en-US" dirty="0"/>
+          </a:p>
+        </p:txBody>
+      </p:sp>
+      <p:sp>
+        <p:nvSpPr>
+          <p:cNvPr id="4" name="Slide Number Placeholder 3"/>
+          <p:cNvSpPr>
+            <a:spLocks noGrp="1"/>
+          </p:cNvSpPr>
+          <p:nvPr>
+            <p:ph type="sldNum" sz="quarter" idx="10"/>
+          </p:nvPr>
+        </p:nvSpPr>
+        <p:spPr/>
+        <p:txBody>
+          <a:bodyPr/>
+          <a:lstStyle/>
+          <a:p>
+            <a:fld id="{C7689D65-4FEA-4151-83A2-DE7BE828DF61}" type="slidenum">
+              <a:rPr lang="en-US" smtClean="0"/>
+              <a:t>11</a:t>
+            </a:fld>
+            <a:endParaRPr lang="en-US"/>
+          </a:p>
+        </p:txBody>
+      </p:sp>
+    </p:spTree>
+    <p:extLst>
+      <p:ext uri="{BB962C8B-B14F-4D97-AF65-F5344CB8AC3E}">
+        <p14:creationId xmlns:p14="http://schemas.microsoft.com/office/powerpoint/2010/main" val="897775463"/>
+      </p:ext>
+    </p:extLst>
+  </p:cSld>
+  <p:clrMapOvr>
+    <a:masterClrMapping/>
+  </p:clrMapOvr>
+</p:notes>
+</file>
+
+<file path=ppt/notesSlides/notesSlide7.xml><?xml version="1.0" encoding="utf-8"?>
+<p:notes xmlns:a="http://schemas.openxmlformats.org/drawingml/2006/main" xmlns:r="http://schemas.openxmlformats.org/officeDocument/2006/relationships" xmlns:p="http://schemas.openxmlformats.org/presentationml/2006/main">
+  <p:cSld>
+    <p:spTree>
+      <p:nvGrpSpPr>
+        <p:cNvPr id="1" name=""/>
+        <p:cNvGrpSpPr/>
+        <p:nvPr/>
+      </p:nvGrpSpPr>
+      <p:grpSpPr>
+        <a:xfrm>
+          <a:off x="0" y="0"/>
+          <a:ext cx="0" cy="0"/>
+          <a:chOff x="0" y="0"/>
+          <a:chExt cx="0" cy="0"/>
+        </a:xfrm>
+      </p:grpSpPr>
+      <p:sp>
+        <p:nvSpPr>
+          <p:cNvPr id="2" name="Slide Image Placeholder 1"/>
+          <p:cNvSpPr>
+            <a:spLocks noGrp="1" noRot="1" noChangeAspect="1"/>
+          </p:cNvSpPr>
+          <p:nvPr>
+            <p:ph type="sldImg"/>
+          </p:nvPr>
+        </p:nvSpPr>
+        <p:spPr/>
+      </p:sp>
+      <p:sp>
+        <p:nvSpPr>
+          <p:cNvPr id="3" name="Notes Placeholder 2"/>
+          <p:cNvSpPr>
+            <a:spLocks noGrp="1"/>
+          </p:cNvSpPr>
+          <p:nvPr>
+            <p:ph type="body" idx="1"/>
+          </p:nvPr>
+        </p:nvSpPr>
+        <p:spPr/>
+        <p:txBody>
+          <a:bodyPr/>
+          <a:lstStyle/>
+          <a:p>
+            <a:r>
+              <a:rPr lang="en-US" sz="1200" b="1" i="0" u="sng" kern="1200" cap="all" dirty="0" smtClean="0">
+                <a:solidFill>
+                  <a:schemeClr val="tx1"/>
+                </a:solidFill>
+                <a:effectLst/>
+                <a:latin typeface="+mn-lt"/>
+                <a:ea typeface="+mn-ea"/>
+                <a:cs typeface="+mn-cs"/>
+              </a:rPr>
+              <a:t>Inhibitory constant (K</a:t>
+            </a:r>
+            <a:r>
+              <a:rPr lang="en-US" sz="1200" b="1" i="0" u="sng" kern="1200" cap="all" baseline="-25000" dirty="0" smtClean="0">
+                <a:solidFill>
+                  <a:schemeClr val="tx1"/>
+                </a:solidFill>
+                <a:effectLst/>
+                <a:latin typeface="+mn-lt"/>
+                <a:ea typeface="+mn-ea"/>
+                <a:cs typeface="+mn-cs"/>
+              </a:rPr>
+              <a:t>i</a:t>
+            </a:r>
+            <a:r>
+              <a:rPr lang="en-US" sz="1200" b="1" i="0" u="sng" kern="1200" cap="all" dirty="0" smtClean="0">
+                <a:solidFill>
+                  <a:schemeClr val="tx1"/>
+                </a:solidFill>
+                <a:effectLst/>
+                <a:latin typeface="+mn-lt"/>
+                <a:ea typeface="+mn-ea"/>
+                <a:cs typeface="+mn-cs"/>
+              </a:rPr>
+              <a:t>)</a:t>
+            </a:r>
+            <a:r>
+              <a:rPr lang="en-US" sz="1200" b="1" i="0" kern="1200" cap="all" dirty="0" smtClean="0">
+                <a:solidFill>
+                  <a:schemeClr val="tx1"/>
+                </a:solidFill>
+                <a:effectLst/>
+                <a:latin typeface="+mn-lt"/>
+                <a:ea typeface="+mn-ea"/>
+                <a:cs typeface="+mn-cs"/>
+              </a:rPr>
+              <a:t> </a:t>
+            </a:r>
+          </a:p>
+          <a:p>
+            <a:r>
+              <a:rPr lang="en-US" sz="1200" b="1" i="0" kern="1200" dirty="0" smtClean="0">
+                <a:solidFill>
+                  <a:schemeClr val="tx1"/>
+                </a:solidFill>
+                <a:effectLst/>
+                <a:latin typeface="+mn-lt"/>
+                <a:ea typeface="+mn-ea"/>
+                <a:cs typeface="+mn-cs"/>
+              </a:rPr>
+              <a:t>Definition: </a:t>
+            </a:r>
+            <a:r>
+              <a:rPr lang="en-US" dirty="0" smtClean="0"/>
+              <a:t/>
+            </a:r>
+            <a:br>
+              <a:rPr lang="en-US" dirty="0" smtClean="0"/>
+            </a:br>
+            <a:r>
+              <a:rPr lang="en-US" sz="1200" kern="1200" dirty="0" smtClean="0">
+                <a:solidFill>
+                  <a:schemeClr val="tx1"/>
+                </a:solidFill>
+                <a:effectLst/>
+                <a:latin typeface="+mn-lt"/>
+                <a:ea typeface="+mn-ea"/>
+                <a:cs typeface="+mn-cs"/>
+              </a:rPr>
+              <a:t>The inhibitory constant (K</a:t>
+            </a:r>
+            <a:r>
+              <a:rPr lang="en-US" sz="1200" kern="1200" baseline="-25000" dirty="0" smtClean="0">
+                <a:solidFill>
+                  <a:schemeClr val="tx1"/>
+                </a:solidFill>
+                <a:effectLst/>
+                <a:latin typeface="+mn-lt"/>
+                <a:ea typeface="+mn-ea"/>
+                <a:cs typeface="+mn-cs"/>
+              </a:rPr>
+              <a:t>i</a:t>
+            </a:r>
+            <a:r>
+              <a:rPr lang="en-US" sz="1200" kern="1200" dirty="0" smtClean="0">
+                <a:solidFill>
+                  <a:schemeClr val="tx1"/>
+                </a:solidFill>
+                <a:effectLst/>
+                <a:latin typeface="+mn-lt"/>
+                <a:ea typeface="+mn-ea"/>
+                <a:cs typeface="+mn-cs"/>
+              </a:rPr>
+              <a:t>) is a type of </a:t>
+            </a:r>
+            <a:r>
+              <a:rPr lang="en-US" sz="1200" u="sng" kern="1200" dirty="0" smtClean="0">
+                <a:solidFill>
+                  <a:schemeClr val="tx1"/>
+                </a:solidFill>
+                <a:effectLst/>
+                <a:latin typeface="+mn-lt"/>
+                <a:ea typeface="+mn-ea"/>
+                <a:cs typeface="+mn-cs"/>
+                <a:hlinkClick r:id="rId3"/>
+              </a:rPr>
+              <a:t>equilibrium dissociation constant (</a:t>
+            </a:r>
+            <a:r>
+              <a:rPr lang="en-US" sz="1200" u="sng" kern="1200" dirty="0" err="1" smtClean="0">
+                <a:solidFill>
+                  <a:schemeClr val="tx1"/>
+                </a:solidFill>
+                <a:effectLst/>
+                <a:latin typeface="+mn-lt"/>
+                <a:ea typeface="+mn-ea"/>
+                <a:cs typeface="+mn-cs"/>
+                <a:hlinkClick r:id="rId3"/>
+              </a:rPr>
+              <a:t>K</a:t>
+            </a:r>
+            <a:r>
+              <a:rPr lang="en-US" sz="1200" u="sng" kern="1200" baseline="-25000" dirty="0" err="1" smtClean="0">
+                <a:solidFill>
+                  <a:schemeClr val="tx1"/>
+                </a:solidFill>
+                <a:effectLst/>
+                <a:latin typeface="+mn-lt"/>
+                <a:ea typeface="+mn-ea"/>
+                <a:cs typeface="+mn-cs"/>
+                <a:hlinkClick r:id="rId3"/>
+              </a:rPr>
+              <a:t>d</a:t>
+            </a:r>
+            <a:r>
+              <a:rPr lang="en-US" sz="1200" u="sng" kern="1200" dirty="0" smtClean="0">
+                <a:solidFill>
+                  <a:schemeClr val="tx1"/>
+                </a:solidFill>
+                <a:effectLst/>
+                <a:latin typeface="+mn-lt"/>
+                <a:ea typeface="+mn-ea"/>
+                <a:cs typeface="+mn-cs"/>
+                <a:hlinkClick r:id="rId3"/>
+              </a:rPr>
+              <a:t>)</a:t>
+            </a:r>
+            <a:r>
+              <a:rPr lang="en-US" sz="1200" kern="1200" dirty="0" smtClean="0">
+                <a:solidFill>
+                  <a:schemeClr val="tx1"/>
+                </a:solidFill>
+                <a:effectLst/>
+                <a:latin typeface="+mn-lt"/>
+                <a:ea typeface="+mn-ea"/>
+                <a:cs typeface="+mn-cs"/>
+              </a:rPr>
+              <a:t> that represents the equilibrium binding </a:t>
+            </a:r>
+            <a:r>
+              <a:rPr lang="en-US" sz="1200" u="sng" kern="1200" dirty="0" smtClean="0">
+                <a:solidFill>
+                  <a:schemeClr val="tx1"/>
+                </a:solidFill>
+                <a:effectLst/>
+                <a:latin typeface="+mn-lt"/>
+                <a:ea typeface="+mn-ea"/>
+                <a:cs typeface="+mn-cs"/>
+                <a:hlinkClick r:id="rId4"/>
+              </a:rPr>
+              <a:t>affinity</a:t>
+            </a:r>
+            <a:r>
+              <a:rPr lang="en-US" sz="1200" kern="1200" dirty="0" smtClean="0">
+                <a:solidFill>
+                  <a:schemeClr val="tx1"/>
+                </a:solidFill>
+                <a:effectLst/>
+                <a:latin typeface="+mn-lt"/>
+                <a:ea typeface="+mn-ea"/>
+                <a:cs typeface="+mn-cs"/>
+              </a:rPr>
+              <a:t> for a ligand that reduces the activity of its binding partner. K</a:t>
+            </a:r>
+            <a:r>
+              <a:rPr lang="en-US" sz="1200" kern="1200" baseline="-25000" dirty="0" smtClean="0">
+                <a:solidFill>
+                  <a:schemeClr val="tx1"/>
+                </a:solidFill>
+                <a:effectLst/>
+                <a:latin typeface="+mn-lt"/>
+                <a:ea typeface="+mn-ea"/>
+                <a:cs typeface="+mn-cs"/>
+              </a:rPr>
+              <a:t>i </a:t>
+            </a:r>
+            <a:r>
+              <a:rPr lang="en-US" sz="1200" kern="1200" dirty="0" smtClean="0">
+                <a:solidFill>
+                  <a:schemeClr val="tx1"/>
+                </a:solidFill>
+                <a:effectLst/>
+                <a:latin typeface="+mn-lt"/>
+                <a:ea typeface="+mn-ea"/>
+                <a:cs typeface="+mn-cs"/>
+              </a:rPr>
+              <a:t>represents the concentration at which the inhibitor ligand occupies 50% of the receptor sites when no competing ligand is present. The smaller the K</a:t>
+            </a:r>
+            <a:r>
+              <a:rPr lang="en-US" sz="1200" kern="1200" baseline="-25000" dirty="0" smtClean="0">
+                <a:solidFill>
+                  <a:schemeClr val="tx1"/>
+                </a:solidFill>
+                <a:effectLst/>
+                <a:latin typeface="+mn-lt"/>
+                <a:ea typeface="+mn-ea"/>
+                <a:cs typeface="+mn-cs"/>
+              </a:rPr>
+              <a:t>i</a:t>
+            </a:r>
+            <a:r>
+              <a:rPr lang="en-US" sz="1200" kern="1200" dirty="0" smtClean="0">
+                <a:solidFill>
+                  <a:schemeClr val="tx1"/>
+                </a:solidFill>
+                <a:effectLst/>
+                <a:latin typeface="+mn-lt"/>
+                <a:ea typeface="+mn-ea"/>
+                <a:cs typeface="+mn-cs"/>
+              </a:rPr>
+              <a:t> the greater the binding affinity and the smaller the amount of ligand is needed to inhibit its binding partners activity. </a:t>
+            </a:r>
+          </a:p>
+          <a:p>
+            <a:endParaRPr lang="en-US" dirty="0" smtClean="0"/>
+          </a:p>
+          <a:p>
+            <a:pPr marL="0" marR="0" lvl="1" indent="0" algn="l" defTabSz="914400" rtl="0" eaLnBrk="1" fontAlgn="auto" latinLnBrk="0" hangingPunct="1">
+              <a:lnSpc>
+                <a:spcPct val="100000"/>
+              </a:lnSpc>
+              <a:spcBef>
+                <a:spcPts val="0"/>
+              </a:spcBef>
+              <a:spcAft>
+                <a:spcPts val="0"/>
+              </a:spcAft>
+              <a:buClrTx/>
+              <a:buSzTx/>
+              <a:buFontTx/>
+              <a:buNone/>
+              <a:tabLst/>
+              <a:defRPr/>
+            </a:pPr>
+            <a:r>
+              <a:rPr lang="en-US" dirty="0" smtClean="0"/>
+              <a:t>meaning the drug is a more potent inhibitor.</a:t>
+            </a:r>
+          </a:p>
+          <a:p>
+            <a:pPr marL="0" marR="0" lvl="1" indent="0" algn="l" defTabSz="914400" rtl="0" eaLnBrk="1" fontAlgn="auto" latinLnBrk="0" hangingPunct="1">
+              <a:lnSpc>
+                <a:spcPct val="100000"/>
+              </a:lnSpc>
+              <a:spcBef>
+                <a:spcPts val="0"/>
+              </a:spcBef>
+              <a:spcAft>
+                <a:spcPts val="0"/>
+              </a:spcAft>
+              <a:buClrTx/>
+              <a:buSzTx/>
+              <a:buFontTx/>
+              <a:buNone/>
+              <a:tabLst/>
+              <a:defRPr/>
+            </a:pPr>
+            <a:endParaRPr lang="en-US" sz="1200" b="0" i="0" kern="1200" dirty="0" smtClean="0">
+              <a:solidFill>
+                <a:schemeClr val="tx1"/>
+              </a:solidFill>
+              <a:effectLst/>
+              <a:latin typeface="+mn-lt"/>
+              <a:ea typeface="+mn-ea"/>
+              <a:cs typeface="+mn-cs"/>
+            </a:endParaRPr>
+          </a:p>
+          <a:p>
+            <a:pPr marL="0" marR="0" lvl="1" indent="0" algn="l" defTabSz="914400" rtl="0" eaLnBrk="1" fontAlgn="auto" latinLnBrk="0" hangingPunct="1">
+              <a:lnSpc>
+                <a:spcPct val="100000"/>
+              </a:lnSpc>
+              <a:spcBef>
+                <a:spcPts val="0"/>
+              </a:spcBef>
+              <a:spcAft>
+                <a:spcPts val="0"/>
+              </a:spcAft>
+              <a:buClrTx/>
+              <a:buSzTx/>
+              <a:buFontTx/>
+              <a:buNone/>
+              <a:tabLst/>
+              <a:defRPr/>
+            </a:pPr>
+            <a:r>
+              <a:rPr lang="en-US" sz="1200" b="0" i="0" kern="1200" dirty="0" smtClean="0">
+                <a:solidFill>
+                  <a:schemeClr val="tx1"/>
+                </a:solidFill>
+                <a:effectLst/>
+                <a:latin typeface="+mn-lt"/>
+                <a:ea typeface="+mn-ea"/>
+                <a:cs typeface="+mn-cs"/>
+              </a:rPr>
+              <a:t>In summary, Ki and </a:t>
+            </a:r>
+            <a:r>
+              <a:rPr lang="en-US" sz="1200" b="0" i="0" kern="1200" dirty="0" err="1" smtClean="0">
+                <a:solidFill>
+                  <a:schemeClr val="tx1"/>
+                </a:solidFill>
+                <a:effectLst/>
+                <a:latin typeface="+mn-lt"/>
+                <a:ea typeface="+mn-ea"/>
+                <a:cs typeface="+mn-cs"/>
+              </a:rPr>
+              <a:t>Kd</a:t>
+            </a:r>
+            <a:r>
+              <a:rPr lang="en-US" sz="1200" b="0" i="0" kern="1200" dirty="0" smtClean="0">
+                <a:solidFill>
+                  <a:schemeClr val="tx1"/>
+                </a:solidFill>
+                <a:effectLst/>
+                <a:latin typeface="+mn-lt"/>
+                <a:ea typeface="+mn-ea"/>
+                <a:cs typeface="+mn-cs"/>
+              </a:rPr>
+              <a:t> are both measures of binding affinity, but they provide different information about the drug-target interaction. Ki is more relevant in the context of competitive inhibition, while </a:t>
+            </a:r>
+            <a:r>
+              <a:rPr lang="en-US" sz="1200" b="0" i="0" kern="1200" dirty="0" err="1" smtClean="0">
+                <a:solidFill>
+                  <a:schemeClr val="tx1"/>
+                </a:solidFill>
+                <a:effectLst/>
+                <a:latin typeface="+mn-lt"/>
+                <a:ea typeface="+mn-ea"/>
+                <a:cs typeface="+mn-cs"/>
+              </a:rPr>
+              <a:t>Kd</a:t>
+            </a:r>
+            <a:r>
+              <a:rPr lang="en-US" sz="1200" b="0" i="0" kern="1200" dirty="0" smtClean="0">
+                <a:solidFill>
+                  <a:schemeClr val="tx1"/>
+                </a:solidFill>
+                <a:effectLst/>
+                <a:latin typeface="+mn-lt"/>
+                <a:ea typeface="+mn-ea"/>
+                <a:cs typeface="+mn-cs"/>
+              </a:rPr>
+              <a:t> is a more general measure of binding strength.</a:t>
+            </a:r>
+          </a:p>
+          <a:p>
+            <a:pPr marL="0" marR="0" lvl="1" indent="0" algn="l" defTabSz="914400" rtl="0" eaLnBrk="1" fontAlgn="auto" latinLnBrk="0" hangingPunct="1">
+              <a:lnSpc>
+                <a:spcPct val="100000"/>
+              </a:lnSpc>
+              <a:spcBef>
+                <a:spcPts val="0"/>
+              </a:spcBef>
+              <a:spcAft>
+                <a:spcPts val="0"/>
+              </a:spcAft>
+              <a:buClrTx/>
+              <a:buSzTx/>
+              <a:buFontTx/>
+              <a:buNone/>
+              <a:tabLst/>
+              <a:defRPr/>
+            </a:pPr>
+            <a:endParaRPr lang="en-US" sz="1200" b="0" i="0" kern="1200" dirty="0" smtClean="0">
+              <a:solidFill>
+                <a:schemeClr val="tx1"/>
+              </a:solidFill>
+              <a:effectLst/>
+              <a:latin typeface="+mn-lt"/>
+              <a:ea typeface="+mn-ea"/>
+              <a:cs typeface="+mn-cs"/>
+            </a:endParaRPr>
+          </a:p>
+          <a:p>
+            <a:pPr marL="0" marR="0" lvl="1" indent="0" algn="l" defTabSz="914400" rtl="0" eaLnBrk="1" fontAlgn="auto" latinLnBrk="0" hangingPunct="1">
+              <a:lnSpc>
+                <a:spcPct val="100000"/>
+              </a:lnSpc>
+              <a:spcBef>
+                <a:spcPts val="0"/>
+              </a:spcBef>
+              <a:spcAft>
+                <a:spcPts val="0"/>
+              </a:spcAft>
+              <a:buClrTx/>
+              <a:buSzTx/>
+              <a:buFontTx/>
+              <a:buNone/>
+              <a:tabLst/>
+              <a:defRPr/>
+            </a:pPr>
+            <a:r>
+              <a:rPr lang="en-US" sz="1200" b="0" i="0" kern="1200" dirty="0" smtClean="0">
+                <a:solidFill>
+                  <a:schemeClr val="tx1"/>
+                </a:solidFill>
+                <a:effectLst/>
+                <a:latin typeface="+mn-lt"/>
+                <a:ea typeface="+mn-ea"/>
+                <a:cs typeface="+mn-cs"/>
+              </a:rPr>
+              <a:t>the dissociation term in </a:t>
+            </a:r>
+            <a:r>
+              <a:rPr lang="en-US" sz="1200" b="0" i="0" kern="1200" dirty="0" err="1" smtClean="0">
+                <a:solidFill>
+                  <a:schemeClr val="tx1"/>
+                </a:solidFill>
+                <a:effectLst/>
+                <a:latin typeface="+mn-lt"/>
+                <a:ea typeface="+mn-ea"/>
+                <a:cs typeface="+mn-cs"/>
+              </a:rPr>
+              <a:t>Kd</a:t>
+            </a:r>
+            <a:r>
+              <a:rPr lang="en-US" sz="1200" b="0" i="0" kern="1200" dirty="0" smtClean="0">
+                <a:solidFill>
+                  <a:schemeClr val="tx1"/>
+                </a:solidFill>
+                <a:effectLst/>
+                <a:latin typeface="+mn-lt"/>
+                <a:ea typeface="+mn-ea"/>
+                <a:cs typeface="+mn-cs"/>
+              </a:rPr>
+              <a:t> implies the equilibrium binding dynamics between the ligand and the target, while the inhibition term in Ki implies the potency of the inhibitor in modulating the enzyme's function. Both measures are important in understanding the interactions between ligands and enzymes or proteins, and in the development of effective therapeutic interventions</a:t>
+            </a:r>
+            <a:endParaRPr lang="en-US" dirty="0"/>
+          </a:p>
+        </p:txBody>
+      </p:sp>
+      <p:sp>
+        <p:nvSpPr>
+          <p:cNvPr id="4" name="Slide Number Placeholder 3"/>
+          <p:cNvSpPr>
+            <a:spLocks noGrp="1"/>
+          </p:cNvSpPr>
+          <p:nvPr>
+            <p:ph type="sldNum" sz="quarter" idx="10"/>
+          </p:nvPr>
+        </p:nvSpPr>
+        <p:spPr/>
+        <p:txBody>
+          <a:bodyPr/>
+          <a:lstStyle/>
+          <a:p>
+            <a:fld id="{C7689D65-4FEA-4151-83A2-DE7BE828DF61}" type="slidenum">
+              <a:rPr lang="en-US" smtClean="0"/>
+              <a:t>12</a:t>
+            </a:fld>
+            <a:endParaRPr lang="en-US"/>
+          </a:p>
+        </p:txBody>
+      </p:sp>
+    </p:spTree>
+    <p:extLst>
+      <p:ext uri="{BB962C8B-B14F-4D97-AF65-F5344CB8AC3E}">
+        <p14:creationId xmlns:p14="http://schemas.microsoft.com/office/powerpoint/2010/main" val="897775463"/>
+      </p:ext>
+    </p:extLst>
+  </p:cSld>
+  <p:clrMapOvr>
+    <a:masterClrMapping/>
+  </p:clrMapOvr>
+</p:notes>
+</file>
+
+<file path=ppt/notesSlides/notesSlide8.xml><?xml version="1.0" encoding="utf-8"?>
+<p:notes xmlns:a="http://schemas.openxmlformats.org/drawingml/2006/main" xmlns:r="http://schemas.openxmlformats.org/officeDocument/2006/relationships" xmlns:p="http://schemas.openxmlformats.org/presentationml/2006/main">
+  <p:cSld>
+    <p:spTree>
+      <p:nvGrpSpPr>
+        <p:cNvPr id="1" name=""/>
+        <p:cNvGrpSpPr/>
+        <p:nvPr/>
+      </p:nvGrpSpPr>
+      <p:grpSpPr>
+        <a:xfrm>
+          <a:off x="0" y="0"/>
+          <a:ext cx="0" cy="0"/>
+          <a:chOff x="0" y="0"/>
+          <a:chExt cx="0" cy="0"/>
+        </a:xfrm>
+      </p:grpSpPr>
+      <p:sp>
+        <p:nvSpPr>
+          <p:cNvPr id="2" name="Slide Image Placeholder 1"/>
+          <p:cNvSpPr>
+            <a:spLocks noGrp="1" noRot="1" noChangeAspect="1"/>
+          </p:cNvSpPr>
+          <p:nvPr>
+            <p:ph type="sldImg"/>
+          </p:nvPr>
+        </p:nvSpPr>
+        <p:spPr/>
+      </p:sp>
+      <p:sp>
+        <p:nvSpPr>
+          <p:cNvPr id="3" name="Notes Placeholder 2"/>
+          <p:cNvSpPr>
+            <a:spLocks noGrp="1"/>
+          </p:cNvSpPr>
+          <p:nvPr>
+            <p:ph type="body" idx="1"/>
+          </p:nvPr>
+        </p:nvSpPr>
+        <p:spPr/>
+        <p:txBody>
+          <a:bodyPr/>
+          <a:lstStyle/>
+          <a:p>
+            <a:r>
+              <a:rPr lang="en-US" sz="1200" b="0" i="0" kern="1200" dirty="0" err="1" smtClean="0">
+                <a:solidFill>
+                  <a:schemeClr val="tx1"/>
+                </a:solidFill>
+                <a:effectLst/>
+                <a:latin typeface="+mn-lt"/>
+                <a:ea typeface="+mn-ea"/>
+                <a:cs typeface="+mn-cs"/>
+              </a:rPr>
+              <a:t>ChEMBL</a:t>
+            </a:r>
+            <a:r>
+              <a:rPr lang="en-US" sz="1200" b="0" i="0" kern="1200" dirty="0" smtClean="0">
+                <a:solidFill>
+                  <a:schemeClr val="tx1"/>
+                </a:solidFill>
+                <a:effectLst/>
+                <a:latin typeface="+mn-lt"/>
+                <a:ea typeface="+mn-ea"/>
+                <a:cs typeface="+mn-cs"/>
+              </a:rPr>
+              <a:t> is a publicly available and manually curated database of bioactive drug-like small molecules, their biological targets, and the quantitative drug-target interaction data. It is a valuable resource in the field of drug discovery and development.</a:t>
+            </a:r>
+          </a:p>
+          <a:p>
+            <a:endParaRPr lang="en-US" sz="1200" b="0" i="0" kern="1200" dirty="0" smtClean="0">
+              <a:solidFill>
+                <a:schemeClr val="tx1"/>
+              </a:solidFill>
+              <a:effectLst/>
+              <a:latin typeface="+mn-lt"/>
+              <a:ea typeface="+mn-ea"/>
+              <a:cs typeface="+mn-cs"/>
+            </a:endParaRPr>
+          </a:p>
+          <a:p>
+            <a:r>
+              <a:rPr lang="en-US" sz="1200" b="0" i="0" kern="1200" dirty="0" err="1" smtClean="0">
+                <a:solidFill>
+                  <a:schemeClr val="tx1"/>
+                </a:solidFill>
+                <a:effectLst/>
+                <a:latin typeface="+mn-lt"/>
+                <a:ea typeface="+mn-ea"/>
+                <a:cs typeface="+mn-cs"/>
+              </a:rPr>
+              <a:t>Imatinib</a:t>
+            </a:r>
+            <a:r>
+              <a:rPr lang="en-US" sz="1200" b="0" i="0" kern="1200" dirty="0" smtClean="0">
+                <a:solidFill>
+                  <a:schemeClr val="tx1"/>
+                </a:solidFill>
+                <a:effectLst/>
+                <a:latin typeface="+mn-lt"/>
+                <a:ea typeface="+mn-ea"/>
+                <a:cs typeface="+mn-cs"/>
+              </a:rPr>
+              <a:t> and SRC (SRC Proto-Oncogene, Non-Receptor Tyrosine Kinase) form an important drug-target pair in the field of cancer research and treatment.</a:t>
+            </a:r>
+            <a:endParaRPr lang="en-US" dirty="0"/>
+          </a:p>
+        </p:txBody>
+      </p:sp>
+      <p:sp>
+        <p:nvSpPr>
+          <p:cNvPr id="4" name="Slide Number Placeholder 3"/>
+          <p:cNvSpPr>
+            <a:spLocks noGrp="1"/>
+          </p:cNvSpPr>
+          <p:nvPr>
+            <p:ph type="sldNum" sz="quarter" idx="10"/>
+          </p:nvPr>
+        </p:nvSpPr>
+        <p:spPr/>
+        <p:txBody>
+          <a:bodyPr/>
+          <a:lstStyle/>
+          <a:p>
+            <a:fld id="{C7689D65-4FEA-4151-83A2-DE7BE828DF61}" type="slidenum">
+              <a:rPr lang="en-US" smtClean="0"/>
+              <a:t>13</a:t>
+            </a:fld>
+            <a:endParaRPr lang="en-US"/>
+          </a:p>
+        </p:txBody>
+      </p:sp>
+    </p:spTree>
+    <p:extLst>
+      <p:ext uri="{BB962C8B-B14F-4D97-AF65-F5344CB8AC3E}">
+        <p14:creationId xmlns:p14="http://schemas.microsoft.com/office/powerpoint/2010/main" val="4022307858"/>
+      </p:ext>
+    </p:extLst>
+  </p:cSld>
+  <p:clrMapOvr>
+    <a:masterClrMapping/>
+  </p:clrMapOvr>
+</p:notes>
+</file>
+
+<file path=ppt/notesSlides/notesSlide9.xml><?xml version="1.0" encoding="utf-8"?>
+<p:notes xmlns:a="http://schemas.openxmlformats.org/drawingml/2006/main" xmlns:r="http://schemas.openxmlformats.org/officeDocument/2006/relationships" xmlns:p="http://schemas.openxmlformats.org/presentationml/2006/main">
+  <p:cSld>
+    <p:spTree>
+      <p:nvGrpSpPr>
+        <p:cNvPr id="1" name=""/>
+        <p:cNvGrpSpPr/>
+        <p:nvPr/>
+      </p:nvGrpSpPr>
+      <p:grpSpPr>
+        <a:xfrm>
+          <a:off x="0" y="0"/>
+          <a:ext cx="0" cy="0"/>
+          <a:chOff x="0" y="0"/>
+          <a:chExt cx="0" cy="0"/>
+        </a:xfrm>
+      </p:grpSpPr>
+      <p:sp>
+        <p:nvSpPr>
+          <p:cNvPr id="2" name="Slide Image Placeholder 1"/>
+          <p:cNvSpPr>
+            <a:spLocks noGrp="1" noRot="1" noChangeAspect="1"/>
+          </p:cNvSpPr>
+          <p:nvPr>
+            <p:ph type="sldImg"/>
+          </p:nvPr>
+        </p:nvSpPr>
+        <p:spPr/>
+      </p:sp>
+      <p:sp>
+        <p:nvSpPr>
+          <p:cNvPr id="3" name="Notes Placeholder 2"/>
+          <p:cNvSpPr>
+            <a:spLocks noGrp="1"/>
+          </p:cNvSpPr>
+          <p:nvPr>
+            <p:ph type="body" idx="1"/>
+          </p:nvPr>
+        </p:nvSpPr>
+        <p:spPr/>
+        <p:txBody>
+          <a:bodyPr/>
+          <a:lstStyle/>
+          <a:p>
+            <a:r>
+              <a:rPr lang="en-US" sz="1200" b="0" i="0" kern="1200" dirty="0" smtClean="0">
+                <a:solidFill>
+                  <a:schemeClr val="tx1"/>
+                </a:solidFill>
+                <a:effectLst/>
+                <a:latin typeface="+mn-lt"/>
+                <a:ea typeface="+mn-ea"/>
+                <a:cs typeface="+mn-cs"/>
+              </a:rPr>
+              <a:t>The kinase dissociation constant, often denoted as </a:t>
+            </a:r>
+            <a:r>
+              <a:rPr lang="en-US" sz="1200" b="0" i="0" kern="1200" dirty="0" err="1" smtClean="0">
+                <a:solidFill>
+                  <a:schemeClr val="tx1"/>
+                </a:solidFill>
+                <a:effectLst/>
+                <a:latin typeface="+mn-lt"/>
+                <a:ea typeface="+mn-ea"/>
+                <a:cs typeface="+mn-cs"/>
+              </a:rPr>
+              <a:t>Kd</a:t>
+            </a:r>
+            <a:r>
+              <a:rPr lang="en-US" sz="1200" b="0" i="0" kern="1200" dirty="0" smtClean="0">
+                <a:solidFill>
+                  <a:schemeClr val="tx1"/>
+                </a:solidFill>
+                <a:effectLst/>
+                <a:latin typeface="+mn-lt"/>
+                <a:ea typeface="+mn-ea"/>
+                <a:cs typeface="+mn-cs"/>
+              </a:rPr>
+              <a:t>, is a measure of the strength of the interaction between a kinase enzyme and its substrate or inhibitor. It represents the concentration of the substrate or inhibitor at which the kinase enzyme is half-saturated.</a:t>
+            </a:r>
+          </a:p>
+          <a:p>
+            <a:r>
+              <a:rPr lang="en-US" sz="1200" b="0" i="0" kern="1200" dirty="0" smtClean="0">
+                <a:solidFill>
+                  <a:schemeClr val="tx1"/>
+                </a:solidFill>
+                <a:effectLst/>
+                <a:latin typeface="+mn-lt"/>
+                <a:ea typeface="+mn-ea"/>
+                <a:cs typeface="+mn-cs"/>
+              </a:rPr>
+              <a:t>Specifically, the kinase dissociation constant is defined as:</a:t>
+            </a:r>
+          </a:p>
+          <a:p>
+            <a:r>
+              <a:rPr lang="en-US" sz="1200" b="0" i="0" kern="1200" dirty="0" err="1" smtClean="0">
+                <a:solidFill>
+                  <a:schemeClr val="tx1"/>
+                </a:solidFill>
+                <a:effectLst/>
+                <a:latin typeface="+mn-lt"/>
+                <a:ea typeface="+mn-ea"/>
+                <a:cs typeface="+mn-cs"/>
+              </a:rPr>
+              <a:t>Kd</a:t>
+            </a:r>
+            <a:r>
+              <a:rPr lang="en-US" sz="1200" b="0" i="0" kern="1200" dirty="0" smtClean="0">
+                <a:solidFill>
+                  <a:schemeClr val="tx1"/>
+                </a:solidFill>
+                <a:effectLst/>
+                <a:latin typeface="+mn-lt"/>
+                <a:ea typeface="+mn-ea"/>
+                <a:cs typeface="+mn-cs"/>
+              </a:rPr>
+              <a:t> = [Enzyme] × [Substrate] / [Enzyme-Substrate Complex]</a:t>
+            </a:r>
+          </a:p>
+          <a:p>
+            <a:r>
+              <a:rPr lang="en-US" sz="1200" b="0" i="0" kern="1200" dirty="0" smtClean="0">
+                <a:solidFill>
+                  <a:schemeClr val="tx1"/>
+                </a:solidFill>
+                <a:effectLst/>
+                <a:latin typeface="+mn-lt"/>
+                <a:ea typeface="+mn-ea"/>
+                <a:cs typeface="+mn-cs"/>
+              </a:rPr>
+              <a:t>Where:</a:t>
+            </a:r>
+          </a:p>
+          <a:p>
+            <a:r>
+              <a:rPr lang="en-US" sz="1200" b="0" i="0" kern="1200" dirty="0" smtClean="0">
+                <a:solidFill>
+                  <a:schemeClr val="tx1"/>
+                </a:solidFill>
+                <a:effectLst/>
+                <a:latin typeface="+mn-lt"/>
+                <a:ea typeface="+mn-ea"/>
+                <a:cs typeface="+mn-cs"/>
+              </a:rPr>
+              <a:t>[Enzyme] is the concentration of the free, unbound kinase enzyme</a:t>
+            </a:r>
+          </a:p>
+          <a:p>
+            <a:r>
+              <a:rPr lang="en-US" sz="1200" b="0" i="0" kern="1200" dirty="0" smtClean="0">
+                <a:solidFill>
+                  <a:schemeClr val="tx1"/>
+                </a:solidFill>
+                <a:effectLst/>
+                <a:latin typeface="+mn-lt"/>
+                <a:ea typeface="+mn-ea"/>
+                <a:cs typeface="+mn-cs"/>
+              </a:rPr>
+              <a:t>[Substrate] is the concentration of the free, unbound substrate</a:t>
+            </a:r>
+          </a:p>
+          <a:p>
+            <a:r>
+              <a:rPr lang="en-US" sz="1200" b="0" i="0" kern="1200" dirty="0" smtClean="0">
+                <a:solidFill>
+                  <a:schemeClr val="tx1"/>
+                </a:solidFill>
+                <a:effectLst/>
+                <a:latin typeface="+mn-lt"/>
+                <a:ea typeface="+mn-ea"/>
+                <a:cs typeface="+mn-cs"/>
+              </a:rPr>
+              <a:t>[Enzyme-Substrate Complex] is the concentration of the enzyme-substrate complex</a:t>
+            </a:r>
+          </a:p>
+          <a:p>
+            <a:r>
+              <a:rPr lang="en-US" sz="1200" b="0" i="0" kern="1200" dirty="0" smtClean="0">
+                <a:solidFill>
+                  <a:schemeClr val="tx1"/>
+                </a:solidFill>
+                <a:effectLst/>
+                <a:latin typeface="+mn-lt"/>
+                <a:ea typeface="+mn-ea"/>
+                <a:cs typeface="+mn-cs"/>
+              </a:rPr>
+              <a:t>A lower </a:t>
+            </a:r>
+            <a:r>
+              <a:rPr lang="en-US" sz="1200" b="0" i="0" kern="1200" dirty="0" err="1" smtClean="0">
+                <a:solidFill>
+                  <a:schemeClr val="tx1"/>
+                </a:solidFill>
+                <a:effectLst/>
+                <a:latin typeface="+mn-lt"/>
+                <a:ea typeface="+mn-ea"/>
+                <a:cs typeface="+mn-cs"/>
+              </a:rPr>
+              <a:t>Kd</a:t>
+            </a:r>
+            <a:r>
+              <a:rPr lang="en-US" sz="1200" b="0" i="0" kern="1200" dirty="0" smtClean="0">
+                <a:solidFill>
+                  <a:schemeClr val="tx1"/>
+                </a:solidFill>
+                <a:effectLst/>
+                <a:latin typeface="+mn-lt"/>
+                <a:ea typeface="+mn-ea"/>
+                <a:cs typeface="+mn-cs"/>
+              </a:rPr>
+              <a:t> value indicates a stronger binding affinity between the kinase and its substrate or inhibitor. A high-affinity interaction has a low </a:t>
+            </a:r>
+            <a:r>
+              <a:rPr lang="en-US" sz="1200" b="0" i="0" kern="1200" dirty="0" err="1" smtClean="0">
+                <a:solidFill>
+                  <a:schemeClr val="tx1"/>
+                </a:solidFill>
+                <a:effectLst/>
+                <a:latin typeface="+mn-lt"/>
+                <a:ea typeface="+mn-ea"/>
+                <a:cs typeface="+mn-cs"/>
+              </a:rPr>
+              <a:t>Kd</a:t>
+            </a:r>
+            <a:r>
+              <a:rPr lang="en-US" sz="1200" b="0" i="0" kern="1200" dirty="0" smtClean="0">
+                <a:solidFill>
+                  <a:schemeClr val="tx1"/>
+                </a:solidFill>
+                <a:effectLst/>
+                <a:latin typeface="+mn-lt"/>
+                <a:ea typeface="+mn-ea"/>
+                <a:cs typeface="+mn-cs"/>
+              </a:rPr>
+              <a:t>, while a low-affinity interaction has a high </a:t>
+            </a:r>
+            <a:r>
+              <a:rPr lang="en-US" sz="1200" b="0" i="0" kern="1200" dirty="0" err="1" smtClean="0">
+                <a:solidFill>
+                  <a:schemeClr val="tx1"/>
+                </a:solidFill>
+                <a:effectLst/>
+                <a:latin typeface="+mn-lt"/>
+                <a:ea typeface="+mn-ea"/>
+                <a:cs typeface="+mn-cs"/>
+              </a:rPr>
+              <a:t>Kd</a:t>
+            </a:r>
+            <a:r>
+              <a:rPr lang="en-US" sz="1200" b="0" i="0" kern="1200" smtClean="0">
+                <a:solidFill>
+                  <a:schemeClr val="tx1"/>
+                </a:solidFill>
+                <a:effectLst/>
+                <a:latin typeface="+mn-lt"/>
+                <a:ea typeface="+mn-ea"/>
+                <a:cs typeface="+mn-cs"/>
+              </a:rPr>
+              <a:t>.</a:t>
+            </a:r>
+            <a:endParaRPr lang="en-US" sz="1200" b="0" i="0" kern="1200">
+              <a:solidFill>
+                <a:schemeClr val="tx1"/>
+              </a:solidFill>
+              <a:effectLst/>
+              <a:latin typeface="+mn-lt"/>
+              <a:ea typeface="+mn-ea"/>
+              <a:cs typeface="+mn-cs"/>
+            </a:endParaRPr>
+          </a:p>
+        </p:txBody>
+      </p:sp>
+      <p:sp>
+        <p:nvSpPr>
+          <p:cNvPr id="4" name="Slide Number Placeholder 3"/>
+          <p:cNvSpPr>
+            <a:spLocks noGrp="1"/>
+          </p:cNvSpPr>
+          <p:nvPr>
+            <p:ph type="sldNum" sz="quarter" idx="10"/>
+          </p:nvPr>
+        </p:nvSpPr>
+        <p:spPr/>
+        <p:txBody>
+          <a:bodyPr/>
+          <a:lstStyle/>
+          <a:p>
+            <a:fld id="{C7689D65-4FEA-4151-83A2-DE7BE828DF61}" type="slidenum">
+              <a:rPr lang="en-US" smtClean="0"/>
+              <a:t>15</a:t>
+            </a:fld>
+            <a:endParaRPr lang="en-US"/>
+          </a:p>
+        </p:txBody>
+      </p:sp>
+    </p:spTree>
+    <p:extLst>
+      <p:ext uri="{BB962C8B-B14F-4D97-AF65-F5344CB8AC3E}">
+        <p14:creationId xmlns:p14="http://schemas.microsoft.com/office/powerpoint/2010/main" val="2544302419"/>
       </p:ext>
     </p:extLst>
   </p:cSld>
@@ -1642,7 +5324,7 @@
             <a:fld id="{1D8BD707-D9CF-40AE-B4C6-C98DA3205C09}" type="datetimeFigureOut">
               <a:rPr lang="en-US" smtClean="0"/>
               <a:pPr/>
-              <a:t>8/5/2024</a:t>
+              <a:t>8/14/2024</a:t>
             </a:fld>
             <a:endParaRPr lang="en-US"/>
           </a:p>
@@ -1840,7 +5522,7 @@
             <a:fld id="{1D8BD707-D9CF-40AE-B4C6-C98DA3205C09}" type="datetimeFigureOut">
               <a:rPr lang="en-US" smtClean="0"/>
               <a:pPr/>
-              <a:t>8/5/2024</a:t>
+              <a:t>8/14/2024</a:t>
             </a:fld>
             <a:endParaRPr lang="en-US"/>
           </a:p>
@@ -2027,7 +5709,7 @@
             <a:fld id="{1D8BD707-D9CF-40AE-B4C6-C98DA3205C09}" type="datetimeFigureOut">
               <a:rPr lang="en-US" smtClean="0"/>
               <a:pPr/>
-              <a:t>8/5/2024</a:t>
+              <a:t>8/14/2024</a:t>
             </a:fld>
             <a:endParaRPr lang="en-US"/>
           </a:p>
@@ -2179,7 +5861,7 @@
             <a:fld id="{1D8BD707-D9CF-40AE-B4C6-C98DA3205C09}" type="datetimeFigureOut">
               <a:rPr lang="en-US" smtClean="0"/>
               <a:pPr/>
-              <a:t>8/5/2024</a:t>
+              <a:t>8/14/2024</a:t>
             </a:fld>
             <a:endParaRPr lang="en-US"/>
           </a:p>
@@ -2436,7 +6118,7 @@
             <a:fld id="{1D8BD707-D9CF-40AE-B4C6-C98DA3205C09}" type="datetimeFigureOut">
               <a:rPr lang="en-US" smtClean="0"/>
               <a:pPr/>
-              <a:t>8/5/2024</a:t>
+              <a:t>8/14/2024</a:t>
             </a:fld>
             <a:endParaRPr lang="en-US"/>
           </a:p>
@@ -2847,7 +6529,7 @@
             <a:fld id="{1D8BD707-D9CF-40AE-B4C6-C98DA3205C09}" type="datetimeFigureOut">
               <a:rPr lang="en-US" smtClean="0"/>
               <a:pPr/>
-              <a:t>8/5/2024</a:t>
+              <a:t>8/14/2024</a:t>
             </a:fld>
             <a:endParaRPr lang="en-US"/>
           </a:p>
@@ -3295,7 +6977,7 @@
             <a:fld id="{1D8BD707-D9CF-40AE-B4C6-C98DA3205C09}" type="datetimeFigureOut">
               <a:rPr lang="en-US" smtClean="0"/>
               <a:pPr/>
-              <a:t>8/5/2024</a:t>
+              <a:t>8/14/2024</a:t>
             </a:fld>
             <a:endParaRPr lang="en-US"/>
           </a:p>
@@ -3398,7 +7080,7 @@
             <a:fld id="{1D8BD707-D9CF-40AE-B4C6-C98DA3205C09}" type="datetimeFigureOut">
               <a:rPr lang="en-US" smtClean="0"/>
               <a:pPr/>
-              <a:t>8/5/2024</a:t>
+              <a:t>8/14/2024</a:t>
             </a:fld>
             <a:endParaRPr lang="en-US"/>
           </a:p>
@@ -3521,7 +7203,7 @@
             <a:fld id="{1D8BD707-D9CF-40AE-B4C6-C98DA3205C09}" type="datetimeFigureOut">
               <a:rPr lang="en-US" smtClean="0"/>
               <a:pPr/>
-              <a:t>8/5/2024</a:t>
+              <a:t>8/14/2024</a:t>
             </a:fld>
             <a:endParaRPr lang="en-US"/>
           </a:p>
@@ -3797,7 +7479,7 @@
             <a:fld id="{1D8BD707-D9CF-40AE-B4C6-C98DA3205C09}" type="datetimeFigureOut">
               <a:rPr lang="en-US" smtClean="0"/>
               <a:pPr/>
-              <a:t>8/5/2024</a:t>
+              <a:t>8/14/2024</a:t>
             </a:fld>
             <a:endParaRPr lang="en-US"/>
           </a:p>
@@ -4004,7 +7686,7 @@
             <a:fld id="{1D8BD707-D9CF-40AE-B4C6-C98DA3205C09}" type="datetimeFigureOut">
               <a:rPr lang="en-US" smtClean="0"/>
               <a:pPr/>
-              <a:t>8/5/2024</a:t>
+              <a:t>8/14/2024</a:t>
             </a:fld>
             <a:endParaRPr lang="en-US"/>
           </a:p>
@@ -5115,7 +8797,7 @@
             <a:fld id="{1D8BD707-D9CF-40AE-B4C6-C98DA3205C09}" type="datetimeFigureOut">
               <a:rPr lang="en-US" smtClean="0"/>
               <a:pPr/>
-              <a:t>8/5/2024</a:t>
+              <a:t>8/14/2024</a:t>
             </a:fld>
             <a:endParaRPr lang="en-US"/>
           </a:p>
@@ -5664,6 +9346,1322 @@
             <p:ph idx="1"/>
           </p:nvPr>
         </p:nvSpPr>
+        <p:spPr>
+          <a:xfrm>
+            <a:off x="457200" y="1481328"/>
+            <a:ext cx="8229600" cy="5224272"/>
+          </a:xfrm>
+        </p:spPr>
+        <p:txBody>
+          <a:bodyPr>
+            <a:normAutofit/>
+          </a:bodyPr>
+          <a:lstStyle/>
+          <a:p>
+            <a:r>
+              <a:rPr lang="en-US" dirty="0"/>
+              <a:t>The kinase dissociation constant(</a:t>
+            </a:r>
+            <a:r>
+              <a:rPr lang="en-US" b="1" dirty="0" err="1"/>
+              <a:t>Kd</a:t>
+            </a:r>
+            <a:r>
+              <a:rPr lang="en-US" dirty="0"/>
+              <a:t>)</a:t>
+            </a:r>
+            <a:endParaRPr lang="en-US" dirty="0" smtClean="0"/>
+          </a:p>
+          <a:p>
+            <a:pPr lvl="1"/>
+            <a:r>
+              <a:rPr lang="en-US" dirty="0"/>
+              <a:t>measures the equilibrium between the </a:t>
+            </a:r>
+            <a:r>
+              <a:rPr lang="en-US" dirty="0" smtClean="0"/>
+              <a:t>ligand(drug)-</a:t>
+            </a:r>
+            <a:r>
+              <a:rPr lang="en-US" dirty="0"/>
+              <a:t>protein complex and the dissociated </a:t>
+            </a:r>
+            <a:r>
+              <a:rPr lang="en-US" dirty="0" smtClean="0"/>
+              <a:t>components</a:t>
+            </a:r>
+            <a:endParaRPr lang="en-US" dirty="0"/>
+          </a:p>
+          <a:p>
+            <a:pPr lvl="1"/>
+            <a:endParaRPr lang="en-US" dirty="0" smtClean="0"/>
+          </a:p>
+          <a:p>
+            <a:pPr lvl="1"/>
+            <a:endParaRPr lang="en-US" dirty="0" smtClean="0"/>
+          </a:p>
+          <a:p>
+            <a:pPr lvl="1"/>
+            <a:endParaRPr lang="en-US" dirty="0"/>
+          </a:p>
+          <a:p>
+            <a:pPr lvl="1"/>
+            <a:endParaRPr lang="en-US" dirty="0" smtClean="0"/>
+          </a:p>
+          <a:p>
+            <a:pPr lvl="1"/>
+            <a:r>
+              <a:rPr lang="en-US" dirty="0"/>
+              <a:t>Where [P] is the free protein </a:t>
+            </a:r>
+            <a:r>
+              <a:rPr lang="en-US" dirty="0" smtClean="0"/>
+              <a:t>concentration</a:t>
+            </a:r>
+          </a:p>
+          <a:p>
+            <a:pPr lvl="1"/>
+            <a:r>
+              <a:rPr lang="en-US" dirty="0"/>
+              <a:t>[L] is the free ligand concentration</a:t>
+            </a:r>
+          </a:p>
+          <a:p>
+            <a:pPr lvl="1"/>
+            <a:r>
+              <a:rPr lang="en-US" dirty="0"/>
+              <a:t>[PL] is the protein-ligand complex</a:t>
+            </a:r>
+            <a:endParaRPr lang="en-US" dirty="0" smtClean="0"/>
+          </a:p>
+          <a:p>
+            <a:endParaRPr lang="en-US" dirty="0"/>
+          </a:p>
+        </p:txBody>
+      </p:sp>
+      <p:sp>
+        <p:nvSpPr>
+          <p:cNvPr id="3" name="Title 2"/>
+          <p:cNvSpPr>
+            <a:spLocks noGrp="1"/>
+          </p:cNvSpPr>
+          <p:nvPr>
+            <p:ph type="title"/>
+          </p:nvPr>
+        </p:nvSpPr>
+        <p:spPr>
+          <a:xfrm>
+            <a:off x="685800" y="274638"/>
+            <a:ext cx="8382000" cy="1143000"/>
+          </a:xfrm>
+        </p:spPr>
+        <p:txBody>
+          <a:bodyPr>
+            <a:noAutofit/>
+          </a:bodyPr>
+          <a:lstStyle/>
+          <a:p>
+            <a:r>
+              <a:rPr lang="en-US" dirty="0"/>
+              <a:t>binding </a:t>
+            </a:r>
+            <a:r>
+              <a:rPr lang="en-US" dirty="0" smtClean="0"/>
+              <a:t>affinity measures</a:t>
+            </a:r>
+            <a:endParaRPr lang="en-US" dirty="0"/>
+          </a:p>
+        </p:txBody>
+      </p:sp>
+      <p:pic>
+        <p:nvPicPr>
+          <p:cNvPr id="4" name="Picture 2"/>
+          <p:cNvPicPr>
+            <a:picLocks noChangeAspect="1" noChangeArrowheads="1"/>
+          </p:cNvPicPr>
+          <p:nvPr/>
+        </p:nvPicPr>
+        <p:blipFill>
+          <a:blip r:embed="rId3">
+            <a:extLst>
+              <a:ext uri="{28A0092B-C50C-407E-A947-70E740481C1C}">
+                <a14:useLocalDpi xmlns:a14="http://schemas.microsoft.com/office/drawing/2010/main" val="0"/>
+              </a:ext>
+            </a:extLst>
+          </a:blip>
+          <a:srcRect/>
+          <a:stretch>
+            <a:fillRect/>
+          </a:stretch>
+        </p:blipFill>
+        <p:spPr bwMode="auto">
+          <a:xfrm>
+            <a:off x="1295399" y="2980873"/>
+            <a:ext cx="2931117" cy="1079886"/>
+          </a:xfrm>
+          <a:prstGeom prst="rect">
+            <a:avLst/>
+          </a:prstGeom>
+          <a:noFill/>
+          <a:ln>
+            <a:noFill/>
+          </a:ln>
+          <a:effectLst/>
+          <a:extLst>
+            <a:ext uri="{909E8E84-426E-40DD-AFC4-6F175D3DCCD1}">
+              <a14:hiddenFill xmlns:a14="http://schemas.microsoft.com/office/drawing/2010/main">
+                <a:solidFill>
+                  <a:schemeClr val="accent1"/>
+                </a:solidFill>
+              </a14:hiddenFill>
+            </a:ext>
+            <a:ext uri="{91240B29-F687-4F45-9708-019B960494DF}">
+              <a14:hiddenLine xmlns:a14="http://schemas.microsoft.com/office/drawing/2010/main" w="9525">
+                <a:solidFill>
+                  <a:schemeClr val="tx1"/>
+                </a:solidFill>
+                <a:miter lim="800000"/>
+                <a:headEnd/>
+                <a:tailEnd/>
+              </a14:hiddenLine>
+            </a:ext>
+            <a:ext uri="{AF507438-7753-43E0-B8FC-AC1667EBCBE1}">
+              <a14:hiddenEffects xmlns:a14="http://schemas.microsoft.com/office/drawing/2010/main">
+                <a:effectLst>
+                  <a:outerShdw dist="35921" dir="2700000" algn="ctr" rotWithShape="0">
+                    <a:schemeClr val="bg2"/>
+                  </a:outerShdw>
+                </a:effectLst>
+              </a14:hiddenEffects>
+            </a:ext>
+          </a:extLst>
+        </p:spPr>
+      </p:pic>
+      <p:pic>
+        <p:nvPicPr>
+          <p:cNvPr id="5" name="Picture 3"/>
+          <p:cNvPicPr>
+            <a:picLocks noChangeAspect="1" noChangeArrowheads="1"/>
+          </p:cNvPicPr>
+          <p:nvPr/>
+        </p:nvPicPr>
+        <p:blipFill>
+          <a:blip r:embed="rId4">
+            <a:extLst>
+              <a:ext uri="{28A0092B-C50C-407E-A947-70E740481C1C}">
+                <a14:useLocalDpi xmlns:a14="http://schemas.microsoft.com/office/drawing/2010/main" val="0"/>
+              </a:ext>
+            </a:extLst>
+          </a:blip>
+          <a:srcRect/>
+          <a:stretch>
+            <a:fillRect/>
+          </a:stretch>
+        </p:blipFill>
+        <p:spPr bwMode="auto">
+          <a:xfrm>
+            <a:off x="4876800" y="2743200"/>
+            <a:ext cx="2090527" cy="1317559"/>
+          </a:xfrm>
+          <a:prstGeom prst="rect">
+            <a:avLst/>
+          </a:prstGeom>
+          <a:noFill/>
+          <a:ln>
+            <a:noFill/>
+          </a:ln>
+          <a:effectLst/>
+          <a:extLst>
+            <a:ext uri="{909E8E84-426E-40DD-AFC4-6F175D3DCCD1}">
+              <a14:hiddenFill xmlns:a14="http://schemas.microsoft.com/office/drawing/2010/main">
+                <a:solidFill>
+                  <a:schemeClr val="accent1"/>
+                </a:solidFill>
+              </a14:hiddenFill>
+            </a:ext>
+            <a:ext uri="{91240B29-F687-4F45-9708-019B960494DF}">
+              <a14:hiddenLine xmlns:a14="http://schemas.microsoft.com/office/drawing/2010/main" w="9525">
+                <a:solidFill>
+                  <a:schemeClr val="tx1"/>
+                </a:solidFill>
+                <a:miter lim="800000"/>
+                <a:headEnd/>
+                <a:tailEnd/>
+              </a14:hiddenLine>
+            </a:ext>
+            <a:ext uri="{AF507438-7753-43E0-B8FC-AC1667EBCBE1}">
+              <a14:hiddenEffects xmlns:a14="http://schemas.microsoft.com/office/drawing/2010/main">
+                <a:effectLst>
+                  <a:outerShdw dist="35921" dir="2700000" algn="ctr" rotWithShape="0">
+                    <a:schemeClr val="bg2"/>
+                  </a:outerShdw>
+                </a:effectLst>
+              </a14:hiddenEffects>
+            </a:ext>
+          </a:extLst>
+        </p:spPr>
+      </p:pic>
+    </p:spTree>
+    <p:extLst>
+      <p:ext uri="{BB962C8B-B14F-4D97-AF65-F5344CB8AC3E}">
+        <p14:creationId xmlns:p14="http://schemas.microsoft.com/office/powerpoint/2010/main" val="2745852777"/>
+      </p:ext>
+    </p:extLst>
+  </p:cSld>
+  <p:clrMapOvr>
+    <a:masterClrMapping/>
+  </p:clrMapOvr>
+</p:sld>
+</file>
+
+<file path=ppt/slides/slide11.xml><?xml version="1.0" encoding="utf-8"?>
+<p:sld xmlns:a="http://schemas.openxmlformats.org/drawingml/2006/main" xmlns:r="http://schemas.openxmlformats.org/officeDocument/2006/relationships" xmlns:p="http://schemas.openxmlformats.org/presentationml/2006/main">
+  <p:cSld>
+    <p:spTree>
+      <p:nvGrpSpPr>
+        <p:cNvPr id="1" name=""/>
+        <p:cNvGrpSpPr/>
+        <p:nvPr/>
+      </p:nvGrpSpPr>
+      <p:grpSpPr>
+        <a:xfrm>
+          <a:off x="0" y="0"/>
+          <a:ext cx="0" cy="0"/>
+          <a:chOff x="0" y="0"/>
+          <a:chExt cx="0" cy="0"/>
+        </a:xfrm>
+      </p:grpSpPr>
+      <p:sp>
+        <p:nvSpPr>
+          <p:cNvPr id="2" name="Content Placeholder 1"/>
+          <p:cNvSpPr>
+            <a:spLocks noGrp="1"/>
+          </p:cNvSpPr>
+          <p:nvPr>
+            <p:ph idx="1"/>
+          </p:nvPr>
+        </p:nvSpPr>
+        <p:spPr>
+          <a:xfrm>
+            <a:off x="457200" y="1481328"/>
+            <a:ext cx="8229600" cy="4919472"/>
+          </a:xfrm>
+        </p:spPr>
+        <p:txBody>
+          <a:bodyPr>
+            <a:normAutofit/>
+          </a:bodyPr>
+          <a:lstStyle/>
+          <a:p>
+            <a:r>
+              <a:rPr lang="en-US" dirty="0" smtClean="0"/>
+              <a:t>The </a:t>
+            </a:r>
+            <a:r>
+              <a:rPr lang="en-US" dirty="0"/>
+              <a:t>kinase Inhibition Constant(</a:t>
+            </a:r>
+            <a:r>
+              <a:rPr lang="en-US" b="1" dirty="0"/>
+              <a:t>Ki</a:t>
+            </a:r>
+            <a:r>
+              <a:rPr lang="en-US" dirty="0"/>
+              <a:t>)</a:t>
+            </a:r>
+          </a:p>
+          <a:p>
+            <a:pPr lvl="1"/>
+            <a:r>
+              <a:rPr lang="en-US" dirty="0"/>
+              <a:t>represents the affinity of the drug molecule for its target receptor, specifically in the context of </a:t>
+            </a:r>
+            <a:r>
+              <a:rPr lang="en-US" b="1" dirty="0"/>
+              <a:t>competitive inhibition</a:t>
+            </a:r>
+            <a:r>
+              <a:rPr lang="en-US" dirty="0" smtClean="0"/>
+              <a:t>.</a:t>
+            </a:r>
+          </a:p>
+          <a:p>
+            <a:endParaRPr lang="en-US" dirty="0" smtClean="0"/>
+          </a:p>
+          <a:p>
+            <a:endParaRPr lang="en-US" dirty="0"/>
+          </a:p>
+        </p:txBody>
+      </p:sp>
+      <p:sp>
+        <p:nvSpPr>
+          <p:cNvPr id="3" name="Title 2"/>
+          <p:cNvSpPr>
+            <a:spLocks noGrp="1"/>
+          </p:cNvSpPr>
+          <p:nvPr>
+            <p:ph type="title"/>
+          </p:nvPr>
+        </p:nvSpPr>
+        <p:spPr>
+          <a:xfrm>
+            <a:off x="533400" y="274638"/>
+            <a:ext cx="8534400" cy="1143000"/>
+          </a:xfrm>
+        </p:spPr>
+        <p:txBody>
+          <a:bodyPr>
+            <a:noAutofit/>
+          </a:bodyPr>
+          <a:lstStyle/>
+          <a:p>
+            <a:r>
+              <a:rPr lang="en-US" dirty="0"/>
+              <a:t>binding affinity measures</a:t>
+            </a:r>
+          </a:p>
+        </p:txBody>
+      </p:sp>
+      <p:pic>
+        <p:nvPicPr>
+          <p:cNvPr id="2050" name="Picture 2"/>
+          <p:cNvPicPr>
+            <a:picLocks noChangeAspect="1" noChangeArrowheads="1"/>
+          </p:cNvPicPr>
+          <p:nvPr/>
+        </p:nvPicPr>
+        <p:blipFill>
+          <a:blip r:embed="rId3">
+            <a:extLst>
+              <a:ext uri="{28A0092B-C50C-407E-A947-70E740481C1C}">
+                <a14:useLocalDpi xmlns:a14="http://schemas.microsoft.com/office/drawing/2010/main" val="0"/>
+              </a:ext>
+            </a:extLst>
+          </a:blip>
+          <a:srcRect/>
+          <a:stretch>
+            <a:fillRect/>
+          </a:stretch>
+        </p:blipFill>
+        <p:spPr bwMode="auto">
+          <a:xfrm>
+            <a:off x="2514600" y="3161522"/>
+            <a:ext cx="5475566" cy="3200400"/>
+          </a:xfrm>
+          <a:prstGeom prst="rect">
+            <a:avLst/>
+          </a:prstGeom>
+          <a:noFill/>
+          <a:ln>
+            <a:noFill/>
+          </a:ln>
+          <a:effectLst/>
+          <a:extLst>
+            <a:ext uri="{909E8E84-426E-40DD-AFC4-6F175D3DCCD1}">
+              <a14:hiddenFill xmlns:a14="http://schemas.microsoft.com/office/drawing/2010/main">
+                <a:solidFill>
+                  <a:schemeClr val="accent1"/>
+                </a:solidFill>
+              </a14:hiddenFill>
+            </a:ext>
+            <a:ext uri="{91240B29-F687-4F45-9708-019B960494DF}">
+              <a14:hiddenLine xmlns:a14="http://schemas.microsoft.com/office/drawing/2010/main" w="9525">
+                <a:solidFill>
+                  <a:schemeClr val="tx1"/>
+                </a:solidFill>
+                <a:miter lim="800000"/>
+                <a:headEnd/>
+                <a:tailEnd/>
+              </a14:hiddenLine>
+            </a:ext>
+            <a:ext uri="{AF507438-7753-43E0-B8FC-AC1667EBCBE1}">
+              <a14:hiddenEffects xmlns:a14="http://schemas.microsoft.com/office/drawing/2010/main">
+                <a:effectLst>
+                  <a:outerShdw dist="35921" dir="2700000" algn="ctr" rotWithShape="0">
+                    <a:schemeClr val="bg2"/>
+                  </a:outerShdw>
+                </a:effectLst>
+              </a14:hiddenEffects>
+            </a:ext>
+          </a:extLst>
+        </p:spPr>
+      </p:pic>
+    </p:spTree>
+    <p:extLst>
+      <p:ext uri="{BB962C8B-B14F-4D97-AF65-F5344CB8AC3E}">
+        <p14:creationId xmlns:p14="http://schemas.microsoft.com/office/powerpoint/2010/main" val="2648176043"/>
+      </p:ext>
+    </p:extLst>
+  </p:cSld>
+  <p:clrMapOvr>
+    <a:masterClrMapping/>
+  </p:clrMapOvr>
+</p:sld>
+</file>
+
+<file path=ppt/slides/slide12.xml><?xml version="1.0" encoding="utf-8"?>
+<p:sld xmlns:a="http://schemas.openxmlformats.org/drawingml/2006/main" xmlns:r="http://schemas.openxmlformats.org/officeDocument/2006/relationships" xmlns:p="http://schemas.openxmlformats.org/presentationml/2006/main">
+  <p:cSld>
+    <p:spTree>
+      <p:nvGrpSpPr>
+        <p:cNvPr id="1" name=""/>
+        <p:cNvGrpSpPr/>
+        <p:nvPr/>
+      </p:nvGrpSpPr>
+      <p:grpSpPr>
+        <a:xfrm>
+          <a:off x="0" y="0"/>
+          <a:ext cx="0" cy="0"/>
+          <a:chOff x="0" y="0"/>
+          <a:chExt cx="0" cy="0"/>
+        </a:xfrm>
+      </p:grpSpPr>
+      <p:sp>
+        <p:nvSpPr>
+          <p:cNvPr id="2" name="Content Placeholder 1"/>
+          <p:cNvSpPr>
+            <a:spLocks noGrp="1"/>
+          </p:cNvSpPr>
+          <p:nvPr>
+            <p:ph idx="1"/>
+          </p:nvPr>
+        </p:nvSpPr>
+        <p:spPr>
+          <a:xfrm>
+            <a:off x="228600" y="1219200"/>
+            <a:ext cx="8763000" cy="5029200"/>
+          </a:xfrm>
+        </p:spPr>
+        <p:txBody>
+          <a:bodyPr>
+            <a:normAutofit/>
+          </a:bodyPr>
+          <a:lstStyle/>
+          <a:p>
+            <a:r>
+              <a:rPr lang="en-US" dirty="0"/>
+              <a:t>inhibitory concentration 50</a:t>
+            </a:r>
+            <a:r>
+              <a:rPr lang="en-US" dirty="0" smtClean="0"/>
+              <a:t>% (</a:t>
+            </a:r>
+            <a:r>
+              <a:rPr lang="en-US" b="1" dirty="0" smtClean="0"/>
+              <a:t>IC50</a:t>
+            </a:r>
+            <a:r>
+              <a:rPr lang="en-US" dirty="0" smtClean="0"/>
+              <a:t>)</a:t>
+            </a:r>
+            <a:endParaRPr lang="en-US" dirty="0"/>
+          </a:p>
+          <a:p>
+            <a:pPr lvl="1"/>
+            <a:r>
+              <a:rPr lang="en-US" dirty="0"/>
+              <a:t>the concentration at which the inhibitor causes a </a:t>
+            </a:r>
+            <a:r>
+              <a:rPr lang="en-US" b="1" dirty="0"/>
+              <a:t>50% </a:t>
+            </a:r>
+            <a:r>
+              <a:rPr lang="en-US" dirty="0"/>
+              <a:t>inhibition of enzymatic </a:t>
+            </a:r>
+            <a:r>
+              <a:rPr lang="en-US" dirty="0" smtClean="0"/>
+              <a:t>activity</a:t>
+            </a:r>
+          </a:p>
+          <a:p>
+            <a:pPr lvl="1"/>
+            <a:r>
+              <a:rPr lang="en-US" dirty="0"/>
+              <a:t>less precise than Ki or </a:t>
+            </a:r>
+            <a:r>
+              <a:rPr lang="en-US" dirty="0" err="1"/>
+              <a:t>Kd</a:t>
+            </a:r>
+            <a:endParaRPr lang="en-US" dirty="0" smtClean="0"/>
+          </a:p>
+          <a:p>
+            <a:pPr lvl="1"/>
+            <a:r>
+              <a:rPr lang="en-US" dirty="0" smtClean="0"/>
+              <a:t>A </a:t>
+            </a:r>
+            <a:r>
+              <a:rPr lang="en-US" dirty="0"/>
+              <a:t>lower </a:t>
+            </a:r>
+            <a:r>
+              <a:rPr lang="en-US" b="1" dirty="0"/>
+              <a:t>IC50</a:t>
+            </a:r>
+            <a:r>
+              <a:rPr lang="en-US" dirty="0" smtClean="0"/>
+              <a:t> </a:t>
+            </a:r>
+            <a:r>
+              <a:rPr lang="en-US" dirty="0"/>
+              <a:t>value indicates a higher affinity of the drug for the </a:t>
+            </a:r>
+            <a:r>
+              <a:rPr lang="en-US" dirty="0" smtClean="0"/>
+              <a:t>receptor</a:t>
+            </a:r>
+          </a:p>
+          <a:p>
+            <a:pPr lvl="1"/>
+            <a:endParaRPr lang="en-US" dirty="0"/>
+          </a:p>
+          <a:p>
+            <a:pPr lvl="1"/>
+            <a:endParaRPr lang="en-US" dirty="0" smtClean="0"/>
+          </a:p>
+          <a:p>
+            <a:pPr lvl="1"/>
+            <a:endParaRPr lang="en-US" dirty="0" smtClean="0"/>
+          </a:p>
+          <a:p>
+            <a:pPr lvl="1"/>
+            <a:endParaRPr lang="en-US" dirty="0" smtClean="0"/>
+          </a:p>
+          <a:p>
+            <a:pPr lvl="1"/>
+            <a:r>
+              <a:rPr lang="en-US" dirty="0"/>
+              <a:t>[S] is the concentration of the natural </a:t>
+            </a:r>
+            <a:r>
+              <a:rPr lang="en-US" dirty="0" smtClean="0"/>
+              <a:t>substrate that </a:t>
+            </a:r>
+            <a:r>
+              <a:rPr lang="en-US" dirty="0"/>
+              <a:t>competes with the inhibitor for binding to the target.</a:t>
+            </a:r>
+          </a:p>
+          <a:p>
+            <a:pPr lvl="1"/>
+            <a:endParaRPr lang="en-US" dirty="0"/>
+          </a:p>
+          <a:p>
+            <a:endParaRPr lang="en-US" dirty="0" smtClean="0"/>
+          </a:p>
+          <a:p>
+            <a:endParaRPr lang="en-US" dirty="0"/>
+          </a:p>
+        </p:txBody>
+      </p:sp>
+      <p:sp>
+        <p:nvSpPr>
+          <p:cNvPr id="3" name="Title 2"/>
+          <p:cNvSpPr>
+            <a:spLocks noGrp="1"/>
+          </p:cNvSpPr>
+          <p:nvPr>
+            <p:ph type="title"/>
+          </p:nvPr>
+        </p:nvSpPr>
+        <p:spPr>
+          <a:xfrm>
+            <a:off x="533400" y="274638"/>
+            <a:ext cx="8534400" cy="1143000"/>
+          </a:xfrm>
+        </p:spPr>
+        <p:txBody>
+          <a:bodyPr>
+            <a:noAutofit/>
+          </a:bodyPr>
+          <a:lstStyle/>
+          <a:p>
+            <a:r>
+              <a:rPr lang="en-US" dirty="0"/>
+              <a:t>binding affinity measures</a:t>
+            </a:r>
+          </a:p>
+        </p:txBody>
+      </p:sp>
+      <p:pic>
+        <p:nvPicPr>
+          <p:cNvPr id="1027" name="Picture 3"/>
+          <p:cNvPicPr>
+            <a:picLocks noChangeAspect="1" noChangeArrowheads="1"/>
+          </p:cNvPicPr>
+          <p:nvPr/>
+        </p:nvPicPr>
+        <p:blipFill>
+          <a:blip r:embed="rId3">
+            <a:extLst>
+              <a:ext uri="{28A0092B-C50C-407E-A947-70E740481C1C}">
+                <a14:useLocalDpi xmlns:a14="http://schemas.microsoft.com/office/drawing/2010/main" val="0"/>
+              </a:ext>
+            </a:extLst>
+          </a:blip>
+          <a:srcRect/>
+          <a:stretch>
+            <a:fillRect/>
+          </a:stretch>
+        </p:blipFill>
+        <p:spPr bwMode="auto">
+          <a:xfrm>
+            <a:off x="4865235" y="3429000"/>
+            <a:ext cx="3451151" cy="1447800"/>
+          </a:xfrm>
+          <a:prstGeom prst="rect">
+            <a:avLst/>
+          </a:prstGeom>
+          <a:noFill/>
+          <a:ln>
+            <a:noFill/>
+          </a:ln>
+          <a:effectLst/>
+          <a:extLst>
+            <a:ext uri="{909E8E84-426E-40DD-AFC4-6F175D3DCCD1}">
+              <a14:hiddenFill xmlns:a14="http://schemas.microsoft.com/office/drawing/2010/main">
+                <a:solidFill>
+                  <a:schemeClr val="accent1"/>
+                </a:solidFill>
+              </a14:hiddenFill>
+            </a:ext>
+            <a:ext uri="{91240B29-F687-4F45-9708-019B960494DF}">
+              <a14:hiddenLine xmlns:a14="http://schemas.microsoft.com/office/drawing/2010/main" w="9525">
+                <a:solidFill>
+                  <a:schemeClr val="tx1"/>
+                </a:solidFill>
+                <a:miter lim="800000"/>
+                <a:headEnd/>
+                <a:tailEnd/>
+              </a14:hiddenLine>
+            </a:ext>
+            <a:ext uri="{AF507438-7753-43E0-B8FC-AC1667EBCBE1}">
+              <a14:hiddenEffects xmlns:a14="http://schemas.microsoft.com/office/drawing/2010/main">
+                <a:effectLst>
+                  <a:outerShdw dist="35921" dir="2700000" algn="ctr" rotWithShape="0">
+                    <a:schemeClr val="bg2"/>
+                  </a:outerShdw>
+                </a:effectLst>
+              </a14:hiddenEffects>
+            </a:ext>
+          </a:extLst>
+        </p:spPr>
+      </p:pic>
+      <p:pic>
+        <p:nvPicPr>
+          <p:cNvPr id="1028" name="Picture 4"/>
+          <p:cNvPicPr>
+            <a:picLocks noChangeAspect="1" noChangeArrowheads="1"/>
+          </p:cNvPicPr>
+          <p:nvPr/>
+        </p:nvPicPr>
+        <p:blipFill>
+          <a:blip r:embed="rId4">
+            <a:extLst>
+              <a:ext uri="{28A0092B-C50C-407E-A947-70E740481C1C}">
+                <a14:useLocalDpi xmlns:a14="http://schemas.microsoft.com/office/drawing/2010/main" val="0"/>
+              </a:ext>
+            </a:extLst>
+          </a:blip>
+          <a:srcRect/>
+          <a:stretch>
+            <a:fillRect/>
+          </a:stretch>
+        </p:blipFill>
+        <p:spPr bwMode="auto">
+          <a:xfrm>
+            <a:off x="990600" y="3657600"/>
+            <a:ext cx="3874635" cy="1458686"/>
+          </a:xfrm>
+          <a:prstGeom prst="rect">
+            <a:avLst/>
+          </a:prstGeom>
+          <a:noFill/>
+          <a:ln>
+            <a:noFill/>
+          </a:ln>
+          <a:effectLst/>
+          <a:extLst>
+            <a:ext uri="{909E8E84-426E-40DD-AFC4-6F175D3DCCD1}">
+              <a14:hiddenFill xmlns:a14="http://schemas.microsoft.com/office/drawing/2010/main">
+                <a:solidFill>
+                  <a:schemeClr val="accent1"/>
+                </a:solidFill>
+              </a14:hiddenFill>
+            </a:ext>
+            <a:ext uri="{91240B29-F687-4F45-9708-019B960494DF}">
+              <a14:hiddenLine xmlns:a14="http://schemas.microsoft.com/office/drawing/2010/main" w="9525">
+                <a:solidFill>
+                  <a:schemeClr val="tx1"/>
+                </a:solidFill>
+                <a:miter lim="800000"/>
+                <a:headEnd/>
+                <a:tailEnd/>
+              </a14:hiddenLine>
+            </a:ext>
+            <a:ext uri="{AF507438-7753-43E0-B8FC-AC1667EBCBE1}">
+              <a14:hiddenEffects xmlns:a14="http://schemas.microsoft.com/office/drawing/2010/main">
+                <a:effectLst>
+                  <a:outerShdw dist="35921" dir="2700000" algn="ctr" rotWithShape="0">
+                    <a:schemeClr val="bg2"/>
+                  </a:outerShdw>
+                </a:effectLst>
+              </a14:hiddenEffects>
+            </a:ext>
+          </a:extLst>
+        </p:spPr>
+      </p:pic>
+    </p:spTree>
+    <p:extLst>
+      <p:ext uri="{BB962C8B-B14F-4D97-AF65-F5344CB8AC3E}">
+        <p14:creationId xmlns:p14="http://schemas.microsoft.com/office/powerpoint/2010/main" val="123430365"/>
+      </p:ext>
+    </p:extLst>
+  </p:cSld>
+  <p:clrMapOvr>
+    <a:masterClrMapping/>
+  </p:clrMapOvr>
+</p:sld>
+</file>
+
+<file path=ppt/slides/slide13.xml><?xml version="1.0" encoding="utf-8"?>
+<p:sld xmlns:a="http://schemas.openxmlformats.org/drawingml/2006/main" xmlns:r="http://schemas.openxmlformats.org/officeDocument/2006/relationships" xmlns:p="http://schemas.openxmlformats.org/presentationml/2006/main">
+  <p:cSld>
+    <p:spTree>
+      <p:nvGrpSpPr>
+        <p:cNvPr id="1" name=""/>
+        <p:cNvGrpSpPr/>
+        <p:nvPr/>
+      </p:nvGrpSpPr>
+      <p:grpSpPr>
+        <a:xfrm>
+          <a:off x="0" y="0"/>
+          <a:ext cx="0" cy="0"/>
+          <a:chOff x="0" y="0"/>
+          <a:chExt cx="0" cy="0"/>
+        </a:xfrm>
+      </p:grpSpPr>
+      <p:graphicFrame>
+        <p:nvGraphicFramePr>
+          <p:cNvPr id="4" name="Content Placeholder 3"/>
+          <p:cNvGraphicFramePr>
+            <a:graphicFrameLocks noGrp="1"/>
+          </p:cNvGraphicFramePr>
+          <p:nvPr>
+            <p:ph idx="1"/>
+            <p:extLst>
+              <p:ext uri="{D42A27DB-BD31-4B8C-83A1-F6EECF244321}">
+                <p14:modId xmlns:p14="http://schemas.microsoft.com/office/powerpoint/2010/main" val="21459339"/>
+              </p:ext>
+            </p:extLst>
+          </p:nvPr>
+        </p:nvGraphicFramePr>
+        <p:xfrm>
+          <a:off x="457200" y="1481138"/>
+          <a:ext cx="8229600" cy="1483360"/>
+        </p:xfrm>
+        <a:graphic>
+          <a:graphicData uri="http://schemas.openxmlformats.org/drawingml/2006/table">
+            <a:tbl>
+              <a:tblPr firstRow="1" bandRow="1">
+                <a:tableStyleId>{5C22544A-7EE6-4342-B048-85BDC9FD1C3A}</a:tableStyleId>
+              </a:tblPr>
+              <a:tblGrid>
+                <a:gridCol w="1645920"/>
+                <a:gridCol w="1645920"/>
+                <a:gridCol w="1645920"/>
+                <a:gridCol w="1645920"/>
+                <a:gridCol w="1645920"/>
+              </a:tblGrid>
+              <a:tr h="370840">
+                <a:tc>
+                  <a:txBody>
+                    <a:bodyPr/>
+                    <a:lstStyle/>
+                    <a:p>
+                      <a:r>
+                        <a:rPr lang="en-US" dirty="0" smtClean="0"/>
+                        <a:t>Drug</a:t>
+                      </a:r>
+                      <a:endParaRPr lang="en-US" dirty="0"/>
+                    </a:p>
+                  </a:txBody>
+                  <a:tcPr/>
+                </a:tc>
+                <a:tc>
+                  <a:txBody>
+                    <a:bodyPr/>
+                    <a:lstStyle/>
+                    <a:p>
+                      <a:r>
+                        <a:rPr lang="en-US" dirty="0" smtClean="0"/>
+                        <a:t>Type</a:t>
+                      </a:r>
+                      <a:endParaRPr lang="en-US" dirty="0"/>
+                    </a:p>
+                  </a:txBody>
+                  <a:tcPr/>
+                </a:tc>
+                <a:tc>
+                  <a:txBody>
+                    <a:bodyPr/>
+                    <a:lstStyle/>
+                    <a:p>
+                      <a:r>
+                        <a:rPr lang="en-US" dirty="0" smtClean="0"/>
+                        <a:t>Value</a:t>
+                      </a:r>
+                      <a:endParaRPr lang="en-US" dirty="0"/>
+                    </a:p>
+                  </a:txBody>
+                  <a:tcPr/>
+                </a:tc>
+                <a:tc>
+                  <a:txBody>
+                    <a:bodyPr/>
+                    <a:lstStyle/>
+                    <a:p>
+                      <a:r>
+                        <a:rPr lang="en-US" dirty="0" smtClean="0"/>
+                        <a:t>Units</a:t>
+                      </a:r>
+                      <a:endParaRPr lang="en-US" dirty="0"/>
+                    </a:p>
+                  </a:txBody>
+                  <a:tcPr/>
+                </a:tc>
+                <a:tc>
+                  <a:txBody>
+                    <a:bodyPr/>
+                    <a:lstStyle/>
+                    <a:p>
+                      <a:r>
+                        <a:rPr lang="en-US" dirty="0" smtClean="0"/>
+                        <a:t>Target</a:t>
+                      </a:r>
+                      <a:endParaRPr lang="en-US" dirty="0"/>
+                    </a:p>
+                  </a:txBody>
+                  <a:tcPr/>
+                </a:tc>
+              </a:tr>
+              <a:tr h="370840">
+                <a:tc>
+                  <a:txBody>
+                    <a:bodyPr/>
+                    <a:lstStyle/>
+                    <a:p>
+                      <a:r>
+                        <a:rPr lang="en-US" dirty="0" smtClean="0"/>
+                        <a:t>IMATINIB</a:t>
+                      </a:r>
+                      <a:endParaRPr lang="en-US" dirty="0"/>
+                    </a:p>
+                  </a:txBody>
+                  <a:tcPr/>
+                </a:tc>
+                <a:tc>
+                  <a:txBody>
+                    <a:bodyPr/>
+                    <a:lstStyle/>
+                    <a:p>
+                      <a:r>
+                        <a:rPr lang="en-US" dirty="0" smtClean="0"/>
+                        <a:t>Ki</a:t>
+                      </a:r>
+                      <a:endParaRPr lang="en-US" dirty="0"/>
+                    </a:p>
+                  </a:txBody>
+                  <a:tcPr/>
+                </a:tc>
+                <a:tc>
+                  <a:txBody>
+                    <a:bodyPr/>
+                    <a:lstStyle/>
+                    <a:p>
+                      <a:r>
+                        <a:rPr lang="en-US" dirty="0" smtClean="0"/>
+                        <a:t>31000</a:t>
+                      </a:r>
+                      <a:endParaRPr lang="en-US" dirty="0"/>
+                    </a:p>
+                  </a:txBody>
+                  <a:tcPr/>
+                </a:tc>
+                <a:tc>
+                  <a:txBody>
+                    <a:bodyPr/>
+                    <a:lstStyle/>
+                    <a:p>
+                      <a:r>
+                        <a:rPr lang="en-US" dirty="0" err="1" smtClean="0"/>
+                        <a:t>nM</a:t>
+                      </a:r>
+                      <a:r>
+                        <a:rPr lang="en-US" dirty="0" smtClean="0"/>
+                        <a:t> </a:t>
+                      </a:r>
+                      <a:endParaRPr lang="en-US" dirty="0"/>
+                    </a:p>
+                  </a:txBody>
+                  <a:tcPr/>
+                </a:tc>
+                <a:tc>
+                  <a:txBody>
+                    <a:bodyPr/>
+                    <a:lstStyle/>
+                    <a:p>
+                      <a:r>
+                        <a:rPr lang="en-US" dirty="0" smtClean="0"/>
+                        <a:t>SRC</a:t>
+                      </a:r>
+                      <a:endParaRPr lang="en-US" dirty="0"/>
+                    </a:p>
+                  </a:txBody>
+                  <a:tcPr/>
+                </a:tc>
+              </a:tr>
+              <a:tr h="370840">
+                <a:tc>
+                  <a:txBody>
+                    <a:bodyPr/>
+                    <a:lstStyle/>
+                    <a:p>
+                      <a:r>
+                        <a:rPr lang="en-US" dirty="0" smtClean="0"/>
+                        <a:t>IMATINIB</a:t>
+                      </a:r>
+                      <a:endParaRPr lang="en-US" dirty="0"/>
+                    </a:p>
+                  </a:txBody>
+                  <a:tcPr/>
+                </a:tc>
+                <a:tc>
+                  <a:txBody>
+                    <a:bodyPr/>
+                    <a:lstStyle/>
+                    <a:p>
+                      <a:r>
+                        <a:rPr lang="en-US" dirty="0" err="1" smtClean="0"/>
+                        <a:t>Kd</a:t>
+                      </a:r>
+                      <a:endParaRPr lang="en-US" dirty="0"/>
+                    </a:p>
+                  </a:txBody>
+                  <a:tcPr/>
+                </a:tc>
+                <a:tc>
+                  <a:txBody>
+                    <a:bodyPr/>
+                    <a:lstStyle/>
+                    <a:p>
+                      <a:r>
+                        <a:rPr lang="en-US" dirty="0" smtClean="0"/>
+                        <a:t>10000</a:t>
+                      </a:r>
+                      <a:endParaRPr lang="en-US" dirty="0"/>
+                    </a:p>
+                  </a:txBody>
+                  <a:tcPr/>
+                </a:tc>
+                <a:tc>
+                  <a:txBody>
+                    <a:bodyPr/>
+                    <a:lstStyle/>
+                    <a:p>
+                      <a:r>
+                        <a:rPr lang="en-US" dirty="0" err="1" smtClean="0"/>
+                        <a:t>nM</a:t>
+                      </a:r>
+                      <a:r>
+                        <a:rPr lang="en-US" dirty="0" smtClean="0"/>
+                        <a:t> </a:t>
+                      </a:r>
+                      <a:endParaRPr lang="en-US" dirty="0"/>
+                    </a:p>
+                  </a:txBody>
+                  <a:tcPr/>
+                </a:tc>
+                <a:tc>
+                  <a:txBody>
+                    <a:bodyPr/>
+                    <a:lstStyle/>
+                    <a:p>
+                      <a:r>
+                        <a:rPr lang="en-US" dirty="0" smtClean="0"/>
+                        <a:t>SRC</a:t>
+                      </a:r>
+                      <a:endParaRPr lang="en-US" dirty="0"/>
+                    </a:p>
+                  </a:txBody>
+                  <a:tcPr/>
+                </a:tc>
+              </a:tr>
+              <a:tr h="370840">
+                <a:tc>
+                  <a:txBody>
+                    <a:bodyPr/>
+                    <a:lstStyle/>
+                    <a:p>
+                      <a:r>
+                        <a:rPr lang="en-US" dirty="0" smtClean="0"/>
+                        <a:t>IMATINIB</a:t>
+                      </a:r>
+                      <a:endParaRPr lang="en-US" dirty="0"/>
+                    </a:p>
+                  </a:txBody>
+                  <a:tcPr/>
+                </a:tc>
+                <a:tc>
+                  <a:txBody>
+                    <a:bodyPr/>
+                    <a:lstStyle/>
+                    <a:p>
+                      <a:r>
+                        <a:rPr lang="en-US" dirty="0" smtClean="0"/>
+                        <a:t>IC50</a:t>
+                      </a:r>
+                      <a:endParaRPr lang="en-US" dirty="0"/>
+                    </a:p>
+                  </a:txBody>
+                  <a:tcPr/>
+                </a:tc>
+                <a:tc>
+                  <a:txBody>
+                    <a:bodyPr/>
+                    <a:lstStyle/>
+                    <a:p>
+                      <a:r>
+                        <a:rPr lang="en-US" dirty="0" smtClean="0"/>
+                        <a:t>100000</a:t>
+                      </a:r>
+                      <a:endParaRPr lang="en-US" dirty="0"/>
+                    </a:p>
+                  </a:txBody>
+                  <a:tcPr/>
+                </a:tc>
+                <a:tc>
+                  <a:txBody>
+                    <a:bodyPr/>
+                    <a:lstStyle/>
+                    <a:p>
+                      <a:r>
+                        <a:rPr lang="en-US" dirty="0" err="1" smtClean="0"/>
+                        <a:t>nM</a:t>
+                      </a:r>
+                      <a:r>
+                        <a:rPr lang="en-US" dirty="0" smtClean="0"/>
+                        <a:t> </a:t>
+                      </a:r>
+                      <a:endParaRPr lang="en-US" dirty="0"/>
+                    </a:p>
+                  </a:txBody>
+                  <a:tcPr/>
+                </a:tc>
+                <a:tc>
+                  <a:txBody>
+                    <a:bodyPr/>
+                    <a:lstStyle/>
+                    <a:p>
+                      <a:r>
+                        <a:rPr lang="en-US" dirty="0" smtClean="0"/>
+                        <a:t>SRC</a:t>
+                      </a:r>
+                      <a:endParaRPr lang="en-US" dirty="0"/>
+                    </a:p>
+                  </a:txBody>
+                  <a:tcPr/>
+                </a:tc>
+              </a:tr>
+            </a:tbl>
+          </a:graphicData>
+        </a:graphic>
+      </p:graphicFrame>
+      <p:sp>
+        <p:nvSpPr>
+          <p:cNvPr id="3" name="Title 2"/>
+          <p:cNvSpPr>
+            <a:spLocks noGrp="1"/>
+          </p:cNvSpPr>
+          <p:nvPr>
+            <p:ph type="title"/>
+          </p:nvPr>
+        </p:nvSpPr>
+        <p:spPr/>
+        <p:txBody>
+          <a:bodyPr>
+            <a:normAutofit fontScale="90000"/>
+          </a:bodyPr>
+          <a:lstStyle/>
+          <a:p>
+            <a:r>
+              <a:rPr lang="en-US" dirty="0"/>
+              <a:t>Bioactivity values found from </a:t>
+            </a:r>
+            <a:r>
+              <a:rPr lang="en-US" dirty="0" err="1"/>
+              <a:t>ChEMBL</a:t>
+            </a:r>
+            <a:r>
+              <a:rPr lang="en-US" dirty="0"/>
+              <a:t> for the </a:t>
+            </a:r>
+            <a:r>
+              <a:rPr lang="en-US" dirty="0" err="1"/>
+              <a:t>imatinib</a:t>
+            </a:r>
+            <a:r>
+              <a:rPr lang="en-US" dirty="0"/>
+              <a:t>-SRC pair</a:t>
+            </a:r>
+          </a:p>
+        </p:txBody>
+      </p:sp>
+      <p:sp>
+        <p:nvSpPr>
+          <p:cNvPr id="5" name="Rectangle 1">
+            <a:hlinkClick r:id="rId3" action="ppaction://hlinkpres?slideindex=1&amp;slidetitle="/>
+          </p:cNvPr>
+          <p:cNvSpPr>
+            <a:spLocks noChangeArrowheads="1"/>
+          </p:cNvSpPr>
+          <p:nvPr/>
+        </p:nvSpPr>
+        <p:spPr bwMode="auto">
+          <a:xfrm>
+            <a:off x="762000" y="6393649"/>
+            <a:ext cx="7954101" cy="369332"/>
+          </a:xfrm>
+          <a:prstGeom prst="rect">
+            <a:avLst/>
+          </a:prstGeom>
+          <a:solidFill>
+            <a:srgbClr val="FFFFFF"/>
+          </a:solidFill>
+          <a:ln>
+            <a:noFill/>
+          </a:ln>
+          <a:effectLst/>
+          <a:extLst>
+            <a:ext uri="{91240B29-F687-4F45-9708-019B960494DF}">
+              <a14:hiddenLine xmlns:a14="http://schemas.microsoft.com/office/drawing/2010/main" w="9525">
+                <a:solidFill>
+                  <a:schemeClr val="tx1"/>
+                </a:solidFill>
+                <a:miter lim="800000"/>
+                <a:headEnd/>
+                <a:tailEnd/>
+              </a14:hiddenLine>
+            </a:ext>
+            <a:ext uri="{AF507438-7753-43E0-B8FC-AC1667EBCBE1}">
+              <a14:hiddenEffects xmlns:a14="http://schemas.microsoft.com/office/drawing/2010/main">
+                <a:effectLst>
+                  <a:outerShdw dist="35921" dir="2700000" algn="ctr" rotWithShape="0">
+                    <a:schemeClr val="bg2"/>
+                  </a:outerShdw>
+                </a:effectLst>
+              </a14:hiddenEffects>
+            </a:ext>
+          </a:extLst>
+        </p:spPr>
+        <p:txBody>
+          <a:bodyPr vert="horz" wrap="none" lIns="0" tIns="0" rIns="0" bIns="0" numCol="1" anchor="ctr" anchorCtr="0" compatLnSpc="1">
+            <a:prstTxWarp prst="textNoShape">
+              <a:avLst/>
+            </a:prstTxWarp>
+            <a:spAutoFit/>
+          </a:bodyPr>
+          <a:lstStyle/>
+          <a:p>
+            <a:pPr eaLnBrk="0" fontAlgn="base" hangingPunct="0">
+              <a:spcBef>
+                <a:spcPct val="0"/>
+              </a:spcBef>
+              <a:spcAft>
+                <a:spcPct val="0"/>
+              </a:spcAft>
+            </a:pPr>
+            <a:r>
+              <a:rPr lang="en-US" sz="1200" b="1" dirty="0"/>
+              <a:t>Making Sense of Large-Scale Kinase Inhibitor Bioactivity Data Sets: A Comparative and Integrative Analysis</a:t>
+            </a:r>
+          </a:p>
+          <a:p>
+            <a:pPr lvl="0" eaLnBrk="0" fontAlgn="base" hangingPunct="0">
+              <a:spcBef>
+                <a:spcPct val="0"/>
+              </a:spcBef>
+              <a:spcAft>
+                <a:spcPct val="0"/>
+              </a:spcAft>
+            </a:pPr>
+            <a:r>
+              <a:rPr lang="en-US" sz="1200" dirty="0">
+                <a:solidFill>
+                  <a:srgbClr val="2A2A2A"/>
+                </a:solidFill>
+                <a:latin typeface="Source Sans Pro"/>
+                <a:cs typeface="Arial" pitchFamily="34" charset="0"/>
+              </a:rPr>
+              <a:t>, https://pubs.acs.org/doi/10.1021/ci400709d</a:t>
+            </a:r>
+            <a:endParaRPr kumimoji="0" lang="en-US" sz="1800" b="0" i="0" u="none" strike="noStrike" cap="none" normalizeH="0" baseline="0" dirty="0" smtClean="0">
+              <a:ln>
+                <a:noFill/>
+              </a:ln>
+              <a:solidFill>
+                <a:schemeClr val="tx1"/>
+              </a:solidFill>
+              <a:effectLst/>
+              <a:latin typeface="Arial" pitchFamily="34" charset="0"/>
+              <a:cs typeface="Arial" pitchFamily="34" charset="0"/>
+            </a:endParaRPr>
+          </a:p>
+        </p:txBody>
+      </p:sp>
+    </p:spTree>
+    <p:extLst>
+      <p:ext uri="{BB962C8B-B14F-4D97-AF65-F5344CB8AC3E}">
+        <p14:creationId xmlns:p14="http://schemas.microsoft.com/office/powerpoint/2010/main" val="2676216536"/>
+      </p:ext>
+    </p:extLst>
+  </p:cSld>
+  <p:clrMapOvr>
+    <a:masterClrMapping/>
+  </p:clrMapOvr>
+</p:sld>
+</file>
+
+<file path=ppt/slides/slide14.xml><?xml version="1.0" encoding="utf-8"?>
+<p:sld xmlns:a="http://schemas.openxmlformats.org/drawingml/2006/main" xmlns:r="http://schemas.openxmlformats.org/officeDocument/2006/relationships" xmlns:p="http://schemas.openxmlformats.org/presentationml/2006/main">
+  <p:cSld>
+    <p:spTree>
+      <p:nvGrpSpPr>
+        <p:cNvPr id="1" name=""/>
+        <p:cNvGrpSpPr/>
+        <p:nvPr/>
+      </p:nvGrpSpPr>
+      <p:grpSpPr>
+        <a:xfrm>
+          <a:off x="0" y="0"/>
+          <a:ext cx="0" cy="0"/>
+          <a:chOff x="0" y="0"/>
+          <a:chExt cx="0" cy="0"/>
+        </a:xfrm>
+      </p:grpSpPr>
+      <p:sp>
+        <p:nvSpPr>
+          <p:cNvPr id="2" name="Content Placeholder 1"/>
+          <p:cNvSpPr>
+            <a:spLocks noGrp="1"/>
+          </p:cNvSpPr>
+          <p:nvPr>
+            <p:ph idx="1"/>
+          </p:nvPr>
+        </p:nvSpPr>
         <p:spPr/>
         <p:txBody>
           <a:bodyPr/>
@@ -5746,7 +10744,7 @@
 </p:sld>
 </file>
 
-<file path=ppt/slides/slide11.xml><?xml version="1.0" encoding="utf-8"?>
+<file path=ppt/slides/slide15.xml><?xml version="1.0" encoding="utf-8"?>
 <p:sld xmlns:a="http://schemas.openxmlformats.org/drawingml/2006/main" xmlns:r="http://schemas.openxmlformats.org/officeDocument/2006/relationships" xmlns:p="http://schemas.openxmlformats.org/presentationml/2006/main">
   <p:cSld>
     <p:spTree>
@@ -5763,14 +10761,247 @@
           <a:chExt cx="0" cy="0"/>
         </a:xfrm>
       </p:grpSpPr>
-      <p:sp>
-        <p:nvSpPr>
-          <p:cNvPr id="2" name="Content Placeholder 1"/>
+      <mc:AlternateContent xmlns:mc="http://schemas.openxmlformats.org/markup-compatibility/2006" xmlns:a14="http://schemas.microsoft.com/office/drawing/2010/main">
+        <mc:Choice Requires="a14">
+          <p:sp>
+            <p:nvSpPr>
+              <p:cNvPr id="2" name="Content Placeholder 1"/>
+              <p:cNvSpPr>
+                <a:spLocks noGrp="1"/>
+              </p:cNvSpPr>
+              <p:nvPr>
+                <p:ph idx="1"/>
+              </p:nvPr>
+            </p:nvSpPr>
+            <p:spPr>
+              <a:xfrm>
+                <a:off x="457200" y="1481328"/>
+                <a:ext cx="8229600" cy="5376672"/>
+              </a:xfrm>
+            </p:spPr>
+            <p:txBody>
+              <a:bodyPr/>
+              <a:lstStyle/>
+              <a:p>
+                <a:r>
+                  <a:rPr lang="en-US" dirty="0" smtClean="0"/>
+                  <a:t>Benchmark dataset </a:t>
+                </a:r>
+                <a:r>
+                  <a:rPr lang="en-US" b="1" dirty="0" err="1" smtClean="0"/>
+                  <a:t>davis</a:t>
+                </a:r>
+                <a:endParaRPr lang="en-US" b="1" dirty="0" smtClean="0"/>
+              </a:p>
+              <a:p>
+                <a:pPr lvl="1"/>
+                <a:r>
+                  <a:rPr lang="en-US" b="1" dirty="0" err="1" smtClean="0"/>
+                  <a:t>Kd</a:t>
+                </a:r>
+                <a:r>
+                  <a:rPr lang="en-US" dirty="0" smtClean="0"/>
+                  <a:t> </a:t>
+                </a:r>
+                <a:r>
+                  <a:rPr lang="en-US" dirty="0"/>
+                  <a:t>values in the Davis dataset were transformed into </a:t>
+                </a:r>
+                <a:r>
+                  <a:rPr lang="en-US" dirty="0" err="1"/>
+                  <a:t>logspace</a:t>
+                </a:r>
+                <a:r>
+                  <a:rPr lang="en-US" dirty="0"/>
+                  <a:t> </a:t>
+                </a:r>
+                <a:r>
+                  <a:rPr lang="en-US" dirty="0" smtClean="0"/>
+                  <a:t>(</a:t>
+                </a:r>
+                <a:r>
+                  <a:rPr lang="en-US" b="1" dirty="0" err="1" smtClean="0"/>
+                  <a:t>pKd</a:t>
+                </a:r>
+                <a:r>
+                  <a:rPr lang="en-US" dirty="0" smtClean="0"/>
+                  <a:t>) </a:t>
+                </a:r>
+                <a:r>
+                  <a:rPr lang="en-US" dirty="0"/>
+                  <a:t>as</a:t>
+                </a:r>
+                <a:r>
+                  <a:rPr lang="en-US" dirty="0" smtClean="0"/>
+                  <a:t>: </a:t>
+                </a:r>
+                <a14:m>
+                  <m:oMath xmlns:m="http://schemas.openxmlformats.org/officeDocument/2006/math">
+                    <m:r>
+                      <a:rPr lang="en-US" b="1" i="1" smtClean="0">
+                        <a:latin typeface="Cambria Math"/>
+                      </a:rPr>
+                      <m:t>𝒑𝒌𝒅</m:t>
+                    </m:r>
+                    <m:r>
+                      <a:rPr lang="en-US" b="1" i="1" smtClean="0">
+                        <a:latin typeface="Cambria Math"/>
+                      </a:rPr>
+                      <m:t>=</m:t>
+                    </m:r>
+                    <m:sSub>
+                      <m:sSubPr>
+                        <m:ctrlPr>
+                          <a:rPr lang="en-US" b="1" i="1" smtClean="0">
+                            <a:latin typeface="Cambria Math"/>
+                          </a:rPr>
+                        </m:ctrlPr>
+                      </m:sSubPr>
+                      <m:e>
+                        <m:r>
+                          <a:rPr lang="en-US" b="1" i="1" smtClean="0">
+                            <a:latin typeface="Cambria Math"/>
+                          </a:rPr>
+                          <m:t>−</m:t>
+                        </m:r>
+                        <m:r>
+                          <a:rPr lang="en-US" b="1" i="1" smtClean="0">
+                            <a:latin typeface="Cambria Math"/>
+                          </a:rPr>
+                          <m:t>𝒍𝒐𝒈</m:t>
+                        </m:r>
+                      </m:e>
+                      <m:sub>
+                        <m:r>
+                          <a:rPr lang="en-US" b="1" i="1" smtClean="0">
+                            <a:latin typeface="Cambria Math"/>
+                          </a:rPr>
+                          <m:t>𝟏𝟎</m:t>
+                        </m:r>
+                      </m:sub>
+                    </m:sSub>
+                    <m:r>
+                      <a:rPr lang="en-US" b="1" i="1" smtClean="0">
+                        <a:latin typeface="Cambria Math"/>
+                      </a:rPr>
+                      <m:t>(</m:t>
+                    </m:r>
+                    <m:f>
+                      <m:fPr>
+                        <m:type m:val="skw"/>
+                        <m:ctrlPr>
+                          <a:rPr lang="en-US" b="1" i="1" smtClean="0">
+                            <a:latin typeface="Cambria Math"/>
+                          </a:rPr>
+                        </m:ctrlPr>
+                      </m:fPr>
+                      <m:num>
+                        <m:r>
+                          <a:rPr lang="en-US" b="1" i="1" smtClean="0">
+                            <a:latin typeface="Cambria Math"/>
+                          </a:rPr>
+                          <m:t>𝑲𝒅</m:t>
+                        </m:r>
+                      </m:num>
+                      <m:den>
+                        <m:r>
+                          <a:rPr lang="en-US" b="1" i="1" smtClean="0">
+                            <a:latin typeface="Cambria Math"/>
+                          </a:rPr>
+                          <m:t>𝟏</m:t>
+                        </m:r>
+                        <m:r>
+                          <a:rPr lang="en-US" b="1" i="1" smtClean="0">
+                            <a:latin typeface="Cambria Math"/>
+                          </a:rPr>
+                          <m:t>𝒆</m:t>
+                        </m:r>
+                        <m:r>
+                          <a:rPr lang="en-US" b="1" i="1" smtClean="0">
+                            <a:latin typeface="Cambria Math"/>
+                          </a:rPr>
+                          <m:t>𝟗</m:t>
+                        </m:r>
+                      </m:den>
+                    </m:f>
+                    <m:r>
+                      <a:rPr lang="en-US" b="1" i="1" smtClean="0">
+                        <a:latin typeface="Cambria Math"/>
+                      </a:rPr>
+                      <m:t>)</m:t>
+                    </m:r>
+                  </m:oMath>
+                </a14:m>
+                <a:r>
+                  <a:rPr lang="en-US" b="1" dirty="0" smtClean="0"/>
+                  <a:t> </a:t>
+                </a:r>
+              </a:p>
+              <a:p>
+                <a:pPr lvl="1"/>
+                <a:r>
+                  <a:rPr lang="en-US" dirty="0" smtClean="0"/>
+                  <a:t>ranging </a:t>
+                </a:r>
+                <a:r>
+                  <a:rPr lang="en-US" dirty="0"/>
+                  <a:t>from 5.0 to 10.8 </a:t>
+                </a:r>
+                <a:endParaRPr lang="en-US" dirty="0" smtClean="0"/>
+              </a:p>
+              <a:p>
+                <a:pPr lvl="1"/>
+                <a:endParaRPr lang="en-US" b="1" dirty="0"/>
+              </a:p>
+            </p:txBody>
+          </p:sp>
+        </mc:Choice>
+        <mc:Fallback xmlns="">
+          <p:sp>
+            <p:nvSpPr>
+              <p:cNvPr id="2" name="Content Placeholder 1"/>
+              <p:cNvSpPr>
+                <a:spLocks noGrp="1" noRot="1" noChangeAspect="1" noMove="1" noResize="1" noEditPoints="1" noAdjustHandles="1" noChangeArrowheads="1" noChangeShapeType="1" noTextEdit="1"/>
+              </p:cNvSpPr>
+              <p:nvPr>
+                <p:ph idx="1"/>
+              </p:nvPr>
+            </p:nvSpPr>
+            <p:spPr>
+              <a:xfrm>
+                <a:off x="457200" y="1481328"/>
+                <a:ext cx="8229600" cy="5376672"/>
+              </a:xfrm>
+              <a:blipFill rotWithShape="1">
+                <a:blip r:embed="rId3"/>
+                <a:stretch>
+                  <a:fillRect t="-1020"/>
+                </a:stretch>
+              </a:blipFill>
+            </p:spPr>
+            <p:txBody>
+              <a:bodyPr/>
+              <a:lstStyle/>
+              <a:p>
+                <a:r>
+                  <a:rPr lang="en-US">
+                    <a:noFill/>
+                  </a:rPr>
+                  <a:t> </a:t>
+                </a:r>
+              </a:p>
+            </p:txBody>
+          </p:sp>
+        </mc:Fallback>
+      </mc:AlternateContent>
+      <p:sp>
+        <p:nvSpPr>
+          <p:cNvPr id="3" name="Title 2"/>
           <p:cNvSpPr>
             <a:spLocks noGrp="1"/>
           </p:cNvSpPr>
           <p:nvPr>
-            <p:ph idx="1"/>
+            <p:ph type="title"/>
           </p:nvPr>
         </p:nvSpPr>
         <p:spPr/>
@@ -5778,7 +11009,183 @@
           <a:bodyPr/>
           <a:lstStyle/>
           <a:p>
-            <a:endParaRPr lang="en-US"/>
+            <a:r>
+              <a:rPr lang="en-US" dirty="0"/>
+              <a:t>Datasets</a:t>
+            </a:r>
+          </a:p>
+        </p:txBody>
+      </p:sp>
+      <p:pic>
+        <p:nvPicPr>
+          <p:cNvPr id="5" name="Picture 3"/>
+          <p:cNvPicPr>
+            <a:picLocks noChangeAspect="1" noChangeArrowheads="1"/>
+          </p:cNvPicPr>
+          <p:nvPr/>
+        </p:nvPicPr>
+        <p:blipFill>
+          <a:blip r:embed="rId4">
+            <a:extLst>
+              <a:ext uri="{28A0092B-C50C-407E-A947-70E740481C1C}">
+                <a14:useLocalDpi xmlns:a14="http://schemas.microsoft.com/office/drawing/2010/main" val="0"/>
+              </a:ext>
+            </a:extLst>
+          </a:blip>
+          <a:srcRect/>
+          <a:stretch>
+            <a:fillRect/>
+          </a:stretch>
+        </p:blipFill>
+        <p:spPr bwMode="auto">
+          <a:xfrm>
+            <a:off x="4191000" y="2971800"/>
+            <a:ext cx="4648200" cy="3713178"/>
+          </a:xfrm>
+          <a:prstGeom prst="rect">
+            <a:avLst/>
+          </a:prstGeom>
+          <a:noFill/>
+          <a:ln>
+            <a:noFill/>
+          </a:ln>
+          <a:effectLst/>
+          <a:extLst>
+            <a:ext uri="{909E8E84-426E-40DD-AFC4-6F175D3DCCD1}">
+              <a14:hiddenFill xmlns:a14="http://schemas.microsoft.com/office/drawing/2010/main">
+                <a:solidFill>
+                  <a:schemeClr val="accent1"/>
+                </a:solidFill>
+              </a14:hiddenFill>
+            </a:ext>
+            <a:ext uri="{91240B29-F687-4F45-9708-019B960494DF}">
+              <a14:hiddenLine xmlns:a14="http://schemas.microsoft.com/office/drawing/2010/main" w="9525">
+                <a:solidFill>
+                  <a:schemeClr val="tx1"/>
+                </a:solidFill>
+                <a:miter lim="800000"/>
+                <a:headEnd/>
+                <a:tailEnd/>
+              </a14:hiddenLine>
+            </a:ext>
+            <a:ext uri="{AF507438-7753-43E0-B8FC-AC1667EBCBE1}">
+              <a14:hiddenEffects xmlns:a14="http://schemas.microsoft.com/office/drawing/2010/main">
+                <a:effectLst>
+                  <a:outerShdw dist="35921" dir="2700000" algn="ctr" rotWithShape="0">
+                    <a:schemeClr val="bg2"/>
+                  </a:outerShdw>
+                </a:effectLst>
+              </a14:hiddenEffects>
+            </a:ext>
+          </a:extLst>
+        </p:spPr>
+      </p:pic>
+    </p:spTree>
+    <p:extLst>
+      <p:ext uri="{BB962C8B-B14F-4D97-AF65-F5344CB8AC3E}">
+        <p14:creationId xmlns:p14="http://schemas.microsoft.com/office/powerpoint/2010/main" val="4094323795"/>
+      </p:ext>
+    </p:extLst>
+  </p:cSld>
+  <p:clrMapOvr>
+    <a:masterClrMapping/>
+  </p:clrMapOvr>
+  <p:timing>
+    <p:tnLst>
+      <p:par>
+        <p:cTn id="1" dur="indefinite" restart="never" nodeType="tmRoot"/>
+      </p:par>
+    </p:tnLst>
+  </p:timing>
+</p:sld>
+</file>
+
+<file path=ppt/slides/slide16.xml><?xml version="1.0" encoding="utf-8"?>
+<p:sld xmlns:a="http://schemas.openxmlformats.org/drawingml/2006/main" xmlns:r="http://schemas.openxmlformats.org/officeDocument/2006/relationships" xmlns:p="http://schemas.openxmlformats.org/presentationml/2006/main">
+  <p:cSld>
+    <p:spTree>
+      <p:nvGrpSpPr>
+        <p:cNvPr id="1" name=""/>
+        <p:cNvGrpSpPr/>
+        <p:nvPr/>
+      </p:nvGrpSpPr>
+      <p:grpSpPr>
+        <a:xfrm>
+          <a:off x="0" y="0"/>
+          <a:ext cx="0" cy="0"/>
+          <a:chOff x="0" y="0"/>
+          <a:chExt cx="0" cy="0"/>
+        </a:xfrm>
+      </p:grpSpPr>
+      <p:sp>
+        <p:nvSpPr>
+          <p:cNvPr id="2" name="Content Placeholder 1"/>
+          <p:cNvSpPr>
+            <a:spLocks noGrp="1"/>
+          </p:cNvSpPr>
+          <p:nvPr>
+            <p:ph idx="1"/>
+          </p:nvPr>
+        </p:nvSpPr>
+        <p:spPr>
+          <a:xfrm>
+            <a:off x="457200" y="1481328"/>
+            <a:ext cx="8229600" cy="5376672"/>
+          </a:xfrm>
+        </p:spPr>
+        <p:txBody>
+          <a:bodyPr/>
+          <a:lstStyle/>
+          <a:p>
+            <a:r>
+              <a:rPr lang="en-US" dirty="0" smtClean="0"/>
+              <a:t>Benchmark dataset </a:t>
+            </a:r>
+            <a:r>
+              <a:rPr lang="en-US" b="1" dirty="0" err="1" smtClean="0"/>
+              <a:t>davis</a:t>
+            </a:r>
+            <a:endParaRPr lang="en-US" b="1" dirty="0" smtClean="0"/>
+          </a:p>
+          <a:p>
+            <a:pPr lvl="1"/>
+            <a:r>
+              <a:rPr lang="en-US" dirty="0"/>
+              <a:t>contains the binding affinities for all pairs of 68 drugs and 442 targets, total of 30056 </a:t>
+            </a:r>
+            <a:r>
+              <a:rPr lang="en-US" dirty="0" smtClean="0"/>
+              <a:t>interactions</a:t>
+            </a:r>
+            <a:endParaRPr lang="en-US" b="1" dirty="0" smtClean="0"/>
+          </a:p>
+          <a:p>
+            <a:pPr lvl="1"/>
+            <a:r>
+              <a:rPr lang="en-US" dirty="0" smtClean="0"/>
+              <a:t>69</a:t>
+            </a:r>
+            <a:r>
+              <a:rPr lang="en-US" dirty="0"/>
+              <a:t>% of which have affinity values of 10000 </a:t>
+            </a:r>
+            <a:r>
+              <a:rPr lang="en-US" dirty="0" err="1"/>
+              <a:t>nM</a:t>
+            </a:r>
+            <a:r>
+              <a:rPr lang="en-US" dirty="0"/>
+              <a:t> (</a:t>
+            </a:r>
+            <a:r>
+              <a:rPr lang="en-US" b="1" dirty="0" err="1"/>
+              <a:t>pKd</a:t>
+            </a:r>
+            <a:r>
+              <a:rPr lang="en-US" dirty="0"/>
+              <a:t>=5) indicating weak or no interaction.</a:t>
+            </a:r>
+            <a:endParaRPr lang="en-US" b="1" dirty="0"/>
           </a:p>
         </p:txBody>
       </p:sp>
@@ -5797,14 +11204,707 @@
           <a:bodyPr/>
           <a:lstStyle/>
           <a:p>
-            <a:endParaRPr lang="en-US"/>
+            <a:r>
+              <a:rPr lang="en-US" dirty="0"/>
+              <a:t>Datasets</a:t>
+            </a:r>
           </a:p>
         </p:txBody>
       </p:sp>
+      <p:pic>
+        <p:nvPicPr>
+          <p:cNvPr id="3074" name="Picture 2"/>
+          <p:cNvPicPr>
+            <a:picLocks noChangeAspect="1" noChangeArrowheads="1"/>
+          </p:cNvPicPr>
+          <p:nvPr/>
+        </p:nvPicPr>
+        <p:blipFill>
+          <a:blip r:embed="rId3">
+            <a:extLst>
+              <a:ext uri="{28A0092B-C50C-407E-A947-70E740481C1C}">
+                <a14:useLocalDpi xmlns:a14="http://schemas.microsoft.com/office/drawing/2010/main" val="0"/>
+              </a:ext>
+            </a:extLst>
+          </a:blip>
+          <a:srcRect/>
+          <a:stretch>
+            <a:fillRect/>
+          </a:stretch>
+        </p:blipFill>
+        <p:spPr bwMode="auto">
+          <a:xfrm>
+            <a:off x="4876800" y="3518071"/>
+            <a:ext cx="4038600" cy="3109243"/>
+          </a:xfrm>
+          <a:prstGeom prst="rect">
+            <a:avLst/>
+          </a:prstGeom>
+          <a:noFill/>
+          <a:ln>
+            <a:noFill/>
+          </a:ln>
+          <a:effectLst/>
+          <a:extLst>
+            <a:ext uri="{909E8E84-426E-40DD-AFC4-6F175D3DCCD1}">
+              <a14:hiddenFill xmlns:a14="http://schemas.microsoft.com/office/drawing/2010/main">
+                <a:solidFill>
+                  <a:schemeClr val="accent1"/>
+                </a:solidFill>
+              </a14:hiddenFill>
+            </a:ext>
+            <a:ext uri="{91240B29-F687-4F45-9708-019B960494DF}">
+              <a14:hiddenLine xmlns:a14="http://schemas.microsoft.com/office/drawing/2010/main" w="9525">
+                <a:solidFill>
+                  <a:schemeClr val="tx1"/>
+                </a:solidFill>
+                <a:miter lim="800000"/>
+                <a:headEnd/>
+                <a:tailEnd/>
+              </a14:hiddenLine>
+            </a:ext>
+            <a:ext uri="{AF507438-7753-43E0-B8FC-AC1667EBCBE1}">
+              <a14:hiddenEffects xmlns:a14="http://schemas.microsoft.com/office/drawing/2010/main">
+                <a:effectLst>
+                  <a:outerShdw dist="35921" dir="2700000" algn="ctr" rotWithShape="0">
+                    <a:schemeClr val="bg2"/>
+                  </a:outerShdw>
+                </a:effectLst>
+              </a14:hiddenEffects>
+            </a:ext>
+          </a:extLst>
+        </p:spPr>
+      </p:pic>
     </p:spTree>
     <p:extLst>
       <p:ext uri="{BB962C8B-B14F-4D97-AF65-F5344CB8AC3E}">
-        <p14:creationId xmlns:p14="http://schemas.microsoft.com/office/powerpoint/2010/main" val="4094323795"/>
+        <p14:creationId xmlns:p14="http://schemas.microsoft.com/office/powerpoint/2010/main" val="2208809626"/>
+      </p:ext>
+    </p:extLst>
+  </p:cSld>
+  <p:clrMapOvr>
+    <a:masterClrMapping/>
+  </p:clrMapOvr>
+  <p:timing>
+    <p:tnLst>
+      <p:par>
+        <p:cTn id="1" dur="indefinite" restart="never" nodeType="tmRoot"/>
+      </p:par>
+    </p:tnLst>
+  </p:timing>
+</p:sld>
+</file>
+
+<file path=ppt/slides/slide17.xml><?xml version="1.0" encoding="utf-8"?>
+<p:sld xmlns:a="http://schemas.openxmlformats.org/drawingml/2006/main" xmlns:r="http://schemas.openxmlformats.org/officeDocument/2006/relationships" xmlns:p="http://schemas.openxmlformats.org/presentationml/2006/main">
+  <p:cSld>
+    <p:spTree>
+      <p:nvGrpSpPr>
+        <p:cNvPr id="1" name=""/>
+        <p:cNvGrpSpPr/>
+        <p:nvPr/>
+      </p:nvGrpSpPr>
+      <p:grpSpPr>
+        <a:xfrm>
+          <a:off x="0" y="0"/>
+          <a:ext cx="0" cy="0"/>
+          <a:chOff x="0" y="0"/>
+          <a:chExt cx="0" cy="0"/>
+        </a:xfrm>
+      </p:grpSpPr>
+      <p:sp>
+        <p:nvSpPr>
+          <p:cNvPr id="2" name="Content Placeholder 1"/>
+          <p:cNvSpPr>
+            <a:spLocks noGrp="1"/>
+          </p:cNvSpPr>
+          <p:nvPr>
+            <p:ph idx="1"/>
+          </p:nvPr>
+        </p:nvSpPr>
+        <p:spPr/>
+        <p:txBody>
+          <a:bodyPr/>
+          <a:lstStyle/>
+          <a:p>
+            <a:r>
+              <a:rPr lang="en-US" dirty="0" smtClean="0"/>
+              <a:t>Benchmark dataset </a:t>
+            </a:r>
+            <a:r>
+              <a:rPr lang="en-US" b="1" dirty="0" err="1" smtClean="0"/>
+              <a:t>kiba</a:t>
+            </a:r>
+            <a:endParaRPr lang="en-US" b="1" dirty="0" smtClean="0"/>
+          </a:p>
+          <a:p>
+            <a:pPr lvl="1"/>
+            <a:r>
+              <a:rPr lang="en-US" dirty="0" smtClean="0"/>
+              <a:t>Kinase </a:t>
+            </a:r>
+            <a:r>
+              <a:rPr lang="en-US" dirty="0"/>
+              <a:t>Inhibitor Bioactivity Data Set</a:t>
+            </a:r>
+            <a:endParaRPr lang="en-US" b="1" dirty="0" smtClean="0"/>
+          </a:p>
+          <a:p>
+            <a:pPr lvl="1"/>
+            <a:r>
+              <a:rPr lang="en-US" dirty="0" smtClean="0"/>
+              <a:t>binding affinity </a:t>
+            </a:r>
+            <a:r>
+              <a:rPr lang="en-US" dirty="0"/>
+              <a:t>might be measured by </a:t>
+            </a:r>
+            <a:r>
+              <a:rPr lang="en-US" b="1" dirty="0" err="1" smtClean="0"/>
+              <a:t>Kd</a:t>
+            </a:r>
+            <a:r>
+              <a:rPr lang="en-US" dirty="0" smtClean="0"/>
+              <a:t>, </a:t>
+            </a:r>
+            <a:r>
+              <a:rPr lang="en-US" b="1" dirty="0" smtClean="0"/>
+              <a:t>Ki</a:t>
+            </a:r>
+            <a:r>
+              <a:rPr lang="en-US" dirty="0" smtClean="0"/>
+              <a:t> or </a:t>
+            </a:r>
+            <a:r>
+              <a:rPr lang="en-US" b="1" dirty="0" smtClean="0"/>
+              <a:t>IC50</a:t>
+            </a:r>
+          </a:p>
+          <a:p>
+            <a:pPr lvl="1"/>
+            <a:r>
+              <a:rPr lang="en-US" dirty="0"/>
+              <a:t>integrates the information from IC50, Ki , and </a:t>
+            </a:r>
+            <a:r>
+              <a:rPr lang="en-US" dirty="0" err="1"/>
+              <a:t>Kd</a:t>
+            </a:r>
+            <a:r>
+              <a:rPr lang="en-US" dirty="0"/>
+              <a:t> measurements into a single bioactivity score</a:t>
+            </a:r>
+            <a:endParaRPr lang="en-US" b="1" dirty="0" smtClean="0"/>
+          </a:p>
+        </p:txBody>
+      </p:sp>
+      <p:sp>
+        <p:nvSpPr>
+          <p:cNvPr id="3" name="Title 2"/>
+          <p:cNvSpPr>
+            <a:spLocks noGrp="1"/>
+          </p:cNvSpPr>
+          <p:nvPr>
+            <p:ph type="title"/>
+          </p:nvPr>
+        </p:nvSpPr>
+        <p:spPr/>
+        <p:txBody>
+          <a:bodyPr/>
+          <a:lstStyle/>
+          <a:p>
+            <a:r>
+              <a:rPr lang="en-US" dirty="0"/>
+              <a:t>Datasets</a:t>
+            </a:r>
+          </a:p>
+        </p:txBody>
+      </p:sp>
+      <p:pic>
+        <p:nvPicPr>
+          <p:cNvPr id="2051" name="Picture 3"/>
+          <p:cNvPicPr>
+            <a:picLocks noChangeAspect="1" noChangeArrowheads="1"/>
+          </p:cNvPicPr>
+          <p:nvPr/>
+        </p:nvPicPr>
+        <p:blipFill>
+          <a:blip r:embed="rId3">
+            <a:extLst>
+              <a:ext uri="{28A0092B-C50C-407E-A947-70E740481C1C}">
+                <a14:useLocalDpi xmlns:a14="http://schemas.microsoft.com/office/drawing/2010/main" val="0"/>
+              </a:ext>
+            </a:extLst>
+          </a:blip>
+          <a:srcRect/>
+          <a:stretch>
+            <a:fillRect/>
+          </a:stretch>
+        </p:blipFill>
+        <p:spPr bwMode="auto">
+          <a:xfrm>
+            <a:off x="3962400" y="3886200"/>
+            <a:ext cx="4648200" cy="2448202"/>
+          </a:xfrm>
+          <a:prstGeom prst="rect">
+            <a:avLst/>
+          </a:prstGeom>
+          <a:noFill/>
+          <a:ln>
+            <a:noFill/>
+          </a:ln>
+          <a:effectLst/>
+          <a:extLst>
+            <a:ext uri="{909E8E84-426E-40DD-AFC4-6F175D3DCCD1}">
+              <a14:hiddenFill xmlns:a14="http://schemas.microsoft.com/office/drawing/2010/main">
+                <a:solidFill>
+                  <a:schemeClr val="accent1"/>
+                </a:solidFill>
+              </a14:hiddenFill>
+            </a:ext>
+            <a:ext uri="{91240B29-F687-4F45-9708-019B960494DF}">
+              <a14:hiddenLine xmlns:a14="http://schemas.microsoft.com/office/drawing/2010/main" w="9525">
+                <a:solidFill>
+                  <a:schemeClr val="tx1"/>
+                </a:solidFill>
+                <a:miter lim="800000"/>
+                <a:headEnd/>
+                <a:tailEnd/>
+              </a14:hiddenLine>
+            </a:ext>
+            <a:ext uri="{AF507438-7753-43E0-B8FC-AC1667EBCBE1}">
+              <a14:hiddenEffects xmlns:a14="http://schemas.microsoft.com/office/drawing/2010/main">
+                <a:effectLst>
+                  <a:outerShdw dist="35921" dir="2700000" algn="ctr" rotWithShape="0">
+                    <a:schemeClr val="bg2"/>
+                  </a:outerShdw>
+                </a:effectLst>
+              </a14:hiddenEffects>
+            </a:ext>
+          </a:extLst>
+        </p:spPr>
+      </p:pic>
+    </p:spTree>
+    <p:extLst>
+      <p:ext uri="{BB962C8B-B14F-4D97-AF65-F5344CB8AC3E}">
+        <p14:creationId xmlns:p14="http://schemas.microsoft.com/office/powerpoint/2010/main" val="2784025812"/>
+      </p:ext>
+    </p:extLst>
+  </p:cSld>
+  <p:clrMapOvr>
+    <a:masterClrMapping/>
+  </p:clrMapOvr>
+  <p:timing>
+    <p:tnLst>
+      <p:par>
+        <p:cTn id="1" dur="indefinite" restart="never" nodeType="tmRoot"/>
+      </p:par>
+    </p:tnLst>
+  </p:timing>
+</p:sld>
+</file>
+
+<file path=ppt/slides/slide18.xml><?xml version="1.0" encoding="utf-8"?>
+<p:sld xmlns:a="http://schemas.openxmlformats.org/drawingml/2006/main" xmlns:r="http://schemas.openxmlformats.org/officeDocument/2006/relationships" xmlns:p="http://schemas.openxmlformats.org/presentationml/2006/main">
+  <p:cSld>
+    <p:spTree>
+      <p:nvGrpSpPr>
+        <p:cNvPr id="1" name=""/>
+        <p:cNvGrpSpPr/>
+        <p:nvPr/>
+      </p:nvGrpSpPr>
+      <p:grpSpPr>
+        <a:xfrm>
+          <a:off x="0" y="0"/>
+          <a:ext cx="0" cy="0"/>
+          <a:chOff x="0" y="0"/>
+          <a:chExt cx="0" cy="0"/>
+        </a:xfrm>
+      </p:grpSpPr>
+      <p:sp>
+        <p:nvSpPr>
+          <p:cNvPr id="2" name="Content Placeholder 1"/>
+          <p:cNvSpPr>
+            <a:spLocks noGrp="1"/>
+          </p:cNvSpPr>
+          <p:nvPr>
+            <p:ph idx="1"/>
+          </p:nvPr>
+        </p:nvSpPr>
+        <p:spPr>
+          <a:xfrm>
+            <a:off x="457200" y="1481328"/>
+            <a:ext cx="8229600" cy="5148072"/>
+          </a:xfrm>
+        </p:spPr>
+        <p:txBody>
+          <a:bodyPr/>
+          <a:lstStyle/>
+          <a:p>
+            <a:r>
+              <a:rPr lang="en-US" dirty="0" smtClean="0"/>
+              <a:t>Benchmark dataset </a:t>
+            </a:r>
+            <a:r>
+              <a:rPr lang="en-US" b="1" dirty="0" err="1" smtClean="0"/>
+              <a:t>kiba</a:t>
+            </a:r>
+            <a:endParaRPr lang="en-US" b="1" dirty="0" smtClean="0"/>
+          </a:p>
+          <a:p>
+            <a:pPr lvl="1"/>
+            <a:r>
+              <a:rPr lang="en-US" dirty="0"/>
+              <a:t>measured as KIBA scores and ranging from 0.0 to </a:t>
+            </a:r>
+            <a:r>
+              <a:rPr lang="en-US" dirty="0" smtClean="0"/>
+              <a:t>17.2</a:t>
+            </a:r>
+          </a:p>
+          <a:p>
+            <a:pPr lvl="1"/>
+            <a:r>
+              <a:rPr lang="en-US" dirty="0" smtClean="0"/>
+              <a:t>Total of most interactions between 10 and 15</a:t>
+            </a:r>
+          </a:p>
+        </p:txBody>
+      </p:sp>
+      <p:sp>
+        <p:nvSpPr>
+          <p:cNvPr id="3" name="Title 2"/>
+          <p:cNvSpPr>
+            <a:spLocks noGrp="1"/>
+          </p:cNvSpPr>
+          <p:nvPr>
+            <p:ph type="title"/>
+          </p:nvPr>
+        </p:nvSpPr>
+        <p:spPr/>
+        <p:txBody>
+          <a:bodyPr/>
+          <a:lstStyle/>
+          <a:p>
+            <a:r>
+              <a:rPr lang="en-US" dirty="0"/>
+              <a:t>Datasets</a:t>
+            </a:r>
+          </a:p>
+        </p:txBody>
+      </p:sp>
+      <p:pic>
+        <p:nvPicPr>
+          <p:cNvPr id="2050" name="Picture 2"/>
+          <p:cNvPicPr>
+            <a:picLocks noChangeAspect="1" noChangeArrowheads="1"/>
+          </p:cNvPicPr>
+          <p:nvPr/>
+        </p:nvPicPr>
+        <p:blipFill>
+          <a:blip r:embed="rId3">
+            <a:extLst>
+              <a:ext uri="{28A0092B-C50C-407E-A947-70E740481C1C}">
+                <a14:useLocalDpi xmlns:a14="http://schemas.microsoft.com/office/drawing/2010/main" val="0"/>
+              </a:ext>
+            </a:extLst>
+          </a:blip>
+          <a:srcRect/>
+          <a:stretch>
+            <a:fillRect/>
+          </a:stretch>
+        </p:blipFill>
+        <p:spPr bwMode="auto">
+          <a:xfrm>
+            <a:off x="4191000" y="3048000"/>
+            <a:ext cx="4724400" cy="3649578"/>
+          </a:xfrm>
+          <a:prstGeom prst="rect">
+            <a:avLst/>
+          </a:prstGeom>
+          <a:noFill/>
+          <a:ln>
+            <a:noFill/>
+          </a:ln>
+          <a:effectLst/>
+          <a:extLst>
+            <a:ext uri="{909E8E84-426E-40DD-AFC4-6F175D3DCCD1}">
+              <a14:hiddenFill xmlns:a14="http://schemas.microsoft.com/office/drawing/2010/main">
+                <a:solidFill>
+                  <a:schemeClr val="accent1"/>
+                </a:solidFill>
+              </a14:hiddenFill>
+            </a:ext>
+            <a:ext uri="{91240B29-F687-4F45-9708-019B960494DF}">
+              <a14:hiddenLine xmlns:a14="http://schemas.microsoft.com/office/drawing/2010/main" w="9525">
+                <a:solidFill>
+                  <a:schemeClr val="tx1"/>
+                </a:solidFill>
+                <a:miter lim="800000"/>
+                <a:headEnd/>
+                <a:tailEnd/>
+              </a14:hiddenLine>
+            </a:ext>
+            <a:ext uri="{AF507438-7753-43E0-B8FC-AC1667EBCBE1}">
+              <a14:hiddenEffects xmlns:a14="http://schemas.microsoft.com/office/drawing/2010/main">
+                <a:effectLst>
+                  <a:outerShdw dist="35921" dir="2700000" algn="ctr" rotWithShape="0">
+                    <a:schemeClr val="bg2"/>
+                  </a:outerShdw>
+                </a:effectLst>
+              </a14:hiddenEffects>
+            </a:ext>
+          </a:extLst>
+        </p:spPr>
+      </p:pic>
+    </p:spTree>
+    <p:extLst>
+      <p:ext uri="{BB962C8B-B14F-4D97-AF65-F5344CB8AC3E}">
+        <p14:creationId xmlns:p14="http://schemas.microsoft.com/office/powerpoint/2010/main" val="183644050"/>
+      </p:ext>
+    </p:extLst>
+  </p:cSld>
+  <p:clrMapOvr>
+    <a:masterClrMapping/>
+  </p:clrMapOvr>
+  <p:timing>
+    <p:tnLst>
+      <p:par>
+        <p:cTn id="1" dur="indefinite" restart="never" nodeType="tmRoot"/>
+      </p:par>
+    </p:tnLst>
+  </p:timing>
+</p:sld>
+</file>
+
+<file path=ppt/slides/slide19.xml><?xml version="1.0" encoding="utf-8"?>
+<p:sld xmlns:a="http://schemas.openxmlformats.org/drawingml/2006/main" xmlns:r="http://schemas.openxmlformats.org/officeDocument/2006/relationships" xmlns:p="http://schemas.openxmlformats.org/presentationml/2006/main">
+  <p:cSld>
+    <p:spTree>
+      <p:nvGrpSpPr>
+        <p:cNvPr id="1" name=""/>
+        <p:cNvGrpSpPr/>
+        <p:nvPr/>
+      </p:nvGrpSpPr>
+      <p:grpSpPr>
+        <a:xfrm>
+          <a:off x="0" y="0"/>
+          <a:ext cx="0" cy="0"/>
+          <a:chOff x="0" y="0"/>
+          <a:chExt cx="0" cy="0"/>
+        </a:xfrm>
+      </p:grpSpPr>
+      <p:sp>
+        <p:nvSpPr>
+          <p:cNvPr id="3" name="Title 2"/>
+          <p:cNvSpPr>
+            <a:spLocks noGrp="1"/>
+          </p:cNvSpPr>
+          <p:nvPr>
+            <p:ph type="title"/>
+          </p:nvPr>
+        </p:nvSpPr>
+        <p:spPr/>
+        <p:txBody>
+          <a:bodyPr/>
+          <a:lstStyle/>
+          <a:p>
+            <a:r>
+              <a:rPr lang="en-US" dirty="0" smtClean="0"/>
+              <a:t>Results</a:t>
+            </a:r>
+            <a:endParaRPr lang="en-US" dirty="0"/>
+          </a:p>
+        </p:txBody>
+      </p:sp>
+      <p:sp>
+        <p:nvSpPr>
+          <p:cNvPr id="4" name="Content Placeholder 3"/>
+          <p:cNvSpPr>
+            <a:spLocks noGrp="1"/>
+          </p:cNvSpPr>
+          <p:nvPr>
+            <p:ph idx="1"/>
+          </p:nvPr>
+        </p:nvSpPr>
+        <p:spPr>
+          <a:xfrm>
+            <a:off x="76200" y="1143000"/>
+            <a:ext cx="9067800" cy="5486400"/>
+          </a:xfrm>
+        </p:spPr>
+        <p:txBody>
+          <a:bodyPr/>
+          <a:lstStyle/>
+          <a:p>
+            <a:r>
+              <a:rPr lang="en-US" dirty="0" smtClean="0"/>
+              <a:t>train </a:t>
+            </a:r>
+            <a:r>
+              <a:rPr lang="en-US" dirty="0"/>
+              <a:t>and test </a:t>
+            </a:r>
+            <a:r>
+              <a:rPr lang="en-US" b="1" dirty="0" smtClean="0"/>
+              <a:t>GCN-based</a:t>
+            </a:r>
+            <a:r>
+              <a:rPr lang="en-US" dirty="0" smtClean="0"/>
+              <a:t> </a:t>
+            </a:r>
+            <a:r>
+              <a:rPr lang="en-US" dirty="0"/>
+              <a:t>model with </a:t>
+            </a:r>
+            <a:r>
+              <a:rPr lang="en-US" b="1" dirty="0" err="1"/>
+              <a:t>davis</a:t>
+            </a:r>
+            <a:r>
+              <a:rPr lang="en-US" dirty="0"/>
+              <a:t> </a:t>
+            </a:r>
+            <a:r>
+              <a:rPr lang="en-US" dirty="0" smtClean="0"/>
+              <a:t>dataset</a:t>
+            </a:r>
+            <a:endParaRPr lang="en-US" dirty="0"/>
+          </a:p>
+        </p:txBody>
+      </p:sp>
+      <p:pic>
+        <p:nvPicPr>
+          <p:cNvPr id="1027" name="Picture 3"/>
+          <p:cNvPicPr>
+            <a:picLocks noChangeAspect="1" noChangeArrowheads="1"/>
+          </p:cNvPicPr>
+          <p:nvPr/>
+        </p:nvPicPr>
+        <p:blipFill>
+          <a:blip r:embed="rId2">
+            <a:extLst>
+              <a:ext uri="{28A0092B-C50C-407E-A947-70E740481C1C}">
+                <a14:useLocalDpi xmlns:a14="http://schemas.microsoft.com/office/drawing/2010/main" val="0"/>
+              </a:ext>
+            </a:extLst>
+          </a:blip>
+          <a:srcRect/>
+          <a:stretch>
+            <a:fillRect/>
+          </a:stretch>
+        </p:blipFill>
+        <p:spPr bwMode="auto">
+          <a:xfrm>
+            <a:off x="381000" y="1600200"/>
+            <a:ext cx="8686800" cy="2381428"/>
+          </a:xfrm>
+          <a:prstGeom prst="rect">
+            <a:avLst/>
+          </a:prstGeom>
+          <a:noFill/>
+          <a:ln>
+            <a:noFill/>
+          </a:ln>
+          <a:effectLst/>
+          <a:extLst>
+            <a:ext uri="{909E8E84-426E-40DD-AFC4-6F175D3DCCD1}">
+              <a14:hiddenFill xmlns:a14="http://schemas.microsoft.com/office/drawing/2010/main">
+                <a:solidFill>
+                  <a:schemeClr val="accent1"/>
+                </a:solidFill>
+              </a14:hiddenFill>
+            </a:ext>
+            <a:ext uri="{91240B29-F687-4F45-9708-019B960494DF}">
+              <a14:hiddenLine xmlns:a14="http://schemas.microsoft.com/office/drawing/2010/main" w="9525">
+                <a:solidFill>
+                  <a:schemeClr val="tx1"/>
+                </a:solidFill>
+                <a:miter lim="800000"/>
+                <a:headEnd/>
+                <a:tailEnd/>
+              </a14:hiddenLine>
+            </a:ext>
+            <a:ext uri="{AF507438-7753-43E0-B8FC-AC1667EBCBE1}">
+              <a14:hiddenEffects xmlns:a14="http://schemas.microsoft.com/office/drawing/2010/main">
+                <a:effectLst>
+                  <a:outerShdw dist="35921" dir="2700000" algn="ctr" rotWithShape="0">
+                    <a:schemeClr val="bg2"/>
+                  </a:outerShdw>
+                </a:effectLst>
+              </a14:hiddenEffects>
+            </a:ext>
+          </a:extLst>
+        </p:spPr>
+      </p:pic>
+      <p:pic>
+        <p:nvPicPr>
+          <p:cNvPr id="1028" name="Picture 4"/>
+          <p:cNvPicPr>
+            <a:picLocks noChangeAspect="1" noChangeArrowheads="1"/>
+          </p:cNvPicPr>
+          <p:nvPr/>
+        </p:nvPicPr>
+        <p:blipFill>
+          <a:blip r:embed="rId3">
+            <a:extLst>
+              <a:ext uri="{28A0092B-C50C-407E-A947-70E740481C1C}">
+                <a14:useLocalDpi xmlns:a14="http://schemas.microsoft.com/office/drawing/2010/main" val="0"/>
+              </a:ext>
+            </a:extLst>
+          </a:blip>
+          <a:srcRect/>
+          <a:stretch>
+            <a:fillRect/>
+          </a:stretch>
+        </p:blipFill>
+        <p:spPr bwMode="auto">
+          <a:xfrm>
+            <a:off x="5181600" y="4042062"/>
+            <a:ext cx="3638550" cy="2740961"/>
+          </a:xfrm>
+          <a:prstGeom prst="rect">
+            <a:avLst/>
+          </a:prstGeom>
+          <a:noFill/>
+          <a:ln>
+            <a:noFill/>
+          </a:ln>
+          <a:effectLst/>
+          <a:extLst>
+            <a:ext uri="{909E8E84-426E-40DD-AFC4-6F175D3DCCD1}">
+              <a14:hiddenFill xmlns:a14="http://schemas.microsoft.com/office/drawing/2010/main">
+                <a:solidFill>
+                  <a:schemeClr val="accent1"/>
+                </a:solidFill>
+              </a14:hiddenFill>
+            </a:ext>
+            <a:ext uri="{91240B29-F687-4F45-9708-019B960494DF}">
+              <a14:hiddenLine xmlns:a14="http://schemas.microsoft.com/office/drawing/2010/main" w="9525">
+                <a:solidFill>
+                  <a:schemeClr val="tx1"/>
+                </a:solidFill>
+                <a:miter lim="800000"/>
+                <a:headEnd/>
+                <a:tailEnd/>
+              </a14:hiddenLine>
+            </a:ext>
+            <a:ext uri="{AF507438-7753-43E0-B8FC-AC1667EBCBE1}">
+              <a14:hiddenEffects xmlns:a14="http://schemas.microsoft.com/office/drawing/2010/main">
+                <a:effectLst>
+                  <a:outerShdw dist="35921" dir="2700000" algn="ctr" rotWithShape="0">
+                    <a:schemeClr val="bg2"/>
+                  </a:outerShdw>
+                </a:effectLst>
+              </a14:hiddenEffects>
+            </a:ext>
+          </a:extLst>
+        </p:spPr>
+      </p:pic>
+    </p:spTree>
+    <p:extLst>
+      <p:ext uri="{BB962C8B-B14F-4D97-AF65-F5344CB8AC3E}">
+        <p14:creationId xmlns:p14="http://schemas.microsoft.com/office/powerpoint/2010/main" val="2988490960"/>
       </p:ext>
     </p:extLst>
   </p:cSld>
@@ -5923,6 +12023,2492 @@
   <p:clrMapOvr>
     <a:masterClrMapping/>
   </p:clrMapOvr>
+</p:sld>
+</file>
+
+<file path=ppt/slides/slide20.xml><?xml version="1.0" encoding="utf-8"?>
+<p:sld xmlns:a="http://schemas.openxmlformats.org/drawingml/2006/main" xmlns:r="http://schemas.openxmlformats.org/officeDocument/2006/relationships" xmlns:p="http://schemas.openxmlformats.org/presentationml/2006/main">
+  <p:cSld>
+    <p:spTree>
+      <p:nvGrpSpPr>
+        <p:cNvPr id="1" name=""/>
+        <p:cNvGrpSpPr/>
+        <p:nvPr/>
+      </p:nvGrpSpPr>
+      <p:grpSpPr>
+        <a:xfrm>
+          <a:off x="0" y="0"/>
+          <a:ext cx="0" cy="0"/>
+          <a:chOff x="0" y="0"/>
+          <a:chExt cx="0" cy="0"/>
+        </a:xfrm>
+      </p:grpSpPr>
+      <p:sp>
+        <p:nvSpPr>
+          <p:cNvPr id="3" name="Title 2"/>
+          <p:cNvSpPr>
+            <a:spLocks noGrp="1"/>
+          </p:cNvSpPr>
+          <p:nvPr>
+            <p:ph type="title"/>
+          </p:nvPr>
+        </p:nvSpPr>
+        <p:spPr/>
+        <p:txBody>
+          <a:bodyPr/>
+          <a:lstStyle/>
+          <a:p>
+            <a:r>
+              <a:rPr lang="en-US" dirty="0" smtClean="0"/>
+              <a:t>Results</a:t>
+            </a:r>
+            <a:endParaRPr lang="en-US" dirty="0"/>
+          </a:p>
+        </p:txBody>
+      </p:sp>
+      <p:sp>
+        <p:nvSpPr>
+          <p:cNvPr id="4" name="Content Placeholder 3"/>
+          <p:cNvSpPr>
+            <a:spLocks noGrp="1"/>
+          </p:cNvSpPr>
+          <p:nvPr>
+            <p:ph idx="1"/>
+          </p:nvPr>
+        </p:nvSpPr>
+        <p:spPr>
+          <a:xfrm>
+            <a:off x="0" y="1143000"/>
+            <a:ext cx="9144000" cy="5486400"/>
+          </a:xfrm>
+        </p:spPr>
+        <p:txBody>
+          <a:bodyPr/>
+          <a:lstStyle/>
+          <a:p>
+            <a:r>
+              <a:rPr lang="en-US" dirty="0" smtClean="0"/>
+              <a:t>train </a:t>
+            </a:r>
+            <a:r>
+              <a:rPr lang="en-US" dirty="0"/>
+              <a:t>and test </a:t>
+            </a:r>
+            <a:r>
+              <a:rPr lang="en-US" b="1" dirty="0" smtClean="0"/>
+              <a:t>GATGCN-based</a:t>
+            </a:r>
+            <a:r>
+              <a:rPr lang="en-US" dirty="0" smtClean="0"/>
+              <a:t> </a:t>
+            </a:r>
+            <a:r>
+              <a:rPr lang="en-US" dirty="0"/>
+              <a:t>model with </a:t>
+            </a:r>
+            <a:r>
+              <a:rPr lang="en-US" b="1" dirty="0" err="1"/>
+              <a:t>davis</a:t>
+            </a:r>
+            <a:r>
+              <a:rPr lang="en-US" dirty="0"/>
+              <a:t> </a:t>
+            </a:r>
+            <a:r>
+              <a:rPr lang="en-US" dirty="0" smtClean="0"/>
+              <a:t>dataset</a:t>
+            </a:r>
+            <a:endParaRPr lang="en-US" dirty="0"/>
+          </a:p>
+        </p:txBody>
+      </p:sp>
+      <p:pic>
+        <p:nvPicPr>
+          <p:cNvPr id="2050" name="Picture 2"/>
+          <p:cNvPicPr>
+            <a:picLocks noChangeAspect="1" noChangeArrowheads="1"/>
+          </p:cNvPicPr>
+          <p:nvPr/>
+        </p:nvPicPr>
+        <p:blipFill>
+          <a:blip r:embed="rId2">
+            <a:extLst>
+              <a:ext uri="{28A0092B-C50C-407E-A947-70E740481C1C}">
+                <a14:useLocalDpi xmlns:a14="http://schemas.microsoft.com/office/drawing/2010/main" val="0"/>
+              </a:ext>
+            </a:extLst>
+          </a:blip>
+          <a:srcRect/>
+          <a:stretch>
+            <a:fillRect/>
+          </a:stretch>
+        </p:blipFill>
+        <p:spPr bwMode="auto">
+          <a:xfrm>
+            <a:off x="220479" y="1589690"/>
+            <a:ext cx="8894618" cy="2438400"/>
+          </a:xfrm>
+          <a:prstGeom prst="rect">
+            <a:avLst/>
+          </a:prstGeom>
+          <a:noFill/>
+          <a:ln>
+            <a:noFill/>
+          </a:ln>
+          <a:effectLst/>
+          <a:extLst>
+            <a:ext uri="{909E8E84-426E-40DD-AFC4-6F175D3DCCD1}">
+              <a14:hiddenFill xmlns:a14="http://schemas.microsoft.com/office/drawing/2010/main">
+                <a:solidFill>
+                  <a:schemeClr val="accent1"/>
+                </a:solidFill>
+              </a14:hiddenFill>
+            </a:ext>
+            <a:ext uri="{91240B29-F687-4F45-9708-019B960494DF}">
+              <a14:hiddenLine xmlns:a14="http://schemas.microsoft.com/office/drawing/2010/main" w="9525">
+                <a:solidFill>
+                  <a:schemeClr val="tx1"/>
+                </a:solidFill>
+                <a:miter lim="800000"/>
+                <a:headEnd/>
+                <a:tailEnd/>
+              </a14:hiddenLine>
+            </a:ext>
+            <a:ext uri="{AF507438-7753-43E0-B8FC-AC1667EBCBE1}">
+              <a14:hiddenEffects xmlns:a14="http://schemas.microsoft.com/office/drawing/2010/main">
+                <a:effectLst>
+                  <a:outerShdw dist="35921" dir="2700000" algn="ctr" rotWithShape="0">
+                    <a:schemeClr val="bg2"/>
+                  </a:outerShdw>
+                </a:effectLst>
+              </a14:hiddenEffects>
+            </a:ext>
+          </a:extLst>
+        </p:spPr>
+      </p:pic>
+      <p:pic>
+        <p:nvPicPr>
+          <p:cNvPr id="2051" name="Picture 3"/>
+          <p:cNvPicPr>
+            <a:picLocks noChangeAspect="1" noChangeArrowheads="1"/>
+          </p:cNvPicPr>
+          <p:nvPr/>
+        </p:nvPicPr>
+        <p:blipFill>
+          <a:blip r:embed="rId3">
+            <a:extLst>
+              <a:ext uri="{28A0092B-C50C-407E-A947-70E740481C1C}">
+                <a14:useLocalDpi xmlns:a14="http://schemas.microsoft.com/office/drawing/2010/main" val="0"/>
+              </a:ext>
+            </a:extLst>
+          </a:blip>
+          <a:srcRect/>
+          <a:stretch>
+            <a:fillRect/>
+          </a:stretch>
+        </p:blipFill>
+        <p:spPr bwMode="auto">
+          <a:xfrm>
+            <a:off x="5270772" y="4033345"/>
+            <a:ext cx="3492228" cy="2600596"/>
+          </a:xfrm>
+          <a:prstGeom prst="rect">
+            <a:avLst/>
+          </a:prstGeom>
+          <a:noFill/>
+          <a:ln>
+            <a:noFill/>
+          </a:ln>
+          <a:effectLst/>
+          <a:extLst>
+            <a:ext uri="{909E8E84-426E-40DD-AFC4-6F175D3DCCD1}">
+              <a14:hiddenFill xmlns:a14="http://schemas.microsoft.com/office/drawing/2010/main">
+                <a:solidFill>
+                  <a:schemeClr val="accent1"/>
+                </a:solidFill>
+              </a14:hiddenFill>
+            </a:ext>
+            <a:ext uri="{91240B29-F687-4F45-9708-019B960494DF}">
+              <a14:hiddenLine xmlns:a14="http://schemas.microsoft.com/office/drawing/2010/main" w="9525">
+                <a:solidFill>
+                  <a:schemeClr val="tx1"/>
+                </a:solidFill>
+                <a:miter lim="800000"/>
+                <a:headEnd/>
+                <a:tailEnd/>
+              </a14:hiddenLine>
+            </a:ext>
+            <a:ext uri="{AF507438-7753-43E0-B8FC-AC1667EBCBE1}">
+              <a14:hiddenEffects xmlns:a14="http://schemas.microsoft.com/office/drawing/2010/main">
+                <a:effectLst>
+                  <a:outerShdw dist="35921" dir="2700000" algn="ctr" rotWithShape="0">
+                    <a:schemeClr val="bg2"/>
+                  </a:outerShdw>
+                </a:effectLst>
+              </a14:hiddenEffects>
+            </a:ext>
+          </a:extLst>
+        </p:spPr>
+      </p:pic>
+    </p:spTree>
+    <p:extLst>
+      <p:ext uri="{BB962C8B-B14F-4D97-AF65-F5344CB8AC3E}">
+        <p14:creationId xmlns:p14="http://schemas.microsoft.com/office/powerpoint/2010/main" val="1985985490"/>
+      </p:ext>
+    </p:extLst>
+  </p:cSld>
+  <p:clrMapOvr>
+    <a:masterClrMapping/>
+  </p:clrMapOvr>
+  <p:timing>
+    <p:tnLst>
+      <p:par>
+        <p:cTn id="1" dur="indefinite" restart="never" nodeType="tmRoot"/>
+      </p:par>
+    </p:tnLst>
+  </p:timing>
+</p:sld>
+</file>
+
+<file path=ppt/slides/slide21.xml><?xml version="1.0" encoding="utf-8"?>
+<p:sld xmlns:a="http://schemas.openxmlformats.org/drawingml/2006/main" xmlns:r="http://schemas.openxmlformats.org/officeDocument/2006/relationships" xmlns:p="http://schemas.openxmlformats.org/presentationml/2006/main">
+  <p:cSld>
+    <p:spTree>
+      <p:nvGrpSpPr>
+        <p:cNvPr id="1" name=""/>
+        <p:cNvGrpSpPr/>
+        <p:nvPr/>
+      </p:nvGrpSpPr>
+      <p:grpSpPr>
+        <a:xfrm>
+          <a:off x="0" y="0"/>
+          <a:ext cx="0" cy="0"/>
+          <a:chOff x="0" y="0"/>
+          <a:chExt cx="0" cy="0"/>
+        </a:xfrm>
+      </p:grpSpPr>
+      <p:sp>
+        <p:nvSpPr>
+          <p:cNvPr id="3" name="Title 2"/>
+          <p:cNvSpPr>
+            <a:spLocks noGrp="1"/>
+          </p:cNvSpPr>
+          <p:nvPr>
+            <p:ph type="title"/>
+          </p:nvPr>
+        </p:nvSpPr>
+        <p:spPr/>
+        <p:txBody>
+          <a:bodyPr/>
+          <a:lstStyle/>
+          <a:p>
+            <a:r>
+              <a:rPr lang="en-US" dirty="0" smtClean="0"/>
+              <a:t>Results</a:t>
+            </a:r>
+            <a:endParaRPr lang="en-US" dirty="0"/>
+          </a:p>
+        </p:txBody>
+      </p:sp>
+      <p:sp>
+        <p:nvSpPr>
+          <p:cNvPr id="4" name="Content Placeholder 3"/>
+          <p:cNvSpPr>
+            <a:spLocks noGrp="1"/>
+          </p:cNvSpPr>
+          <p:nvPr>
+            <p:ph idx="1"/>
+          </p:nvPr>
+        </p:nvSpPr>
+        <p:spPr>
+          <a:xfrm>
+            <a:off x="0" y="1143000"/>
+            <a:ext cx="9144000" cy="5486400"/>
+          </a:xfrm>
+        </p:spPr>
+        <p:txBody>
+          <a:bodyPr/>
+          <a:lstStyle/>
+          <a:p>
+            <a:r>
+              <a:rPr lang="en-US" dirty="0" smtClean="0"/>
+              <a:t>train </a:t>
+            </a:r>
+            <a:r>
+              <a:rPr lang="en-US" dirty="0"/>
+              <a:t>and test </a:t>
+            </a:r>
+            <a:r>
+              <a:rPr lang="en-US" b="1" dirty="0" smtClean="0"/>
+              <a:t>GAT-based</a:t>
+            </a:r>
+            <a:r>
+              <a:rPr lang="en-US" dirty="0" smtClean="0"/>
+              <a:t> </a:t>
+            </a:r>
+            <a:r>
+              <a:rPr lang="en-US" dirty="0"/>
+              <a:t>model with </a:t>
+            </a:r>
+            <a:r>
+              <a:rPr lang="en-US" b="1" dirty="0" err="1"/>
+              <a:t>davis</a:t>
+            </a:r>
+            <a:r>
+              <a:rPr lang="en-US" dirty="0"/>
+              <a:t> </a:t>
+            </a:r>
+            <a:r>
+              <a:rPr lang="en-US" dirty="0" smtClean="0"/>
+              <a:t>dataset</a:t>
+            </a:r>
+            <a:endParaRPr lang="en-US" dirty="0"/>
+          </a:p>
+        </p:txBody>
+      </p:sp>
+      <p:pic>
+        <p:nvPicPr>
+          <p:cNvPr id="4098" name="Picture 2"/>
+          <p:cNvPicPr>
+            <a:picLocks noChangeAspect="1" noChangeArrowheads="1"/>
+          </p:cNvPicPr>
+          <p:nvPr/>
+        </p:nvPicPr>
+        <p:blipFill>
+          <a:blip r:embed="rId2">
+            <a:extLst>
+              <a:ext uri="{28A0092B-C50C-407E-A947-70E740481C1C}">
+                <a14:useLocalDpi xmlns:a14="http://schemas.microsoft.com/office/drawing/2010/main" val="0"/>
+              </a:ext>
+            </a:extLst>
+          </a:blip>
+          <a:srcRect/>
+          <a:stretch>
+            <a:fillRect/>
+          </a:stretch>
+        </p:blipFill>
+        <p:spPr bwMode="auto">
+          <a:xfrm>
+            <a:off x="152400" y="1676400"/>
+            <a:ext cx="8714508" cy="2389024"/>
+          </a:xfrm>
+          <a:prstGeom prst="rect">
+            <a:avLst/>
+          </a:prstGeom>
+          <a:noFill/>
+          <a:ln>
+            <a:noFill/>
+          </a:ln>
+          <a:effectLst/>
+          <a:extLst>
+            <a:ext uri="{909E8E84-426E-40DD-AFC4-6F175D3DCCD1}">
+              <a14:hiddenFill xmlns:a14="http://schemas.microsoft.com/office/drawing/2010/main">
+                <a:solidFill>
+                  <a:schemeClr val="accent1"/>
+                </a:solidFill>
+              </a14:hiddenFill>
+            </a:ext>
+            <a:ext uri="{91240B29-F687-4F45-9708-019B960494DF}">
+              <a14:hiddenLine xmlns:a14="http://schemas.microsoft.com/office/drawing/2010/main" w="9525">
+                <a:solidFill>
+                  <a:schemeClr val="tx1"/>
+                </a:solidFill>
+                <a:miter lim="800000"/>
+                <a:headEnd/>
+                <a:tailEnd/>
+              </a14:hiddenLine>
+            </a:ext>
+            <a:ext uri="{AF507438-7753-43E0-B8FC-AC1667EBCBE1}">
+              <a14:hiddenEffects xmlns:a14="http://schemas.microsoft.com/office/drawing/2010/main">
+                <a:effectLst>
+                  <a:outerShdw dist="35921" dir="2700000" algn="ctr" rotWithShape="0">
+                    <a:schemeClr val="bg2"/>
+                  </a:outerShdw>
+                </a:effectLst>
+              </a14:hiddenEffects>
+            </a:ext>
+          </a:extLst>
+        </p:spPr>
+      </p:pic>
+      <p:pic>
+        <p:nvPicPr>
+          <p:cNvPr id="4099" name="Picture 3"/>
+          <p:cNvPicPr>
+            <a:picLocks noChangeAspect="1" noChangeArrowheads="1"/>
+          </p:cNvPicPr>
+          <p:nvPr/>
+        </p:nvPicPr>
+        <p:blipFill>
+          <a:blip r:embed="rId3">
+            <a:extLst>
+              <a:ext uri="{28A0092B-C50C-407E-A947-70E740481C1C}">
+                <a14:useLocalDpi xmlns:a14="http://schemas.microsoft.com/office/drawing/2010/main" val="0"/>
+              </a:ext>
+            </a:extLst>
+          </a:blip>
+          <a:srcRect/>
+          <a:stretch>
+            <a:fillRect/>
+          </a:stretch>
+        </p:blipFill>
+        <p:spPr bwMode="auto">
+          <a:xfrm>
+            <a:off x="5378048" y="4110546"/>
+            <a:ext cx="3414713" cy="2580888"/>
+          </a:xfrm>
+          <a:prstGeom prst="rect">
+            <a:avLst/>
+          </a:prstGeom>
+          <a:noFill/>
+          <a:ln>
+            <a:noFill/>
+          </a:ln>
+          <a:effectLst/>
+          <a:extLst>
+            <a:ext uri="{909E8E84-426E-40DD-AFC4-6F175D3DCCD1}">
+              <a14:hiddenFill xmlns:a14="http://schemas.microsoft.com/office/drawing/2010/main">
+                <a:solidFill>
+                  <a:schemeClr val="accent1"/>
+                </a:solidFill>
+              </a14:hiddenFill>
+            </a:ext>
+            <a:ext uri="{91240B29-F687-4F45-9708-019B960494DF}">
+              <a14:hiddenLine xmlns:a14="http://schemas.microsoft.com/office/drawing/2010/main" w="9525">
+                <a:solidFill>
+                  <a:schemeClr val="tx1"/>
+                </a:solidFill>
+                <a:miter lim="800000"/>
+                <a:headEnd/>
+                <a:tailEnd/>
+              </a14:hiddenLine>
+            </a:ext>
+            <a:ext uri="{AF507438-7753-43E0-B8FC-AC1667EBCBE1}">
+              <a14:hiddenEffects xmlns:a14="http://schemas.microsoft.com/office/drawing/2010/main">
+                <a:effectLst>
+                  <a:outerShdw dist="35921" dir="2700000" algn="ctr" rotWithShape="0">
+                    <a:schemeClr val="bg2"/>
+                  </a:outerShdw>
+                </a:effectLst>
+              </a14:hiddenEffects>
+            </a:ext>
+          </a:extLst>
+        </p:spPr>
+      </p:pic>
+    </p:spTree>
+    <p:extLst>
+      <p:ext uri="{BB962C8B-B14F-4D97-AF65-F5344CB8AC3E}">
+        <p14:creationId xmlns:p14="http://schemas.microsoft.com/office/powerpoint/2010/main" val="2089022330"/>
+      </p:ext>
+    </p:extLst>
+  </p:cSld>
+  <p:clrMapOvr>
+    <a:masterClrMapping/>
+  </p:clrMapOvr>
+  <p:timing>
+    <p:tnLst>
+      <p:par>
+        <p:cTn id="1" dur="indefinite" restart="never" nodeType="tmRoot"/>
+      </p:par>
+    </p:tnLst>
+  </p:timing>
+</p:sld>
+</file>
+
+<file path=ppt/slides/slide22.xml><?xml version="1.0" encoding="utf-8"?>
+<p:sld xmlns:a="http://schemas.openxmlformats.org/drawingml/2006/main" xmlns:r="http://schemas.openxmlformats.org/officeDocument/2006/relationships" xmlns:p="http://schemas.openxmlformats.org/presentationml/2006/main">
+  <p:cSld>
+    <p:spTree>
+      <p:nvGrpSpPr>
+        <p:cNvPr id="1" name=""/>
+        <p:cNvGrpSpPr/>
+        <p:nvPr/>
+      </p:nvGrpSpPr>
+      <p:grpSpPr>
+        <a:xfrm>
+          <a:off x="0" y="0"/>
+          <a:ext cx="0" cy="0"/>
+          <a:chOff x="0" y="0"/>
+          <a:chExt cx="0" cy="0"/>
+        </a:xfrm>
+      </p:grpSpPr>
+      <p:sp>
+        <p:nvSpPr>
+          <p:cNvPr id="3" name="Title 2"/>
+          <p:cNvSpPr>
+            <a:spLocks noGrp="1"/>
+          </p:cNvSpPr>
+          <p:nvPr>
+            <p:ph type="title"/>
+          </p:nvPr>
+        </p:nvSpPr>
+        <p:spPr/>
+        <p:txBody>
+          <a:bodyPr/>
+          <a:lstStyle/>
+          <a:p>
+            <a:r>
+              <a:rPr lang="en-US" dirty="0" smtClean="0"/>
+              <a:t>Results</a:t>
+            </a:r>
+            <a:endParaRPr lang="en-US" dirty="0"/>
+          </a:p>
+        </p:txBody>
+      </p:sp>
+      <p:sp>
+        <p:nvSpPr>
+          <p:cNvPr id="4" name="Content Placeholder 3"/>
+          <p:cNvSpPr>
+            <a:spLocks noGrp="1"/>
+          </p:cNvSpPr>
+          <p:nvPr>
+            <p:ph idx="1"/>
+          </p:nvPr>
+        </p:nvSpPr>
+        <p:spPr>
+          <a:xfrm>
+            <a:off x="0" y="1143000"/>
+            <a:ext cx="9144000" cy="5486400"/>
+          </a:xfrm>
+        </p:spPr>
+        <p:txBody>
+          <a:bodyPr/>
+          <a:lstStyle/>
+          <a:p>
+            <a:r>
+              <a:rPr lang="en-US" dirty="0" smtClean="0"/>
+              <a:t>train </a:t>
+            </a:r>
+            <a:r>
+              <a:rPr lang="en-US" dirty="0"/>
+              <a:t>and test </a:t>
+            </a:r>
+            <a:r>
+              <a:rPr lang="en-US" b="1" dirty="0" err="1" smtClean="0"/>
+              <a:t>GinConv</a:t>
+            </a:r>
+            <a:r>
+              <a:rPr lang="en-US" b="1" dirty="0" smtClean="0"/>
+              <a:t>-based</a:t>
+            </a:r>
+            <a:r>
+              <a:rPr lang="en-US" dirty="0" smtClean="0"/>
+              <a:t> </a:t>
+            </a:r>
+            <a:r>
+              <a:rPr lang="en-US" dirty="0"/>
+              <a:t>model with </a:t>
+            </a:r>
+            <a:r>
+              <a:rPr lang="en-US" b="1" dirty="0" err="1"/>
+              <a:t>davis</a:t>
+            </a:r>
+            <a:r>
+              <a:rPr lang="en-US" dirty="0"/>
+              <a:t> </a:t>
+            </a:r>
+            <a:r>
+              <a:rPr lang="en-US" dirty="0" smtClean="0"/>
+              <a:t>dataset</a:t>
+            </a:r>
+            <a:endParaRPr lang="en-US" dirty="0"/>
+          </a:p>
+        </p:txBody>
+      </p:sp>
+      <p:pic>
+        <p:nvPicPr>
+          <p:cNvPr id="3074" name="Picture 2"/>
+          <p:cNvPicPr>
+            <a:picLocks noChangeAspect="1" noChangeArrowheads="1"/>
+          </p:cNvPicPr>
+          <p:nvPr/>
+        </p:nvPicPr>
+        <p:blipFill>
+          <a:blip r:embed="rId2">
+            <a:extLst>
+              <a:ext uri="{28A0092B-C50C-407E-A947-70E740481C1C}">
+                <a14:useLocalDpi xmlns:a14="http://schemas.microsoft.com/office/drawing/2010/main" val="0"/>
+              </a:ext>
+            </a:extLst>
+          </a:blip>
+          <a:srcRect/>
+          <a:stretch>
+            <a:fillRect/>
+          </a:stretch>
+        </p:blipFill>
+        <p:spPr bwMode="auto">
+          <a:xfrm>
+            <a:off x="152400" y="1600200"/>
+            <a:ext cx="8889124" cy="2436894"/>
+          </a:xfrm>
+          <a:prstGeom prst="rect">
+            <a:avLst/>
+          </a:prstGeom>
+          <a:noFill/>
+          <a:ln>
+            <a:noFill/>
+          </a:ln>
+          <a:effectLst/>
+          <a:extLst>
+            <a:ext uri="{909E8E84-426E-40DD-AFC4-6F175D3DCCD1}">
+              <a14:hiddenFill xmlns:a14="http://schemas.microsoft.com/office/drawing/2010/main">
+                <a:solidFill>
+                  <a:schemeClr val="accent1"/>
+                </a:solidFill>
+              </a14:hiddenFill>
+            </a:ext>
+            <a:ext uri="{91240B29-F687-4F45-9708-019B960494DF}">
+              <a14:hiddenLine xmlns:a14="http://schemas.microsoft.com/office/drawing/2010/main" w="9525">
+                <a:solidFill>
+                  <a:schemeClr val="tx1"/>
+                </a:solidFill>
+                <a:miter lim="800000"/>
+                <a:headEnd/>
+                <a:tailEnd/>
+              </a14:hiddenLine>
+            </a:ext>
+            <a:ext uri="{AF507438-7753-43E0-B8FC-AC1667EBCBE1}">
+              <a14:hiddenEffects xmlns:a14="http://schemas.microsoft.com/office/drawing/2010/main">
+                <a:effectLst>
+                  <a:outerShdw dist="35921" dir="2700000" algn="ctr" rotWithShape="0">
+                    <a:schemeClr val="bg2"/>
+                  </a:outerShdw>
+                </a:effectLst>
+              </a14:hiddenEffects>
+            </a:ext>
+          </a:extLst>
+        </p:spPr>
+      </p:pic>
+      <p:pic>
+        <p:nvPicPr>
+          <p:cNvPr id="3075" name="Picture 3"/>
+          <p:cNvPicPr>
+            <a:picLocks noChangeAspect="1" noChangeArrowheads="1"/>
+          </p:cNvPicPr>
+          <p:nvPr/>
+        </p:nvPicPr>
+        <p:blipFill>
+          <a:blip r:embed="rId3">
+            <a:extLst>
+              <a:ext uri="{28A0092B-C50C-407E-A947-70E740481C1C}">
+                <a14:useLocalDpi xmlns:a14="http://schemas.microsoft.com/office/drawing/2010/main" val="0"/>
+              </a:ext>
+            </a:extLst>
+          </a:blip>
+          <a:srcRect/>
+          <a:stretch>
+            <a:fillRect/>
+          </a:stretch>
+        </p:blipFill>
+        <p:spPr bwMode="auto">
+          <a:xfrm>
+            <a:off x="5334000" y="4037094"/>
+            <a:ext cx="3505200" cy="2515561"/>
+          </a:xfrm>
+          <a:prstGeom prst="rect">
+            <a:avLst/>
+          </a:prstGeom>
+          <a:noFill/>
+          <a:ln>
+            <a:noFill/>
+          </a:ln>
+          <a:effectLst/>
+          <a:extLst>
+            <a:ext uri="{909E8E84-426E-40DD-AFC4-6F175D3DCCD1}">
+              <a14:hiddenFill xmlns:a14="http://schemas.microsoft.com/office/drawing/2010/main">
+                <a:solidFill>
+                  <a:schemeClr val="accent1"/>
+                </a:solidFill>
+              </a14:hiddenFill>
+            </a:ext>
+            <a:ext uri="{91240B29-F687-4F45-9708-019B960494DF}">
+              <a14:hiddenLine xmlns:a14="http://schemas.microsoft.com/office/drawing/2010/main" w="9525">
+                <a:solidFill>
+                  <a:schemeClr val="tx1"/>
+                </a:solidFill>
+                <a:miter lim="800000"/>
+                <a:headEnd/>
+                <a:tailEnd/>
+              </a14:hiddenLine>
+            </a:ext>
+            <a:ext uri="{AF507438-7753-43E0-B8FC-AC1667EBCBE1}">
+              <a14:hiddenEffects xmlns:a14="http://schemas.microsoft.com/office/drawing/2010/main">
+                <a:effectLst>
+                  <a:outerShdw dist="35921" dir="2700000" algn="ctr" rotWithShape="0">
+                    <a:schemeClr val="bg2"/>
+                  </a:outerShdw>
+                </a:effectLst>
+              </a14:hiddenEffects>
+            </a:ext>
+          </a:extLst>
+        </p:spPr>
+      </p:pic>
+    </p:spTree>
+    <p:extLst>
+      <p:ext uri="{BB962C8B-B14F-4D97-AF65-F5344CB8AC3E}">
+        <p14:creationId xmlns:p14="http://schemas.microsoft.com/office/powerpoint/2010/main" val="723526614"/>
+      </p:ext>
+    </p:extLst>
+  </p:cSld>
+  <p:clrMapOvr>
+    <a:masterClrMapping/>
+  </p:clrMapOvr>
+  <p:timing>
+    <p:tnLst>
+      <p:par>
+        <p:cTn id="1" dur="indefinite" restart="never" nodeType="tmRoot"/>
+      </p:par>
+    </p:tnLst>
+  </p:timing>
+</p:sld>
+</file>
+
+<file path=ppt/slides/slide23.xml><?xml version="1.0" encoding="utf-8"?>
+<p:sld xmlns:a="http://schemas.openxmlformats.org/drawingml/2006/main" xmlns:r="http://schemas.openxmlformats.org/officeDocument/2006/relationships" xmlns:p="http://schemas.openxmlformats.org/presentationml/2006/main">
+  <p:cSld>
+    <p:spTree>
+      <p:nvGrpSpPr>
+        <p:cNvPr id="1" name=""/>
+        <p:cNvGrpSpPr/>
+        <p:nvPr/>
+      </p:nvGrpSpPr>
+      <p:grpSpPr>
+        <a:xfrm>
+          <a:off x="0" y="0"/>
+          <a:ext cx="0" cy="0"/>
+          <a:chOff x="0" y="0"/>
+          <a:chExt cx="0" cy="0"/>
+        </a:xfrm>
+      </p:grpSpPr>
+      <p:sp>
+        <p:nvSpPr>
+          <p:cNvPr id="3" name="Title 2"/>
+          <p:cNvSpPr>
+            <a:spLocks noGrp="1"/>
+          </p:cNvSpPr>
+          <p:nvPr>
+            <p:ph type="title"/>
+          </p:nvPr>
+        </p:nvSpPr>
+        <p:spPr/>
+        <p:txBody>
+          <a:bodyPr/>
+          <a:lstStyle/>
+          <a:p>
+            <a:r>
+              <a:rPr lang="en-US" dirty="0" smtClean="0"/>
+              <a:t>Results</a:t>
+            </a:r>
+            <a:endParaRPr lang="en-US" dirty="0"/>
+          </a:p>
+        </p:txBody>
+      </p:sp>
+      <p:sp>
+        <p:nvSpPr>
+          <p:cNvPr id="4" name="Content Placeholder 3"/>
+          <p:cNvSpPr>
+            <a:spLocks noGrp="1"/>
+          </p:cNvSpPr>
+          <p:nvPr>
+            <p:ph idx="1"/>
+          </p:nvPr>
+        </p:nvSpPr>
+        <p:spPr>
+          <a:xfrm>
+            <a:off x="0" y="1143000"/>
+            <a:ext cx="9144000" cy="5486400"/>
+          </a:xfrm>
+        </p:spPr>
+        <p:txBody>
+          <a:bodyPr/>
+          <a:lstStyle/>
+          <a:p>
+            <a:r>
+              <a:rPr lang="en-US" dirty="0" smtClean="0"/>
+              <a:t>train </a:t>
+            </a:r>
+            <a:r>
+              <a:rPr lang="en-US" dirty="0"/>
+              <a:t>and test </a:t>
+            </a:r>
+            <a:r>
+              <a:rPr lang="en-US" b="1" dirty="0" smtClean="0"/>
+              <a:t>GCN-based</a:t>
+            </a:r>
+            <a:r>
+              <a:rPr lang="en-US" dirty="0" smtClean="0"/>
+              <a:t> </a:t>
+            </a:r>
+            <a:r>
+              <a:rPr lang="en-US" dirty="0"/>
+              <a:t>model with </a:t>
+            </a:r>
+            <a:r>
+              <a:rPr lang="en-US" b="1" dirty="0" err="1" smtClean="0"/>
+              <a:t>kiba</a:t>
+            </a:r>
+            <a:r>
+              <a:rPr lang="en-US" dirty="0" smtClean="0"/>
+              <a:t> dataset</a:t>
+            </a:r>
+            <a:endParaRPr lang="en-US" dirty="0"/>
+          </a:p>
+        </p:txBody>
+      </p:sp>
+      <p:pic>
+        <p:nvPicPr>
+          <p:cNvPr id="5122" name="Picture 2"/>
+          <p:cNvPicPr>
+            <a:picLocks noChangeAspect="1" noChangeArrowheads="1"/>
+          </p:cNvPicPr>
+          <p:nvPr/>
+        </p:nvPicPr>
+        <p:blipFill>
+          <a:blip r:embed="rId2">
+            <a:extLst>
+              <a:ext uri="{28A0092B-C50C-407E-A947-70E740481C1C}">
+                <a14:useLocalDpi xmlns:a14="http://schemas.microsoft.com/office/drawing/2010/main" val="0"/>
+              </a:ext>
+            </a:extLst>
+          </a:blip>
+          <a:srcRect/>
+          <a:stretch>
+            <a:fillRect/>
+          </a:stretch>
+        </p:blipFill>
+        <p:spPr bwMode="auto">
+          <a:xfrm>
+            <a:off x="5255" y="1676400"/>
+            <a:ext cx="8894618" cy="2438400"/>
+          </a:xfrm>
+          <a:prstGeom prst="rect">
+            <a:avLst/>
+          </a:prstGeom>
+          <a:noFill/>
+          <a:ln>
+            <a:noFill/>
+          </a:ln>
+          <a:effectLst/>
+          <a:extLst>
+            <a:ext uri="{909E8E84-426E-40DD-AFC4-6F175D3DCCD1}">
+              <a14:hiddenFill xmlns:a14="http://schemas.microsoft.com/office/drawing/2010/main">
+                <a:solidFill>
+                  <a:schemeClr val="accent1"/>
+                </a:solidFill>
+              </a14:hiddenFill>
+            </a:ext>
+            <a:ext uri="{91240B29-F687-4F45-9708-019B960494DF}">
+              <a14:hiddenLine xmlns:a14="http://schemas.microsoft.com/office/drawing/2010/main" w="9525">
+                <a:solidFill>
+                  <a:schemeClr val="tx1"/>
+                </a:solidFill>
+                <a:miter lim="800000"/>
+                <a:headEnd/>
+                <a:tailEnd/>
+              </a14:hiddenLine>
+            </a:ext>
+            <a:ext uri="{AF507438-7753-43E0-B8FC-AC1667EBCBE1}">
+              <a14:hiddenEffects xmlns:a14="http://schemas.microsoft.com/office/drawing/2010/main">
+                <a:effectLst>
+                  <a:outerShdw dist="35921" dir="2700000" algn="ctr" rotWithShape="0">
+                    <a:schemeClr val="bg2"/>
+                  </a:outerShdw>
+                </a:effectLst>
+              </a14:hiddenEffects>
+            </a:ext>
+          </a:extLst>
+        </p:spPr>
+      </p:pic>
+      <p:pic>
+        <p:nvPicPr>
+          <p:cNvPr id="5123" name="Picture 3"/>
+          <p:cNvPicPr>
+            <a:picLocks noChangeAspect="1" noChangeArrowheads="1"/>
+          </p:cNvPicPr>
+          <p:nvPr/>
+        </p:nvPicPr>
+        <p:blipFill>
+          <a:blip r:embed="rId3">
+            <a:extLst>
+              <a:ext uri="{28A0092B-C50C-407E-A947-70E740481C1C}">
+                <a14:useLocalDpi xmlns:a14="http://schemas.microsoft.com/office/drawing/2010/main" val="0"/>
+              </a:ext>
+            </a:extLst>
+          </a:blip>
+          <a:srcRect/>
+          <a:stretch>
+            <a:fillRect/>
+          </a:stretch>
+        </p:blipFill>
+        <p:spPr bwMode="auto">
+          <a:xfrm>
+            <a:off x="5105400" y="4143703"/>
+            <a:ext cx="3505200" cy="2601739"/>
+          </a:xfrm>
+          <a:prstGeom prst="rect">
+            <a:avLst/>
+          </a:prstGeom>
+          <a:noFill/>
+          <a:ln>
+            <a:noFill/>
+          </a:ln>
+          <a:effectLst/>
+          <a:extLst>
+            <a:ext uri="{909E8E84-426E-40DD-AFC4-6F175D3DCCD1}">
+              <a14:hiddenFill xmlns:a14="http://schemas.microsoft.com/office/drawing/2010/main">
+                <a:solidFill>
+                  <a:schemeClr val="accent1"/>
+                </a:solidFill>
+              </a14:hiddenFill>
+            </a:ext>
+            <a:ext uri="{91240B29-F687-4F45-9708-019B960494DF}">
+              <a14:hiddenLine xmlns:a14="http://schemas.microsoft.com/office/drawing/2010/main" w="9525">
+                <a:solidFill>
+                  <a:schemeClr val="tx1"/>
+                </a:solidFill>
+                <a:miter lim="800000"/>
+                <a:headEnd/>
+                <a:tailEnd/>
+              </a14:hiddenLine>
+            </a:ext>
+            <a:ext uri="{AF507438-7753-43E0-B8FC-AC1667EBCBE1}">
+              <a14:hiddenEffects xmlns:a14="http://schemas.microsoft.com/office/drawing/2010/main">
+                <a:effectLst>
+                  <a:outerShdw dist="35921" dir="2700000" algn="ctr" rotWithShape="0">
+                    <a:schemeClr val="bg2"/>
+                  </a:outerShdw>
+                </a:effectLst>
+              </a14:hiddenEffects>
+            </a:ext>
+          </a:extLst>
+        </p:spPr>
+      </p:pic>
+    </p:spTree>
+    <p:extLst>
+      <p:ext uri="{BB962C8B-B14F-4D97-AF65-F5344CB8AC3E}">
+        <p14:creationId xmlns:p14="http://schemas.microsoft.com/office/powerpoint/2010/main" val="4229194296"/>
+      </p:ext>
+    </p:extLst>
+  </p:cSld>
+  <p:clrMapOvr>
+    <a:masterClrMapping/>
+  </p:clrMapOvr>
+  <p:timing>
+    <p:tnLst>
+      <p:par>
+        <p:cTn id="1" dur="indefinite" restart="never" nodeType="tmRoot"/>
+      </p:par>
+    </p:tnLst>
+  </p:timing>
+</p:sld>
+</file>
+
+<file path=ppt/slides/slide24.xml><?xml version="1.0" encoding="utf-8"?>
+<p:sld xmlns:a="http://schemas.openxmlformats.org/drawingml/2006/main" xmlns:r="http://schemas.openxmlformats.org/officeDocument/2006/relationships" xmlns:p="http://schemas.openxmlformats.org/presentationml/2006/main">
+  <p:cSld>
+    <p:spTree>
+      <p:nvGrpSpPr>
+        <p:cNvPr id="1" name=""/>
+        <p:cNvGrpSpPr/>
+        <p:nvPr/>
+      </p:nvGrpSpPr>
+      <p:grpSpPr>
+        <a:xfrm>
+          <a:off x="0" y="0"/>
+          <a:ext cx="0" cy="0"/>
+          <a:chOff x="0" y="0"/>
+          <a:chExt cx="0" cy="0"/>
+        </a:xfrm>
+      </p:grpSpPr>
+      <p:sp>
+        <p:nvSpPr>
+          <p:cNvPr id="3" name="Title 2"/>
+          <p:cNvSpPr>
+            <a:spLocks noGrp="1"/>
+          </p:cNvSpPr>
+          <p:nvPr>
+            <p:ph type="title"/>
+          </p:nvPr>
+        </p:nvSpPr>
+        <p:spPr/>
+        <p:txBody>
+          <a:bodyPr/>
+          <a:lstStyle/>
+          <a:p>
+            <a:r>
+              <a:rPr lang="en-US" dirty="0" smtClean="0"/>
+              <a:t>Results</a:t>
+            </a:r>
+            <a:endParaRPr lang="en-US" dirty="0"/>
+          </a:p>
+        </p:txBody>
+      </p:sp>
+      <p:sp>
+        <p:nvSpPr>
+          <p:cNvPr id="4" name="Content Placeholder 3"/>
+          <p:cNvSpPr>
+            <a:spLocks noGrp="1"/>
+          </p:cNvSpPr>
+          <p:nvPr>
+            <p:ph idx="1"/>
+          </p:nvPr>
+        </p:nvSpPr>
+        <p:spPr>
+          <a:xfrm>
+            <a:off x="0" y="1143000"/>
+            <a:ext cx="9144000" cy="5486400"/>
+          </a:xfrm>
+        </p:spPr>
+        <p:txBody>
+          <a:bodyPr/>
+          <a:lstStyle/>
+          <a:p>
+            <a:r>
+              <a:rPr lang="en-US" dirty="0" smtClean="0"/>
+              <a:t>train </a:t>
+            </a:r>
+            <a:r>
+              <a:rPr lang="en-US" dirty="0"/>
+              <a:t>and test </a:t>
+            </a:r>
+            <a:r>
+              <a:rPr lang="en-US" b="1" dirty="0" smtClean="0"/>
+              <a:t>GATGCN-based</a:t>
+            </a:r>
+            <a:r>
+              <a:rPr lang="en-US" dirty="0" smtClean="0"/>
+              <a:t> </a:t>
+            </a:r>
+            <a:r>
+              <a:rPr lang="en-US" dirty="0"/>
+              <a:t>model with </a:t>
+            </a:r>
+            <a:r>
+              <a:rPr lang="en-US" b="1" dirty="0" err="1" smtClean="0"/>
+              <a:t>kiba</a:t>
+            </a:r>
+            <a:r>
+              <a:rPr lang="en-US" dirty="0" smtClean="0"/>
+              <a:t> dataset</a:t>
+            </a:r>
+            <a:endParaRPr lang="en-US" dirty="0"/>
+          </a:p>
+        </p:txBody>
+      </p:sp>
+      <p:pic>
+        <p:nvPicPr>
+          <p:cNvPr id="6146" name="Picture 2"/>
+          <p:cNvPicPr>
+            <a:picLocks noChangeAspect="1" noChangeArrowheads="1"/>
+          </p:cNvPicPr>
+          <p:nvPr/>
+        </p:nvPicPr>
+        <p:blipFill>
+          <a:blip r:embed="rId2">
+            <a:extLst>
+              <a:ext uri="{28A0092B-C50C-407E-A947-70E740481C1C}">
+                <a14:useLocalDpi xmlns:a14="http://schemas.microsoft.com/office/drawing/2010/main" val="0"/>
+              </a:ext>
+            </a:extLst>
+          </a:blip>
+          <a:srcRect/>
+          <a:stretch>
+            <a:fillRect/>
+          </a:stretch>
+        </p:blipFill>
+        <p:spPr bwMode="auto">
+          <a:xfrm>
+            <a:off x="222830" y="1600200"/>
+            <a:ext cx="8663853" cy="2364090"/>
+          </a:xfrm>
+          <a:prstGeom prst="rect">
+            <a:avLst/>
+          </a:prstGeom>
+          <a:noFill/>
+          <a:ln>
+            <a:noFill/>
+          </a:ln>
+          <a:effectLst/>
+          <a:extLst>
+            <a:ext uri="{909E8E84-426E-40DD-AFC4-6F175D3DCCD1}">
+              <a14:hiddenFill xmlns:a14="http://schemas.microsoft.com/office/drawing/2010/main">
+                <a:solidFill>
+                  <a:schemeClr val="accent1"/>
+                </a:solidFill>
+              </a14:hiddenFill>
+            </a:ext>
+            <a:ext uri="{91240B29-F687-4F45-9708-019B960494DF}">
+              <a14:hiddenLine xmlns:a14="http://schemas.microsoft.com/office/drawing/2010/main" w="9525">
+                <a:solidFill>
+                  <a:schemeClr val="tx1"/>
+                </a:solidFill>
+                <a:miter lim="800000"/>
+                <a:headEnd/>
+                <a:tailEnd/>
+              </a14:hiddenLine>
+            </a:ext>
+            <a:ext uri="{AF507438-7753-43E0-B8FC-AC1667EBCBE1}">
+              <a14:hiddenEffects xmlns:a14="http://schemas.microsoft.com/office/drawing/2010/main">
+                <a:effectLst>
+                  <a:outerShdw dist="35921" dir="2700000" algn="ctr" rotWithShape="0">
+                    <a:schemeClr val="bg2"/>
+                  </a:outerShdw>
+                </a:effectLst>
+              </a14:hiddenEffects>
+            </a:ext>
+          </a:extLst>
+        </p:spPr>
+      </p:pic>
+      <p:pic>
+        <p:nvPicPr>
+          <p:cNvPr id="6147" name="Picture 3"/>
+          <p:cNvPicPr>
+            <a:picLocks noChangeAspect="1" noChangeArrowheads="1"/>
+          </p:cNvPicPr>
+          <p:nvPr/>
+        </p:nvPicPr>
+        <p:blipFill>
+          <a:blip r:embed="rId3">
+            <a:extLst>
+              <a:ext uri="{28A0092B-C50C-407E-A947-70E740481C1C}">
+                <a14:useLocalDpi xmlns:a14="http://schemas.microsoft.com/office/drawing/2010/main" val="0"/>
+              </a:ext>
+            </a:extLst>
+          </a:blip>
+          <a:srcRect/>
+          <a:stretch>
+            <a:fillRect/>
+          </a:stretch>
+        </p:blipFill>
+        <p:spPr bwMode="auto">
+          <a:xfrm>
+            <a:off x="5029200" y="3964290"/>
+            <a:ext cx="3733800" cy="2744554"/>
+          </a:xfrm>
+          <a:prstGeom prst="rect">
+            <a:avLst/>
+          </a:prstGeom>
+          <a:noFill/>
+          <a:ln>
+            <a:noFill/>
+          </a:ln>
+          <a:effectLst/>
+          <a:extLst>
+            <a:ext uri="{909E8E84-426E-40DD-AFC4-6F175D3DCCD1}">
+              <a14:hiddenFill xmlns:a14="http://schemas.microsoft.com/office/drawing/2010/main">
+                <a:solidFill>
+                  <a:schemeClr val="accent1"/>
+                </a:solidFill>
+              </a14:hiddenFill>
+            </a:ext>
+            <a:ext uri="{91240B29-F687-4F45-9708-019B960494DF}">
+              <a14:hiddenLine xmlns:a14="http://schemas.microsoft.com/office/drawing/2010/main" w="9525">
+                <a:solidFill>
+                  <a:schemeClr val="tx1"/>
+                </a:solidFill>
+                <a:miter lim="800000"/>
+                <a:headEnd/>
+                <a:tailEnd/>
+              </a14:hiddenLine>
+            </a:ext>
+            <a:ext uri="{AF507438-7753-43E0-B8FC-AC1667EBCBE1}">
+              <a14:hiddenEffects xmlns:a14="http://schemas.microsoft.com/office/drawing/2010/main">
+                <a:effectLst>
+                  <a:outerShdw dist="35921" dir="2700000" algn="ctr" rotWithShape="0">
+                    <a:schemeClr val="bg2"/>
+                  </a:outerShdw>
+                </a:effectLst>
+              </a14:hiddenEffects>
+            </a:ext>
+          </a:extLst>
+        </p:spPr>
+      </p:pic>
+    </p:spTree>
+    <p:extLst>
+      <p:ext uri="{BB962C8B-B14F-4D97-AF65-F5344CB8AC3E}">
+        <p14:creationId xmlns:p14="http://schemas.microsoft.com/office/powerpoint/2010/main" val="4141301597"/>
+      </p:ext>
+    </p:extLst>
+  </p:cSld>
+  <p:clrMapOvr>
+    <a:masterClrMapping/>
+  </p:clrMapOvr>
+  <p:timing>
+    <p:tnLst>
+      <p:par>
+        <p:cTn id="1" dur="indefinite" restart="never" nodeType="tmRoot"/>
+      </p:par>
+    </p:tnLst>
+  </p:timing>
+</p:sld>
+</file>
+
+<file path=ppt/slides/slide25.xml><?xml version="1.0" encoding="utf-8"?>
+<p:sld xmlns:a="http://schemas.openxmlformats.org/drawingml/2006/main" xmlns:r="http://schemas.openxmlformats.org/officeDocument/2006/relationships" xmlns:p="http://schemas.openxmlformats.org/presentationml/2006/main">
+  <p:cSld>
+    <p:spTree>
+      <p:nvGrpSpPr>
+        <p:cNvPr id="1" name=""/>
+        <p:cNvGrpSpPr/>
+        <p:nvPr/>
+      </p:nvGrpSpPr>
+      <p:grpSpPr>
+        <a:xfrm>
+          <a:off x="0" y="0"/>
+          <a:ext cx="0" cy="0"/>
+          <a:chOff x="0" y="0"/>
+          <a:chExt cx="0" cy="0"/>
+        </a:xfrm>
+      </p:grpSpPr>
+      <p:sp>
+        <p:nvSpPr>
+          <p:cNvPr id="3" name="Title 2"/>
+          <p:cNvSpPr>
+            <a:spLocks noGrp="1"/>
+          </p:cNvSpPr>
+          <p:nvPr>
+            <p:ph type="title"/>
+          </p:nvPr>
+        </p:nvSpPr>
+        <p:spPr/>
+        <p:txBody>
+          <a:bodyPr/>
+          <a:lstStyle/>
+          <a:p>
+            <a:r>
+              <a:rPr lang="en-US" dirty="0" smtClean="0"/>
+              <a:t>Results</a:t>
+            </a:r>
+            <a:endParaRPr lang="en-US" dirty="0"/>
+          </a:p>
+        </p:txBody>
+      </p:sp>
+      <p:sp>
+        <p:nvSpPr>
+          <p:cNvPr id="4" name="Content Placeholder 3"/>
+          <p:cNvSpPr>
+            <a:spLocks noGrp="1"/>
+          </p:cNvSpPr>
+          <p:nvPr>
+            <p:ph idx="1"/>
+          </p:nvPr>
+        </p:nvSpPr>
+        <p:spPr>
+          <a:xfrm>
+            <a:off x="0" y="1143000"/>
+            <a:ext cx="9144000" cy="5486400"/>
+          </a:xfrm>
+        </p:spPr>
+        <p:txBody>
+          <a:bodyPr/>
+          <a:lstStyle/>
+          <a:p>
+            <a:r>
+              <a:rPr lang="en-US" dirty="0" smtClean="0"/>
+              <a:t>train </a:t>
+            </a:r>
+            <a:r>
+              <a:rPr lang="en-US" dirty="0"/>
+              <a:t>and test </a:t>
+            </a:r>
+            <a:r>
+              <a:rPr lang="en-US" b="1" dirty="0" smtClean="0"/>
+              <a:t>GAT-based</a:t>
+            </a:r>
+            <a:r>
+              <a:rPr lang="en-US" dirty="0" smtClean="0"/>
+              <a:t> </a:t>
+            </a:r>
+            <a:r>
+              <a:rPr lang="en-US" dirty="0"/>
+              <a:t>model with </a:t>
+            </a:r>
+            <a:r>
+              <a:rPr lang="en-US" b="1" dirty="0" err="1" smtClean="0"/>
+              <a:t>kiba</a:t>
+            </a:r>
+            <a:r>
+              <a:rPr lang="en-US" dirty="0" smtClean="0"/>
+              <a:t> dataset</a:t>
+            </a:r>
+            <a:endParaRPr lang="en-US" dirty="0"/>
+          </a:p>
+        </p:txBody>
+      </p:sp>
+      <p:pic>
+        <p:nvPicPr>
+          <p:cNvPr id="8194" name="Picture 2"/>
+          <p:cNvPicPr>
+            <a:picLocks noChangeAspect="1" noChangeArrowheads="1"/>
+          </p:cNvPicPr>
+          <p:nvPr/>
+        </p:nvPicPr>
+        <p:blipFill>
+          <a:blip r:embed="rId2">
+            <a:extLst>
+              <a:ext uri="{28A0092B-C50C-407E-A947-70E740481C1C}">
+                <a14:useLocalDpi xmlns:a14="http://schemas.microsoft.com/office/drawing/2010/main" val="0"/>
+              </a:ext>
+            </a:extLst>
+          </a:blip>
+          <a:srcRect/>
+          <a:stretch>
+            <a:fillRect/>
+          </a:stretch>
+        </p:blipFill>
+        <p:spPr bwMode="auto">
+          <a:xfrm>
+            <a:off x="228600" y="1699162"/>
+            <a:ext cx="8752114" cy="2415638"/>
+          </a:xfrm>
+          <a:prstGeom prst="rect">
+            <a:avLst/>
+          </a:prstGeom>
+          <a:noFill/>
+          <a:ln>
+            <a:noFill/>
+          </a:ln>
+          <a:effectLst/>
+          <a:extLst>
+            <a:ext uri="{909E8E84-426E-40DD-AFC4-6F175D3DCCD1}">
+              <a14:hiddenFill xmlns:a14="http://schemas.microsoft.com/office/drawing/2010/main">
+                <a:solidFill>
+                  <a:schemeClr val="accent1"/>
+                </a:solidFill>
+              </a14:hiddenFill>
+            </a:ext>
+            <a:ext uri="{91240B29-F687-4F45-9708-019B960494DF}">
+              <a14:hiddenLine xmlns:a14="http://schemas.microsoft.com/office/drawing/2010/main" w="9525">
+                <a:solidFill>
+                  <a:schemeClr val="tx1"/>
+                </a:solidFill>
+                <a:miter lim="800000"/>
+                <a:headEnd/>
+                <a:tailEnd/>
+              </a14:hiddenLine>
+            </a:ext>
+            <a:ext uri="{AF507438-7753-43E0-B8FC-AC1667EBCBE1}">
+              <a14:hiddenEffects xmlns:a14="http://schemas.microsoft.com/office/drawing/2010/main">
+                <a:effectLst>
+                  <a:outerShdw dist="35921" dir="2700000" algn="ctr" rotWithShape="0">
+                    <a:schemeClr val="bg2"/>
+                  </a:outerShdw>
+                </a:effectLst>
+              </a14:hiddenEffects>
+            </a:ext>
+          </a:extLst>
+        </p:spPr>
+      </p:pic>
+      <p:pic>
+        <p:nvPicPr>
+          <p:cNvPr id="8195" name="Picture 3"/>
+          <p:cNvPicPr>
+            <a:picLocks noChangeAspect="1" noChangeArrowheads="1"/>
+          </p:cNvPicPr>
+          <p:nvPr/>
+        </p:nvPicPr>
+        <p:blipFill>
+          <a:blip r:embed="rId3">
+            <a:extLst>
+              <a:ext uri="{28A0092B-C50C-407E-A947-70E740481C1C}">
+                <a14:useLocalDpi xmlns:a14="http://schemas.microsoft.com/office/drawing/2010/main" val="0"/>
+              </a:ext>
+            </a:extLst>
+          </a:blip>
+          <a:srcRect/>
+          <a:stretch>
+            <a:fillRect/>
+          </a:stretch>
+        </p:blipFill>
+        <p:spPr bwMode="auto">
+          <a:xfrm>
+            <a:off x="5486400" y="4293850"/>
+            <a:ext cx="3352800" cy="2496766"/>
+          </a:xfrm>
+          <a:prstGeom prst="rect">
+            <a:avLst/>
+          </a:prstGeom>
+          <a:noFill/>
+          <a:ln>
+            <a:noFill/>
+          </a:ln>
+          <a:effectLst/>
+          <a:extLst>
+            <a:ext uri="{909E8E84-426E-40DD-AFC4-6F175D3DCCD1}">
+              <a14:hiddenFill xmlns:a14="http://schemas.microsoft.com/office/drawing/2010/main">
+                <a:solidFill>
+                  <a:schemeClr val="accent1"/>
+                </a:solidFill>
+              </a14:hiddenFill>
+            </a:ext>
+            <a:ext uri="{91240B29-F687-4F45-9708-019B960494DF}">
+              <a14:hiddenLine xmlns:a14="http://schemas.microsoft.com/office/drawing/2010/main" w="9525">
+                <a:solidFill>
+                  <a:schemeClr val="tx1"/>
+                </a:solidFill>
+                <a:miter lim="800000"/>
+                <a:headEnd/>
+                <a:tailEnd/>
+              </a14:hiddenLine>
+            </a:ext>
+            <a:ext uri="{AF507438-7753-43E0-B8FC-AC1667EBCBE1}">
+              <a14:hiddenEffects xmlns:a14="http://schemas.microsoft.com/office/drawing/2010/main">
+                <a:effectLst>
+                  <a:outerShdw dist="35921" dir="2700000" algn="ctr" rotWithShape="0">
+                    <a:schemeClr val="bg2"/>
+                  </a:outerShdw>
+                </a:effectLst>
+              </a14:hiddenEffects>
+            </a:ext>
+          </a:extLst>
+        </p:spPr>
+      </p:pic>
+    </p:spTree>
+    <p:extLst>
+      <p:ext uri="{BB962C8B-B14F-4D97-AF65-F5344CB8AC3E}">
+        <p14:creationId xmlns:p14="http://schemas.microsoft.com/office/powerpoint/2010/main" val="1780674852"/>
+      </p:ext>
+    </p:extLst>
+  </p:cSld>
+  <p:clrMapOvr>
+    <a:masterClrMapping/>
+  </p:clrMapOvr>
+  <p:timing>
+    <p:tnLst>
+      <p:par>
+        <p:cTn id="1" dur="indefinite" restart="never" nodeType="tmRoot"/>
+      </p:par>
+    </p:tnLst>
+  </p:timing>
+</p:sld>
+</file>
+
+<file path=ppt/slides/slide26.xml><?xml version="1.0" encoding="utf-8"?>
+<p:sld xmlns:a="http://schemas.openxmlformats.org/drawingml/2006/main" xmlns:r="http://schemas.openxmlformats.org/officeDocument/2006/relationships" xmlns:p="http://schemas.openxmlformats.org/presentationml/2006/main">
+  <p:cSld>
+    <p:spTree>
+      <p:nvGrpSpPr>
+        <p:cNvPr id="1" name=""/>
+        <p:cNvGrpSpPr/>
+        <p:nvPr/>
+      </p:nvGrpSpPr>
+      <p:grpSpPr>
+        <a:xfrm>
+          <a:off x="0" y="0"/>
+          <a:ext cx="0" cy="0"/>
+          <a:chOff x="0" y="0"/>
+          <a:chExt cx="0" cy="0"/>
+        </a:xfrm>
+      </p:grpSpPr>
+      <p:sp>
+        <p:nvSpPr>
+          <p:cNvPr id="3" name="Title 2"/>
+          <p:cNvSpPr>
+            <a:spLocks noGrp="1"/>
+          </p:cNvSpPr>
+          <p:nvPr>
+            <p:ph type="title"/>
+          </p:nvPr>
+        </p:nvSpPr>
+        <p:spPr/>
+        <p:txBody>
+          <a:bodyPr/>
+          <a:lstStyle/>
+          <a:p>
+            <a:r>
+              <a:rPr lang="en-US" dirty="0" smtClean="0"/>
+              <a:t>Results</a:t>
+            </a:r>
+            <a:endParaRPr lang="en-US" dirty="0"/>
+          </a:p>
+        </p:txBody>
+      </p:sp>
+      <p:sp>
+        <p:nvSpPr>
+          <p:cNvPr id="4" name="Content Placeholder 3"/>
+          <p:cNvSpPr>
+            <a:spLocks noGrp="1"/>
+          </p:cNvSpPr>
+          <p:nvPr>
+            <p:ph idx="1"/>
+          </p:nvPr>
+        </p:nvSpPr>
+        <p:spPr>
+          <a:xfrm>
+            <a:off x="0" y="1143000"/>
+            <a:ext cx="9144000" cy="5486400"/>
+          </a:xfrm>
+        </p:spPr>
+        <p:txBody>
+          <a:bodyPr/>
+          <a:lstStyle/>
+          <a:p>
+            <a:r>
+              <a:rPr lang="en-US" dirty="0" smtClean="0"/>
+              <a:t>train </a:t>
+            </a:r>
+            <a:r>
+              <a:rPr lang="en-US" dirty="0"/>
+              <a:t>and test </a:t>
+            </a:r>
+            <a:r>
+              <a:rPr lang="en-US" b="1" dirty="0" smtClean="0"/>
+              <a:t>GINCONV-based</a:t>
+            </a:r>
+            <a:r>
+              <a:rPr lang="en-US" dirty="0" smtClean="0"/>
+              <a:t> </a:t>
+            </a:r>
+            <a:r>
+              <a:rPr lang="en-US" dirty="0"/>
+              <a:t>model with </a:t>
+            </a:r>
+            <a:r>
+              <a:rPr lang="en-US" b="1" dirty="0" err="1" smtClean="0"/>
+              <a:t>kiba</a:t>
+            </a:r>
+            <a:r>
+              <a:rPr lang="en-US" dirty="0" smtClean="0"/>
+              <a:t> dataset</a:t>
+            </a:r>
+            <a:endParaRPr lang="en-US" dirty="0"/>
+          </a:p>
+        </p:txBody>
+      </p:sp>
+      <p:pic>
+        <p:nvPicPr>
+          <p:cNvPr id="7170" name="Picture 2"/>
+          <p:cNvPicPr>
+            <a:picLocks noChangeAspect="1" noChangeArrowheads="1"/>
+          </p:cNvPicPr>
+          <p:nvPr/>
+        </p:nvPicPr>
+        <p:blipFill>
+          <a:blip r:embed="rId2">
+            <a:extLst>
+              <a:ext uri="{28A0092B-C50C-407E-A947-70E740481C1C}">
+                <a14:useLocalDpi xmlns:a14="http://schemas.microsoft.com/office/drawing/2010/main" val="0"/>
+              </a:ext>
+            </a:extLst>
+          </a:blip>
+          <a:srcRect/>
+          <a:stretch>
+            <a:fillRect/>
+          </a:stretch>
+        </p:blipFill>
+        <p:spPr bwMode="auto">
+          <a:xfrm>
+            <a:off x="161477" y="1531883"/>
+            <a:ext cx="8790709" cy="2409914"/>
+          </a:xfrm>
+          <a:prstGeom prst="rect">
+            <a:avLst/>
+          </a:prstGeom>
+          <a:noFill/>
+          <a:ln>
+            <a:noFill/>
+          </a:ln>
+          <a:effectLst/>
+          <a:extLst>
+            <a:ext uri="{909E8E84-426E-40DD-AFC4-6F175D3DCCD1}">
+              <a14:hiddenFill xmlns:a14="http://schemas.microsoft.com/office/drawing/2010/main">
+                <a:solidFill>
+                  <a:schemeClr val="accent1"/>
+                </a:solidFill>
+              </a14:hiddenFill>
+            </a:ext>
+            <a:ext uri="{91240B29-F687-4F45-9708-019B960494DF}">
+              <a14:hiddenLine xmlns:a14="http://schemas.microsoft.com/office/drawing/2010/main" w="9525">
+                <a:solidFill>
+                  <a:schemeClr val="tx1"/>
+                </a:solidFill>
+                <a:miter lim="800000"/>
+                <a:headEnd/>
+                <a:tailEnd/>
+              </a14:hiddenLine>
+            </a:ext>
+            <a:ext uri="{AF507438-7753-43E0-B8FC-AC1667EBCBE1}">
+              <a14:hiddenEffects xmlns:a14="http://schemas.microsoft.com/office/drawing/2010/main">
+                <a:effectLst>
+                  <a:outerShdw dist="35921" dir="2700000" algn="ctr" rotWithShape="0">
+                    <a:schemeClr val="bg2"/>
+                  </a:outerShdw>
+                </a:effectLst>
+              </a14:hiddenEffects>
+            </a:ext>
+          </a:extLst>
+        </p:spPr>
+      </p:pic>
+      <p:pic>
+        <p:nvPicPr>
+          <p:cNvPr id="7171" name="Picture 3"/>
+          <p:cNvPicPr>
+            <a:picLocks noChangeAspect="1" noChangeArrowheads="1"/>
+          </p:cNvPicPr>
+          <p:nvPr/>
+        </p:nvPicPr>
+        <p:blipFill>
+          <a:blip r:embed="rId3">
+            <a:extLst>
+              <a:ext uri="{28A0092B-C50C-407E-A947-70E740481C1C}">
+                <a14:useLocalDpi xmlns:a14="http://schemas.microsoft.com/office/drawing/2010/main" val="0"/>
+              </a:ext>
+            </a:extLst>
+          </a:blip>
+          <a:srcRect/>
+          <a:stretch>
+            <a:fillRect/>
+          </a:stretch>
+        </p:blipFill>
+        <p:spPr bwMode="auto">
+          <a:xfrm>
+            <a:off x="5189483" y="3977791"/>
+            <a:ext cx="3762703" cy="2713201"/>
+          </a:xfrm>
+          <a:prstGeom prst="rect">
+            <a:avLst/>
+          </a:prstGeom>
+          <a:noFill/>
+          <a:ln>
+            <a:noFill/>
+          </a:ln>
+          <a:effectLst/>
+          <a:extLst>
+            <a:ext uri="{909E8E84-426E-40DD-AFC4-6F175D3DCCD1}">
+              <a14:hiddenFill xmlns:a14="http://schemas.microsoft.com/office/drawing/2010/main">
+                <a:solidFill>
+                  <a:schemeClr val="accent1"/>
+                </a:solidFill>
+              </a14:hiddenFill>
+            </a:ext>
+            <a:ext uri="{91240B29-F687-4F45-9708-019B960494DF}">
+              <a14:hiddenLine xmlns:a14="http://schemas.microsoft.com/office/drawing/2010/main" w="9525">
+                <a:solidFill>
+                  <a:schemeClr val="tx1"/>
+                </a:solidFill>
+                <a:miter lim="800000"/>
+                <a:headEnd/>
+                <a:tailEnd/>
+              </a14:hiddenLine>
+            </a:ext>
+            <a:ext uri="{AF507438-7753-43E0-B8FC-AC1667EBCBE1}">
+              <a14:hiddenEffects xmlns:a14="http://schemas.microsoft.com/office/drawing/2010/main">
+                <a:effectLst>
+                  <a:outerShdw dist="35921" dir="2700000" algn="ctr" rotWithShape="0">
+                    <a:schemeClr val="bg2"/>
+                  </a:outerShdw>
+                </a:effectLst>
+              </a14:hiddenEffects>
+            </a:ext>
+          </a:extLst>
+        </p:spPr>
+      </p:pic>
+    </p:spTree>
+    <p:extLst>
+      <p:ext uri="{BB962C8B-B14F-4D97-AF65-F5344CB8AC3E}">
+        <p14:creationId xmlns:p14="http://schemas.microsoft.com/office/powerpoint/2010/main" val="2120029975"/>
+      </p:ext>
+    </p:extLst>
+  </p:cSld>
+  <p:clrMapOvr>
+    <a:masterClrMapping/>
+  </p:clrMapOvr>
+  <p:timing>
+    <p:tnLst>
+      <p:par>
+        <p:cTn id="1" dur="indefinite" restart="never" nodeType="tmRoot"/>
+      </p:par>
+    </p:tnLst>
+  </p:timing>
+</p:sld>
+</file>
+
+<file path=ppt/slides/slide27.xml><?xml version="1.0" encoding="utf-8"?>
+<p:sld xmlns:a="http://schemas.openxmlformats.org/drawingml/2006/main" xmlns:r="http://schemas.openxmlformats.org/officeDocument/2006/relationships" xmlns:p="http://schemas.openxmlformats.org/presentationml/2006/main">
+  <p:cSld>
+    <p:spTree>
+      <p:nvGrpSpPr>
+        <p:cNvPr id="1" name=""/>
+        <p:cNvGrpSpPr/>
+        <p:nvPr/>
+      </p:nvGrpSpPr>
+      <p:grpSpPr>
+        <a:xfrm>
+          <a:off x="0" y="0"/>
+          <a:ext cx="0" cy="0"/>
+          <a:chOff x="0" y="0"/>
+          <a:chExt cx="0" cy="0"/>
+        </a:xfrm>
+      </p:grpSpPr>
+      <p:graphicFrame>
+        <p:nvGraphicFramePr>
+          <p:cNvPr id="4" name="Content Placeholder 3"/>
+          <p:cNvGraphicFramePr>
+            <a:graphicFrameLocks noGrp="1"/>
+          </p:cNvGraphicFramePr>
+          <p:nvPr>
+            <p:ph idx="1"/>
+            <p:extLst>
+              <p:ext uri="{D42A27DB-BD31-4B8C-83A1-F6EECF244321}">
+                <p14:modId xmlns:p14="http://schemas.microsoft.com/office/powerpoint/2010/main" val="1917843087"/>
+              </p:ext>
+            </p:extLst>
+          </p:nvPr>
+        </p:nvGraphicFramePr>
+        <p:xfrm>
+          <a:off x="457200" y="1481138"/>
+          <a:ext cx="7467600" cy="3337560"/>
+        </p:xfrm>
+        <a:graphic>
+          <a:graphicData uri="http://schemas.openxmlformats.org/drawingml/2006/table">
+            <a:tbl>
+              <a:tblPr firstRow="1" bandRow="1">
+                <a:tableStyleId>{5C22544A-7EE6-4342-B048-85BDC9FD1C3A}</a:tableStyleId>
+              </a:tblPr>
+              <a:tblGrid>
+                <a:gridCol w="2181546"/>
+                <a:gridCol w="1678113"/>
+                <a:gridCol w="1702941"/>
+                <a:gridCol w="1905000"/>
+              </a:tblGrid>
+              <a:tr h="370840">
+                <a:tc>
+                  <a:txBody>
+                    <a:bodyPr/>
+                    <a:lstStyle/>
+                    <a:p>
+                      <a:r>
+                        <a:rPr lang="en-US" dirty="0" smtClean="0"/>
+                        <a:t>model</a:t>
+                      </a:r>
+                      <a:endParaRPr lang="en-US" dirty="0"/>
+                    </a:p>
+                  </a:txBody>
+                  <a:tcPr/>
+                </a:tc>
+                <a:tc>
+                  <a:txBody>
+                    <a:bodyPr/>
+                    <a:lstStyle/>
+                    <a:p>
+                      <a:r>
+                        <a:rPr lang="en-US" dirty="0" smtClean="0"/>
+                        <a:t>dataset</a:t>
+                      </a:r>
+                      <a:endParaRPr lang="en-US" dirty="0"/>
+                    </a:p>
+                  </a:txBody>
+                  <a:tcPr/>
+                </a:tc>
+                <a:tc>
+                  <a:txBody>
+                    <a:bodyPr/>
+                    <a:lstStyle/>
+                    <a:p>
+                      <a:r>
+                        <a:rPr lang="en-US" dirty="0" smtClean="0"/>
+                        <a:t>MSE in paper</a:t>
+                      </a:r>
+                      <a:endParaRPr lang="en-US" dirty="0"/>
+                    </a:p>
+                  </a:txBody>
+                  <a:tcPr/>
+                </a:tc>
+                <a:tc>
+                  <a:txBody>
+                    <a:bodyPr/>
+                    <a:lstStyle/>
+                    <a:p>
+                      <a:r>
+                        <a:rPr lang="en-US" dirty="0" smtClean="0"/>
+                        <a:t>MSE obtained</a:t>
+                      </a:r>
+                      <a:endParaRPr lang="en-US" dirty="0"/>
+                    </a:p>
+                  </a:txBody>
+                  <a:tcPr/>
+                </a:tc>
+              </a:tr>
+              <a:tr h="370840">
+                <a:tc>
+                  <a:txBody>
+                    <a:bodyPr/>
+                    <a:lstStyle/>
+                    <a:p>
+                      <a:r>
+                        <a:rPr lang="en-US" dirty="0" smtClean="0"/>
+                        <a:t>GCN</a:t>
+                      </a:r>
+                      <a:r>
+                        <a:rPr lang="en-US" baseline="0" dirty="0" smtClean="0"/>
+                        <a:t>-based</a:t>
+                      </a:r>
+                      <a:endParaRPr lang="en-US" dirty="0"/>
+                    </a:p>
+                  </a:txBody>
+                  <a:tcPr/>
+                </a:tc>
+                <a:tc>
+                  <a:txBody>
+                    <a:bodyPr/>
+                    <a:lstStyle/>
+                    <a:p>
+                      <a:r>
+                        <a:rPr lang="en-US" dirty="0" err="1" smtClean="0"/>
+                        <a:t>davis</a:t>
+                      </a:r>
+                      <a:endParaRPr lang="en-US" dirty="0"/>
+                    </a:p>
+                  </a:txBody>
+                  <a:tcPr/>
+                </a:tc>
+                <a:tc>
+                  <a:txBody>
+                    <a:bodyPr/>
+                    <a:lstStyle/>
+                    <a:p>
+                      <a:r>
+                        <a:rPr lang="en-US" dirty="0" smtClean="0"/>
+                        <a:t>0.254</a:t>
+                      </a:r>
+                      <a:endParaRPr lang="en-US" dirty="0"/>
+                    </a:p>
+                  </a:txBody>
+                  <a:tcPr/>
+                </a:tc>
+                <a:tc>
+                  <a:txBody>
+                    <a:bodyPr/>
+                    <a:lstStyle/>
+                    <a:p>
+                      <a:r>
+                        <a:rPr lang="en-US" dirty="0" smtClean="0"/>
+                        <a:t>0.25</a:t>
+                      </a:r>
+                      <a:endParaRPr lang="en-US" dirty="0"/>
+                    </a:p>
+                  </a:txBody>
+                  <a:tcPr/>
+                </a:tc>
+              </a:tr>
+              <a:tr h="370840">
+                <a:tc>
+                  <a:txBody>
+                    <a:bodyPr/>
+                    <a:lstStyle/>
+                    <a:p>
+                      <a:r>
+                        <a:rPr lang="en-US" dirty="0" smtClean="0"/>
+                        <a:t>GATGCN-based</a:t>
+                      </a:r>
+                      <a:endParaRPr lang="en-US" dirty="0"/>
+                    </a:p>
+                  </a:txBody>
+                  <a:tcPr/>
+                </a:tc>
+                <a:tc>
+                  <a:txBody>
+                    <a:bodyPr/>
+                    <a:lstStyle/>
+                    <a:p>
+                      <a:pPr marL="0" marR="0" indent="0" algn="l" defTabSz="914400" rtl="0" eaLnBrk="1" fontAlgn="auto" latinLnBrk="0" hangingPunct="1">
+                        <a:lnSpc>
+                          <a:spcPct val="100000"/>
+                        </a:lnSpc>
+                        <a:spcBef>
+                          <a:spcPts val="0"/>
+                        </a:spcBef>
+                        <a:spcAft>
+                          <a:spcPts val="0"/>
+                        </a:spcAft>
+                        <a:buClrTx/>
+                        <a:buSzTx/>
+                        <a:buFontTx/>
+                        <a:buNone/>
+                        <a:tabLst/>
+                        <a:defRPr/>
+                      </a:pPr>
+                      <a:r>
+                        <a:rPr lang="en-US" dirty="0" err="1" smtClean="0"/>
+                        <a:t>davis</a:t>
+                      </a:r>
+                      <a:endParaRPr lang="en-US" dirty="0" smtClean="0"/>
+                    </a:p>
+                  </a:txBody>
+                  <a:tcPr/>
+                </a:tc>
+                <a:tc>
+                  <a:txBody>
+                    <a:bodyPr/>
+                    <a:lstStyle/>
+                    <a:p>
+                      <a:r>
+                        <a:rPr lang="en-US" dirty="0" smtClean="0"/>
+                        <a:t>0.245</a:t>
+                      </a:r>
+                      <a:endParaRPr lang="en-US" dirty="0"/>
+                    </a:p>
+                  </a:txBody>
+                  <a:tcPr/>
+                </a:tc>
+                <a:tc>
+                  <a:txBody>
+                    <a:bodyPr/>
+                    <a:lstStyle/>
+                    <a:p>
+                      <a:r>
+                        <a:rPr lang="en-US" dirty="0" smtClean="0"/>
+                        <a:t>0.27</a:t>
+                      </a:r>
+                      <a:endParaRPr lang="en-US" dirty="0"/>
+                    </a:p>
+                  </a:txBody>
+                  <a:tcPr/>
+                </a:tc>
+              </a:tr>
+              <a:tr h="370840">
+                <a:tc>
+                  <a:txBody>
+                    <a:bodyPr/>
+                    <a:lstStyle/>
+                    <a:p>
+                      <a:pPr marL="0" marR="0" indent="0" algn="l" defTabSz="914400" rtl="0" eaLnBrk="1" fontAlgn="auto" latinLnBrk="0" hangingPunct="1">
+                        <a:lnSpc>
+                          <a:spcPct val="100000"/>
+                        </a:lnSpc>
+                        <a:spcBef>
+                          <a:spcPts val="0"/>
+                        </a:spcBef>
+                        <a:spcAft>
+                          <a:spcPts val="0"/>
+                        </a:spcAft>
+                        <a:buClrTx/>
+                        <a:buSzTx/>
+                        <a:buFontTx/>
+                        <a:buNone/>
+                        <a:tabLst/>
+                        <a:defRPr/>
+                      </a:pPr>
+                      <a:r>
+                        <a:rPr lang="en-US" dirty="0" smtClean="0"/>
+                        <a:t>GAT-based</a:t>
+                      </a:r>
+                    </a:p>
+                  </a:txBody>
+                  <a:tcPr/>
+                </a:tc>
+                <a:tc>
+                  <a:txBody>
+                    <a:bodyPr/>
+                    <a:lstStyle/>
+                    <a:p>
+                      <a:pPr marL="0" marR="0" indent="0" algn="l" defTabSz="914400" rtl="0" eaLnBrk="1" fontAlgn="auto" latinLnBrk="0" hangingPunct="1">
+                        <a:lnSpc>
+                          <a:spcPct val="100000"/>
+                        </a:lnSpc>
+                        <a:spcBef>
+                          <a:spcPts val="0"/>
+                        </a:spcBef>
+                        <a:spcAft>
+                          <a:spcPts val="0"/>
+                        </a:spcAft>
+                        <a:buClrTx/>
+                        <a:buSzTx/>
+                        <a:buFontTx/>
+                        <a:buNone/>
+                        <a:tabLst/>
+                        <a:defRPr/>
+                      </a:pPr>
+                      <a:r>
+                        <a:rPr lang="en-US" dirty="0" err="1" smtClean="0"/>
+                        <a:t>davis</a:t>
+                      </a:r>
+                      <a:endParaRPr lang="en-US" dirty="0" smtClean="0"/>
+                    </a:p>
+                  </a:txBody>
+                  <a:tcPr/>
+                </a:tc>
+                <a:tc>
+                  <a:txBody>
+                    <a:bodyPr/>
+                    <a:lstStyle/>
+                    <a:p>
+                      <a:r>
+                        <a:rPr lang="en-US" dirty="0" smtClean="0"/>
+                        <a:t>0.232</a:t>
+                      </a:r>
+                      <a:endParaRPr lang="en-US" dirty="0"/>
+                    </a:p>
+                  </a:txBody>
+                  <a:tcPr/>
+                </a:tc>
+                <a:tc>
+                  <a:txBody>
+                    <a:bodyPr/>
+                    <a:lstStyle/>
+                    <a:p>
+                      <a:r>
+                        <a:rPr lang="en-US" dirty="0" smtClean="0"/>
+                        <a:t>0.25</a:t>
+                      </a:r>
+                    </a:p>
+                  </a:txBody>
+                  <a:tcPr/>
+                </a:tc>
+              </a:tr>
+              <a:tr h="370840">
+                <a:tc>
+                  <a:txBody>
+                    <a:bodyPr/>
+                    <a:lstStyle/>
+                    <a:p>
+                      <a:pPr marL="0" marR="0" indent="0" algn="l" defTabSz="914400" rtl="0" eaLnBrk="1" fontAlgn="auto" latinLnBrk="0" hangingPunct="1">
+                        <a:lnSpc>
+                          <a:spcPct val="100000"/>
+                        </a:lnSpc>
+                        <a:spcBef>
+                          <a:spcPts val="0"/>
+                        </a:spcBef>
+                        <a:spcAft>
+                          <a:spcPts val="0"/>
+                        </a:spcAft>
+                        <a:buClrTx/>
+                        <a:buSzTx/>
+                        <a:buFontTx/>
+                        <a:buNone/>
+                        <a:tabLst/>
+                        <a:defRPr/>
+                      </a:pPr>
+                      <a:r>
+                        <a:rPr lang="en-US" dirty="0" smtClean="0"/>
+                        <a:t>GINCONV-based</a:t>
+                      </a:r>
+                    </a:p>
+                  </a:txBody>
+                  <a:tcPr/>
+                </a:tc>
+                <a:tc>
+                  <a:txBody>
+                    <a:bodyPr/>
+                    <a:lstStyle/>
+                    <a:p>
+                      <a:pPr marL="0" marR="0" indent="0" algn="l" defTabSz="914400" rtl="0" eaLnBrk="1" fontAlgn="auto" latinLnBrk="0" hangingPunct="1">
+                        <a:lnSpc>
+                          <a:spcPct val="100000"/>
+                        </a:lnSpc>
+                        <a:spcBef>
+                          <a:spcPts val="0"/>
+                        </a:spcBef>
+                        <a:spcAft>
+                          <a:spcPts val="0"/>
+                        </a:spcAft>
+                        <a:buClrTx/>
+                        <a:buSzTx/>
+                        <a:buFontTx/>
+                        <a:buNone/>
+                        <a:tabLst/>
+                        <a:defRPr/>
+                      </a:pPr>
+                      <a:r>
+                        <a:rPr lang="en-US" dirty="0" err="1" smtClean="0"/>
+                        <a:t>davis</a:t>
+                      </a:r>
+                      <a:endParaRPr lang="en-US" dirty="0" smtClean="0"/>
+                    </a:p>
+                  </a:txBody>
+                  <a:tcPr/>
+                </a:tc>
+                <a:tc>
+                  <a:txBody>
+                    <a:bodyPr/>
+                    <a:lstStyle/>
+                    <a:p>
+                      <a:r>
+                        <a:rPr lang="en-US" dirty="0" smtClean="0"/>
+                        <a:t>0.229</a:t>
+                      </a:r>
+                      <a:endParaRPr lang="en-US" dirty="0"/>
+                    </a:p>
+                  </a:txBody>
+                  <a:tcPr/>
+                </a:tc>
+                <a:tc>
+                  <a:txBody>
+                    <a:bodyPr/>
+                    <a:lstStyle/>
+                    <a:p>
+                      <a:r>
+                        <a:rPr lang="en-US" dirty="0" smtClean="0"/>
+                        <a:t>0.24</a:t>
+                      </a:r>
+                      <a:endParaRPr lang="en-US" dirty="0"/>
+                    </a:p>
+                  </a:txBody>
+                  <a:tcPr/>
+                </a:tc>
+              </a:tr>
+              <a:tr h="370840">
+                <a:tc>
+                  <a:txBody>
+                    <a:bodyPr/>
+                    <a:lstStyle/>
+                    <a:p>
+                      <a:r>
+                        <a:rPr lang="en-US" dirty="0" smtClean="0"/>
+                        <a:t>GCN</a:t>
+                      </a:r>
+                      <a:r>
+                        <a:rPr lang="en-US" baseline="0" dirty="0" smtClean="0"/>
+                        <a:t>-based</a:t>
+                      </a:r>
+                      <a:endParaRPr lang="en-US" dirty="0"/>
+                    </a:p>
+                  </a:txBody>
+                  <a:tcPr/>
+                </a:tc>
+                <a:tc>
+                  <a:txBody>
+                    <a:bodyPr/>
+                    <a:lstStyle/>
+                    <a:p>
+                      <a:r>
+                        <a:rPr lang="en-US" dirty="0" err="1" smtClean="0"/>
+                        <a:t>kiba</a:t>
+                      </a:r>
+                      <a:endParaRPr lang="en-US" dirty="0"/>
+                    </a:p>
+                  </a:txBody>
+                  <a:tcPr/>
+                </a:tc>
+                <a:tc>
+                  <a:txBody>
+                    <a:bodyPr/>
+                    <a:lstStyle/>
+                    <a:p>
+                      <a:r>
+                        <a:rPr lang="en-US" dirty="0" smtClean="0"/>
+                        <a:t>0.179</a:t>
+                      </a:r>
+                      <a:endParaRPr lang="en-US" dirty="0"/>
+                    </a:p>
+                  </a:txBody>
+                  <a:tcPr/>
+                </a:tc>
+                <a:tc>
+                  <a:txBody>
+                    <a:bodyPr/>
+                    <a:lstStyle/>
+                    <a:p>
+                      <a:r>
+                        <a:rPr lang="en-US" dirty="0" smtClean="0"/>
+                        <a:t>0.2</a:t>
+                      </a:r>
+                      <a:endParaRPr lang="en-US" dirty="0"/>
+                    </a:p>
+                  </a:txBody>
+                  <a:tcPr/>
+                </a:tc>
+              </a:tr>
+              <a:tr h="370840">
+                <a:tc>
+                  <a:txBody>
+                    <a:bodyPr/>
+                    <a:lstStyle/>
+                    <a:p>
+                      <a:r>
+                        <a:rPr lang="en-US" dirty="0" smtClean="0"/>
+                        <a:t>GATGCN-based</a:t>
+                      </a:r>
+                      <a:endParaRPr lang="en-US" dirty="0"/>
+                    </a:p>
+                  </a:txBody>
+                  <a:tcPr/>
+                </a:tc>
+                <a:tc>
+                  <a:txBody>
+                    <a:bodyPr/>
+                    <a:lstStyle/>
+                    <a:p>
+                      <a:pPr marL="0" marR="0" indent="0" algn="l" defTabSz="914400" rtl="0" eaLnBrk="1" fontAlgn="auto" latinLnBrk="0" hangingPunct="1">
+                        <a:lnSpc>
+                          <a:spcPct val="100000"/>
+                        </a:lnSpc>
+                        <a:spcBef>
+                          <a:spcPts val="0"/>
+                        </a:spcBef>
+                        <a:spcAft>
+                          <a:spcPts val="0"/>
+                        </a:spcAft>
+                        <a:buClrTx/>
+                        <a:buSzTx/>
+                        <a:buFontTx/>
+                        <a:buNone/>
+                        <a:tabLst/>
+                        <a:defRPr/>
+                      </a:pPr>
+                      <a:r>
+                        <a:rPr lang="en-US" dirty="0" err="1" smtClean="0"/>
+                        <a:t>kiba</a:t>
+                      </a:r>
+                      <a:endParaRPr lang="en-US" dirty="0" smtClean="0"/>
+                    </a:p>
+                  </a:txBody>
+                  <a:tcPr/>
+                </a:tc>
+                <a:tc>
+                  <a:txBody>
+                    <a:bodyPr/>
+                    <a:lstStyle/>
+                    <a:p>
+                      <a:r>
+                        <a:rPr lang="en-US" dirty="0" smtClean="0"/>
+                        <a:t>0.147</a:t>
+                      </a:r>
+                      <a:endParaRPr lang="en-US" dirty="0"/>
+                    </a:p>
+                  </a:txBody>
+                  <a:tcPr/>
+                </a:tc>
+                <a:tc>
+                  <a:txBody>
+                    <a:bodyPr/>
+                    <a:lstStyle/>
+                    <a:p>
+                      <a:r>
+                        <a:rPr lang="en-US" dirty="0" smtClean="0"/>
+                        <a:t>0.15</a:t>
+                      </a:r>
+                      <a:endParaRPr lang="en-US" dirty="0"/>
+                    </a:p>
+                  </a:txBody>
+                  <a:tcPr/>
+                </a:tc>
+              </a:tr>
+              <a:tr h="370840">
+                <a:tc>
+                  <a:txBody>
+                    <a:bodyPr/>
+                    <a:lstStyle/>
+                    <a:p>
+                      <a:pPr marL="0" marR="0" indent="0" algn="l" defTabSz="914400" rtl="0" eaLnBrk="1" fontAlgn="auto" latinLnBrk="0" hangingPunct="1">
+                        <a:lnSpc>
+                          <a:spcPct val="100000"/>
+                        </a:lnSpc>
+                        <a:spcBef>
+                          <a:spcPts val="0"/>
+                        </a:spcBef>
+                        <a:spcAft>
+                          <a:spcPts val="0"/>
+                        </a:spcAft>
+                        <a:buClrTx/>
+                        <a:buSzTx/>
+                        <a:buFontTx/>
+                        <a:buNone/>
+                        <a:tabLst/>
+                        <a:defRPr/>
+                      </a:pPr>
+                      <a:r>
+                        <a:rPr lang="en-US" dirty="0" smtClean="0"/>
+                        <a:t>GAT-based</a:t>
+                      </a:r>
+                    </a:p>
+                  </a:txBody>
+                  <a:tcPr/>
+                </a:tc>
+                <a:tc>
+                  <a:txBody>
+                    <a:bodyPr/>
+                    <a:lstStyle/>
+                    <a:p>
+                      <a:pPr marL="0" marR="0" indent="0" algn="l" defTabSz="914400" rtl="0" eaLnBrk="1" fontAlgn="auto" latinLnBrk="0" hangingPunct="1">
+                        <a:lnSpc>
+                          <a:spcPct val="100000"/>
+                        </a:lnSpc>
+                        <a:spcBef>
+                          <a:spcPts val="0"/>
+                        </a:spcBef>
+                        <a:spcAft>
+                          <a:spcPts val="0"/>
+                        </a:spcAft>
+                        <a:buClrTx/>
+                        <a:buSzTx/>
+                        <a:buFontTx/>
+                        <a:buNone/>
+                        <a:tabLst/>
+                        <a:defRPr/>
+                      </a:pPr>
+                      <a:r>
+                        <a:rPr lang="en-US" dirty="0" err="1" smtClean="0"/>
+                        <a:t>kiba</a:t>
+                      </a:r>
+                      <a:endParaRPr lang="en-US" dirty="0" smtClean="0"/>
+                    </a:p>
+                  </a:txBody>
+                  <a:tcPr/>
+                </a:tc>
+                <a:tc>
+                  <a:txBody>
+                    <a:bodyPr/>
+                    <a:lstStyle/>
+                    <a:p>
+                      <a:r>
+                        <a:rPr lang="en-US" dirty="0" smtClean="0"/>
+                        <a:t>0.139</a:t>
+                      </a:r>
+                      <a:endParaRPr lang="en-US" dirty="0"/>
+                    </a:p>
+                  </a:txBody>
+                  <a:tcPr/>
+                </a:tc>
+                <a:tc>
+                  <a:txBody>
+                    <a:bodyPr/>
+                    <a:lstStyle/>
+                    <a:p>
+                      <a:r>
+                        <a:rPr lang="en-US" dirty="0" smtClean="0"/>
+                        <a:t>0.2</a:t>
+                      </a:r>
+                      <a:endParaRPr lang="en-US" dirty="0"/>
+                    </a:p>
+                  </a:txBody>
+                  <a:tcPr/>
+                </a:tc>
+              </a:tr>
+              <a:tr h="370840">
+                <a:tc>
+                  <a:txBody>
+                    <a:bodyPr/>
+                    <a:lstStyle/>
+                    <a:p>
+                      <a:pPr marL="0" marR="0" indent="0" algn="l" defTabSz="914400" rtl="0" eaLnBrk="1" fontAlgn="auto" latinLnBrk="0" hangingPunct="1">
+                        <a:lnSpc>
+                          <a:spcPct val="100000"/>
+                        </a:lnSpc>
+                        <a:spcBef>
+                          <a:spcPts val="0"/>
+                        </a:spcBef>
+                        <a:spcAft>
+                          <a:spcPts val="0"/>
+                        </a:spcAft>
+                        <a:buClrTx/>
+                        <a:buSzTx/>
+                        <a:buFontTx/>
+                        <a:buNone/>
+                        <a:tabLst/>
+                        <a:defRPr/>
+                      </a:pPr>
+                      <a:r>
+                        <a:rPr lang="en-US" dirty="0" smtClean="0"/>
+                        <a:t>GINCONV-based</a:t>
+                      </a:r>
+                    </a:p>
+                  </a:txBody>
+                  <a:tcPr/>
+                </a:tc>
+                <a:tc>
+                  <a:txBody>
+                    <a:bodyPr/>
+                    <a:lstStyle/>
+                    <a:p>
+                      <a:pPr marL="0" marR="0" indent="0" algn="l" defTabSz="914400" rtl="0" eaLnBrk="1" fontAlgn="auto" latinLnBrk="0" hangingPunct="1">
+                        <a:lnSpc>
+                          <a:spcPct val="100000"/>
+                        </a:lnSpc>
+                        <a:spcBef>
+                          <a:spcPts val="0"/>
+                        </a:spcBef>
+                        <a:spcAft>
+                          <a:spcPts val="0"/>
+                        </a:spcAft>
+                        <a:buClrTx/>
+                        <a:buSzTx/>
+                        <a:buFontTx/>
+                        <a:buNone/>
+                        <a:tabLst/>
+                        <a:defRPr/>
+                      </a:pPr>
+                      <a:r>
+                        <a:rPr lang="en-US" dirty="0" err="1" smtClean="0"/>
+                        <a:t>kiba</a:t>
+                      </a:r>
+                      <a:endParaRPr lang="en-US" dirty="0" smtClean="0"/>
+                    </a:p>
+                  </a:txBody>
+                  <a:tcPr/>
+                </a:tc>
+                <a:tc>
+                  <a:txBody>
+                    <a:bodyPr/>
+                    <a:lstStyle/>
+                    <a:p>
+                      <a:r>
+                        <a:rPr lang="en-US" dirty="0" smtClean="0"/>
+                        <a:t>0.139</a:t>
+                      </a:r>
+                      <a:endParaRPr lang="en-US" dirty="0"/>
+                    </a:p>
+                  </a:txBody>
+                  <a:tcPr/>
+                </a:tc>
+                <a:tc>
+                  <a:txBody>
+                    <a:bodyPr/>
+                    <a:lstStyle/>
+                    <a:p>
+                      <a:r>
+                        <a:rPr lang="en-US" dirty="0" smtClean="0"/>
+                        <a:t>0.17</a:t>
+                      </a:r>
+                      <a:endParaRPr lang="en-US" dirty="0"/>
+                    </a:p>
+                  </a:txBody>
+                  <a:tcPr/>
+                </a:tc>
+              </a:tr>
+            </a:tbl>
+          </a:graphicData>
+        </a:graphic>
+      </p:graphicFrame>
+      <p:sp>
+        <p:nvSpPr>
+          <p:cNvPr id="3" name="Title 2"/>
+          <p:cNvSpPr>
+            <a:spLocks noGrp="1"/>
+          </p:cNvSpPr>
+          <p:nvPr>
+            <p:ph type="title"/>
+          </p:nvPr>
+        </p:nvSpPr>
+        <p:spPr/>
+        <p:txBody>
+          <a:bodyPr/>
+          <a:lstStyle/>
+          <a:p>
+            <a:r>
+              <a:rPr lang="en-US" dirty="0" smtClean="0"/>
+              <a:t>Summary of paper results</a:t>
+            </a:r>
+            <a:endParaRPr lang="en-US" dirty="0"/>
+          </a:p>
+        </p:txBody>
+      </p:sp>
+    </p:spTree>
+    <p:extLst>
+      <p:ext uri="{BB962C8B-B14F-4D97-AF65-F5344CB8AC3E}">
+        <p14:creationId xmlns:p14="http://schemas.microsoft.com/office/powerpoint/2010/main" val="2395039471"/>
+      </p:ext>
+    </p:extLst>
+  </p:cSld>
+  <p:clrMapOvr>
+    <a:masterClrMapping/>
+  </p:clrMapOvr>
+  <p:timing>
+    <p:tnLst>
+      <p:par>
+        <p:cTn id="1" dur="indefinite" restart="never" nodeType="tmRoot"/>
+      </p:par>
+    </p:tnLst>
+  </p:timing>
 </p:sld>
 </file>
 

--- a/presentation/Drug Target affinity.pptx
+++ b/presentation/Drug Target affinity.pptx
@@ -5,7 +5,7 @@
     <p:sldMasterId id="2147483708" r:id="rId1"/>
   </p:sldMasterIdLst>
   <p:notesMasterIdLst>
-    <p:notesMasterId r:id="rId36"/>
+    <p:notesMasterId r:id="rId42"/>
   </p:notesMasterIdLst>
   <p:sldIdLst>
     <p:sldId id="256" r:id="rId2"/>
@@ -24,24 +24,30 @@
     <p:sldId id="272" r:id="rId15"/>
     <p:sldId id="270" r:id="rId16"/>
     <p:sldId id="273" r:id="rId17"/>
-    <p:sldId id="292" r:id="rId18"/>
-    <p:sldId id="264" r:id="rId19"/>
-    <p:sldId id="288" r:id="rId20"/>
-    <p:sldId id="289" r:id="rId21"/>
-    <p:sldId id="274" r:id="rId22"/>
-    <p:sldId id="275" r:id="rId23"/>
-    <p:sldId id="277" r:id="rId24"/>
-    <p:sldId id="276" r:id="rId25"/>
-    <p:sldId id="278" r:id="rId26"/>
-    <p:sldId id="279" r:id="rId27"/>
-    <p:sldId id="281" r:id="rId28"/>
-    <p:sldId id="280" r:id="rId29"/>
-    <p:sldId id="283" r:id="rId30"/>
-    <p:sldId id="284" r:id="rId31"/>
-    <p:sldId id="285" r:id="rId32"/>
-    <p:sldId id="286" r:id="rId33"/>
-    <p:sldId id="282" r:id="rId34"/>
-    <p:sldId id="287" r:id="rId35"/>
+    <p:sldId id="293" r:id="rId18"/>
+    <p:sldId id="294" r:id="rId19"/>
+    <p:sldId id="292" r:id="rId20"/>
+    <p:sldId id="264" r:id="rId21"/>
+    <p:sldId id="288" r:id="rId22"/>
+    <p:sldId id="289" r:id="rId23"/>
+    <p:sldId id="295" r:id="rId24"/>
+    <p:sldId id="296" r:id="rId25"/>
+    <p:sldId id="297" r:id="rId26"/>
+    <p:sldId id="298" r:id="rId27"/>
+    <p:sldId id="274" r:id="rId28"/>
+    <p:sldId id="275" r:id="rId29"/>
+    <p:sldId id="277" r:id="rId30"/>
+    <p:sldId id="276" r:id="rId31"/>
+    <p:sldId id="278" r:id="rId32"/>
+    <p:sldId id="279" r:id="rId33"/>
+    <p:sldId id="281" r:id="rId34"/>
+    <p:sldId id="280" r:id="rId35"/>
+    <p:sldId id="283" r:id="rId36"/>
+    <p:sldId id="284" r:id="rId37"/>
+    <p:sldId id="285" r:id="rId38"/>
+    <p:sldId id="286" r:id="rId39"/>
+    <p:sldId id="282" r:id="rId40"/>
+    <p:sldId id="287" r:id="rId41"/>
   </p:sldIdLst>
   <p:sldSz cx="9144000" cy="6858000" type="screen4x3"/>
   <p:notesSz cx="6858000" cy="9144000"/>
@@ -225,7 +231,7 @@
           <a:p>
             <a:fld id="{8EF0DE39-7A54-47F9-AEA5-5AC06FD683AA}" type="datetimeFigureOut">
               <a:rPr lang="en-US" smtClean="0"/>
-              <a:t>8/21/2024</a:t>
+              <a:t>9/4/2024</a:t>
             </a:fld>
             <a:endParaRPr lang="en-US"/>
           </a:p>
@@ -1262,7 +1268,7 @@
           <a:p>
             <a:fld id="{C7689D65-4FEA-4151-83A2-DE7BE828DF61}" type="slidenum">
               <a:rPr lang="en-US" smtClean="0"/>
-              <a:t>17</a:t>
+              <a:t>19</a:t>
             </a:fld>
             <a:endParaRPr lang="en-US"/>
           </a:p>
@@ -1350,7 +1356,7 @@
           <a:p>
             <a:fld id="{C7689D65-4FEA-4151-83A2-DE7BE828DF61}" type="slidenum">
               <a:rPr lang="en-US" smtClean="0"/>
-              <a:t>18</a:t>
+              <a:t>20</a:t>
             </a:fld>
             <a:endParaRPr lang="en-US"/>
           </a:p>
@@ -1446,7 +1452,7 @@
           <a:p>
             <a:fld id="{C7689D65-4FEA-4151-83A2-DE7BE828DF61}" type="slidenum">
               <a:rPr lang="en-US" smtClean="0"/>
-              <a:t>19</a:t>
+              <a:t>21</a:t>
             </a:fld>
             <a:endParaRPr lang="en-US"/>
           </a:p>
@@ -1556,7 +1562,7 @@
           <a:p>
             <a:fld id="{C7689D65-4FEA-4151-83A2-DE7BE828DF61}" type="slidenum">
               <a:rPr lang="en-US" smtClean="0"/>
-              <a:t>20</a:t>
+              <a:t>22</a:t>
             </a:fld>
             <a:endParaRPr lang="en-US"/>
           </a:p>
@@ -1753,7 +1759,7 @@
           <a:p>
             <a:fld id="{C7689D65-4FEA-4151-83A2-DE7BE828DF61}" type="slidenum">
               <a:rPr lang="en-US" smtClean="0"/>
-              <a:t>34</a:t>
+              <a:t>40</a:t>
             </a:fld>
             <a:endParaRPr lang="en-US"/>
           </a:p>
@@ -5566,7 +5572,7 @@
             <a:fld id="{1D8BD707-D9CF-40AE-B4C6-C98DA3205C09}" type="datetimeFigureOut">
               <a:rPr lang="en-US" smtClean="0"/>
               <a:pPr/>
-              <a:t>8/21/2024</a:t>
+              <a:t>9/4/2024</a:t>
             </a:fld>
             <a:endParaRPr lang="en-US"/>
           </a:p>
@@ -5764,7 +5770,7 @@
             <a:fld id="{1D8BD707-D9CF-40AE-B4C6-C98DA3205C09}" type="datetimeFigureOut">
               <a:rPr lang="en-US" smtClean="0"/>
               <a:pPr/>
-              <a:t>8/21/2024</a:t>
+              <a:t>9/4/2024</a:t>
             </a:fld>
             <a:endParaRPr lang="en-US"/>
           </a:p>
@@ -5951,7 +5957,7 @@
             <a:fld id="{1D8BD707-D9CF-40AE-B4C6-C98DA3205C09}" type="datetimeFigureOut">
               <a:rPr lang="en-US" smtClean="0"/>
               <a:pPr/>
-              <a:t>8/21/2024</a:t>
+              <a:t>9/4/2024</a:t>
             </a:fld>
             <a:endParaRPr lang="en-US"/>
           </a:p>
@@ -6103,7 +6109,7 @@
             <a:fld id="{1D8BD707-D9CF-40AE-B4C6-C98DA3205C09}" type="datetimeFigureOut">
               <a:rPr lang="en-US" smtClean="0"/>
               <a:pPr/>
-              <a:t>8/21/2024</a:t>
+              <a:t>9/4/2024</a:t>
             </a:fld>
             <a:endParaRPr lang="en-US"/>
           </a:p>
@@ -6360,7 +6366,7 @@
             <a:fld id="{1D8BD707-D9CF-40AE-B4C6-C98DA3205C09}" type="datetimeFigureOut">
               <a:rPr lang="en-US" smtClean="0"/>
               <a:pPr/>
-              <a:t>8/21/2024</a:t>
+              <a:t>9/4/2024</a:t>
             </a:fld>
             <a:endParaRPr lang="en-US"/>
           </a:p>
@@ -6771,7 +6777,7 @@
             <a:fld id="{1D8BD707-D9CF-40AE-B4C6-C98DA3205C09}" type="datetimeFigureOut">
               <a:rPr lang="en-US" smtClean="0"/>
               <a:pPr/>
-              <a:t>8/21/2024</a:t>
+              <a:t>9/4/2024</a:t>
             </a:fld>
             <a:endParaRPr lang="en-US"/>
           </a:p>
@@ -7219,7 +7225,7 @@
             <a:fld id="{1D8BD707-D9CF-40AE-B4C6-C98DA3205C09}" type="datetimeFigureOut">
               <a:rPr lang="en-US" smtClean="0"/>
               <a:pPr/>
-              <a:t>8/21/2024</a:t>
+              <a:t>9/4/2024</a:t>
             </a:fld>
             <a:endParaRPr lang="en-US"/>
           </a:p>
@@ -7322,7 +7328,7 @@
             <a:fld id="{1D8BD707-D9CF-40AE-B4C6-C98DA3205C09}" type="datetimeFigureOut">
               <a:rPr lang="en-US" smtClean="0"/>
               <a:pPr/>
-              <a:t>8/21/2024</a:t>
+              <a:t>9/4/2024</a:t>
             </a:fld>
             <a:endParaRPr lang="en-US"/>
           </a:p>
@@ -7445,7 +7451,7 @@
             <a:fld id="{1D8BD707-D9CF-40AE-B4C6-C98DA3205C09}" type="datetimeFigureOut">
               <a:rPr lang="en-US" smtClean="0"/>
               <a:pPr/>
-              <a:t>8/21/2024</a:t>
+              <a:t>9/4/2024</a:t>
             </a:fld>
             <a:endParaRPr lang="en-US"/>
           </a:p>
@@ -7721,7 +7727,7 @@
             <a:fld id="{1D8BD707-D9CF-40AE-B4C6-C98DA3205C09}" type="datetimeFigureOut">
               <a:rPr lang="en-US" smtClean="0"/>
               <a:pPr/>
-              <a:t>8/21/2024</a:t>
+              <a:t>9/4/2024</a:t>
             </a:fld>
             <a:endParaRPr lang="en-US"/>
           </a:p>
@@ -7928,7 +7934,7 @@
             <a:fld id="{1D8BD707-D9CF-40AE-B4C6-C98DA3205C09}" type="datetimeFigureOut">
               <a:rPr lang="en-US" smtClean="0"/>
               <a:pPr/>
-              <a:t>8/21/2024</a:t>
+              <a:t>9/4/2024</a:t>
             </a:fld>
             <a:endParaRPr lang="en-US"/>
           </a:p>
@@ -9039,7 +9045,7 @@
             <a:fld id="{1D8BD707-D9CF-40AE-B4C6-C98DA3205C09}" type="datetimeFigureOut">
               <a:rPr lang="en-US" smtClean="0"/>
               <a:pPr/>
-              <a:t>8/21/2024</a:t>
+              <a:t>9/4/2024</a:t>
             </a:fld>
             <a:endParaRPr lang="en-US"/>
           </a:p>
@@ -10948,7 +10954,19 @@
             </a:r>
             <a:r>
               <a:rPr lang="en-US" dirty="0"/>
-              <a:t>% of which have affinity values of 10000 </a:t>
+              <a:t>% of which have affinity values of </a:t>
+            </a:r>
+            <a:r>
+              <a:rPr lang="en-US" b="1" dirty="0" err="1" smtClean="0"/>
+              <a:t>Kd</a:t>
+            </a:r>
+            <a:r>
+              <a:rPr lang="en-US" b="1" dirty="0" smtClean="0"/>
+              <a:t> = </a:t>
+            </a:r>
+            <a:r>
+              <a:rPr lang="en-US" dirty="0" smtClean="0"/>
+              <a:t>10000 </a:t>
             </a:r>
             <a:r>
               <a:rPr lang="en-US" dirty="0" err="1"/>
@@ -11345,7 +11363,15 @@
             <a:pPr lvl="1"/>
             <a:r>
               <a:rPr lang="en-US" dirty="0"/>
-              <a:t>measured as KIBA scores and ranging from 0.0 to </a:t>
+              <a:t>measured as </a:t>
+            </a:r>
+            <a:r>
+              <a:rPr lang="en-US" b="1" dirty="0"/>
+              <a:t>KIBA scores</a:t>
+            </a:r>
+            <a:r>
+              <a:rPr lang="en-US" dirty="0"/>
+              <a:t> and ranging from 0.0 to </a:t>
             </a:r>
             <a:r>
               <a:rPr lang="en-US" dirty="0" smtClean="0"/>
@@ -11531,6 +11557,299 @@
         </p:nvSpPr>
         <p:spPr>
           <a:xfrm>
+            <a:off x="457200" y="1143000"/>
+            <a:ext cx="8229600" cy="5257800"/>
+          </a:xfrm>
+        </p:spPr>
+        <p:txBody>
+          <a:bodyPr>
+            <a:normAutofit fontScale="92500" lnSpcReduction="10000"/>
+          </a:bodyPr>
+          <a:lstStyle/>
+          <a:p>
+            <a:r>
+              <a:rPr lang="en-US" dirty="0"/>
+              <a:t>In URV-May-2024 database, the URV systematically collected all structures from the Protein Data Bank(PDB) [11] containing the SARS-CoV-2 </a:t>
+            </a:r>
+            <a:r>
+              <a:rPr lang="en-US" dirty="0" err="1"/>
+              <a:t>Mpro</a:t>
+            </a:r>
+            <a:r>
+              <a:rPr lang="en-US" dirty="0"/>
+              <a:t> protein - also known as the main protease or 3CL protease, is </a:t>
+            </a:r>
+            <a:r>
+              <a:rPr lang="en-US" dirty="0" smtClean="0"/>
+              <a:t>a key </a:t>
+            </a:r>
+            <a:r>
+              <a:rPr lang="en-US" dirty="0"/>
+              <a:t>enzyme in the replication and transcription of the SARS-CoV-2 virus, which causes </a:t>
+            </a:r>
+            <a:r>
+              <a:rPr lang="en-US" dirty="0" smtClean="0"/>
+              <a:t>COVID-19. </a:t>
+            </a:r>
+          </a:p>
+          <a:p>
+            <a:r>
+              <a:rPr lang="en-US" dirty="0" smtClean="0"/>
+              <a:t>Dataset </a:t>
+            </a:r>
+            <a:r>
+              <a:rPr lang="en-US" smtClean="0"/>
+              <a:t>was refined </a:t>
+            </a:r>
+            <a:r>
+              <a:rPr lang="en-US" dirty="0"/>
+              <a:t>by </a:t>
+            </a:r>
+            <a:r>
+              <a:rPr lang="en-US" dirty="0" smtClean="0"/>
+              <a:t>selecting structures </a:t>
+            </a:r>
+            <a:r>
+              <a:rPr lang="en-US" dirty="0"/>
+              <a:t>with available IC50 values from </a:t>
+            </a:r>
+            <a:r>
+              <a:rPr lang="en-US" dirty="0" err="1"/>
+              <a:t>ChEMBL</a:t>
+            </a:r>
+            <a:r>
+              <a:rPr lang="en-US" dirty="0"/>
+              <a:t> [12] and </a:t>
+            </a:r>
+            <a:r>
+              <a:rPr lang="en-US" dirty="0" err="1"/>
+              <a:t>BindingDB</a:t>
+            </a:r>
+            <a:r>
+              <a:rPr lang="en-US" dirty="0"/>
+              <a:t> [13] databases, resulting in a </a:t>
+            </a:r>
+            <a:r>
+              <a:rPr lang="en-US" dirty="0" smtClean="0"/>
+              <a:t>final set </a:t>
+            </a:r>
+            <a:r>
+              <a:rPr lang="en-US" dirty="0"/>
+              <a:t>of 233 structures. For each structure, we obtained the inhibitor’s structure in SDF format, the protein-inhibitor complex in PDB format, and the corresponding IC50 value for </a:t>
+            </a:r>
+            <a:r>
+              <a:rPr lang="en-US" dirty="0" err="1"/>
+              <a:t>Mpro</a:t>
+            </a:r>
+            <a:r>
+              <a:rPr lang="en-US" dirty="0"/>
+              <a:t> inhibition. </a:t>
+            </a:r>
+          </a:p>
+        </p:txBody>
+      </p:sp>
+      <p:sp>
+        <p:nvSpPr>
+          <p:cNvPr id="3" name="Title 2"/>
+          <p:cNvSpPr>
+            <a:spLocks noGrp="1"/>
+          </p:cNvSpPr>
+          <p:nvPr>
+            <p:ph type="title"/>
+          </p:nvPr>
+        </p:nvSpPr>
+        <p:spPr/>
+        <p:txBody>
+          <a:bodyPr/>
+          <a:lstStyle/>
+          <a:p>
+            <a:r>
+              <a:rPr lang="en-US" dirty="0"/>
+              <a:t>Datasets</a:t>
+            </a:r>
+          </a:p>
+        </p:txBody>
+      </p:sp>
+    </p:spTree>
+    <p:extLst>
+      <p:ext uri="{BB962C8B-B14F-4D97-AF65-F5344CB8AC3E}">
+        <p14:creationId xmlns:p14="http://schemas.microsoft.com/office/powerpoint/2010/main" val="1214098601"/>
+      </p:ext>
+    </p:extLst>
+  </p:cSld>
+  <p:clrMapOvr>
+    <a:masterClrMapping/>
+  </p:clrMapOvr>
+</p:sld>
+</file>
+
+<file path=ppt/slides/slide18.xml><?xml version="1.0" encoding="utf-8"?>
+<p:sld xmlns:a="http://schemas.openxmlformats.org/drawingml/2006/main" xmlns:r="http://schemas.openxmlformats.org/officeDocument/2006/relationships" xmlns:p="http://schemas.openxmlformats.org/presentationml/2006/main">
+  <p:cSld>
+    <p:spTree>
+      <p:nvGrpSpPr>
+        <p:cNvPr id="1" name=""/>
+        <p:cNvGrpSpPr/>
+        <p:nvPr/>
+      </p:nvGrpSpPr>
+      <p:grpSpPr>
+        <a:xfrm>
+          <a:off x="0" y="0"/>
+          <a:ext cx="0" cy="0"/>
+          <a:chOff x="0" y="0"/>
+          <a:chExt cx="0" cy="0"/>
+        </a:xfrm>
+      </p:grpSpPr>
+      <p:sp>
+        <p:nvSpPr>
+          <p:cNvPr id="2" name="Content Placeholder 1"/>
+          <p:cNvSpPr>
+            <a:spLocks noGrp="1"/>
+          </p:cNvSpPr>
+          <p:nvPr>
+            <p:ph idx="1"/>
+          </p:nvPr>
+        </p:nvSpPr>
+        <p:spPr/>
+        <p:txBody>
+          <a:bodyPr/>
+          <a:lstStyle/>
+          <a:p>
+            <a:r>
+              <a:rPr lang="en-US" dirty="0"/>
+              <a:t>IC50 represents the concentration of inhibitor required to inhibit 50% of enzyme activity. Additionally, we transformed IC50 values into pIC50, the negative logarithm (base 10) of the IC50 value, where a higher pIC50 value indicates a more potent inhibitor.</a:t>
+            </a:r>
+          </a:p>
+        </p:txBody>
+      </p:sp>
+      <p:sp>
+        <p:nvSpPr>
+          <p:cNvPr id="3" name="Title 2"/>
+          <p:cNvSpPr>
+            <a:spLocks noGrp="1"/>
+          </p:cNvSpPr>
+          <p:nvPr>
+            <p:ph type="title"/>
+          </p:nvPr>
+        </p:nvSpPr>
+        <p:spPr/>
+        <p:txBody>
+          <a:bodyPr/>
+          <a:lstStyle/>
+          <a:p>
+            <a:r>
+              <a:rPr lang="en-US" dirty="0"/>
+              <a:t>Datasets</a:t>
+            </a:r>
+          </a:p>
+        </p:txBody>
+      </p:sp>
+      <p:pic>
+        <p:nvPicPr>
+          <p:cNvPr id="1026" name="Picture 2"/>
+          <p:cNvPicPr>
+            <a:picLocks noChangeAspect="1" noChangeArrowheads="1"/>
+          </p:cNvPicPr>
+          <p:nvPr/>
+        </p:nvPicPr>
+        <p:blipFill>
+          <a:blip r:embed="rId2">
+            <a:extLst>
+              <a:ext uri="{28A0092B-C50C-407E-A947-70E740481C1C}">
+                <a14:useLocalDpi xmlns:a14="http://schemas.microsoft.com/office/drawing/2010/main" val="0"/>
+              </a:ext>
+            </a:extLst>
+          </a:blip>
+          <a:srcRect/>
+          <a:stretch>
+            <a:fillRect/>
+          </a:stretch>
+        </p:blipFill>
+        <p:spPr bwMode="auto">
+          <a:xfrm>
+            <a:off x="5334000" y="3950756"/>
+            <a:ext cx="3590925" cy="2907244"/>
+          </a:xfrm>
+          <a:prstGeom prst="rect">
+            <a:avLst/>
+          </a:prstGeom>
+          <a:noFill/>
+          <a:ln>
+            <a:noFill/>
+          </a:ln>
+          <a:effectLst/>
+          <a:extLst>
+            <a:ext uri="{909E8E84-426E-40DD-AFC4-6F175D3DCCD1}">
+              <a14:hiddenFill xmlns:a14="http://schemas.microsoft.com/office/drawing/2010/main">
+                <a:solidFill>
+                  <a:schemeClr val="accent1"/>
+                </a:solidFill>
+              </a14:hiddenFill>
+            </a:ext>
+            <a:ext uri="{91240B29-F687-4F45-9708-019B960494DF}">
+              <a14:hiddenLine xmlns:a14="http://schemas.microsoft.com/office/drawing/2010/main" w="9525">
+                <a:solidFill>
+                  <a:schemeClr val="tx1"/>
+                </a:solidFill>
+                <a:miter lim="800000"/>
+                <a:headEnd/>
+                <a:tailEnd/>
+              </a14:hiddenLine>
+            </a:ext>
+            <a:ext uri="{AF507438-7753-43E0-B8FC-AC1667EBCBE1}">
+              <a14:hiddenEffects xmlns:a14="http://schemas.microsoft.com/office/drawing/2010/main">
+                <a:effectLst>
+                  <a:outerShdw dist="35921" dir="2700000" algn="ctr" rotWithShape="0">
+                    <a:schemeClr val="bg2"/>
+                  </a:outerShdw>
+                </a:effectLst>
+              </a14:hiddenEffects>
+            </a:ext>
+          </a:extLst>
+        </p:spPr>
+      </p:pic>
+    </p:spTree>
+    <p:extLst>
+      <p:ext uri="{BB962C8B-B14F-4D97-AF65-F5344CB8AC3E}">
+        <p14:creationId xmlns:p14="http://schemas.microsoft.com/office/powerpoint/2010/main" val="1401925372"/>
+      </p:ext>
+    </p:extLst>
+  </p:cSld>
+  <p:clrMapOvr>
+    <a:masterClrMapping/>
+  </p:clrMapOvr>
+</p:sld>
+</file>
+
+<file path=ppt/slides/slide19.xml><?xml version="1.0" encoding="utf-8"?>
+<p:sld xmlns:a="http://schemas.openxmlformats.org/drawingml/2006/main" xmlns:r="http://schemas.openxmlformats.org/officeDocument/2006/relationships" xmlns:p="http://schemas.openxmlformats.org/presentationml/2006/main">
+  <p:cSld>
+    <p:spTree>
+      <p:nvGrpSpPr>
+        <p:cNvPr id="1" name=""/>
+        <p:cNvGrpSpPr/>
+        <p:nvPr/>
+      </p:nvGrpSpPr>
+      <p:grpSpPr>
+        <a:xfrm>
+          <a:off x="0" y="0"/>
+          <a:ext cx="0" cy="0"/>
+          <a:chOff x="0" y="0"/>
+          <a:chExt cx="0" cy="0"/>
+        </a:xfrm>
+      </p:grpSpPr>
+      <p:sp>
+        <p:nvSpPr>
+          <p:cNvPr id="2" name="Content Placeholder 1"/>
+          <p:cNvSpPr>
+            <a:spLocks noGrp="1"/>
+          </p:cNvSpPr>
+          <p:nvPr>
+            <p:ph idx="1"/>
+          </p:nvPr>
+        </p:nvSpPr>
+        <p:spPr>
+          <a:xfrm>
             <a:off x="152400" y="990600"/>
             <a:ext cx="8991600" cy="5715000"/>
           </a:xfrm>
@@ -11712,7 +12031,128 @@
 </p:sld>
 </file>
 
-<file path=ppt/slides/slide18.xml><?xml version="1.0" encoding="utf-8"?>
+<file path=ppt/slides/slide2.xml><?xml version="1.0" encoding="utf-8"?>
+<p:sld xmlns:a="http://schemas.openxmlformats.org/drawingml/2006/main" xmlns:r="http://schemas.openxmlformats.org/officeDocument/2006/relationships" xmlns:p="http://schemas.openxmlformats.org/presentationml/2006/main">
+  <p:cSld>
+    <p:spTree>
+      <p:nvGrpSpPr>
+        <p:cNvPr id="1" name=""/>
+        <p:cNvGrpSpPr/>
+        <p:nvPr/>
+      </p:nvGrpSpPr>
+      <p:grpSpPr>
+        <a:xfrm>
+          <a:off x="0" y="0"/>
+          <a:ext cx="0" cy="0"/>
+          <a:chOff x="0" y="0"/>
+          <a:chExt cx="0" cy="0"/>
+        </a:xfrm>
+      </p:grpSpPr>
+      <p:sp>
+        <p:nvSpPr>
+          <p:cNvPr id="2" name="Content Placeholder 1"/>
+          <p:cNvSpPr>
+            <a:spLocks noGrp="1"/>
+          </p:cNvSpPr>
+          <p:nvPr>
+            <p:ph idx="1"/>
+          </p:nvPr>
+        </p:nvSpPr>
+        <p:spPr/>
+        <p:txBody>
+          <a:bodyPr/>
+          <a:lstStyle/>
+          <a:p>
+            <a:r>
+              <a:rPr lang="en-US" dirty="0" smtClean="0"/>
+              <a:t>Introduction to Drug Target Affinity(DTA) </a:t>
+            </a:r>
+          </a:p>
+          <a:p>
+            <a:r>
+              <a:rPr lang="en-US" dirty="0" smtClean="0"/>
+              <a:t>Drug and Protein representation </a:t>
+            </a:r>
+          </a:p>
+          <a:p>
+            <a:r>
+              <a:rPr lang="en-US" dirty="0" smtClean="0"/>
+              <a:t>Affinity measurements</a:t>
+            </a:r>
+          </a:p>
+          <a:p>
+            <a:r>
+              <a:rPr lang="en-US" dirty="0" smtClean="0"/>
+              <a:t>Datasets</a:t>
+            </a:r>
+          </a:p>
+          <a:p>
+            <a:r>
+              <a:rPr lang="en-US" dirty="0" smtClean="0"/>
+              <a:t>Previous work</a:t>
+            </a:r>
+          </a:p>
+          <a:p>
+            <a:r>
+              <a:rPr lang="en-US" dirty="0" err="1" smtClean="0"/>
+              <a:t>GraphDTA</a:t>
+            </a:r>
+            <a:r>
+              <a:rPr lang="en-US" dirty="0" smtClean="0"/>
+              <a:t> paper overview</a:t>
+            </a:r>
+          </a:p>
+          <a:p>
+            <a:r>
+              <a:rPr lang="en-US" dirty="0" smtClean="0"/>
+              <a:t>Results</a:t>
+            </a:r>
+          </a:p>
+          <a:p>
+            <a:endParaRPr lang="en-US" dirty="0" smtClean="0"/>
+          </a:p>
+          <a:p>
+            <a:endParaRPr lang="en-US" dirty="0"/>
+          </a:p>
+        </p:txBody>
+      </p:sp>
+      <p:sp>
+        <p:nvSpPr>
+          <p:cNvPr id="3" name="Title 2"/>
+          <p:cNvSpPr>
+            <a:spLocks noGrp="1"/>
+          </p:cNvSpPr>
+          <p:nvPr>
+            <p:ph type="title"/>
+          </p:nvPr>
+        </p:nvSpPr>
+        <p:spPr/>
+        <p:txBody>
+          <a:bodyPr/>
+          <a:lstStyle/>
+          <a:p>
+            <a:r>
+              <a:rPr lang="en-US" dirty="0" smtClean="0"/>
+              <a:t>Contents</a:t>
+            </a:r>
+            <a:endParaRPr lang="en-US" dirty="0"/>
+          </a:p>
+        </p:txBody>
+      </p:sp>
+    </p:spTree>
+    <p:extLst>
+      <p:ext uri="{BB962C8B-B14F-4D97-AF65-F5344CB8AC3E}">
+        <p14:creationId xmlns:p14="http://schemas.microsoft.com/office/powerpoint/2010/main" val="3181001702"/>
+      </p:ext>
+    </p:extLst>
+  </p:cSld>
+  <p:clrMapOvr>
+    <a:masterClrMapping/>
+  </p:clrMapOvr>
+</p:sld>
+</file>
+
+<file path=ppt/slides/slide20.xml><?xml version="1.0" encoding="utf-8"?>
 <p:sld xmlns:a="http://schemas.openxmlformats.org/drawingml/2006/main" xmlns:r="http://schemas.openxmlformats.org/officeDocument/2006/relationships" xmlns:p="http://schemas.openxmlformats.org/presentationml/2006/main">
   <p:cSld>
     <p:spTree>
@@ -12099,7 +12539,7 @@
 </p:sld>
 </file>
 
-<file path=ppt/slides/slide19.xml><?xml version="1.0" encoding="utf-8"?>
+<file path=ppt/slides/slide21.xml><?xml version="1.0" encoding="utf-8"?>
 <p:sld xmlns:a="http://schemas.openxmlformats.org/drawingml/2006/main" xmlns:r="http://schemas.openxmlformats.org/officeDocument/2006/relationships" xmlns:p="http://schemas.openxmlformats.org/presentationml/2006/main">
   <p:cSld>
     <p:spTree>
@@ -12184,7 +12624,7 @@
             <a:pPr lvl="1"/>
             <a:r>
               <a:rPr lang="en-US" dirty="0" smtClean="0"/>
-              <a:t>4 models</a:t>
+              <a:t>4 variant models</a:t>
             </a:r>
           </a:p>
           <a:p>
@@ -12212,13 +12652,13 @@
       </p:sp>
       <p:pic>
         <p:nvPicPr>
-          <p:cNvPr id="1029" name="Picture 5"/>
+          <p:cNvPr id="2" name="Picture 1"/>
           <p:cNvPicPr>
-            <a:picLocks noChangeAspect="1" noChangeArrowheads="1"/>
+            <a:picLocks noChangeAspect="1"/>
           </p:cNvPicPr>
           <p:nvPr/>
         </p:nvPicPr>
-        <p:blipFill>
+        <p:blipFill rotWithShape="1">
           <a:blip r:embed="rId3">
             <a:extLst>
               <a:ext uri="{28A0092B-C50C-407E-A947-70E740481C1C}">
@@ -12226,52 +12666,17 @@
               </a:ext>
             </a:extLst>
           </a:blip>
-          <a:srcRect/>
-          <a:stretch>
-            <a:fillRect/>
-          </a:stretch>
+          <a:srcRect l="18310"/>
+          <a:stretch/>
         </p:blipFill>
-        <p:spPr bwMode="auto">
+        <p:spPr>
           <a:xfrm>
-            <a:off x="3733800" y="1469284"/>
-            <a:ext cx="5349616" cy="4779115"/>
+            <a:off x="4077004" y="1143000"/>
+            <a:ext cx="4914593" cy="5295900"/>
           </a:xfrm>
           <a:prstGeom prst="rect">
             <a:avLst/>
           </a:prstGeom>
-          <a:noFill/>
-          <a:ln>
-            <a:noFill/>
-          </a:ln>
-          <a:effectLst/>
-          <a:extLst>
-            <a:ext uri="{909E8E84-426E-40DD-AFC4-6F175D3DCCD1}">
-              <a14:hiddenFill xmlns:a14="http://schemas.microsoft.com/office/drawing/2010/main">
-                <a:solidFill>
-                  <a:schemeClr val="accent1"/>
-                </a:solidFill>
-              </a14:hiddenFill>
-            </a:ext>
-            <a:ext uri="{91240B29-F687-4F45-9708-019B960494DF}">
-              <a14:hiddenLine xmlns:a14="http://schemas.microsoft.com/office/drawing/2010/main" w="9525">
-                <a:solidFill>
-                  <a:schemeClr val="tx1"/>
-                </a:solidFill>
-                <a:miter lim="800000"/>
-                <a:headEnd/>
-                <a:tailEnd/>
-              </a14:hiddenLine>
-            </a:ext>
-            <a:ext uri="{AF507438-7753-43E0-B8FC-AC1667EBCBE1}">
-              <a14:hiddenEffects xmlns:a14="http://schemas.microsoft.com/office/drawing/2010/main">
-                <a:effectLst>
-                  <a:outerShdw dist="35921" dir="2700000" algn="ctr" rotWithShape="0">
-                    <a:schemeClr val="bg2"/>
-                  </a:outerShdw>
-                </a:effectLst>
-              </a14:hiddenEffects>
-            </a:ext>
-          </a:extLst>
         </p:spPr>
       </p:pic>
     </p:spTree>
@@ -12294,7 +12699,7 @@
 </p:sld>
 </file>
 
-<file path=ppt/slides/slide2.xml><?xml version="1.0" encoding="utf-8"?>
+<file path=ppt/slides/slide22.xml><?xml version="1.0" encoding="utf-8"?>
 <p:sld xmlns:a="http://schemas.openxmlformats.org/drawingml/2006/main" xmlns:r="http://schemas.openxmlformats.org/officeDocument/2006/relationships" xmlns:p="http://schemas.openxmlformats.org/presentationml/2006/main">
   <p:cSld>
     <p:spTree>
@@ -12313,130 +12718,6 @@
       </p:grpSpPr>
       <p:sp>
         <p:nvSpPr>
-          <p:cNvPr id="2" name="Content Placeholder 1"/>
-          <p:cNvSpPr>
-            <a:spLocks noGrp="1"/>
-          </p:cNvSpPr>
-          <p:nvPr>
-            <p:ph idx="1"/>
-          </p:nvPr>
-        </p:nvSpPr>
-        <p:spPr/>
-        <p:txBody>
-          <a:bodyPr/>
-          <a:lstStyle/>
-          <a:p>
-            <a:r>
-              <a:rPr lang="en-US" dirty="0" smtClean="0"/>
-              <a:t>Introduction to Drug Target Affinity(DTA) </a:t>
-            </a:r>
-            <a:endParaRPr lang="en-US" dirty="0" smtClean="0"/>
-          </a:p>
-          <a:p>
-            <a:r>
-              <a:rPr lang="en-US" dirty="0" smtClean="0"/>
-              <a:t>Drug and Protein representation </a:t>
-            </a:r>
-            <a:endParaRPr lang="en-US" dirty="0" smtClean="0"/>
-          </a:p>
-          <a:p>
-            <a:r>
-              <a:rPr lang="en-US" dirty="0" smtClean="0"/>
-              <a:t>Affinity measurements</a:t>
-            </a:r>
-          </a:p>
-          <a:p>
-            <a:r>
-              <a:rPr lang="en-US" dirty="0" smtClean="0"/>
-              <a:t>Datasets</a:t>
-            </a:r>
-          </a:p>
-          <a:p>
-            <a:r>
-              <a:rPr lang="en-US" dirty="0" smtClean="0"/>
-              <a:t>Previous work</a:t>
-            </a:r>
-          </a:p>
-          <a:p>
-            <a:r>
-              <a:rPr lang="en-US" dirty="0" err="1" smtClean="0"/>
-              <a:t>GraphDTA</a:t>
-            </a:r>
-            <a:r>
-              <a:rPr lang="en-US" dirty="0" smtClean="0"/>
-              <a:t> paper overview</a:t>
-            </a:r>
-            <a:endParaRPr lang="en-US" dirty="0" smtClean="0"/>
-          </a:p>
-          <a:p>
-            <a:r>
-              <a:rPr lang="en-US" dirty="0" smtClean="0"/>
-              <a:t>Results</a:t>
-            </a:r>
-          </a:p>
-          <a:p>
-            <a:endParaRPr lang="en-US" dirty="0" smtClean="0"/>
-          </a:p>
-          <a:p>
-            <a:endParaRPr lang="en-US" dirty="0"/>
-          </a:p>
-        </p:txBody>
-      </p:sp>
-      <p:sp>
-        <p:nvSpPr>
-          <p:cNvPr id="3" name="Title 2"/>
-          <p:cNvSpPr>
-            <a:spLocks noGrp="1"/>
-          </p:cNvSpPr>
-          <p:nvPr>
-            <p:ph type="title"/>
-          </p:nvPr>
-        </p:nvSpPr>
-        <p:spPr/>
-        <p:txBody>
-          <a:bodyPr/>
-          <a:lstStyle/>
-          <a:p>
-            <a:r>
-              <a:rPr lang="en-US" dirty="0" smtClean="0"/>
-              <a:t>Contents</a:t>
-            </a:r>
-            <a:endParaRPr lang="en-US" dirty="0"/>
-          </a:p>
-        </p:txBody>
-      </p:sp>
-    </p:spTree>
-    <p:extLst>
-      <p:ext uri="{BB962C8B-B14F-4D97-AF65-F5344CB8AC3E}">
-        <p14:creationId xmlns:p14="http://schemas.microsoft.com/office/powerpoint/2010/main" val="3181001702"/>
-      </p:ext>
-    </p:extLst>
-  </p:cSld>
-  <p:clrMapOvr>
-    <a:masterClrMapping/>
-  </p:clrMapOvr>
-</p:sld>
-</file>
-
-<file path=ppt/slides/slide20.xml><?xml version="1.0" encoding="utf-8"?>
-<p:sld xmlns:a="http://schemas.openxmlformats.org/drawingml/2006/main" xmlns:r="http://schemas.openxmlformats.org/officeDocument/2006/relationships" xmlns:p="http://schemas.openxmlformats.org/presentationml/2006/main">
-  <p:cSld>
-    <p:spTree>
-      <p:nvGrpSpPr>
-        <p:cNvPr id="1" name=""/>
-        <p:cNvGrpSpPr/>
-        <p:nvPr/>
-      </p:nvGrpSpPr>
-      <p:grpSpPr>
-        <a:xfrm>
-          <a:off x="0" y="0"/>
-          <a:ext cx="0" cy="0"/>
-          <a:chOff x="0" y="0"/>
-          <a:chExt cx="0" cy="0"/>
-        </a:xfrm>
-      </p:grpSpPr>
-      <p:sp>
-        <p:nvSpPr>
           <p:cNvPr id="3" name="Title 2"/>
           <p:cNvSpPr>
             <a:spLocks noGrp="1"/>
@@ -12477,36 +12758,17 @@
         </p:nvSpPr>
         <p:spPr>
           <a:xfrm>
-            <a:off x="152400" y="914400"/>
-            <a:ext cx="8610600" cy="5562600"/>
+            <a:off x="152399" y="914400"/>
+            <a:ext cx="8899315" cy="5562600"/>
           </a:xfrm>
         </p:spPr>
         <p:txBody>
           <a:bodyPr/>
           <a:lstStyle/>
           <a:p>
-            <a:r>
-              <a:rPr lang="en-US" dirty="0" smtClean="0"/>
-              <a:t>Label encoding </a:t>
-            </a:r>
-            <a:r>
-              <a:rPr lang="en-US" dirty="0"/>
-              <a:t>[e.g. Alanine (A) is 1, </a:t>
-            </a:r>
-            <a:r>
-              <a:rPr lang="en-US" dirty="0" err="1"/>
-              <a:t>Cystine</a:t>
-            </a:r>
-            <a:r>
-              <a:rPr lang="en-US" dirty="0"/>
-              <a:t> (C) is 3, Aspartic Acid (D) is 4 and so on</a:t>
-            </a:r>
-            <a:r>
-              <a:rPr lang="en-US" dirty="0" smtClean="0"/>
-              <a:t>]</a:t>
-            </a:r>
-          </a:p>
-          <a:p>
+            <a:pPr marL="109728" indent="0">
+              <a:buNone/>
+            </a:pPr>
             <a:r>
               <a:rPr lang="en-US" dirty="0" smtClean="0"/>
               <a:t> </a:t>
@@ -12517,14 +12779,14 @@
       </p:sp>
       <p:pic>
         <p:nvPicPr>
-          <p:cNvPr id="9" name="Picture 5"/>
+          <p:cNvPr id="2" name="Picture 2" descr="C:\Users\pc\AppData\Local\Packages\Microsoft.Windows.Photos_8wekyb3d8bbwe\TempState\ShareServiceTempFolder\Protein branch.drawio.jpeg"/>
           <p:cNvPicPr>
             <a:picLocks noChangeAspect="1" noChangeArrowheads="1"/>
           </p:cNvPicPr>
           <p:nvPr/>
         </p:nvPicPr>
         <p:blipFill>
-          <a:blip r:embed="rId3" cstate="print">
+          <a:blip r:embed="rId3">
             <a:extLst>
               <a:ext uri="{28A0092B-C50C-407E-A947-70E740481C1C}">
                 <a14:useLocalDpi xmlns:a14="http://schemas.microsoft.com/office/drawing/2010/main" val="0"/>
@@ -12538,47 +12800,54 @@
         </p:blipFill>
         <p:spPr bwMode="auto">
           <a:xfrm>
-            <a:off x="6620204" y="4103143"/>
-            <a:ext cx="2362200" cy="2110287"/>
+            <a:off x="304800" y="838201"/>
+            <a:ext cx="6150061" cy="5971784"/>
           </a:xfrm>
           <a:prstGeom prst="rect">
             <a:avLst/>
           </a:prstGeom>
           <a:noFill/>
-          <a:ln>
-            <a:noFill/>
-          </a:ln>
-          <a:effectLst/>
           <a:extLst>
             <a:ext uri="{909E8E84-426E-40DD-AFC4-6F175D3DCCD1}">
               <a14:hiddenFill xmlns:a14="http://schemas.microsoft.com/office/drawing/2010/main">
                 <a:solidFill>
-                  <a:schemeClr val="accent1"/>
+                  <a:srgbClr val="FFFFFF"/>
                 </a:solidFill>
               </a14:hiddenFill>
-            </a:ext>
-            <a:ext uri="{91240B29-F687-4F45-9708-019B960494DF}">
-              <a14:hiddenLine xmlns:a14="http://schemas.microsoft.com/office/drawing/2010/main" w="9525">
-                <a:solidFill>
-                  <a:schemeClr val="tx1"/>
-                </a:solidFill>
-                <a:miter lim="800000"/>
-                <a:headEnd/>
-                <a:tailEnd/>
-              </a14:hiddenLine>
-            </a:ext>
-            <a:ext uri="{AF507438-7753-43E0-B8FC-AC1667EBCBE1}">
-              <a14:hiddenEffects xmlns:a14="http://schemas.microsoft.com/office/drawing/2010/main">
-                <a:effectLst>
-                  <a:outerShdw dist="35921" dir="2700000" algn="ctr" rotWithShape="0">
-                    <a:schemeClr val="bg2"/>
-                  </a:outerShdw>
-                </a:effectLst>
-              </a14:hiddenEffects>
             </a:ext>
           </a:extLst>
         </p:spPr>
       </p:pic>
+      <p:pic>
+        <p:nvPicPr>
+          <p:cNvPr id="4" name="Picture 3"/>
+          <p:cNvPicPr>
+            <a:picLocks noChangeAspect="1"/>
+          </p:cNvPicPr>
+          <p:nvPr/>
+        </p:nvPicPr>
+        <p:blipFill>
+          <a:blip r:embed="rId4" cstate="print">
+            <a:extLst>
+              <a:ext uri="{28A0092B-C50C-407E-A947-70E740481C1C}">
+                <a14:useLocalDpi xmlns:a14="http://schemas.microsoft.com/office/drawing/2010/main" val="0"/>
+              </a:ext>
+            </a:extLst>
+          </a:blip>
+          <a:stretch>
+            <a:fillRect/>
+          </a:stretch>
+        </p:blipFill>
+        <p:spPr>
+          <a:xfrm>
+            <a:off x="6428538" y="4404533"/>
+            <a:ext cx="2596854" cy="1889933"/>
+          </a:xfrm>
+          <a:prstGeom prst="rect">
+            <a:avLst/>
+          </a:prstGeom>
+        </p:spPr>
+      </p:pic>
       <p:sp>
         <p:nvSpPr>
           <p:cNvPr id="10" name="Rectangle 9"/>
@@ -12587,8 +12856,8 @@
         </p:nvSpPr>
         <p:spPr>
           <a:xfrm>
-            <a:off x="8382000" y="4724400"/>
-            <a:ext cx="600404" cy="1489030"/>
+            <a:off x="8424988" y="5181600"/>
+            <a:ext cx="600404" cy="914400"/>
           </a:xfrm>
           <a:prstGeom prst="rect">
             <a:avLst/>
@@ -12645,7 +12914,827 @@
 </p:sld>
 </file>
 
-<file path=ppt/slides/slide21.xml><?xml version="1.0" encoding="utf-8"?>
+<file path=ppt/slides/slide23.xml><?xml version="1.0" encoding="utf-8"?>
+<p:sld xmlns:a="http://schemas.openxmlformats.org/drawingml/2006/main" xmlns:r="http://schemas.openxmlformats.org/officeDocument/2006/relationships" xmlns:p="http://schemas.openxmlformats.org/presentationml/2006/main">
+  <p:cSld>
+    <p:spTree>
+      <p:nvGrpSpPr>
+        <p:cNvPr id="1" name=""/>
+        <p:cNvGrpSpPr/>
+        <p:nvPr/>
+      </p:nvGrpSpPr>
+      <p:grpSpPr>
+        <a:xfrm>
+          <a:off x="0" y="0"/>
+          <a:ext cx="0" cy="0"/>
+          <a:chOff x="0" y="0"/>
+          <a:chExt cx="0" cy="0"/>
+        </a:xfrm>
+      </p:grpSpPr>
+      <p:sp>
+        <p:nvSpPr>
+          <p:cNvPr id="2" name="Content Placeholder 1"/>
+          <p:cNvSpPr>
+            <a:spLocks noGrp="1"/>
+          </p:cNvSpPr>
+          <p:nvPr>
+            <p:ph idx="1"/>
+          </p:nvPr>
+        </p:nvSpPr>
+        <p:spPr>
+          <a:xfrm>
+            <a:off x="0" y="1143000"/>
+            <a:ext cx="9144000" cy="5562600"/>
+          </a:xfrm>
+        </p:spPr>
+        <p:txBody>
+          <a:bodyPr>
+            <a:normAutofit lnSpcReduction="10000"/>
+          </a:bodyPr>
+          <a:lstStyle/>
+          <a:p>
+            <a:r>
+              <a:rPr lang="en-US" dirty="0" smtClean="0"/>
+              <a:t>GCN model</a:t>
+            </a:r>
+          </a:p>
+          <a:p>
+            <a:pPr lvl="1"/>
+            <a:r>
+              <a:rPr lang="en-US" sz="2000" dirty="0"/>
+              <a:t>graph convolutional operator from the </a:t>
+            </a:r>
+            <a:r>
+              <a:rPr lang="en-US" sz="2000" dirty="0">
+                <a:hlinkClick r:id="rId2"/>
+              </a:rPr>
+              <a:t>“Semi-supervised Classification with Graph Convolutional Networks”</a:t>
+            </a:r>
+            <a:r>
+              <a:rPr lang="en-US" sz="2000" dirty="0"/>
+              <a:t> </a:t>
+            </a:r>
+            <a:r>
+              <a:rPr lang="en-US" sz="2000" dirty="0" smtClean="0"/>
+              <a:t>paper in 2017.</a:t>
+            </a:r>
+            <a:endParaRPr lang="en-US" sz="2000" dirty="0"/>
+          </a:p>
+          <a:p>
+            <a:pPr lvl="1"/>
+            <a:r>
+              <a:rPr lang="en-US" sz="2000" dirty="0" smtClean="0"/>
+              <a:t>Implemented in </a:t>
+            </a:r>
+            <a:r>
+              <a:rPr lang="en-US" sz="2000" dirty="0" err="1" smtClean="0"/>
+              <a:t>torch_geometric</a:t>
+            </a:r>
+            <a:r>
+              <a:rPr lang="en-US" sz="2000" dirty="0" smtClean="0"/>
+              <a:t> as </a:t>
+            </a:r>
+            <a:r>
+              <a:rPr lang="en-US" sz="2000" b="1" dirty="0" err="1" smtClean="0"/>
+              <a:t>GCNConv</a:t>
+            </a:r>
+            <a:endParaRPr lang="en-US" sz="2000" b="1" dirty="0" smtClean="0"/>
+          </a:p>
+          <a:p>
+            <a:pPr lvl="1"/>
+            <a:endParaRPr lang="en-US" b="1" dirty="0"/>
+          </a:p>
+          <a:p>
+            <a:pPr lvl="1"/>
+            <a:endParaRPr lang="en-US" b="1" dirty="0" smtClean="0"/>
+          </a:p>
+          <a:p>
+            <a:pPr lvl="1"/>
+            <a:endParaRPr lang="en-US" b="1" dirty="0" smtClean="0"/>
+          </a:p>
+          <a:p>
+            <a:pPr lvl="1"/>
+            <a:endParaRPr lang="en-US" b="1" dirty="0" smtClean="0"/>
+          </a:p>
+          <a:p>
+            <a:pPr lvl="1"/>
+            <a:endParaRPr lang="en-US" b="1" dirty="0"/>
+          </a:p>
+          <a:p>
+            <a:pPr lvl="2"/>
+            <a:endParaRPr lang="en-US" dirty="0" smtClean="0"/>
+          </a:p>
+          <a:p>
+            <a:pPr lvl="2"/>
+            <a:r>
+              <a:rPr lang="en-US" b="1" dirty="0" smtClean="0"/>
+              <a:t>A</a:t>
+            </a:r>
+            <a:r>
+              <a:rPr lang="en-US" dirty="0" smtClean="0"/>
+              <a:t> is </a:t>
+            </a:r>
+            <a:r>
+              <a:rPr lang="en-US" dirty="0"/>
+              <a:t>the </a:t>
+            </a:r>
+            <a:r>
+              <a:rPr lang="en-US" dirty="0" smtClean="0"/>
+              <a:t>normalized adjacency </a:t>
+            </a:r>
+            <a:r>
+              <a:rPr lang="en-US" dirty="0"/>
+              <a:t>matrix </a:t>
+            </a:r>
+            <a:r>
+              <a:rPr lang="en-US" b="1" dirty="0" smtClean="0"/>
+              <a:t>N * N</a:t>
+            </a:r>
+          </a:p>
+          <a:p>
+            <a:pPr lvl="2"/>
+            <a:r>
+              <a:rPr lang="en-US" b="1" dirty="0" smtClean="0"/>
+              <a:t>X</a:t>
+            </a:r>
+            <a:r>
+              <a:rPr lang="en-US" dirty="0" smtClean="0"/>
+              <a:t> is node feature matrix </a:t>
+            </a:r>
+            <a:r>
+              <a:rPr lang="en-US" b="1" dirty="0"/>
+              <a:t>N * </a:t>
+            </a:r>
+            <a:r>
+              <a:rPr lang="en-US" b="1" dirty="0" smtClean="0"/>
+              <a:t>C</a:t>
+            </a:r>
+          </a:p>
+          <a:p>
+            <a:pPr lvl="2"/>
+            <a:r>
+              <a:rPr lang="en-US" b="1" dirty="0" smtClean="0"/>
+              <a:t>W </a:t>
+            </a:r>
+            <a:r>
+              <a:rPr lang="en-US" dirty="0" smtClean="0"/>
+              <a:t>weight matrix of size </a:t>
+            </a:r>
+            <a:r>
+              <a:rPr lang="en-US" b="1" dirty="0" smtClean="0"/>
+              <a:t>C * F</a:t>
+            </a:r>
+          </a:p>
+          <a:p>
+            <a:pPr lvl="2"/>
+            <a:r>
+              <a:rPr lang="en-US" b="1" dirty="0" smtClean="0"/>
+              <a:t>Z </a:t>
+            </a:r>
+            <a:r>
+              <a:rPr lang="en-US" dirty="0"/>
+              <a:t>node-level </a:t>
+            </a:r>
+            <a:r>
+              <a:rPr lang="en-US" dirty="0" smtClean="0"/>
+              <a:t>output matrix </a:t>
+            </a:r>
+            <a:r>
+              <a:rPr lang="en-US" b="1" dirty="0" smtClean="0"/>
+              <a:t>N </a:t>
+            </a:r>
+            <a:r>
+              <a:rPr lang="en-US" b="1" dirty="0"/>
+              <a:t>* </a:t>
+            </a:r>
+            <a:r>
+              <a:rPr lang="en-US" b="1" dirty="0" smtClean="0"/>
+              <a:t>F</a:t>
+            </a:r>
+            <a:endParaRPr lang="en-US" b="1" dirty="0"/>
+          </a:p>
+          <a:p>
+            <a:pPr marL="630936" lvl="2" indent="0">
+              <a:buNone/>
+            </a:pPr>
+            <a:r>
+              <a:rPr lang="en-US" dirty="0" smtClean="0"/>
+              <a:t/>
+            </a:r>
+            <a:br>
+              <a:rPr lang="en-US" dirty="0" smtClean="0"/>
+            </a:br>
+            <a:endParaRPr lang="en-US" dirty="0"/>
+          </a:p>
+        </p:txBody>
+      </p:sp>
+      <p:sp>
+        <p:nvSpPr>
+          <p:cNvPr id="3" name="Title 2"/>
+          <p:cNvSpPr>
+            <a:spLocks noGrp="1"/>
+          </p:cNvSpPr>
+          <p:nvPr>
+            <p:ph type="title"/>
+          </p:nvPr>
+        </p:nvSpPr>
+        <p:spPr>
+          <a:xfrm>
+            <a:off x="457200" y="274638"/>
+            <a:ext cx="8229600" cy="715962"/>
+          </a:xfrm>
+        </p:spPr>
+        <p:txBody>
+          <a:bodyPr>
+            <a:normAutofit fontScale="90000"/>
+          </a:bodyPr>
+          <a:lstStyle/>
+          <a:p>
+            <a:r>
+              <a:rPr lang="en-US" dirty="0" smtClean="0"/>
+              <a:t>Drug Branch</a:t>
+            </a:r>
+            <a:endParaRPr lang="en-US" dirty="0"/>
+          </a:p>
+        </p:txBody>
+      </p:sp>
+      <p:pic>
+        <p:nvPicPr>
+          <p:cNvPr id="5" name="Picture 4"/>
+          <p:cNvPicPr>
+            <a:picLocks noChangeAspect="1"/>
+          </p:cNvPicPr>
+          <p:nvPr/>
+        </p:nvPicPr>
+        <p:blipFill>
+          <a:blip r:embed="rId3">
+            <a:extLst>
+              <a:ext uri="{28A0092B-C50C-407E-A947-70E740481C1C}">
+                <a14:useLocalDpi xmlns:a14="http://schemas.microsoft.com/office/drawing/2010/main" val="0"/>
+              </a:ext>
+            </a:extLst>
+          </a:blip>
+          <a:stretch>
+            <a:fillRect/>
+          </a:stretch>
+        </p:blipFill>
+        <p:spPr>
+          <a:xfrm>
+            <a:off x="838200" y="2438399"/>
+            <a:ext cx="7981950" cy="2181225"/>
+          </a:xfrm>
+          <a:prstGeom prst="rect">
+            <a:avLst/>
+          </a:prstGeom>
+        </p:spPr>
+      </p:pic>
+    </p:spTree>
+    <p:extLst>
+      <p:ext uri="{BB962C8B-B14F-4D97-AF65-F5344CB8AC3E}">
+        <p14:creationId xmlns:p14="http://schemas.microsoft.com/office/powerpoint/2010/main" val="244176943"/>
+      </p:ext>
+    </p:extLst>
+  </p:cSld>
+  <p:clrMapOvr>
+    <a:masterClrMapping/>
+  </p:clrMapOvr>
+  <p:timing>
+    <p:tnLst>
+      <p:par>
+        <p:cTn id="1" dur="indefinite" restart="never" nodeType="tmRoot"/>
+      </p:par>
+    </p:tnLst>
+  </p:timing>
+</p:sld>
+</file>
+
+<file path=ppt/slides/slide24.xml><?xml version="1.0" encoding="utf-8"?>
+<p:sld xmlns:a="http://schemas.openxmlformats.org/drawingml/2006/main" xmlns:r="http://schemas.openxmlformats.org/officeDocument/2006/relationships" xmlns:p="http://schemas.openxmlformats.org/presentationml/2006/main">
+  <p:cSld>
+    <p:spTree>
+      <p:nvGrpSpPr>
+        <p:cNvPr id="1" name=""/>
+        <p:cNvGrpSpPr/>
+        <p:nvPr/>
+      </p:nvGrpSpPr>
+      <p:grpSpPr>
+        <a:xfrm>
+          <a:off x="0" y="0"/>
+          <a:ext cx="0" cy="0"/>
+          <a:chOff x="0" y="0"/>
+          <a:chExt cx="0" cy="0"/>
+        </a:xfrm>
+      </p:grpSpPr>
+      <p:sp>
+        <p:nvSpPr>
+          <p:cNvPr id="2" name="Content Placeholder 1"/>
+          <p:cNvSpPr>
+            <a:spLocks noGrp="1"/>
+          </p:cNvSpPr>
+          <p:nvPr>
+            <p:ph idx="1"/>
+          </p:nvPr>
+        </p:nvSpPr>
+        <p:spPr>
+          <a:xfrm>
+            <a:off x="457200" y="838200"/>
+            <a:ext cx="8458200" cy="5867400"/>
+          </a:xfrm>
+        </p:spPr>
+        <p:txBody>
+          <a:bodyPr/>
+          <a:lstStyle/>
+          <a:p>
+            <a:r>
+              <a:rPr lang="en-US" dirty="0" smtClean="0"/>
+              <a:t>GCN-based </a:t>
+            </a:r>
+            <a:r>
+              <a:rPr lang="en-US" dirty="0"/>
+              <a:t>model</a:t>
+            </a:r>
+          </a:p>
+          <a:p>
+            <a:pPr lvl="1"/>
+            <a:endParaRPr lang="en-US" dirty="0"/>
+          </a:p>
+        </p:txBody>
+      </p:sp>
+      <p:sp>
+        <p:nvSpPr>
+          <p:cNvPr id="3" name="Title 2"/>
+          <p:cNvSpPr>
+            <a:spLocks noGrp="1"/>
+          </p:cNvSpPr>
+          <p:nvPr>
+            <p:ph type="title"/>
+          </p:nvPr>
+        </p:nvSpPr>
+        <p:spPr>
+          <a:xfrm>
+            <a:off x="457200" y="274638"/>
+            <a:ext cx="8229600" cy="563562"/>
+          </a:xfrm>
+        </p:spPr>
+        <p:txBody>
+          <a:bodyPr>
+            <a:normAutofit fontScale="90000"/>
+          </a:bodyPr>
+          <a:lstStyle/>
+          <a:p>
+            <a:r>
+              <a:rPr lang="en-US" dirty="0"/>
+              <a:t>Drug Branch</a:t>
+            </a:r>
+          </a:p>
+        </p:txBody>
+      </p:sp>
+      <p:pic>
+        <p:nvPicPr>
+          <p:cNvPr id="4" name="Picture 3"/>
+          <p:cNvPicPr>
+            <a:picLocks noChangeAspect="1"/>
+          </p:cNvPicPr>
+          <p:nvPr/>
+        </p:nvPicPr>
+        <p:blipFill>
+          <a:blip r:embed="rId2" cstate="print">
+            <a:extLst>
+              <a:ext uri="{28A0092B-C50C-407E-A947-70E740481C1C}">
+                <a14:useLocalDpi xmlns:a14="http://schemas.microsoft.com/office/drawing/2010/main" val="0"/>
+              </a:ext>
+            </a:extLst>
+          </a:blip>
+          <a:stretch>
+            <a:fillRect/>
+          </a:stretch>
+        </p:blipFill>
+        <p:spPr>
+          <a:xfrm>
+            <a:off x="6934200" y="4538339"/>
+            <a:ext cx="2133600" cy="2107353"/>
+          </a:xfrm>
+          <a:prstGeom prst="rect">
+            <a:avLst/>
+          </a:prstGeom>
+        </p:spPr>
+      </p:pic>
+      <p:sp>
+        <p:nvSpPr>
+          <p:cNvPr id="6" name="Rectangle 5"/>
+          <p:cNvSpPr/>
+          <p:nvPr/>
+        </p:nvSpPr>
+        <p:spPr>
+          <a:xfrm>
+            <a:off x="7315200" y="5410200"/>
+            <a:ext cx="838200" cy="539307"/>
+          </a:xfrm>
+          <a:prstGeom prst="rect">
+            <a:avLst/>
+          </a:prstGeom>
+          <a:noFill/>
+          <a:ln>
+            <a:solidFill>
+              <a:srgbClr val="FF0000"/>
+            </a:solidFill>
+          </a:ln>
+        </p:spPr>
+        <p:style>
+          <a:lnRef idx="2">
+            <a:schemeClr val="accent1">
+              <a:shade val="50000"/>
+            </a:schemeClr>
+          </a:lnRef>
+          <a:fillRef idx="1">
+            <a:schemeClr val="accent1"/>
+          </a:fillRef>
+          <a:effectRef idx="0">
+            <a:schemeClr val="accent1"/>
+          </a:effectRef>
+          <a:fontRef idx="minor">
+            <a:schemeClr val="lt1"/>
+          </a:fontRef>
+        </p:style>
+        <p:txBody>
+          <a:bodyPr rtlCol="0" anchor="ctr"/>
+          <a:lstStyle/>
+          <a:p>
+            <a:pPr algn="ctr"/>
+            <a:endParaRPr lang="en-US"/>
+          </a:p>
+        </p:txBody>
+      </p:sp>
+      <p:pic>
+        <p:nvPicPr>
+          <p:cNvPr id="7" name="Picture 6"/>
+          <p:cNvPicPr>
+            <a:picLocks noChangeAspect="1"/>
+          </p:cNvPicPr>
+          <p:nvPr/>
+        </p:nvPicPr>
+        <p:blipFill>
+          <a:blip r:embed="rId3">
+            <a:extLst>
+              <a:ext uri="{28A0092B-C50C-407E-A947-70E740481C1C}">
+                <a14:useLocalDpi xmlns:a14="http://schemas.microsoft.com/office/drawing/2010/main" val="0"/>
+              </a:ext>
+            </a:extLst>
+          </a:blip>
+          <a:stretch>
+            <a:fillRect/>
+          </a:stretch>
+        </p:blipFill>
+        <p:spPr>
+          <a:xfrm>
+            <a:off x="2438400" y="1295400"/>
+            <a:ext cx="4300297" cy="5105401"/>
+          </a:xfrm>
+          <a:prstGeom prst="rect">
+            <a:avLst/>
+          </a:prstGeom>
+        </p:spPr>
+      </p:pic>
+    </p:spTree>
+    <p:extLst>
+      <p:ext uri="{BB962C8B-B14F-4D97-AF65-F5344CB8AC3E}">
+        <p14:creationId xmlns:p14="http://schemas.microsoft.com/office/powerpoint/2010/main" val="611543730"/>
+      </p:ext>
+    </p:extLst>
+  </p:cSld>
+  <p:clrMapOvr>
+    <a:masterClrMapping/>
+  </p:clrMapOvr>
+  <p:timing>
+    <p:tnLst>
+      <p:par>
+        <p:cTn id="1" dur="indefinite" restart="never" nodeType="tmRoot"/>
+      </p:par>
+    </p:tnLst>
+  </p:timing>
+</p:sld>
+</file>
+
+<file path=ppt/slides/slide25.xml><?xml version="1.0" encoding="utf-8"?>
+<p:sld xmlns:a="http://schemas.openxmlformats.org/drawingml/2006/main" xmlns:r="http://schemas.openxmlformats.org/officeDocument/2006/relationships" xmlns:p="http://schemas.openxmlformats.org/presentationml/2006/main">
+  <p:cSld>
+    <p:spTree>
+      <p:nvGrpSpPr>
+        <p:cNvPr id="1" name=""/>
+        <p:cNvGrpSpPr/>
+        <p:nvPr/>
+      </p:nvGrpSpPr>
+      <p:grpSpPr>
+        <a:xfrm>
+          <a:off x="0" y="0"/>
+          <a:ext cx="0" cy="0"/>
+          <a:chOff x="0" y="0"/>
+          <a:chExt cx="0" cy="0"/>
+        </a:xfrm>
+      </p:grpSpPr>
+      <p:pic>
+        <p:nvPicPr>
+          <p:cNvPr id="6" name="Content Placeholder 5"/>
+          <p:cNvPicPr>
+            <a:picLocks noGrp="1" noChangeAspect="1"/>
+          </p:cNvPicPr>
+          <p:nvPr>
+            <p:ph idx="1"/>
+          </p:nvPr>
+        </p:nvPicPr>
+        <p:blipFill>
+          <a:blip r:embed="rId2">
+            <a:extLst>
+              <a:ext uri="{28A0092B-C50C-407E-A947-70E740481C1C}">
+                <a14:useLocalDpi xmlns:a14="http://schemas.microsoft.com/office/drawing/2010/main" val="0"/>
+              </a:ext>
+            </a:extLst>
+          </a:blip>
+          <a:stretch>
+            <a:fillRect/>
+          </a:stretch>
+        </p:blipFill>
+        <p:spPr>
+          <a:xfrm>
+            <a:off x="2514600" y="900449"/>
+            <a:ext cx="3686153" cy="5595601"/>
+          </a:xfrm>
+        </p:spPr>
+      </p:pic>
+      <p:sp>
+        <p:nvSpPr>
+          <p:cNvPr id="3" name="Title 2"/>
+          <p:cNvSpPr>
+            <a:spLocks noGrp="1"/>
+          </p:cNvSpPr>
+          <p:nvPr>
+            <p:ph type="title"/>
+          </p:nvPr>
+        </p:nvSpPr>
+        <p:spPr>
+          <a:xfrm>
+            <a:off x="457200" y="274638"/>
+            <a:ext cx="8229600" cy="715962"/>
+          </a:xfrm>
+        </p:spPr>
+        <p:txBody>
+          <a:bodyPr>
+            <a:normAutofit fontScale="90000"/>
+          </a:bodyPr>
+          <a:lstStyle/>
+          <a:p>
+            <a:r>
+              <a:rPr lang="en-US" dirty="0" smtClean="0"/>
+              <a:t>Combined fully connected layers</a:t>
+            </a:r>
+            <a:endParaRPr lang="en-US" dirty="0"/>
+          </a:p>
+        </p:txBody>
+      </p:sp>
+      <p:pic>
+        <p:nvPicPr>
+          <p:cNvPr id="4" name="Picture 3"/>
+          <p:cNvPicPr>
+            <a:picLocks noChangeAspect="1"/>
+          </p:cNvPicPr>
+          <p:nvPr/>
+        </p:nvPicPr>
+        <p:blipFill>
+          <a:blip r:embed="rId3" cstate="print">
+            <a:extLst>
+              <a:ext uri="{28A0092B-C50C-407E-A947-70E740481C1C}">
+                <a14:useLocalDpi xmlns:a14="http://schemas.microsoft.com/office/drawing/2010/main" val="0"/>
+              </a:ext>
+            </a:extLst>
+          </a:blip>
+          <a:stretch>
+            <a:fillRect/>
+          </a:stretch>
+        </p:blipFill>
+        <p:spPr>
+          <a:xfrm>
+            <a:off x="6200753" y="3886200"/>
+            <a:ext cx="2562247" cy="2530727"/>
+          </a:xfrm>
+          <a:prstGeom prst="rect">
+            <a:avLst/>
+          </a:prstGeom>
+        </p:spPr>
+      </p:pic>
+      <p:sp>
+        <p:nvSpPr>
+          <p:cNvPr id="5" name="Rectangle 4"/>
+          <p:cNvSpPr/>
+          <p:nvPr/>
+        </p:nvSpPr>
+        <p:spPr>
+          <a:xfrm>
+            <a:off x="7481876" y="4063185"/>
+            <a:ext cx="525780" cy="368708"/>
+          </a:xfrm>
+          <a:prstGeom prst="rect">
+            <a:avLst/>
+          </a:prstGeom>
+          <a:noFill/>
+          <a:ln>
+            <a:solidFill>
+              <a:srgbClr val="FF0000"/>
+            </a:solidFill>
+          </a:ln>
+        </p:spPr>
+        <p:style>
+          <a:lnRef idx="2">
+            <a:schemeClr val="accent1">
+              <a:shade val="50000"/>
+            </a:schemeClr>
+          </a:lnRef>
+          <a:fillRef idx="1">
+            <a:schemeClr val="accent1"/>
+          </a:fillRef>
+          <a:effectRef idx="0">
+            <a:schemeClr val="accent1"/>
+          </a:effectRef>
+          <a:fontRef idx="minor">
+            <a:schemeClr val="lt1"/>
+          </a:fontRef>
+        </p:style>
+        <p:txBody>
+          <a:bodyPr rtlCol="0" anchor="ctr"/>
+          <a:lstStyle/>
+          <a:p>
+            <a:pPr algn="ctr"/>
+            <a:endParaRPr lang="en-US"/>
+          </a:p>
+        </p:txBody>
+      </p:sp>
+    </p:spTree>
+    <p:extLst>
+      <p:ext uri="{BB962C8B-B14F-4D97-AF65-F5344CB8AC3E}">
+        <p14:creationId xmlns:p14="http://schemas.microsoft.com/office/powerpoint/2010/main" val="1294960955"/>
+      </p:ext>
+    </p:extLst>
+  </p:cSld>
+  <p:clrMapOvr>
+    <a:masterClrMapping/>
+  </p:clrMapOvr>
+</p:sld>
+</file>
+
+<file path=ppt/slides/slide26.xml><?xml version="1.0" encoding="utf-8"?>
+<p:sld xmlns:a="http://schemas.openxmlformats.org/drawingml/2006/main" xmlns:r="http://schemas.openxmlformats.org/officeDocument/2006/relationships" xmlns:p="http://schemas.openxmlformats.org/presentationml/2006/main">
+  <p:cSld>
+    <p:spTree>
+      <p:nvGrpSpPr>
+        <p:cNvPr id="1" name=""/>
+        <p:cNvGrpSpPr/>
+        <p:nvPr/>
+      </p:nvGrpSpPr>
+      <p:grpSpPr>
+        <a:xfrm>
+          <a:off x="0" y="0"/>
+          <a:ext cx="0" cy="0"/>
+          <a:chOff x="0" y="0"/>
+          <a:chExt cx="0" cy="0"/>
+        </a:xfrm>
+      </p:grpSpPr>
+      <p:sp>
+        <p:nvSpPr>
+          <p:cNvPr id="2" name="Content Placeholder 1"/>
+          <p:cNvSpPr>
+            <a:spLocks noGrp="1"/>
+          </p:cNvSpPr>
+          <p:nvPr>
+            <p:ph idx="1"/>
+          </p:nvPr>
+        </p:nvSpPr>
+        <p:spPr>
+          <a:xfrm>
+            <a:off x="457200" y="1295400"/>
+            <a:ext cx="8229600" cy="4711891"/>
+          </a:xfrm>
+        </p:spPr>
+        <p:txBody>
+          <a:bodyPr/>
+          <a:lstStyle/>
+          <a:p>
+            <a:r>
+              <a:rPr lang="en-US" dirty="0" smtClean="0"/>
+              <a:t>Fork the </a:t>
+            </a:r>
+            <a:r>
+              <a:rPr lang="en-US" dirty="0" err="1" smtClean="0"/>
+              <a:t>GraphDTA</a:t>
+            </a:r>
+            <a:r>
+              <a:rPr lang="en-US" dirty="0"/>
+              <a:t> </a:t>
+            </a:r>
+            <a:r>
+              <a:rPr lang="en-US" dirty="0" smtClean="0"/>
+              <a:t>code repository</a:t>
+            </a:r>
+          </a:p>
+          <a:p>
+            <a:r>
+              <a:rPr lang="en-US" dirty="0" smtClean="0"/>
+              <a:t>Refactor </a:t>
+            </a:r>
+            <a:r>
+              <a:rPr lang="en-US" dirty="0"/>
+              <a:t>the </a:t>
+            </a:r>
+            <a:r>
+              <a:rPr lang="en-US" dirty="0" smtClean="0"/>
+              <a:t>code</a:t>
+            </a:r>
+          </a:p>
+          <a:p>
+            <a:r>
+              <a:rPr lang="en-US" dirty="0" smtClean="0"/>
+              <a:t>Train the given 4 models on 3 datasets </a:t>
+            </a:r>
+          </a:p>
+          <a:p>
+            <a:r>
+              <a:rPr lang="en-US" dirty="0" smtClean="0"/>
+              <a:t>Plot and compare the resulting MSEs  </a:t>
+            </a:r>
+            <a:endParaRPr lang="en-US" dirty="0"/>
+          </a:p>
+        </p:txBody>
+      </p:sp>
+      <p:sp>
+        <p:nvSpPr>
+          <p:cNvPr id="3" name="Title 2"/>
+          <p:cNvSpPr>
+            <a:spLocks noGrp="1"/>
+          </p:cNvSpPr>
+          <p:nvPr>
+            <p:ph type="title"/>
+          </p:nvPr>
+        </p:nvSpPr>
+        <p:spPr>
+          <a:xfrm>
+            <a:off x="457200" y="274638"/>
+            <a:ext cx="8229600" cy="944562"/>
+          </a:xfrm>
+        </p:spPr>
+        <p:txBody>
+          <a:bodyPr/>
+          <a:lstStyle/>
+          <a:p>
+            <a:r>
+              <a:rPr lang="en-US" dirty="0" smtClean="0"/>
+              <a:t>Contribution</a:t>
+            </a:r>
+            <a:endParaRPr lang="en-US" dirty="0"/>
+          </a:p>
+        </p:txBody>
+      </p:sp>
+      <p:pic>
+        <p:nvPicPr>
+          <p:cNvPr id="4" name="Picture 3"/>
+          <p:cNvPicPr>
+            <a:picLocks noChangeAspect="1"/>
+          </p:cNvPicPr>
+          <p:nvPr/>
+        </p:nvPicPr>
+        <p:blipFill>
+          <a:blip r:embed="rId2">
+            <a:extLst>
+              <a:ext uri="{28A0092B-C50C-407E-A947-70E740481C1C}">
+                <a14:useLocalDpi xmlns:a14="http://schemas.microsoft.com/office/drawing/2010/main" val="0"/>
+              </a:ext>
+            </a:extLst>
+          </a:blip>
+          <a:stretch>
+            <a:fillRect/>
+          </a:stretch>
+        </p:blipFill>
+        <p:spPr>
+          <a:xfrm>
+            <a:off x="3914914" y="3392289"/>
+            <a:ext cx="4553727" cy="1295400"/>
+          </a:xfrm>
+          <a:prstGeom prst="rect">
+            <a:avLst/>
+          </a:prstGeom>
+        </p:spPr>
+      </p:pic>
+    </p:spTree>
+    <p:extLst>
+      <p:ext uri="{BB962C8B-B14F-4D97-AF65-F5344CB8AC3E}">
+        <p14:creationId xmlns:p14="http://schemas.microsoft.com/office/powerpoint/2010/main" val="2153724261"/>
+      </p:ext>
+    </p:extLst>
+  </p:cSld>
+  <p:clrMapOvr>
+    <a:masterClrMapping/>
+  </p:clrMapOvr>
+</p:sld>
+</file>
+
+<file path=ppt/slides/slide27.xml><?xml version="1.0" encoding="utf-8"?>
 <p:sld xmlns:a="http://schemas.openxmlformats.org/drawingml/2006/main" xmlns:r="http://schemas.openxmlformats.org/officeDocument/2006/relationships" xmlns:p="http://schemas.openxmlformats.org/presentationml/2006/main">
   <p:cSld>
     <p:spTree>
@@ -12889,7 +13978,7 @@
 </p:sld>
 </file>
 
-<file path=ppt/slides/slide22.xml><?xml version="1.0" encoding="utf-8"?>
+<file path=ppt/slides/slide28.xml><?xml version="1.0" encoding="utf-8"?>
 <p:sld xmlns:a="http://schemas.openxmlformats.org/drawingml/2006/main" xmlns:r="http://schemas.openxmlformats.org/officeDocument/2006/relationships" xmlns:p="http://schemas.openxmlformats.org/presentationml/2006/main">
   <p:cSld>
     <p:spTree>
@@ -13133,7 +14222,7 @@
 </p:sld>
 </file>
 
-<file path=ppt/slides/slide23.xml><?xml version="1.0" encoding="utf-8"?>
+<file path=ppt/slides/slide29.xml><?xml version="1.0" encoding="utf-8"?>
 <p:sld xmlns:a="http://schemas.openxmlformats.org/drawingml/2006/main" xmlns:r="http://schemas.openxmlformats.org/officeDocument/2006/relationships" xmlns:p="http://schemas.openxmlformats.org/presentationml/2006/main">
   <p:cSld>
     <p:spTree>
@@ -13377,7 +14466,114 @@
 </p:sld>
 </file>
 
-<file path=ppt/slides/slide24.xml><?xml version="1.0" encoding="utf-8"?>
+<file path=ppt/slides/slide3.xml><?xml version="1.0" encoding="utf-8"?>
+<p:sld xmlns:a="http://schemas.openxmlformats.org/drawingml/2006/main" xmlns:r="http://schemas.openxmlformats.org/officeDocument/2006/relationships" xmlns:p="http://schemas.openxmlformats.org/presentationml/2006/main">
+  <p:cSld>
+    <p:spTree>
+      <p:nvGrpSpPr>
+        <p:cNvPr id="1" name=""/>
+        <p:cNvGrpSpPr/>
+        <p:nvPr/>
+      </p:nvGrpSpPr>
+      <p:grpSpPr>
+        <a:xfrm>
+          <a:off x="0" y="0"/>
+          <a:ext cx="0" cy="0"/>
+          <a:chOff x="0" y="0"/>
+          <a:chExt cx="0" cy="0"/>
+        </a:xfrm>
+      </p:grpSpPr>
+      <p:sp>
+        <p:nvSpPr>
+          <p:cNvPr id="2" name="Content Placeholder 1"/>
+          <p:cNvSpPr>
+            <a:spLocks noGrp="1"/>
+          </p:cNvSpPr>
+          <p:nvPr>
+            <p:ph idx="1"/>
+          </p:nvPr>
+        </p:nvSpPr>
+        <p:spPr/>
+        <p:txBody>
+          <a:bodyPr>
+            <a:normAutofit/>
+          </a:bodyPr>
+          <a:lstStyle/>
+          <a:p>
+            <a:r>
+              <a:rPr lang="en-US" dirty="0"/>
+              <a:t>A virus encodes one or more </a:t>
+            </a:r>
+            <a:r>
+              <a:rPr lang="en-US" b="1" dirty="0"/>
+              <a:t>proteases</a:t>
+            </a:r>
+            <a:r>
+              <a:rPr lang="en-US" dirty="0"/>
+              <a:t> which are enzymes that spur the formation of new protein products, thus play crucial roles in virus </a:t>
+            </a:r>
+            <a:r>
+              <a:rPr lang="en-US" dirty="0" smtClean="0"/>
+              <a:t>replication</a:t>
+            </a:r>
+          </a:p>
+          <a:p>
+            <a:r>
+              <a:rPr lang="en-US" b="1" dirty="0"/>
+              <a:t>proteases </a:t>
+            </a:r>
+            <a:r>
+              <a:rPr lang="en-US" dirty="0" smtClean="0"/>
+              <a:t>are </a:t>
+            </a:r>
+            <a:r>
+              <a:rPr lang="en-US" dirty="0"/>
+              <a:t>important targets for the design and development of potent antiviral agents or </a:t>
+            </a:r>
+            <a:r>
+              <a:rPr lang="en-US" b="1" dirty="0" smtClean="0"/>
+              <a:t>drugs</a:t>
+            </a:r>
+          </a:p>
+        </p:txBody>
+      </p:sp>
+      <p:sp>
+        <p:nvSpPr>
+          <p:cNvPr id="3" name="Title 2"/>
+          <p:cNvSpPr>
+            <a:spLocks noGrp="1"/>
+          </p:cNvSpPr>
+          <p:nvPr>
+            <p:ph type="title"/>
+          </p:nvPr>
+        </p:nvSpPr>
+        <p:spPr/>
+        <p:txBody>
+          <a:bodyPr/>
+          <a:lstStyle/>
+          <a:p>
+            <a:r>
+              <a:rPr lang="en-US" dirty="0" smtClean="0"/>
+              <a:t>Introduction</a:t>
+            </a:r>
+            <a:endParaRPr lang="en-US" dirty="0"/>
+          </a:p>
+        </p:txBody>
+      </p:sp>
+    </p:spTree>
+    <p:extLst>
+      <p:ext uri="{BB962C8B-B14F-4D97-AF65-F5344CB8AC3E}">
+        <p14:creationId xmlns:p14="http://schemas.microsoft.com/office/powerpoint/2010/main" val="1428778530"/>
+      </p:ext>
+    </p:extLst>
+  </p:cSld>
+  <p:clrMapOvr>
+    <a:masterClrMapping/>
+  </p:clrMapOvr>
+</p:sld>
+</file>
+
+<file path=ppt/slides/slide30.xml><?xml version="1.0" encoding="utf-8"?>
 <p:sld xmlns:a="http://schemas.openxmlformats.org/drawingml/2006/main" xmlns:r="http://schemas.openxmlformats.org/officeDocument/2006/relationships" xmlns:p="http://schemas.openxmlformats.org/presentationml/2006/main">
   <p:cSld>
     <p:spTree>
@@ -13625,7 +14821,7 @@
 </p:sld>
 </file>
 
-<file path=ppt/slides/slide25.xml><?xml version="1.0" encoding="utf-8"?>
+<file path=ppt/slides/slide31.xml><?xml version="1.0" encoding="utf-8"?>
 <p:sld xmlns:a="http://schemas.openxmlformats.org/drawingml/2006/main" xmlns:r="http://schemas.openxmlformats.org/officeDocument/2006/relationships" xmlns:p="http://schemas.openxmlformats.org/presentationml/2006/main">
   <p:cSld>
     <p:spTree>
@@ -13865,7 +15061,7 @@
 </p:sld>
 </file>
 
-<file path=ppt/slides/slide26.xml><?xml version="1.0" encoding="utf-8"?>
+<file path=ppt/slides/slide32.xml><?xml version="1.0" encoding="utf-8"?>
 <p:sld xmlns:a="http://schemas.openxmlformats.org/drawingml/2006/main" xmlns:r="http://schemas.openxmlformats.org/officeDocument/2006/relationships" xmlns:p="http://schemas.openxmlformats.org/presentationml/2006/main">
   <p:cSld>
     <p:spTree>
@@ -14105,7 +15301,7 @@
 </p:sld>
 </file>
 
-<file path=ppt/slides/slide27.xml><?xml version="1.0" encoding="utf-8"?>
+<file path=ppt/slides/slide33.xml><?xml version="1.0" encoding="utf-8"?>
 <p:sld xmlns:a="http://schemas.openxmlformats.org/drawingml/2006/main" xmlns:r="http://schemas.openxmlformats.org/officeDocument/2006/relationships" xmlns:p="http://schemas.openxmlformats.org/presentationml/2006/main">
   <p:cSld>
     <p:spTree>
@@ -14345,7 +15541,7 @@
 </p:sld>
 </file>
 
-<file path=ppt/slides/slide28.xml><?xml version="1.0" encoding="utf-8"?>
+<file path=ppt/slides/slide34.xml><?xml version="1.0" encoding="utf-8"?>
 <p:sld xmlns:a="http://schemas.openxmlformats.org/drawingml/2006/main" xmlns:r="http://schemas.openxmlformats.org/officeDocument/2006/relationships" xmlns:p="http://schemas.openxmlformats.org/presentationml/2006/main">
   <p:cSld>
     <p:spTree>
@@ -14585,7 +15781,7 @@
 </p:sld>
 </file>
 
-<file path=ppt/slides/slide29.xml><?xml version="1.0" encoding="utf-8"?>
+<file path=ppt/slides/slide35.xml><?xml version="1.0" encoding="utf-8"?>
 <p:sld xmlns:a="http://schemas.openxmlformats.org/drawingml/2006/main" xmlns:r="http://schemas.openxmlformats.org/officeDocument/2006/relationships" xmlns:p="http://schemas.openxmlformats.org/presentationml/2006/main">
   <p:cSld>
     <p:spTree>
@@ -14825,114 +16021,7 @@
 </p:sld>
 </file>
 
-<file path=ppt/slides/slide3.xml><?xml version="1.0" encoding="utf-8"?>
-<p:sld xmlns:a="http://schemas.openxmlformats.org/drawingml/2006/main" xmlns:r="http://schemas.openxmlformats.org/officeDocument/2006/relationships" xmlns:p="http://schemas.openxmlformats.org/presentationml/2006/main">
-  <p:cSld>
-    <p:spTree>
-      <p:nvGrpSpPr>
-        <p:cNvPr id="1" name=""/>
-        <p:cNvGrpSpPr/>
-        <p:nvPr/>
-      </p:nvGrpSpPr>
-      <p:grpSpPr>
-        <a:xfrm>
-          <a:off x="0" y="0"/>
-          <a:ext cx="0" cy="0"/>
-          <a:chOff x="0" y="0"/>
-          <a:chExt cx="0" cy="0"/>
-        </a:xfrm>
-      </p:grpSpPr>
-      <p:sp>
-        <p:nvSpPr>
-          <p:cNvPr id="2" name="Content Placeholder 1"/>
-          <p:cNvSpPr>
-            <a:spLocks noGrp="1"/>
-          </p:cNvSpPr>
-          <p:nvPr>
-            <p:ph idx="1"/>
-          </p:nvPr>
-        </p:nvSpPr>
-        <p:spPr/>
-        <p:txBody>
-          <a:bodyPr>
-            <a:normAutofit/>
-          </a:bodyPr>
-          <a:lstStyle/>
-          <a:p>
-            <a:r>
-              <a:rPr lang="en-US" dirty="0"/>
-              <a:t>A virus encodes one or more </a:t>
-            </a:r>
-            <a:r>
-              <a:rPr lang="en-US" b="1" dirty="0"/>
-              <a:t>proteases</a:t>
-            </a:r>
-            <a:r>
-              <a:rPr lang="en-US" dirty="0"/>
-              <a:t> which are enzymes that spur the formation of new protein products, thus play crucial roles in virus </a:t>
-            </a:r>
-            <a:r>
-              <a:rPr lang="en-US" dirty="0" smtClean="0"/>
-              <a:t>replication</a:t>
-            </a:r>
-          </a:p>
-          <a:p>
-            <a:r>
-              <a:rPr lang="en-US" b="1" dirty="0"/>
-              <a:t>proteases </a:t>
-            </a:r>
-            <a:r>
-              <a:rPr lang="en-US" dirty="0" smtClean="0"/>
-              <a:t>are </a:t>
-            </a:r>
-            <a:r>
-              <a:rPr lang="en-US" dirty="0"/>
-              <a:t>important targets for the design and development of potent antiviral agents or </a:t>
-            </a:r>
-            <a:r>
-              <a:rPr lang="en-US" b="1" dirty="0" smtClean="0"/>
-              <a:t>drugs</a:t>
-            </a:r>
-          </a:p>
-        </p:txBody>
-      </p:sp>
-      <p:sp>
-        <p:nvSpPr>
-          <p:cNvPr id="3" name="Title 2"/>
-          <p:cNvSpPr>
-            <a:spLocks noGrp="1"/>
-          </p:cNvSpPr>
-          <p:nvPr>
-            <p:ph type="title"/>
-          </p:nvPr>
-        </p:nvSpPr>
-        <p:spPr/>
-        <p:txBody>
-          <a:bodyPr/>
-          <a:lstStyle/>
-          <a:p>
-            <a:r>
-              <a:rPr lang="en-US" dirty="0" smtClean="0"/>
-              <a:t>Introduction</a:t>
-            </a:r>
-            <a:endParaRPr lang="en-US" dirty="0"/>
-          </a:p>
-        </p:txBody>
-      </p:sp>
-    </p:spTree>
-    <p:extLst>
-      <p:ext uri="{BB962C8B-B14F-4D97-AF65-F5344CB8AC3E}">
-        <p14:creationId xmlns:p14="http://schemas.microsoft.com/office/powerpoint/2010/main" val="1428778530"/>
-      </p:ext>
-    </p:extLst>
-  </p:cSld>
-  <p:clrMapOvr>
-    <a:masterClrMapping/>
-  </p:clrMapOvr>
-</p:sld>
-</file>
-
-<file path=ppt/slides/slide30.xml><?xml version="1.0" encoding="utf-8"?>
+<file path=ppt/slides/slide36.xml><?xml version="1.0" encoding="utf-8"?>
 <p:sld xmlns:a="http://schemas.openxmlformats.org/drawingml/2006/main" xmlns:r="http://schemas.openxmlformats.org/officeDocument/2006/relationships" xmlns:p="http://schemas.openxmlformats.org/presentationml/2006/main">
   <p:cSld>
     <p:spTree>
@@ -15172,7 +16261,7 @@
 </p:sld>
 </file>
 
-<file path=ppt/slides/slide31.xml><?xml version="1.0" encoding="utf-8"?>
+<file path=ppt/slides/slide37.xml><?xml version="1.0" encoding="utf-8"?>
 <p:sld xmlns:a="http://schemas.openxmlformats.org/drawingml/2006/main" xmlns:r="http://schemas.openxmlformats.org/officeDocument/2006/relationships" xmlns:p="http://schemas.openxmlformats.org/presentationml/2006/main">
   <p:cSld>
     <p:spTree>
@@ -15253,8 +16342,8 @@
               <a:t>model with </a:t>
             </a:r>
             <a:r>
-              <a:rPr lang="en-US" b="1" dirty="0" err="1" smtClean="0"/>
-              <a:t>kiba</a:t>
+              <a:rPr lang="en-US" b="1" dirty="0" smtClean="0"/>
+              <a:t>URV</a:t>
             </a:r>
             <a:r>
               <a:rPr lang="en-US" dirty="0" smtClean="0"/>
@@ -15412,7 +16501,7 @@
 </p:sld>
 </file>
 
-<file path=ppt/slides/slide32.xml><?xml version="1.0" encoding="utf-8"?>
+<file path=ppt/slides/slide38.xml><?xml version="1.0" encoding="utf-8"?>
 <p:sld xmlns:a="http://schemas.openxmlformats.org/drawingml/2006/main" xmlns:r="http://schemas.openxmlformats.org/officeDocument/2006/relationships" xmlns:p="http://schemas.openxmlformats.org/presentationml/2006/main">
   <p:cSld>
     <p:spTree>
@@ -15493,8 +16582,8 @@
               <a:t>model with </a:t>
             </a:r>
             <a:r>
-              <a:rPr lang="en-US" b="1" dirty="0" err="1" smtClean="0"/>
-              <a:t>kiba</a:t>
+              <a:rPr lang="en-US" b="1" dirty="0" smtClean="0"/>
+              <a:t>URV</a:t>
             </a:r>
             <a:r>
               <a:rPr lang="en-US" dirty="0" smtClean="0"/>
@@ -15652,7 +16741,7 @@
 </p:sld>
 </file>
 
-<file path=ppt/slides/slide33.xml><?xml version="1.0" encoding="utf-8"?>
+<file path=ppt/slides/slide39.xml><?xml version="1.0" encoding="utf-8"?>
 <p:sld xmlns:a="http://schemas.openxmlformats.org/drawingml/2006/main" xmlns:r="http://schemas.openxmlformats.org/officeDocument/2006/relationships" xmlns:p="http://schemas.openxmlformats.org/presentationml/2006/main">
   <p:cSld>
     <p:spTree>
@@ -17114,115 +18203,6 @@
 </p:sld>
 </file>
 
-<file path=ppt/slides/slide34.xml><?xml version="1.0" encoding="utf-8"?>
-<p:sld xmlns:a="http://schemas.openxmlformats.org/drawingml/2006/main" xmlns:r="http://schemas.openxmlformats.org/officeDocument/2006/relationships" xmlns:p="http://schemas.openxmlformats.org/presentationml/2006/main">
-  <p:cSld>
-    <p:spTree>
-      <p:nvGrpSpPr>
-        <p:cNvPr id="1" name=""/>
-        <p:cNvGrpSpPr/>
-        <p:nvPr/>
-      </p:nvGrpSpPr>
-      <p:grpSpPr>
-        <a:xfrm>
-          <a:off x="0" y="0"/>
-          <a:ext cx="0" cy="0"/>
-          <a:chOff x="0" y="0"/>
-          <a:chExt cx="0" cy="0"/>
-        </a:xfrm>
-      </p:grpSpPr>
-      <p:sp>
-        <p:nvSpPr>
-          <p:cNvPr id="2" name="Content Placeholder 1"/>
-          <p:cNvSpPr>
-            <a:spLocks noGrp="1"/>
-          </p:cNvSpPr>
-          <p:nvPr>
-            <p:ph idx="1"/>
-          </p:nvPr>
-        </p:nvSpPr>
-        <p:spPr/>
-        <p:txBody>
-          <a:bodyPr/>
-          <a:lstStyle/>
-          <a:p>
-            <a:r>
-              <a:rPr lang="en-US" sz="2800" dirty="0"/>
-              <a:t>the sample size of the data including train and test sets is largest in </a:t>
-            </a:r>
-            <a:r>
-              <a:rPr lang="en-US" sz="2800" dirty="0" err="1"/>
-              <a:t>kiba</a:t>
-            </a:r>
-            <a:r>
-              <a:rPr lang="en-US" sz="2800" dirty="0"/>
-              <a:t> then </a:t>
-            </a:r>
-            <a:r>
-              <a:rPr lang="en-US" sz="2800" dirty="0" err="1"/>
-              <a:t>davis</a:t>
-            </a:r>
-            <a:r>
-              <a:rPr lang="en-US" sz="2800" dirty="0"/>
-              <a:t> followed by </a:t>
-            </a:r>
-            <a:r>
-              <a:rPr lang="en-US" sz="2800" dirty="0" smtClean="0"/>
-              <a:t>URV.</a:t>
-            </a:r>
-          </a:p>
-          <a:p>
-            <a:r>
-              <a:rPr lang="en-US" sz="2800" dirty="0" err="1"/>
-              <a:t>kiba</a:t>
-            </a:r>
-            <a:r>
-              <a:rPr lang="en-US" sz="2800" dirty="0"/>
-              <a:t> dataset has the best diversity specially for the target proteins as it integrates different bioactivity scores</a:t>
-            </a:r>
-            <a:endParaRPr lang="en-US" sz="2800" dirty="0" smtClean="0"/>
-          </a:p>
-          <a:p>
-            <a:endParaRPr lang="en-US" dirty="0"/>
-          </a:p>
-        </p:txBody>
-      </p:sp>
-      <p:sp>
-        <p:nvSpPr>
-          <p:cNvPr id="3" name="Title 2"/>
-          <p:cNvSpPr>
-            <a:spLocks noGrp="1"/>
-          </p:cNvSpPr>
-          <p:nvPr>
-            <p:ph type="title"/>
-          </p:nvPr>
-        </p:nvSpPr>
-        <p:spPr/>
-        <p:txBody>
-          <a:bodyPr/>
-          <a:lstStyle/>
-          <a:p>
-            <a:r>
-              <a:rPr lang="en-US" dirty="0" smtClean="0"/>
-              <a:t>Conclusion</a:t>
-            </a:r>
-            <a:endParaRPr lang="en-US" dirty="0"/>
-          </a:p>
-        </p:txBody>
-      </p:sp>
-    </p:spTree>
-    <p:extLst>
-      <p:ext uri="{BB962C8B-B14F-4D97-AF65-F5344CB8AC3E}">
-        <p14:creationId xmlns:p14="http://schemas.microsoft.com/office/powerpoint/2010/main" val="3106270336"/>
-      </p:ext>
-    </p:extLst>
-  </p:cSld>
-  <p:clrMapOvr>
-    <a:masterClrMapping/>
-  </p:clrMapOvr>
-</p:sld>
-</file>
-
 <file path=ppt/slides/slide4.xml><?xml version="1.0" encoding="utf-8"?>
 <p:sld xmlns:a="http://schemas.openxmlformats.org/drawingml/2006/main" xmlns:r="http://schemas.openxmlformats.org/officeDocument/2006/relationships" xmlns:p="http://schemas.openxmlformats.org/presentationml/2006/main">
   <p:cSld>
@@ -17303,6 +18283,115 @@
     <p:extLst>
       <p:ext uri="{BB962C8B-B14F-4D97-AF65-F5344CB8AC3E}">
         <p14:creationId xmlns:p14="http://schemas.microsoft.com/office/powerpoint/2010/main" val="3608801134"/>
+      </p:ext>
+    </p:extLst>
+  </p:cSld>
+  <p:clrMapOvr>
+    <a:masterClrMapping/>
+  </p:clrMapOvr>
+</p:sld>
+</file>
+
+<file path=ppt/slides/slide40.xml><?xml version="1.0" encoding="utf-8"?>
+<p:sld xmlns:a="http://schemas.openxmlformats.org/drawingml/2006/main" xmlns:r="http://schemas.openxmlformats.org/officeDocument/2006/relationships" xmlns:p="http://schemas.openxmlformats.org/presentationml/2006/main">
+  <p:cSld>
+    <p:spTree>
+      <p:nvGrpSpPr>
+        <p:cNvPr id="1" name=""/>
+        <p:cNvGrpSpPr/>
+        <p:nvPr/>
+      </p:nvGrpSpPr>
+      <p:grpSpPr>
+        <a:xfrm>
+          <a:off x="0" y="0"/>
+          <a:ext cx="0" cy="0"/>
+          <a:chOff x="0" y="0"/>
+          <a:chExt cx="0" cy="0"/>
+        </a:xfrm>
+      </p:grpSpPr>
+      <p:sp>
+        <p:nvSpPr>
+          <p:cNvPr id="2" name="Content Placeholder 1"/>
+          <p:cNvSpPr>
+            <a:spLocks noGrp="1"/>
+          </p:cNvSpPr>
+          <p:nvPr>
+            <p:ph idx="1"/>
+          </p:nvPr>
+        </p:nvSpPr>
+        <p:spPr/>
+        <p:txBody>
+          <a:bodyPr/>
+          <a:lstStyle/>
+          <a:p>
+            <a:r>
+              <a:rPr lang="en-US" sz="2800" dirty="0"/>
+              <a:t>the sample size of the data including train and test sets is largest in </a:t>
+            </a:r>
+            <a:r>
+              <a:rPr lang="en-US" sz="2800" dirty="0" err="1"/>
+              <a:t>kiba</a:t>
+            </a:r>
+            <a:r>
+              <a:rPr lang="en-US" sz="2800" dirty="0"/>
+              <a:t> then </a:t>
+            </a:r>
+            <a:r>
+              <a:rPr lang="en-US" sz="2800" dirty="0" err="1"/>
+              <a:t>davis</a:t>
+            </a:r>
+            <a:r>
+              <a:rPr lang="en-US" sz="2800" dirty="0"/>
+              <a:t> followed by </a:t>
+            </a:r>
+            <a:r>
+              <a:rPr lang="en-US" sz="2800" dirty="0" smtClean="0"/>
+              <a:t>URV.</a:t>
+            </a:r>
+          </a:p>
+          <a:p>
+            <a:r>
+              <a:rPr lang="en-US" sz="2800" dirty="0" err="1"/>
+              <a:t>kiba</a:t>
+            </a:r>
+            <a:r>
+              <a:rPr lang="en-US" sz="2800" dirty="0"/>
+              <a:t> dataset has the best diversity specially for the target proteins as it integrates different bioactivity scores</a:t>
+            </a:r>
+            <a:endParaRPr lang="en-US" sz="2800" dirty="0" smtClean="0"/>
+          </a:p>
+          <a:p>
+            <a:endParaRPr lang="en-US" dirty="0"/>
+          </a:p>
+        </p:txBody>
+      </p:sp>
+      <p:sp>
+        <p:nvSpPr>
+          <p:cNvPr id="3" name="Title 2"/>
+          <p:cNvSpPr>
+            <a:spLocks noGrp="1"/>
+          </p:cNvSpPr>
+          <p:nvPr>
+            <p:ph type="title"/>
+          </p:nvPr>
+        </p:nvSpPr>
+        <p:spPr/>
+        <p:txBody>
+          <a:bodyPr/>
+          <a:lstStyle/>
+          <a:p>
+            <a:r>
+              <a:rPr lang="en-US" dirty="0" smtClean="0"/>
+              <a:t>Conclusion</a:t>
+            </a:r>
+            <a:endParaRPr lang="en-US" dirty="0"/>
+          </a:p>
+        </p:txBody>
+      </p:sp>
+    </p:spTree>
+    <p:extLst>
+      <p:ext uri="{BB962C8B-B14F-4D97-AF65-F5344CB8AC3E}">
+        <p14:creationId xmlns:p14="http://schemas.microsoft.com/office/powerpoint/2010/main" val="3106270336"/>
       </p:ext>
     </p:extLst>
   </p:cSld>

--- a/presentation/Drug Target affinity.pptx
+++ b/presentation/Drug Target affinity.pptx
@@ -5,7 +5,7 @@
     <p:sldMasterId id="2147483708" r:id="rId1"/>
   </p:sldMasterIdLst>
   <p:notesMasterIdLst>
-    <p:notesMasterId r:id="rId42"/>
+    <p:notesMasterId r:id="rId47"/>
   </p:notesMasterIdLst>
   <p:sldIdLst>
     <p:sldId id="256" r:id="rId2"/>
@@ -32,22 +32,27 @@
     <p:sldId id="289" r:id="rId23"/>
     <p:sldId id="295" r:id="rId24"/>
     <p:sldId id="296" r:id="rId25"/>
-    <p:sldId id="297" r:id="rId26"/>
-    <p:sldId id="298" r:id="rId27"/>
-    <p:sldId id="274" r:id="rId28"/>
-    <p:sldId id="275" r:id="rId29"/>
-    <p:sldId id="277" r:id="rId30"/>
-    <p:sldId id="276" r:id="rId31"/>
-    <p:sldId id="278" r:id="rId32"/>
-    <p:sldId id="279" r:id="rId33"/>
-    <p:sldId id="281" r:id="rId34"/>
-    <p:sldId id="280" r:id="rId35"/>
-    <p:sldId id="283" r:id="rId36"/>
-    <p:sldId id="284" r:id="rId37"/>
-    <p:sldId id="285" r:id="rId38"/>
-    <p:sldId id="286" r:id="rId39"/>
-    <p:sldId id="282" r:id="rId40"/>
-    <p:sldId id="287" r:id="rId41"/>
+    <p:sldId id="299" r:id="rId26"/>
+    <p:sldId id="300" r:id="rId27"/>
+    <p:sldId id="301" r:id="rId28"/>
+    <p:sldId id="302" r:id="rId29"/>
+    <p:sldId id="303" r:id="rId30"/>
+    <p:sldId id="297" r:id="rId31"/>
+    <p:sldId id="298" r:id="rId32"/>
+    <p:sldId id="274" r:id="rId33"/>
+    <p:sldId id="275" r:id="rId34"/>
+    <p:sldId id="277" r:id="rId35"/>
+    <p:sldId id="276" r:id="rId36"/>
+    <p:sldId id="278" r:id="rId37"/>
+    <p:sldId id="279" r:id="rId38"/>
+    <p:sldId id="281" r:id="rId39"/>
+    <p:sldId id="280" r:id="rId40"/>
+    <p:sldId id="283" r:id="rId41"/>
+    <p:sldId id="284" r:id="rId42"/>
+    <p:sldId id="285" r:id="rId43"/>
+    <p:sldId id="286" r:id="rId44"/>
+    <p:sldId id="282" r:id="rId45"/>
+    <p:sldId id="287" r:id="rId46"/>
   </p:sldIdLst>
   <p:sldSz cx="9144000" cy="6858000" type="screen4x3"/>
   <p:notesSz cx="6858000" cy="9144000"/>
@@ -231,7 +236,7 @@
           <a:p>
             <a:fld id="{8EF0DE39-7A54-47F9-AEA5-5AC06FD683AA}" type="datetimeFigureOut">
               <a:rPr lang="en-US" smtClean="0"/>
-              <a:t>9/4/2024</a:t>
+              <a:t>9/11/2024</a:t>
             </a:fld>
             <a:endParaRPr lang="en-US"/>
           </a:p>
@@ -1759,7 +1764,7 @@
           <a:p>
             <a:fld id="{C7689D65-4FEA-4151-83A2-DE7BE828DF61}" type="slidenum">
               <a:rPr lang="en-US" smtClean="0"/>
-              <a:t>40</a:t>
+              <a:t>45</a:t>
             </a:fld>
             <a:endParaRPr lang="en-US"/>
           </a:p>
@@ -5572,7 +5577,7 @@
             <a:fld id="{1D8BD707-D9CF-40AE-B4C6-C98DA3205C09}" type="datetimeFigureOut">
               <a:rPr lang="en-US" smtClean="0"/>
               <a:pPr/>
-              <a:t>9/4/2024</a:t>
+              <a:t>9/11/2024</a:t>
             </a:fld>
             <a:endParaRPr lang="en-US"/>
           </a:p>
@@ -5770,7 +5775,7 @@
             <a:fld id="{1D8BD707-D9CF-40AE-B4C6-C98DA3205C09}" type="datetimeFigureOut">
               <a:rPr lang="en-US" smtClean="0"/>
               <a:pPr/>
-              <a:t>9/4/2024</a:t>
+              <a:t>9/11/2024</a:t>
             </a:fld>
             <a:endParaRPr lang="en-US"/>
           </a:p>
@@ -5957,7 +5962,7 @@
             <a:fld id="{1D8BD707-D9CF-40AE-B4C6-C98DA3205C09}" type="datetimeFigureOut">
               <a:rPr lang="en-US" smtClean="0"/>
               <a:pPr/>
-              <a:t>9/4/2024</a:t>
+              <a:t>9/11/2024</a:t>
             </a:fld>
             <a:endParaRPr lang="en-US"/>
           </a:p>
@@ -6109,7 +6114,7 @@
             <a:fld id="{1D8BD707-D9CF-40AE-B4C6-C98DA3205C09}" type="datetimeFigureOut">
               <a:rPr lang="en-US" smtClean="0"/>
               <a:pPr/>
-              <a:t>9/4/2024</a:t>
+              <a:t>9/11/2024</a:t>
             </a:fld>
             <a:endParaRPr lang="en-US"/>
           </a:p>
@@ -6366,7 +6371,7 @@
             <a:fld id="{1D8BD707-D9CF-40AE-B4C6-C98DA3205C09}" type="datetimeFigureOut">
               <a:rPr lang="en-US" smtClean="0"/>
               <a:pPr/>
-              <a:t>9/4/2024</a:t>
+              <a:t>9/11/2024</a:t>
             </a:fld>
             <a:endParaRPr lang="en-US"/>
           </a:p>
@@ -6777,7 +6782,7 @@
             <a:fld id="{1D8BD707-D9CF-40AE-B4C6-C98DA3205C09}" type="datetimeFigureOut">
               <a:rPr lang="en-US" smtClean="0"/>
               <a:pPr/>
-              <a:t>9/4/2024</a:t>
+              <a:t>9/11/2024</a:t>
             </a:fld>
             <a:endParaRPr lang="en-US"/>
           </a:p>
@@ -7225,7 +7230,7 @@
             <a:fld id="{1D8BD707-D9CF-40AE-B4C6-C98DA3205C09}" type="datetimeFigureOut">
               <a:rPr lang="en-US" smtClean="0"/>
               <a:pPr/>
-              <a:t>9/4/2024</a:t>
+              <a:t>9/11/2024</a:t>
             </a:fld>
             <a:endParaRPr lang="en-US"/>
           </a:p>
@@ -7328,7 +7333,7 @@
             <a:fld id="{1D8BD707-D9CF-40AE-B4C6-C98DA3205C09}" type="datetimeFigureOut">
               <a:rPr lang="en-US" smtClean="0"/>
               <a:pPr/>
-              <a:t>9/4/2024</a:t>
+              <a:t>9/11/2024</a:t>
             </a:fld>
             <a:endParaRPr lang="en-US"/>
           </a:p>
@@ -7451,7 +7456,7 @@
             <a:fld id="{1D8BD707-D9CF-40AE-B4C6-C98DA3205C09}" type="datetimeFigureOut">
               <a:rPr lang="en-US" smtClean="0"/>
               <a:pPr/>
-              <a:t>9/4/2024</a:t>
+              <a:t>9/11/2024</a:t>
             </a:fld>
             <a:endParaRPr lang="en-US"/>
           </a:p>
@@ -7727,7 +7732,7 @@
             <a:fld id="{1D8BD707-D9CF-40AE-B4C6-C98DA3205C09}" type="datetimeFigureOut">
               <a:rPr lang="en-US" smtClean="0"/>
               <a:pPr/>
-              <a:t>9/4/2024</a:t>
+              <a:t>9/11/2024</a:t>
             </a:fld>
             <a:endParaRPr lang="en-US"/>
           </a:p>
@@ -7934,7 +7939,7 @@
             <a:fld id="{1D8BD707-D9CF-40AE-B4C6-C98DA3205C09}" type="datetimeFigureOut">
               <a:rPr lang="en-US" smtClean="0"/>
               <a:pPr/>
-              <a:t>9/4/2024</a:t>
+              <a:t>9/11/2024</a:t>
             </a:fld>
             <a:endParaRPr lang="en-US"/>
           </a:p>
@@ -9045,7 +9050,7 @@
             <a:fld id="{1D8BD707-D9CF-40AE-B4C6-C98DA3205C09}" type="datetimeFigureOut">
               <a:rPr lang="en-US" smtClean="0"/>
               <a:pPr/>
-              <a:t>9/4/2024</a:t>
+              <a:t>9/11/2024</a:t>
             </a:fld>
             <a:endParaRPr lang="en-US"/>
           </a:p>
@@ -13311,7 +13316,7 @@
         </p:blipFill>
         <p:spPr>
           <a:xfrm>
-            <a:off x="6934200" y="4538339"/>
+            <a:off x="304800" y="2802569"/>
             <a:ext cx="2133600" cy="2107353"/>
           </a:xfrm>
           <a:prstGeom prst="rect">
@@ -13327,7 +13332,7 @@
         </p:nvSpPr>
         <p:spPr>
           <a:xfrm>
-            <a:off x="7315200" y="5410200"/>
+            <a:off x="685800" y="3674430"/>
             <a:ext cx="838200" cy="539307"/>
           </a:xfrm>
           <a:prstGeom prst="rect">
@@ -13367,7 +13372,7 @@
       </p:sp>
       <p:pic>
         <p:nvPicPr>
-          <p:cNvPr id="7" name="Picture 6"/>
+          <p:cNvPr id="8" name="Picture 7"/>
           <p:cNvPicPr>
             <a:picLocks noChangeAspect="1"/>
           </p:cNvPicPr>
@@ -13387,8 +13392,8 @@
         </p:blipFill>
         <p:spPr>
           <a:xfrm>
-            <a:off x="2438400" y="1295400"/>
-            <a:ext cx="4300297" cy="5105401"/>
+            <a:off x="4267200" y="211975"/>
+            <a:ext cx="4739096" cy="6629400"/>
           </a:xfrm>
           <a:prstGeom prst="rect">
             <a:avLst/>
@@ -13416,6 +13421,1424 @@
 </file>
 
 <file path=ppt/slides/slide25.xml><?xml version="1.0" encoding="utf-8"?>
+<p:sld xmlns:a="http://schemas.openxmlformats.org/drawingml/2006/main" xmlns:r="http://schemas.openxmlformats.org/officeDocument/2006/relationships" xmlns:p="http://schemas.openxmlformats.org/presentationml/2006/main">
+  <p:cSld>
+    <p:spTree>
+      <p:nvGrpSpPr>
+        <p:cNvPr id="1" name=""/>
+        <p:cNvGrpSpPr/>
+        <p:nvPr/>
+      </p:nvGrpSpPr>
+      <p:grpSpPr>
+        <a:xfrm>
+          <a:off x="0" y="0"/>
+          <a:ext cx="0" cy="0"/>
+          <a:chOff x="0" y="0"/>
+          <a:chExt cx="0" cy="0"/>
+        </a:xfrm>
+      </p:grpSpPr>
+      <p:sp>
+        <p:nvSpPr>
+          <p:cNvPr id="2" name="Content Placeholder 1"/>
+          <p:cNvSpPr>
+            <a:spLocks noGrp="1"/>
+          </p:cNvSpPr>
+          <p:nvPr>
+            <p:ph idx="1"/>
+          </p:nvPr>
+        </p:nvSpPr>
+        <p:spPr>
+          <a:xfrm>
+            <a:off x="0" y="685800"/>
+            <a:ext cx="9144000" cy="6172200"/>
+          </a:xfrm>
+        </p:spPr>
+        <p:txBody>
+          <a:bodyPr>
+            <a:noAutofit/>
+          </a:bodyPr>
+          <a:lstStyle/>
+          <a:p>
+            <a:r>
+              <a:rPr lang="en-US" dirty="0" smtClean="0"/>
+              <a:t>Graph attention layer(GAT) layer</a:t>
+            </a:r>
+          </a:p>
+          <a:p>
+            <a:pPr lvl="1"/>
+            <a:r>
+              <a:rPr lang="en-US" sz="1600" dirty="0" smtClean="0"/>
+              <a:t>graph attention Layer from the </a:t>
+            </a:r>
+            <a:r>
+              <a:rPr lang="en-US" sz="1600" dirty="0">
+                <a:hlinkClick r:id="rId2"/>
+              </a:rPr>
+              <a:t>“</a:t>
+            </a:r>
+            <a:r>
+              <a:rPr lang="en-US" sz="1600" dirty="0">
+                <a:hlinkClick r:id="rId3"/>
+              </a:rPr>
+              <a:t>Graph Attention Networks</a:t>
+            </a:r>
+            <a:r>
+              <a:rPr lang="en-US" sz="1600" dirty="0">
+                <a:hlinkClick r:id="rId2"/>
+              </a:rPr>
+              <a:t>”</a:t>
+            </a:r>
+            <a:r>
+              <a:rPr lang="en-US" sz="1600" dirty="0" smtClean="0"/>
+              <a:t> paper in 2018.</a:t>
+            </a:r>
+          </a:p>
+          <a:p>
+            <a:pPr lvl="1"/>
+            <a:r>
+              <a:rPr lang="en-US" sz="1600" dirty="0" smtClean="0"/>
+              <a:t>Implemented in </a:t>
+            </a:r>
+            <a:r>
+              <a:rPr lang="en-US" sz="1600" dirty="0" err="1" smtClean="0"/>
+              <a:t>torch_geometric</a:t>
+            </a:r>
+            <a:r>
+              <a:rPr lang="en-US" sz="1600" dirty="0" smtClean="0"/>
+              <a:t> as </a:t>
+            </a:r>
+            <a:r>
+              <a:rPr lang="en-US" sz="1600" b="1" dirty="0" err="1" smtClean="0"/>
+              <a:t>GATConv</a:t>
+            </a:r>
+            <a:endParaRPr lang="en-US" sz="1600" b="1" dirty="0" smtClean="0"/>
+          </a:p>
+          <a:p>
+            <a:pPr lvl="1"/>
+            <a:endParaRPr lang="en-US" b="1" dirty="0"/>
+          </a:p>
+          <a:p>
+            <a:pPr lvl="1"/>
+            <a:endParaRPr lang="en-US" b="1" dirty="0" smtClean="0"/>
+          </a:p>
+          <a:p>
+            <a:pPr lvl="1"/>
+            <a:endParaRPr lang="en-US" b="1" dirty="0"/>
+          </a:p>
+          <a:p>
+            <a:pPr lvl="1"/>
+            <a:endParaRPr lang="en-US" b="1" dirty="0" smtClean="0"/>
+          </a:p>
+          <a:p>
+            <a:pPr lvl="1"/>
+            <a:endParaRPr lang="en-US" b="1" dirty="0" smtClean="0"/>
+          </a:p>
+          <a:p>
+            <a:pPr lvl="1"/>
+            <a:endParaRPr lang="en-US" b="1" dirty="0" smtClean="0"/>
+          </a:p>
+          <a:p>
+            <a:pPr lvl="4"/>
+            <a:endParaRPr lang="en-US" b="1" dirty="0" smtClean="0"/>
+          </a:p>
+          <a:p>
+            <a:pPr lvl="2"/>
+            <a:r>
+              <a:rPr lang="en-US" sz="1800" b="1" dirty="0"/>
+              <a:t>A</a:t>
+            </a:r>
+            <a:r>
+              <a:rPr lang="en-US" sz="1800" dirty="0"/>
+              <a:t> : adjacency matrix </a:t>
+            </a:r>
+            <a:r>
+              <a:rPr lang="en-US" sz="1800" b="1" dirty="0"/>
+              <a:t>N * N</a:t>
+            </a:r>
+          </a:p>
+          <a:p>
+            <a:pPr lvl="2"/>
+            <a:r>
+              <a:rPr lang="en-US" sz="1800" b="1" dirty="0"/>
+              <a:t>X</a:t>
+            </a:r>
+            <a:r>
+              <a:rPr lang="en-US" sz="1800" dirty="0"/>
+              <a:t> : is node feature matrix </a:t>
+            </a:r>
+            <a:r>
+              <a:rPr lang="en-US" sz="1800" b="1" dirty="0"/>
+              <a:t>N * C</a:t>
+            </a:r>
+          </a:p>
+          <a:p>
+            <a:pPr lvl="2"/>
+            <a:r>
+              <a:rPr lang="en-US" sz="1800" b="1" dirty="0"/>
+              <a:t>H : </a:t>
+            </a:r>
+            <a:r>
+              <a:rPr lang="en-US" sz="1800" dirty="0"/>
+              <a:t>transformed feature matrix </a:t>
+            </a:r>
+            <a:r>
+              <a:rPr lang="en-US" sz="1800" b="1" dirty="0"/>
+              <a:t>N * F</a:t>
+            </a:r>
+          </a:p>
+          <a:p>
+            <a:pPr lvl="2"/>
+            <a:r>
+              <a:rPr lang="en-US" sz="1800" b="1" dirty="0"/>
+              <a:t>W: </a:t>
+            </a:r>
+            <a:r>
+              <a:rPr lang="en-US" sz="1800" dirty="0"/>
+              <a:t>weight matrix of current head </a:t>
+            </a:r>
+            <a:r>
+              <a:rPr lang="en-US" sz="1800" b="1" dirty="0"/>
+              <a:t>C * F</a:t>
+            </a:r>
+          </a:p>
+          <a:p>
+            <a:pPr lvl="2"/>
+            <a:r>
+              <a:rPr lang="en-US" sz="1800" b="1" dirty="0"/>
+              <a:t>a : </a:t>
+            </a:r>
+            <a:r>
+              <a:rPr lang="en-US" sz="1800" dirty="0"/>
+              <a:t>attention vector of current head </a:t>
+            </a:r>
+            <a:r>
+              <a:rPr lang="en-US" sz="1800" b="1" dirty="0"/>
+              <a:t>2 * F</a:t>
+            </a:r>
+          </a:p>
+          <a:p>
+            <a:pPr lvl="2"/>
+            <a:r>
+              <a:rPr lang="en-US" sz="1800" b="1" dirty="0"/>
+              <a:t>E : </a:t>
+            </a:r>
+            <a:r>
+              <a:rPr lang="en-US" sz="1800" dirty="0"/>
+              <a:t>attention score matrix </a:t>
+            </a:r>
+            <a:r>
+              <a:rPr lang="en-US" sz="1800" b="1" dirty="0"/>
+              <a:t>N * N</a:t>
+            </a:r>
+          </a:p>
+          <a:p>
+            <a:pPr lvl="2"/>
+            <a:r>
+              <a:rPr lang="en-US" sz="1800" b="1" dirty="0"/>
+              <a:t>Z : </a:t>
+            </a:r>
+            <a:r>
+              <a:rPr lang="en-US" sz="1800" dirty="0"/>
+              <a:t>Final Output Feature Matrix </a:t>
+            </a:r>
+            <a:r>
+              <a:rPr lang="en-US" sz="1800" b="1" dirty="0"/>
+              <a:t>N * F * h</a:t>
+            </a:r>
+          </a:p>
+          <a:p>
+            <a:pPr lvl="1"/>
+            <a:endParaRPr lang="en-US" b="1" dirty="0" smtClean="0"/>
+          </a:p>
+          <a:p>
+            <a:pPr lvl="1"/>
+            <a:endParaRPr lang="en-US" dirty="0"/>
+          </a:p>
+          <a:p>
+            <a:pPr lvl="1"/>
+            <a:endParaRPr lang="en-US" b="1" dirty="0" smtClean="0"/>
+          </a:p>
+          <a:p>
+            <a:pPr lvl="1"/>
+            <a:endParaRPr lang="en-US" b="1" dirty="0"/>
+          </a:p>
+          <a:p>
+            <a:pPr lvl="2"/>
+            <a:endParaRPr lang="en-US" dirty="0" smtClean="0"/>
+          </a:p>
+          <a:p>
+            <a:pPr lvl="2"/>
+            <a:endParaRPr lang="en-US" dirty="0"/>
+          </a:p>
+          <a:p>
+            <a:pPr lvl="2"/>
+            <a:endParaRPr lang="en-US" dirty="0" smtClean="0"/>
+          </a:p>
+          <a:p>
+            <a:pPr lvl="2"/>
+            <a:endParaRPr lang="en-US" dirty="0" smtClean="0"/>
+          </a:p>
+          <a:p>
+            <a:pPr marL="630936" lvl="2" indent="0">
+              <a:buNone/>
+            </a:pPr>
+            <a:r>
+              <a:rPr lang="en-US" dirty="0" smtClean="0"/>
+              <a:t/>
+            </a:r>
+            <a:br>
+              <a:rPr lang="en-US" dirty="0" smtClean="0"/>
+            </a:br>
+            <a:endParaRPr lang="en-US" dirty="0"/>
+          </a:p>
+        </p:txBody>
+      </p:sp>
+      <p:sp>
+        <p:nvSpPr>
+          <p:cNvPr id="3" name="Title 2"/>
+          <p:cNvSpPr>
+            <a:spLocks noGrp="1"/>
+          </p:cNvSpPr>
+          <p:nvPr>
+            <p:ph type="title"/>
+          </p:nvPr>
+        </p:nvSpPr>
+        <p:spPr>
+          <a:xfrm>
+            <a:off x="586394" y="152400"/>
+            <a:ext cx="8229600" cy="563562"/>
+          </a:xfrm>
+        </p:spPr>
+        <p:txBody>
+          <a:bodyPr>
+            <a:normAutofit fontScale="90000"/>
+          </a:bodyPr>
+          <a:lstStyle/>
+          <a:p>
+            <a:r>
+              <a:rPr lang="en-US" dirty="0" smtClean="0"/>
+              <a:t>Drug Branch</a:t>
+            </a:r>
+            <a:endParaRPr lang="en-US" dirty="0"/>
+          </a:p>
+        </p:txBody>
+      </p:sp>
+      <p:pic>
+        <p:nvPicPr>
+          <p:cNvPr id="6" name="Picture 5"/>
+          <p:cNvPicPr>
+            <a:picLocks noChangeAspect="1"/>
+          </p:cNvPicPr>
+          <p:nvPr/>
+        </p:nvPicPr>
+        <p:blipFill>
+          <a:blip r:embed="rId4">
+            <a:extLst>
+              <a:ext uri="{28A0092B-C50C-407E-A947-70E740481C1C}">
+                <a14:useLocalDpi xmlns:a14="http://schemas.microsoft.com/office/drawing/2010/main" val="0"/>
+              </a:ext>
+            </a:extLst>
+          </a:blip>
+          <a:stretch>
+            <a:fillRect/>
+          </a:stretch>
+        </p:blipFill>
+        <p:spPr>
+          <a:xfrm>
+            <a:off x="457200" y="1905000"/>
+            <a:ext cx="8077200" cy="2692536"/>
+          </a:xfrm>
+          <a:prstGeom prst="rect">
+            <a:avLst/>
+          </a:prstGeom>
+        </p:spPr>
+      </p:pic>
+    </p:spTree>
+    <p:extLst>
+      <p:ext uri="{BB962C8B-B14F-4D97-AF65-F5344CB8AC3E}">
+        <p14:creationId xmlns:p14="http://schemas.microsoft.com/office/powerpoint/2010/main" val="1804637024"/>
+      </p:ext>
+    </p:extLst>
+  </p:cSld>
+  <p:clrMapOvr>
+    <a:masterClrMapping/>
+  </p:clrMapOvr>
+  <p:timing>
+    <p:tnLst>
+      <p:par>
+        <p:cTn id="1" dur="indefinite" restart="never" nodeType="tmRoot"/>
+      </p:par>
+    </p:tnLst>
+  </p:timing>
+</p:sld>
+</file>
+
+<file path=ppt/slides/slide26.xml><?xml version="1.0" encoding="utf-8"?>
+<p:sld xmlns:a="http://schemas.openxmlformats.org/drawingml/2006/main" xmlns:r="http://schemas.openxmlformats.org/officeDocument/2006/relationships" xmlns:p="http://schemas.openxmlformats.org/presentationml/2006/main">
+  <p:cSld>
+    <p:spTree>
+      <p:nvGrpSpPr>
+        <p:cNvPr id="1" name=""/>
+        <p:cNvGrpSpPr/>
+        <p:nvPr/>
+      </p:nvGrpSpPr>
+      <p:grpSpPr>
+        <a:xfrm>
+          <a:off x="0" y="0"/>
+          <a:ext cx="0" cy="0"/>
+          <a:chOff x="0" y="0"/>
+          <a:chExt cx="0" cy="0"/>
+        </a:xfrm>
+      </p:grpSpPr>
+      <p:sp>
+        <p:nvSpPr>
+          <p:cNvPr id="2" name="Content Placeholder 1"/>
+          <p:cNvSpPr>
+            <a:spLocks noGrp="1"/>
+          </p:cNvSpPr>
+          <p:nvPr>
+            <p:ph idx="1"/>
+          </p:nvPr>
+        </p:nvSpPr>
+        <p:spPr>
+          <a:xfrm>
+            <a:off x="457200" y="838200"/>
+            <a:ext cx="8458200" cy="5867400"/>
+          </a:xfrm>
+        </p:spPr>
+        <p:txBody>
+          <a:bodyPr/>
+          <a:lstStyle/>
+          <a:p>
+            <a:r>
+              <a:rPr lang="en-US" dirty="0" smtClean="0"/>
+              <a:t>GAT-based </a:t>
+            </a:r>
+            <a:r>
+              <a:rPr lang="en-US" dirty="0"/>
+              <a:t>model</a:t>
+            </a:r>
+          </a:p>
+          <a:p>
+            <a:pPr lvl="1"/>
+            <a:endParaRPr lang="en-US" dirty="0"/>
+          </a:p>
+        </p:txBody>
+      </p:sp>
+      <p:sp>
+        <p:nvSpPr>
+          <p:cNvPr id="3" name="Title 2"/>
+          <p:cNvSpPr>
+            <a:spLocks noGrp="1"/>
+          </p:cNvSpPr>
+          <p:nvPr>
+            <p:ph type="title"/>
+          </p:nvPr>
+        </p:nvSpPr>
+        <p:spPr>
+          <a:xfrm>
+            <a:off x="457200" y="274638"/>
+            <a:ext cx="8229600" cy="563562"/>
+          </a:xfrm>
+        </p:spPr>
+        <p:txBody>
+          <a:bodyPr>
+            <a:normAutofit fontScale="90000"/>
+          </a:bodyPr>
+          <a:lstStyle/>
+          <a:p>
+            <a:r>
+              <a:rPr lang="en-US" dirty="0"/>
+              <a:t>Drug Branch</a:t>
+            </a:r>
+          </a:p>
+        </p:txBody>
+      </p:sp>
+      <p:pic>
+        <p:nvPicPr>
+          <p:cNvPr id="4" name="Picture 3"/>
+          <p:cNvPicPr>
+            <a:picLocks noChangeAspect="1"/>
+          </p:cNvPicPr>
+          <p:nvPr/>
+        </p:nvPicPr>
+        <p:blipFill>
+          <a:blip r:embed="rId2" cstate="print">
+            <a:extLst>
+              <a:ext uri="{28A0092B-C50C-407E-A947-70E740481C1C}">
+                <a14:useLocalDpi xmlns:a14="http://schemas.microsoft.com/office/drawing/2010/main" val="0"/>
+              </a:ext>
+            </a:extLst>
+          </a:blip>
+          <a:stretch>
+            <a:fillRect/>
+          </a:stretch>
+        </p:blipFill>
+        <p:spPr>
+          <a:xfrm>
+            <a:off x="609600" y="3484662"/>
+            <a:ext cx="2590800" cy="2558929"/>
+          </a:xfrm>
+          <a:prstGeom prst="rect">
+            <a:avLst/>
+          </a:prstGeom>
+        </p:spPr>
+      </p:pic>
+      <p:sp>
+        <p:nvSpPr>
+          <p:cNvPr id="6" name="Rectangle 5"/>
+          <p:cNvSpPr/>
+          <p:nvPr/>
+        </p:nvSpPr>
+        <p:spPr>
+          <a:xfrm>
+            <a:off x="1066800" y="4626176"/>
+            <a:ext cx="990600" cy="539307"/>
+          </a:xfrm>
+          <a:prstGeom prst="rect">
+            <a:avLst/>
+          </a:prstGeom>
+          <a:noFill/>
+          <a:ln>
+            <a:solidFill>
+              <a:srgbClr val="FF0000"/>
+            </a:solidFill>
+          </a:ln>
+        </p:spPr>
+        <p:style>
+          <a:lnRef idx="2">
+            <a:schemeClr val="accent1">
+              <a:shade val="50000"/>
+            </a:schemeClr>
+          </a:lnRef>
+          <a:fillRef idx="1">
+            <a:schemeClr val="accent1"/>
+          </a:fillRef>
+          <a:effectRef idx="0">
+            <a:schemeClr val="accent1"/>
+          </a:effectRef>
+          <a:fontRef idx="minor">
+            <a:schemeClr val="lt1"/>
+          </a:fontRef>
+        </p:style>
+        <p:txBody>
+          <a:bodyPr rtlCol="0" anchor="ctr"/>
+          <a:lstStyle/>
+          <a:p>
+            <a:pPr algn="ctr"/>
+            <a:endParaRPr lang="en-US"/>
+          </a:p>
+        </p:txBody>
+      </p:sp>
+      <p:pic>
+        <p:nvPicPr>
+          <p:cNvPr id="8" name="Picture 7"/>
+          <p:cNvPicPr>
+            <a:picLocks noChangeAspect="1"/>
+          </p:cNvPicPr>
+          <p:nvPr/>
+        </p:nvPicPr>
+        <p:blipFill>
+          <a:blip r:embed="rId3">
+            <a:extLst>
+              <a:ext uri="{28A0092B-C50C-407E-A947-70E740481C1C}">
+                <a14:useLocalDpi xmlns:a14="http://schemas.microsoft.com/office/drawing/2010/main" val="0"/>
+              </a:ext>
+            </a:extLst>
+          </a:blip>
+          <a:stretch>
+            <a:fillRect/>
+          </a:stretch>
+        </p:blipFill>
+        <p:spPr>
+          <a:xfrm>
+            <a:off x="4800600" y="76891"/>
+            <a:ext cx="4097595" cy="6685656"/>
+          </a:xfrm>
+          <a:prstGeom prst="rect">
+            <a:avLst/>
+          </a:prstGeom>
+        </p:spPr>
+      </p:pic>
+    </p:spTree>
+    <p:extLst>
+      <p:ext uri="{BB962C8B-B14F-4D97-AF65-F5344CB8AC3E}">
+        <p14:creationId xmlns:p14="http://schemas.microsoft.com/office/powerpoint/2010/main" val="813527468"/>
+      </p:ext>
+    </p:extLst>
+  </p:cSld>
+  <p:clrMapOvr>
+    <a:masterClrMapping/>
+  </p:clrMapOvr>
+  <p:timing>
+    <p:tnLst>
+      <p:par>
+        <p:cTn id="1" dur="indefinite" restart="never" nodeType="tmRoot"/>
+      </p:par>
+    </p:tnLst>
+  </p:timing>
+</p:sld>
+</file>
+
+<file path=ppt/slides/slide27.xml><?xml version="1.0" encoding="utf-8"?>
+<p:sld xmlns:a="http://schemas.openxmlformats.org/drawingml/2006/main" xmlns:r="http://schemas.openxmlformats.org/officeDocument/2006/relationships" xmlns:p="http://schemas.openxmlformats.org/presentationml/2006/main">
+  <p:cSld>
+    <p:spTree>
+      <p:nvGrpSpPr>
+        <p:cNvPr id="1" name=""/>
+        <p:cNvGrpSpPr/>
+        <p:nvPr/>
+      </p:nvGrpSpPr>
+      <p:grpSpPr>
+        <a:xfrm>
+          <a:off x="0" y="0"/>
+          <a:ext cx="0" cy="0"/>
+          <a:chOff x="0" y="0"/>
+          <a:chExt cx="0" cy="0"/>
+        </a:xfrm>
+      </p:grpSpPr>
+      <p:sp>
+        <p:nvSpPr>
+          <p:cNvPr id="2" name="Content Placeholder 1"/>
+          <p:cNvSpPr>
+            <a:spLocks noGrp="1"/>
+          </p:cNvSpPr>
+          <p:nvPr>
+            <p:ph idx="1"/>
+          </p:nvPr>
+        </p:nvSpPr>
+        <p:spPr>
+          <a:xfrm>
+            <a:off x="457200" y="838200"/>
+            <a:ext cx="8458200" cy="5867400"/>
+          </a:xfrm>
+        </p:spPr>
+        <p:txBody>
+          <a:bodyPr/>
+          <a:lstStyle/>
+          <a:p>
+            <a:r>
+              <a:rPr lang="en-US" dirty="0" smtClean="0"/>
+              <a:t>GAT GCN-based </a:t>
+            </a:r>
+            <a:r>
+              <a:rPr lang="en-US" dirty="0"/>
+              <a:t>model</a:t>
+            </a:r>
+          </a:p>
+          <a:p>
+            <a:pPr lvl="1"/>
+            <a:endParaRPr lang="en-US" dirty="0"/>
+          </a:p>
+        </p:txBody>
+      </p:sp>
+      <p:sp>
+        <p:nvSpPr>
+          <p:cNvPr id="3" name="Title 2"/>
+          <p:cNvSpPr>
+            <a:spLocks noGrp="1"/>
+          </p:cNvSpPr>
+          <p:nvPr>
+            <p:ph type="title"/>
+          </p:nvPr>
+        </p:nvSpPr>
+        <p:spPr>
+          <a:xfrm>
+            <a:off x="457200" y="274638"/>
+            <a:ext cx="8229600" cy="563562"/>
+          </a:xfrm>
+        </p:spPr>
+        <p:txBody>
+          <a:bodyPr>
+            <a:normAutofit fontScale="90000"/>
+          </a:bodyPr>
+          <a:lstStyle/>
+          <a:p>
+            <a:r>
+              <a:rPr lang="en-US" dirty="0"/>
+              <a:t>Drug Branch</a:t>
+            </a:r>
+          </a:p>
+        </p:txBody>
+      </p:sp>
+      <p:pic>
+        <p:nvPicPr>
+          <p:cNvPr id="4" name="Picture 3"/>
+          <p:cNvPicPr>
+            <a:picLocks noChangeAspect="1"/>
+          </p:cNvPicPr>
+          <p:nvPr/>
+        </p:nvPicPr>
+        <p:blipFill>
+          <a:blip r:embed="rId2" cstate="print">
+            <a:extLst>
+              <a:ext uri="{28A0092B-C50C-407E-A947-70E740481C1C}">
+                <a14:useLocalDpi xmlns:a14="http://schemas.microsoft.com/office/drawing/2010/main" val="0"/>
+              </a:ext>
+            </a:extLst>
+          </a:blip>
+          <a:stretch>
+            <a:fillRect/>
+          </a:stretch>
+        </p:blipFill>
+        <p:spPr>
+          <a:xfrm>
+            <a:off x="473827" y="2624781"/>
+            <a:ext cx="3048000" cy="3010504"/>
+          </a:xfrm>
+          <a:prstGeom prst="rect">
+            <a:avLst/>
+          </a:prstGeom>
+        </p:spPr>
+      </p:pic>
+      <p:pic>
+        <p:nvPicPr>
+          <p:cNvPr id="7" name="Picture 6"/>
+          <p:cNvPicPr>
+            <a:picLocks noChangeAspect="1"/>
+          </p:cNvPicPr>
+          <p:nvPr/>
+        </p:nvPicPr>
+        <p:blipFill>
+          <a:blip r:embed="rId3">
+            <a:extLst>
+              <a:ext uri="{28A0092B-C50C-407E-A947-70E740481C1C}">
+                <a14:useLocalDpi xmlns:a14="http://schemas.microsoft.com/office/drawing/2010/main" val="0"/>
+              </a:ext>
+            </a:extLst>
+          </a:blip>
+          <a:stretch>
+            <a:fillRect/>
+          </a:stretch>
+        </p:blipFill>
+        <p:spPr>
+          <a:xfrm>
+            <a:off x="5334000" y="461066"/>
+            <a:ext cx="3548194" cy="6315482"/>
+          </a:xfrm>
+          <a:prstGeom prst="rect">
+            <a:avLst/>
+          </a:prstGeom>
+        </p:spPr>
+      </p:pic>
+      <p:sp>
+        <p:nvSpPr>
+          <p:cNvPr id="8" name="Rectangle 7"/>
+          <p:cNvSpPr/>
+          <p:nvPr/>
+        </p:nvSpPr>
+        <p:spPr>
+          <a:xfrm>
+            <a:off x="1028700" y="3962400"/>
+            <a:ext cx="1104900" cy="685800"/>
+          </a:xfrm>
+          <a:prstGeom prst="rect">
+            <a:avLst/>
+          </a:prstGeom>
+          <a:noFill/>
+          <a:ln>
+            <a:solidFill>
+              <a:srgbClr val="FF0000"/>
+            </a:solidFill>
+          </a:ln>
+        </p:spPr>
+        <p:style>
+          <a:lnRef idx="2">
+            <a:schemeClr val="accent1">
+              <a:shade val="50000"/>
+            </a:schemeClr>
+          </a:lnRef>
+          <a:fillRef idx="1">
+            <a:schemeClr val="accent1"/>
+          </a:fillRef>
+          <a:effectRef idx="0">
+            <a:schemeClr val="accent1"/>
+          </a:effectRef>
+          <a:fontRef idx="minor">
+            <a:schemeClr val="lt1"/>
+          </a:fontRef>
+        </p:style>
+        <p:txBody>
+          <a:bodyPr rtlCol="0" anchor="ctr"/>
+          <a:lstStyle/>
+          <a:p>
+            <a:pPr algn="ctr"/>
+            <a:endParaRPr lang="en-US"/>
+          </a:p>
+        </p:txBody>
+      </p:sp>
+    </p:spTree>
+    <p:extLst>
+      <p:ext uri="{BB962C8B-B14F-4D97-AF65-F5344CB8AC3E}">
+        <p14:creationId xmlns:p14="http://schemas.microsoft.com/office/powerpoint/2010/main" val="525145471"/>
+      </p:ext>
+    </p:extLst>
+  </p:cSld>
+  <p:clrMapOvr>
+    <a:masterClrMapping/>
+  </p:clrMapOvr>
+  <p:timing>
+    <p:tnLst>
+      <p:par>
+        <p:cTn id="1" dur="indefinite" restart="never" nodeType="tmRoot"/>
+      </p:par>
+    </p:tnLst>
+  </p:timing>
+</p:sld>
+</file>
+
+<file path=ppt/slides/slide28.xml><?xml version="1.0" encoding="utf-8"?>
+<p:sld xmlns:a="http://schemas.openxmlformats.org/drawingml/2006/main" xmlns:r="http://schemas.openxmlformats.org/officeDocument/2006/relationships" xmlns:p="http://schemas.openxmlformats.org/presentationml/2006/main">
+  <p:cSld>
+    <p:spTree>
+      <p:nvGrpSpPr>
+        <p:cNvPr id="1" name=""/>
+        <p:cNvGrpSpPr/>
+        <p:nvPr/>
+      </p:nvGrpSpPr>
+      <p:grpSpPr>
+        <a:xfrm>
+          <a:off x="0" y="0"/>
+          <a:ext cx="0" cy="0"/>
+          <a:chOff x="0" y="0"/>
+          <a:chExt cx="0" cy="0"/>
+        </a:xfrm>
+      </p:grpSpPr>
+      <p:sp>
+        <p:nvSpPr>
+          <p:cNvPr id="2" name="Content Placeholder 1"/>
+          <p:cNvSpPr>
+            <a:spLocks noGrp="1"/>
+          </p:cNvSpPr>
+          <p:nvPr>
+            <p:ph idx="1"/>
+          </p:nvPr>
+        </p:nvSpPr>
+        <p:spPr>
+          <a:xfrm>
+            <a:off x="0" y="685800"/>
+            <a:ext cx="9144000" cy="6172200"/>
+          </a:xfrm>
+        </p:spPr>
+        <p:txBody>
+          <a:bodyPr>
+            <a:noAutofit/>
+          </a:bodyPr>
+          <a:lstStyle/>
+          <a:p>
+            <a:r>
+              <a:rPr lang="en-US" dirty="0" smtClean="0"/>
+              <a:t>Graph </a:t>
+            </a:r>
+            <a:r>
+              <a:rPr lang="en-US" dirty="0" smtClean="0"/>
+              <a:t>isomorphic network(GIN) </a:t>
+            </a:r>
+            <a:r>
+              <a:rPr lang="en-US" dirty="0" smtClean="0"/>
+              <a:t>layer</a:t>
+            </a:r>
+          </a:p>
+          <a:p>
+            <a:pPr lvl="1"/>
+            <a:r>
+              <a:rPr lang="en-US" sz="1600" dirty="0" smtClean="0"/>
+              <a:t>graph attention Layer from the </a:t>
+            </a:r>
+            <a:r>
+              <a:rPr lang="en-US" sz="1600" dirty="0">
+                <a:hlinkClick r:id="rId2"/>
+              </a:rPr>
+              <a:t>“How Powerful are Graph Neural Networks?”</a:t>
+            </a:r>
+            <a:r>
+              <a:rPr lang="en-US" sz="1600" dirty="0" smtClean="0"/>
+              <a:t> paper in </a:t>
+            </a:r>
+            <a:r>
+              <a:rPr lang="en-US" sz="1600" dirty="0" smtClean="0"/>
+              <a:t>2019.</a:t>
+            </a:r>
+            <a:endParaRPr lang="en-US" sz="1600" dirty="0" smtClean="0"/>
+          </a:p>
+          <a:p>
+            <a:pPr lvl="1"/>
+            <a:r>
+              <a:rPr lang="en-US" sz="1600" dirty="0" smtClean="0"/>
+              <a:t>Implemented in </a:t>
+            </a:r>
+            <a:r>
+              <a:rPr lang="en-US" sz="1600" dirty="0" err="1" smtClean="0"/>
+              <a:t>torch_geometric</a:t>
+            </a:r>
+            <a:r>
+              <a:rPr lang="en-US" sz="1600" dirty="0" smtClean="0"/>
+              <a:t> as </a:t>
+            </a:r>
+            <a:r>
+              <a:rPr lang="en-US" sz="1600" b="1" dirty="0" err="1" smtClean="0"/>
+              <a:t>GINConv</a:t>
+            </a:r>
+            <a:endParaRPr lang="en-US" sz="1600" b="1" dirty="0" smtClean="0"/>
+          </a:p>
+          <a:p>
+            <a:pPr lvl="1"/>
+            <a:endParaRPr lang="en-US" b="1" dirty="0"/>
+          </a:p>
+          <a:p>
+            <a:pPr lvl="1"/>
+            <a:endParaRPr lang="en-US" b="1" dirty="0" smtClean="0"/>
+          </a:p>
+          <a:p>
+            <a:pPr lvl="1"/>
+            <a:endParaRPr lang="en-US" b="1" dirty="0"/>
+          </a:p>
+          <a:p>
+            <a:pPr lvl="1"/>
+            <a:endParaRPr lang="en-US" b="1" dirty="0" smtClean="0"/>
+          </a:p>
+          <a:p>
+            <a:pPr lvl="1"/>
+            <a:endParaRPr lang="en-US" b="1" dirty="0" smtClean="0"/>
+          </a:p>
+          <a:p>
+            <a:pPr lvl="1"/>
+            <a:endParaRPr lang="en-US" b="1" dirty="0" smtClean="0"/>
+          </a:p>
+          <a:p>
+            <a:pPr lvl="4"/>
+            <a:endParaRPr lang="en-US" b="1" dirty="0" smtClean="0"/>
+          </a:p>
+          <a:p>
+            <a:pPr lvl="2"/>
+            <a:r>
+              <a:rPr lang="en-US" sz="1800" b="1" dirty="0"/>
+              <a:t>A</a:t>
+            </a:r>
+            <a:r>
+              <a:rPr lang="en-US" sz="1800" dirty="0"/>
+              <a:t> : adjacency matrix </a:t>
+            </a:r>
+            <a:r>
+              <a:rPr lang="en-US" sz="1800" b="1" dirty="0"/>
+              <a:t>N * N</a:t>
+            </a:r>
+          </a:p>
+          <a:p>
+            <a:pPr lvl="2"/>
+            <a:r>
+              <a:rPr lang="en-US" sz="1800" b="1" dirty="0"/>
+              <a:t>X</a:t>
+            </a:r>
+            <a:r>
+              <a:rPr lang="en-US" sz="1800" dirty="0"/>
+              <a:t> : is node feature matrix </a:t>
+            </a:r>
+            <a:r>
+              <a:rPr lang="en-US" sz="1800" b="1" dirty="0"/>
+              <a:t>N * </a:t>
+            </a:r>
+            <a:r>
+              <a:rPr lang="en-US" sz="1800" b="1" dirty="0" smtClean="0"/>
+              <a:t>C</a:t>
+            </a:r>
+          </a:p>
+          <a:p>
+            <a:pPr lvl="2"/>
+            <a:r>
+              <a:rPr lang="en-US" sz="1800" b="1" dirty="0" smtClean="0"/>
+              <a:t>Z </a:t>
+            </a:r>
+            <a:r>
+              <a:rPr lang="en-US" sz="1800" b="1" dirty="0"/>
+              <a:t>: </a:t>
+            </a:r>
+            <a:r>
+              <a:rPr lang="en-US" sz="1800" dirty="0"/>
+              <a:t>Final Output Feature Matrix </a:t>
+            </a:r>
+            <a:r>
+              <a:rPr lang="en-US" sz="1800" b="1" dirty="0"/>
+              <a:t>N * </a:t>
+            </a:r>
+            <a:r>
+              <a:rPr lang="en-US" sz="1800" b="1" dirty="0" smtClean="0"/>
+              <a:t>F</a:t>
+            </a:r>
+            <a:endParaRPr lang="en-US" b="1" dirty="0" smtClean="0"/>
+          </a:p>
+          <a:p>
+            <a:pPr lvl="1"/>
+            <a:endParaRPr lang="en-US" dirty="0"/>
+          </a:p>
+          <a:p>
+            <a:pPr lvl="1"/>
+            <a:endParaRPr lang="en-US" b="1" dirty="0" smtClean="0"/>
+          </a:p>
+          <a:p>
+            <a:pPr lvl="1"/>
+            <a:endParaRPr lang="en-US" b="1" dirty="0"/>
+          </a:p>
+          <a:p>
+            <a:pPr lvl="2"/>
+            <a:endParaRPr lang="en-US" dirty="0" smtClean="0"/>
+          </a:p>
+          <a:p>
+            <a:pPr lvl="2"/>
+            <a:endParaRPr lang="en-US" dirty="0"/>
+          </a:p>
+          <a:p>
+            <a:pPr lvl="2"/>
+            <a:endParaRPr lang="en-US" dirty="0" smtClean="0"/>
+          </a:p>
+          <a:p>
+            <a:pPr lvl="2"/>
+            <a:endParaRPr lang="en-US" dirty="0" smtClean="0"/>
+          </a:p>
+          <a:p>
+            <a:pPr marL="630936" lvl="2" indent="0">
+              <a:buNone/>
+            </a:pPr>
+            <a:r>
+              <a:rPr lang="en-US" dirty="0" smtClean="0"/>
+              <a:t/>
+            </a:r>
+            <a:br>
+              <a:rPr lang="en-US" dirty="0" smtClean="0"/>
+            </a:br>
+            <a:endParaRPr lang="en-US" dirty="0"/>
+          </a:p>
+        </p:txBody>
+      </p:sp>
+      <p:sp>
+        <p:nvSpPr>
+          <p:cNvPr id="3" name="Title 2"/>
+          <p:cNvSpPr>
+            <a:spLocks noGrp="1"/>
+          </p:cNvSpPr>
+          <p:nvPr>
+            <p:ph type="title"/>
+          </p:nvPr>
+        </p:nvSpPr>
+        <p:spPr>
+          <a:xfrm>
+            <a:off x="586394" y="152400"/>
+            <a:ext cx="8229600" cy="563562"/>
+          </a:xfrm>
+        </p:spPr>
+        <p:txBody>
+          <a:bodyPr>
+            <a:normAutofit fontScale="90000"/>
+          </a:bodyPr>
+          <a:lstStyle/>
+          <a:p>
+            <a:r>
+              <a:rPr lang="en-US" dirty="0" smtClean="0"/>
+              <a:t>Drug Branch</a:t>
+            </a:r>
+            <a:endParaRPr lang="en-US" dirty="0"/>
+          </a:p>
+        </p:txBody>
+      </p:sp>
+      <p:pic>
+        <p:nvPicPr>
+          <p:cNvPr id="1026" name="Picture 2"/>
+          <p:cNvPicPr>
+            <a:picLocks noChangeAspect="1" noChangeArrowheads="1"/>
+          </p:cNvPicPr>
+          <p:nvPr/>
+        </p:nvPicPr>
+        <p:blipFill>
+          <a:blip r:embed="rId3">
+            <a:extLst>
+              <a:ext uri="{28A0092B-C50C-407E-A947-70E740481C1C}">
+                <a14:useLocalDpi xmlns:a14="http://schemas.microsoft.com/office/drawing/2010/main" val="0"/>
+              </a:ext>
+            </a:extLst>
+          </a:blip>
+          <a:srcRect/>
+          <a:stretch>
+            <a:fillRect/>
+          </a:stretch>
+        </p:blipFill>
+        <p:spPr bwMode="auto">
+          <a:xfrm>
+            <a:off x="119149" y="1910542"/>
+            <a:ext cx="8991600" cy="2580198"/>
+          </a:xfrm>
+          <a:prstGeom prst="rect">
+            <a:avLst/>
+          </a:prstGeom>
+          <a:noFill/>
+          <a:ln>
+            <a:noFill/>
+          </a:ln>
+          <a:effectLst/>
+          <a:extLst>
+            <a:ext uri="{909E8E84-426E-40DD-AFC4-6F175D3DCCD1}">
+              <a14:hiddenFill xmlns:a14="http://schemas.microsoft.com/office/drawing/2010/main">
+                <a:solidFill>
+                  <a:schemeClr val="accent1"/>
+                </a:solidFill>
+              </a14:hiddenFill>
+            </a:ext>
+            <a:ext uri="{91240B29-F687-4F45-9708-019B960494DF}">
+              <a14:hiddenLine xmlns:a14="http://schemas.microsoft.com/office/drawing/2010/main" w="9525">
+                <a:solidFill>
+                  <a:schemeClr val="tx1"/>
+                </a:solidFill>
+                <a:miter lim="800000"/>
+                <a:headEnd/>
+                <a:tailEnd/>
+              </a14:hiddenLine>
+            </a:ext>
+            <a:ext uri="{AF507438-7753-43E0-B8FC-AC1667EBCBE1}">
+              <a14:hiddenEffects xmlns:a14="http://schemas.microsoft.com/office/drawing/2010/main">
+                <a:effectLst>
+                  <a:outerShdw dist="35921" dir="2700000" algn="ctr" rotWithShape="0">
+                    <a:schemeClr val="bg2"/>
+                  </a:outerShdw>
+                </a:effectLst>
+              </a14:hiddenEffects>
+            </a:ext>
+          </a:extLst>
+        </p:spPr>
+      </p:pic>
+    </p:spTree>
+    <p:extLst>
+      <p:ext uri="{BB962C8B-B14F-4D97-AF65-F5344CB8AC3E}">
+        <p14:creationId xmlns:p14="http://schemas.microsoft.com/office/powerpoint/2010/main" val="3959654449"/>
+      </p:ext>
+    </p:extLst>
+  </p:cSld>
+  <p:clrMapOvr>
+    <a:masterClrMapping/>
+  </p:clrMapOvr>
+  <p:timing>
+    <p:tnLst>
+      <p:par>
+        <p:cTn id="1" dur="indefinite" restart="never" nodeType="tmRoot"/>
+      </p:par>
+    </p:tnLst>
+  </p:timing>
+</p:sld>
+</file>
+
+<file path=ppt/slides/slide29.xml><?xml version="1.0" encoding="utf-8"?>
+<p:sld xmlns:a="http://schemas.openxmlformats.org/drawingml/2006/main" xmlns:r="http://schemas.openxmlformats.org/officeDocument/2006/relationships" xmlns:p="http://schemas.openxmlformats.org/presentationml/2006/main">
+  <p:cSld>
+    <p:spTree>
+      <p:nvGrpSpPr>
+        <p:cNvPr id="1" name=""/>
+        <p:cNvGrpSpPr/>
+        <p:nvPr/>
+      </p:nvGrpSpPr>
+      <p:grpSpPr>
+        <a:xfrm>
+          <a:off x="0" y="0"/>
+          <a:ext cx="0" cy="0"/>
+          <a:chOff x="0" y="0"/>
+          <a:chExt cx="0" cy="0"/>
+        </a:xfrm>
+      </p:grpSpPr>
+      <p:sp>
+        <p:nvSpPr>
+          <p:cNvPr id="2" name="Content Placeholder 1"/>
+          <p:cNvSpPr>
+            <a:spLocks noGrp="1"/>
+          </p:cNvSpPr>
+          <p:nvPr>
+            <p:ph idx="1"/>
+          </p:nvPr>
+        </p:nvSpPr>
+        <p:spPr>
+          <a:xfrm>
+            <a:off x="457200" y="838200"/>
+            <a:ext cx="8458200" cy="5867400"/>
+          </a:xfrm>
+        </p:spPr>
+        <p:txBody>
+          <a:bodyPr/>
+          <a:lstStyle/>
+          <a:p>
+            <a:r>
+              <a:rPr lang="en-US" dirty="0" smtClean="0"/>
+              <a:t>GIN-based </a:t>
+            </a:r>
+            <a:r>
+              <a:rPr lang="en-US" dirty="0"/>
+              <a:t>model</a:t>
+            </a:r>
+          </a:p>
+          <a:p>
+            <a:pPr lvl="1"/>
+            <a:endParaRPr lang="en-US" dirty="0"/>
+          </a:p>
+        </p:txBody>
+      </p:sp>
+      <p:sp>
+        <p:nvSpPr>
+          <p:cNvPr id="3" name="Title 2"/>
+          <p:cNvSpPr>
+            <a:spLocks noGrp="1"/>
+          </p:cNvSpPr>
+          <p:nvPr>
+            <p:ph type="title"/>
+          </p:nvPr>
+        </p:nvSpPr>
+        <p:spPr>
+          <a:xfrm>
+            <a:off x="457200" y="274638"/>
+            <a:ext cx="8229600" cy="563562"/>
+          </a:xfrm>
+        </p:spPr>
+        <p:txBody>
+          <a:bodyPr>
+            <a:normAutofit fontScale="90000"/>
+          </a:bodyPr>
+          <a:lstStyle/>
+          <a:p>
+            <a:r>
+              <a:rPr lang="en-US" dirty="0"/>
+              <a:t>Drug Branch</a:t>
+            </a:r>
+          </a:p>
+        </p:txBody>
+      </p:sp>
+      <p:pic>
+        <p:nvPicPr>
+          <p:cNvPr id="4" name="Picture 3"/>
+          <p:cNvPicPr>
+            <a:picLocks noChangeAspect="1"/>
+          </p:cNvPicPr>
+          <p:nvPr/>
+        </p:nvPicPr>
+        <p:blipFill>
+          <a:blip r:embed="rId2" cstate="print">
+            <a:extLst>
+              <a:ext uri="{28A0092B-C50C-407E-A947-70E740481C1C}">
+                <a14:useLocalDpi xmlns:a14="http://schemas.microsoft.com/office/drawing/2010/main" val="0"/>
+              </a:ext>
+            </a:extLst>
+          </a:blip>
+          <a:stretch>
+            <a:fillRect/>
+          </a:stretch>
+        </p:blipFill>
+        <p:spPr>
+          <a:xfrm>
+            <a:off x="473827" y="2624781"/>
+            <a:ext cx="3048000" cy="3010504"/>
+          </a:xfrm>
+          <a:prstGeom prst="rect">
+            <a:avLst/>
+          </a:prstGeom>
+        </p:spPr>
+      </p:pic>
+      <p:sp>
+        <p:nvSpPr>
+          <p:cNvPr id="8" name="Rectangle 7"/>
+          <p:cNvSpPr/>
+          <p:nvPr/>
+        </p:nvSpPr>
+        <p:spPr>
+          <a:xfrm>
+            <a:off x="1028700" y="3962400"/>
+            <a:ext cx="1104900" cy="685800"/>
+          </a:xfrm>
+          <a:prstGeom prst="rect">
+            <a:avLst/>
+          </a:prstGeom>
+          <a:noFill/>
+          <a:ln>
+            <a:solidFill>
+              <a:srgbClr val="FF0000"/>
+            </a:solidFill>
+          </a:ln>
+        </p:spPr>
+        <p:style>
+          <a:lnRef idx="2">
+            <a:schemeClr val="accent1">
+              <a:shade val="50000"/>
+            </a:schemeClr>
+          </a:lnRef>
+          <a:fillRef idx="1">
+            <a:schemeClr val="accent1"/>
+          </a:fillRef>
+          <a:effectRef idx="0">
+            <a:schemeClr val="accent1"/>
+          </a:effectRef>
+          <a:fontRef idx="minor">
+            <a:schemeClr val="lt1"/>
+          </a:fontRef>
+        </p:style>
+        <p:txBody>
+          <a:bodyPr rtlCol="0" anchor="ctr"/>
+          <a:lstStyle/>
+          <a:p>
+            <a:pPr algn="ctr"/>
+            <a:endParaRPr lang="en-US"/>
+          </a:p>
+        </p:txBody>
+      </p:sp>
+      <p:pic>
+        <p:nvPicPr>
+          <p:cNvPr id="5" name="Picture 4"/>
+          <p:cNvPicPr>
+            <a:picLocks noChangeAspect="1"/>
+          </p:cNvPicPr>
+          <p:nvPr/>
+        </p:nvPicPr>
+        <p:blipFill>
+          <a:blip r:embed="rId3">
+            <a:extLst>
+              <a:ext uri="{28A0092B-C50C-407E-A947-70E740481C1C}">
+                <a14:useLocalDpi xmlns:a14="http://schemas.microsoft.com/office/drawing/2010/main" val="0"/>
+              </a:ext>
+            </a:extLst>
+          </a:blip>
+          <a:stretch>
+            <a:fillRect/>
+          </a:stretch>
+        </p:blipFill>
+        <p:spPr>
+          <a:xfrm>
+            <a:off x="5334000" y="23553"/>
+            <a:ext cx="3581400" cy="6858000"/>
+          </a:xfrm>
+          <a:prstGeom prst="rect">
+            <a:avLst/>
+          </a:prstGeom>
+        </p:spPr>
+      </p:pic>
+    </p:spTree>
+    <p:extLst>
+      <p:ext uri="{BB962C8B-B14F-4D97-AF65-F5344CB8AC3E}">
+        <p14:creationId xmlns:p14="http://schemas.microsoft.com/office/powerpoint/2010/main" val="2099308790"/>
+      </p:ext>
+    </p:extLst>
+  </p:cSld>
+  <p:clrMapOvr>
+    <a:masterClrMapping/>
+  </p:clrMapOvr>
+  <p:timing>
+    <p:tnLst>
+      <p:par>
+        <p:cTn id="1" dur="indefinite" restart="never" nodeType="tmRoot"/>
+      </p:par>
+    </p:tnLst>
+  </p:timing>
+</p:sld>
+</file>
+
+<file path=ppt/slides/slide3.xml><?xml version="1.0" encoding="utf-8"?>
+<p:sld xmlns:a="http://schemas.openxmlformats.org/drawingml/2006/main" xmlns:r="http://schemas.openxmlformats.org/officeDocument/2006/relationships" xmlns:p="http://schemas.openxmlformats.org/presentationml/2006/main">
+  <p:cSld>
+    <p:spTree>
+      <p:nvGrpSpPr>
+        <p:cNvPr id="1" name=""/>
+        <p:cNvGrpSpPr/>
+        <p:nvPr/>
+      </p:nvGrpSpPr>
+      <p:grpSpPr>
+        <a:xfrm>
+          <a:off x="0" y="0"/>
+          <a:ext cx="0" cy="0"/>
+          <a:chOff x="0" y="0"/>
+          <a:chExt cx="0" cy="0"/>
+        </a:xfrm>
+      </p:grpSpPr>
+      <p:sp>
+        <p:nvSpPr>
+          <p:cNvPr id="2" name="Content Placeholder 1"/>
+          <p:cNvSpPr>
+            <a:spLocks noGrp="1"/>
+          </p:cNvSpPr>
+          <p:nvPr>
+            <p:ph idx="1"/>
+          </p:nvPr>
+        </p:nvSpPr>
+        <p:spPr/>
+        <p:txBody>
+          <a:bodyPr>
+            <a:normAutofit/>
+          </a:bodyPr>
+          <a:lstStyle/>
+          <a:p>
+            <a:r>
+              <a:rPr lang="en-US" dirty="0"/>
+              <a:t>A virus encodes one or more </a:t>
+            </a:r>
+            <a:r>
+              <a:rPr lang="en-US" b="1" dirty="0"/>
+              <a:t>proteases</a:t>
+            </a:r>
+            <a:r>
+              <a:rPr lang="en-US" dirty="0"/>
+              <a:t> which are enzymes that spur the formation of new protein products, thus play crucial roles in virus </a:t>
+            </a:r>
+            <a:r>
+              <a:rPr lang="en-US" dirty="0" smtClean="0"/>
+              <a:t>replication</a:t>
+            </a:r>
+          </a:p>
+          <a:p>
+            <a:r>
+              <a:rPr lang="en-US" b="1" dirty="0"/>
+              <a:t>proteases </a:t>
+            </a:r>
+            <a:r>
+              <a:rPr lang="en-US" dirty="0" smtClean="0"/>
+              <a:t>are </a:t>
+            </a:r>
+            <a:r>
+              <a:rPr lang="en-US" dirty="0"/>
+              <a:t>important targets for the design and development of potent antiviral agents or </a:t>
+            </a:r>
+            <a:r>
+              <a:rPr lang="en-US" b="1" dirty="0" smtClean="0"/>
+              <a:t>drugs</a:t>
+            </a:r>
+          </a:p>
+        </p:txBody>
+      </p:sp>
+      <p:sp>
+        <p:nvSpPr>
+          <p:cNvPr id="3" name="Title 2"/>
+          <p:cNvSpPr>
+            <a:spLocks noGrp="1"/>
+          </p:cNvSpPr>
+          <p:nvPr>
+            <p:ph type="title"/>
+          </p:nvPr>
+        </p:nvSpPr>
+        <p:spPr/>
+        <p:txBody>
+          <a:bodyPr/>
+          <a:lstStyle/>
+          <a:p>
+            <a:r>
+              <a:rPr lang="en-US" dirty="0" smtClean="0"/>
+              <a:t>Introduction</a:t>
+            </a:r>
+            <a:endParaRPr lang="en-US" dirty="0"/>
+          </a:p>
+        </p:txBody>
+      </p:sp>
+    </p:spTree>
+    <p:extLst>
+      <p:ext uri="{BB962C8B-B14F-4D97-AF65-F5344CB8AC3E}">
+        <p14:creationId xmlns:p14="http://schemas.microsoft.com/office/powerpoint/2010/main" val="1428778530"/>
+      </p:ext>
+    </p:extLst>
+  </p:cSld>
+  <p:clrMapOvr>
+    <a:masterClrMapping/>
+  </p:clrMapOvr>
+</p:sld>
+</file>
+
+<file path=ppt/slides/slide30.xml><?xml version="1.0" encoding="utf-8"?>
 <p:sld xmlns:a="http://schemas.openxmlformats.org/drawingml/2006/main" xmlns:r="http://schemas.openxmlformats.org/officeDocument/2006/relationships" xmlns:p="http://schemas.openxmlformats.org/presentationml/2006/main">
   <p:cSld>
     <p:spTree>
@@ -13577,10 +15000,17 @@
   <p:clrMapOvr>
     <a:masterClrMapping/>
   </p:clrMapOvr>
+  <p:timing>
+    <p:tnLst>
+      <p:par>
+        <p:cTn id="1" dur="indefinite" restart="never" nodeType="tmRoot"/>
+      </p:par>
+    </p:tnLst>
+  </p:timing>
 </p:sld>
 </file>
 
-<file path=ppt/slides/slide26.xml><?xml version="1.0" encoding="utf-8"?>
+<file path=ppt/slides/slide31.xml><?xml version="1.0" encoding="utf-8"?>
 <p:sld xmlns:a="http://schemas.openxmlformats.org/drawingml/2006/main" xmlns:r="http://schemas.openxmlformats.org/officeDocument/2006/relationships" xmlns:p="http://schemas.openxmlformats.org/presentationml/2006/main">
   <p:cSld>
     <p:spTree>
@@ -13637,21 +15067,13 @@
           <a:p>
             <a:r>
               <a:rPr lang="en-US" dirty="0" smtClean="0"/>
-              <a:t>Refactor </a:t>
-            </a:r>
-            <a:r>
-              <a:rPr lang="en-US" dirty="0"/>
-              <a:t>the </a:t>
-            </a:r>
+              <a:t>Refactor and debug the code</a:t>
+            </a:r>
+          </a:p>
+          <a:p>
             <a:r>
               <a:rPr lang="en-US" dirty="0" smtClean="0"/>
-              <a:t>code</a:t>
-            </a:r>
-          </a:p>
-          <a:p>
-            <a:r>
-              <a:rPr lang="en-US" dirty="0" smtClean="0"/>
-              <a:t>Train the given 4 models on 3 datasets </a:t>
+              <a:t>Train the proposed 4 models on 3 datasets </a:t>
             </a:r>
           </a:p>
           <a:p>
@@ -13731,10 +15153,17 @@
   <p:clrMapOvr>
     <a:masterClrMapping/>
   </p:clrMapOvr>
+  <p:timing>
+    <p:tnLst>
+      <p:par>
+        <p:cTn id="1" dur="indefinite" restart="never" nodeType="tmRoot"/>
+      </p:par>
+    </p:tnLst>
+  </p:timing>
 </p:sld>
 </file>
 
-<file path=ppt/slides/slide27.xml><?xml version="1.0" encoding="utf-8"?>
+<file path=ppt/slides/slide32.xml><?xml version="1.0" encoding="utf-8"?>
 <p:sld xmlns:a="http://schemas.openxmlformats.org/drawingml/2006/main" xmlns:r="http://schemas.openxmlformats.org/officeDocument/2006/relationships" xmlns:p="http://schemas.openxmlformats.org/presentationml/2006/main">
   <p:cSld>
     <p:spTree>
@@ -13978,7 +15407,7 @@
 </p:sld>
 </file>
 
-<file path=ppt/slides/slide28.xml><?xml version="1.0" encoding="utf-8"?>
+<file path=ppt/slides/slide33.xml><?xml version="1.0" encoding="utf-8"?>
 <p:sld xmlns:a="http://schemas.openxmlformats.org/drawingml/2006/main" xmlns:r="http://schemas.openxmlformats.org/officeDocument/2006/relationships" xmlns:p="http://schemas.openxmlformats.org/presentationml/2006/main">
   <p:cSld>
     <p:spTree>
@@ -14222,7 +15651,7 @@
 </p:sld>
 </file>
 
-<file path=ppt/slides/slide29.xml><?xml version="1.0" encoding="utf-8"?>
+<file path=ppt/slides/slide34.xml><?xml version="1.0" encoding="utf-8"?>
 <p:sld xmlns:a="http://schemas.openxmlformats.org/drawingml/2006/main" xmlns:r="http://schemas.openxmlformats.org/officeDocument/2006/relationships" xmlns:p="http://schemas.openxmlformats.org/presentationml/2006/main">
   <p:cSld>
     <p:spTree>
@@ -14466,114 +15895,7 @@
 </p:sld>
 </file>
 
-<file path=ppt/slides/slide3.xml><?xml version="1.0" encoding="utf-8"?>
-<p:sld xmlns:a="http://schemas.openxmlformats.org/drawingml/2006/main" xmlns:r="http://schemas.openxmlformats.org/officeDocument/2006/relationships" xmlns:p="http://schemas.openxmlformats.org/presentationml/2006/main">
-  <p:cSld>
-    <p:spTree>
-      <p:nvGrpSpPr>
-        <p:cNvPr id="1" name=""/>
-        <p:cNvGrpSpPr/>
-        <p:nvPr/>
-      </p:nvGrpSpPr>
-      <p:grpSpPr>
-        <a:xfrm>
-          <a:off x="0" y="0"/>
-          <a:ext cx="0" cy="0"/>
-          <a:chOff x="0" y="0"/>
-          <a:chExt cx="0" cy="0"/>
-        </a:xfrm>
-      </p:grpSpPr>
-      <p:sp>
-        <p:nvSpPr>
-          <p:cNvPr id="2" name="Content Placeholder 1"/>
-          <p:cNvSpPr>
-            <a:spLocks noGrp="1"/>
-          </p:cNvSpPr>
-          <p:nvPr>
-            <p:ph idx="1"/>
-          </p:nvPr>
-        </p:nvSpPr>
-        <p:spPr/>
-        <p:txBody>
-          <a:bodyPr>
-            <a:normAutofit/>
-          </a:bodyPr>
-          <a:lstStyle/>
-          <a:p>
-            <a:r>
-              <a:rPr lang="en-US" dirty="0"/>
-              <a:t>A virus encodes one or more </a:t>
-            </a:r>
-            <a:r>
-              <a:rPr lang="en-US" b="1" dirty="0"/>
-              <a:t>proteases</a:t>
-            </a:r>
-            <a:r>
-              <a:rPr lang="en-US" dirty="0"/>
-              <a:t> which are enzymes that spur the formation of new protein products, thus play crucial roles in virus </a:t>
-            </a:r>
-            <a:r>
-              <a:rPr lang="en-US" dirty="0" smtClean="0"/>
-              <a:t>replication</a:t>
-            </a:r>
-          </a:p>
-          <a:p>
-            <a:r>
-              <a:rPr lang="en-US" b="1" dirty="0"/>
-              <a:t>proteases </a:t>
-            </a:r>
-            <a:r>
-              <a:rPr lang="en-US" dirty="0" smtClean="0"/>
-              <a:t>are </a:t>
-            </a:r>
-            <a:r>
-              <a:rPr lang="en-US" dirty="0"/>
-              <a:t>important targets for the design and development of potent antiviral agents or </a:t>
-            </a:r>
-            <a:r>
-              <a:rPr lang="en-US" b="1" dirty="0" smtClean="0"/>
-              <a:t>drugs</a:t>
-            </a:r>
-          </a:p>
-        </p:txBody>
-      </p:sp>
-      <p:sp>
-        <p:nvSpPr>
-          <p:cNvPr id="3" name="Title 2"/>
-          <p:cNvSpPr>
-            <a:spLocks noGrp="1"/>
-          </p:cNvSpPr>
-          <p:nvPr>
-            <p:ph type="title"/>
-          </p:nvPr>
-        </p:nvSpPr>
-        <p:spPr/>
-        <p:txBody>
-          <a:bodyPr/>
-          <a:lstStyle/>
-          <a:p>
-            <a:r>
-              <a:rPr lang="en-US" dirty="0" smtClean="0"/>
-              <a:t>Introduction</a:t>
-            </a:r>
-            <a:endParaRPr lang="en-US" dirty="0"/>
-          </a:p>
-        </p:txBody>
-      </p:sp>
-    </p:spTree>
-    <p:extLst>
-      <p:ext uri="{BB962C8B-B14F-4D97-AF65-F5344CB8AC3E}">
-        <p14:creationId xmlns:p14="http://schemas.microsoft.com/office/powerpoint/2010/main" val="1428778530"/>
-      </p:ext>
-    </p:extLst>
-  </p:cSld>
-  <p:clrMapOvr>
-    <a:masterClrMapping/>
-  </p:clrMapOvr>
-</p:sld>
-</file>
-
-<file path=ppt/slides/slide30.xml><?xml version="1.0" encoding="utf-8"?>
+<file path=ppt/slides/slide35.xml><?xml version="1.0" encoding="utf-8"?>
 <p:sld xmlns:a="http://schemas.openxmlformats.org/drawingml/2006/main" xmlns:r="http://schemas.openxmlformats.org/officeDocument/2006/relationships" xmlns:p="http://schemas.openxmlformats.org/presentationml/2006/main">
   <p:cSld>
     <p:spTree>
@@ -14821,7 +16143,7 @@
 </p:sld>
 </file>
 
-<file path=ppt/slides/slide31.xml><?xml version="1.0" encoding="utf-8"?>
+<file path=ppt/slides/slide36.xml><?xml version="1.0" encoding="utf-8"?>
 <p:sld xmlns:a="http://schemas.openxmlformats.org/drawingml/2006/main" xmlns:r="http://schemas.openxmlformats.org/officeDocument/2006/relationships" xmlns:p="http://schemas.openxmlformats.org/presentationml/2006/main">
   <p:cSld>
     <p:spTree>
@@ -15061,7 +16383,7 @@
 </p:sld>
 </file>
 
-<file path=ppt/slides/slide32.xml><?xml version="1.0" encoding="utf-8"?>
+<file path=ppt/slides/slide37.xml><?xml version="1.0" encoding="utf-8"?>
 <p:sld xmlns:a="http://schemas.openxmlformats.org/drawingml/2006/main" xmlns:r="http://schemas.openxmlformats.org/officeDocument/2006/relationships" xmlns:p="http://schemas.openxmlformats.org/presentationml/2006/main">
   <p:cSld>
     <p:spTree>
@@ -15301,7 +16623,7 @@
 </p:sld>
 </file>
 
-<file path=ppt/slides/slide33.xml><?xml version="1.0" encoding="utf-8"?>
+<file path=ppt/slides/slide38.xml><?xml version="1.0" encoding="utf-8"?>
 <p:sld xmlns:a="http://schemas.openxmlformats.org/drawingml/2006/main" xmlns:r="http://schemas.openxmlformats.org/officeDocument/2006/relationships" xmlns:p="http://schemas.openxmlformats.org/presentationml/2006/main">
   <p:cSld>
     <p:spTree>
@@ -15541,7 +16863,7 @@
 </p:sld>
 </file>
 
-<file path=ppt/slides/slide34.xml><?xml version="1.0" encoding="utf-8"?>
+<file path=ppt/slides/slide39.xml><?xml version="1.0" encoding="utf-8"?>
 <p:sld xmlns:a="http://schemas.openxmlformats.org/drawingml/2006/main" xmlns:r="http://schemas.openxmlformats.org/officeDocument/2006/relationships" xmlns:p="http://schemas.openxmlformats.org/presentationml/2006/main">
   <p:cSld>
     <p:spTree>
@@ -15781,7 +17103,96 @@
 </p:sld>
 </file>
 
-<file path=ppt/slides/slide35.xml><?xml version="1.0" encoding="utf-8"?>
+<file path=ppt/slides/slide4.xml><?xml version="1.0" encoding="utf-8"?>
+<p:sld xmlns:a="http://schemas.openxmlformats.org/drawingml/2006/main" xmlns:r="http://schemas.openxmlformats.org/officeDocument/2006/relationships" xmlns:p="http://schemas.openxmlformats.org/presentationml/2006/main">
+  <p:cSld>
+    <p:spTree>
+      <p:nvGrpSpPr>
+        <p:cNvPr id="1" name=""/>
+        <p:cNvGrpSpPr/>
+        <p:nvPr/>
+      </p:nvGrpSpPr>
+      <p:grpSpPr>
+        <a:xfrm>
+          <a:off x="0" y="0"/>
+          <a:ext cx="0" cy="0"/>
+          <a:chOff x="0" y="0"/>
+          <a:chExt cx="0" cy="0"/>
+        </a:xfrm>
+      </p:grpSpPr>
+      <p:sp>
+        <p:nvSpPr>
+          <p:cNvPr id="2" name="Content Placeholder 1"/>
+          <p:cNvSpPr>
+            <a:spLocks noGrp="1"/>
+          </p:cNvSpPr>
+          <p:nvPr>
+            <p:ph idx="1"/>
+          </p:nvPr>
+        </p:nvSpPr>
+        <p:spPr/>
+        <p:txBody>
+          <a:bodyPr/>
+          <a:lstStyle/>
+          <a:p>
+            <a:r>
+              <a:rPr lang="en-US" b="1" dirty="0"/>
+              <a:t>Binding affinity </a:t>
+            </a:r>
+            <a:r>
+              <a:rPr lang="en-US" dirty="0"/>
+              <a:t>is the strength of the binding interaction between a single </a:t>
+            </a:r>
+            <a:r>
+              <a:rPr lang="en-US" dirty="0" smtClean="0"/>
+              <a:t>molecule </a:t>
+            </a:r>
+            <a:r>
+              <a:rPr lang="en-US" dirty="0"/>
+              <a:t>(e.g., a virus protein) to its ligand or binding partner (e.g., a drug)</a:t>
+            </a:r>
+          </a:p>
+          <a:p>
+            <a:endParaRPr lang="en-US" dirty="0"/>
+          </a:p>
+        </p:txBody>
+      </p:sp>
+      <p:sp>
+        <p:nvSpPr>
+          <p:cNvPr id="3" name="Title 2"/>
+          <p:cNvSpPr>
+            <a:spLocks noGrp="1"/>
+          </p:cNvSpPr>
+          <p:nvPr>
+            <p:ph type="title"/>
+          </p:nvPr>
+        </p:nvSpPr>
+        <p:spPr/>
+        <p:txBody>
+          <a:bodyPr/>
+          <a:lstStyle/>
+          <a:p>
+            <a:r>
+              <a:rPr lang="en-US" dirty="0"/>
+              <a:t>Introduction</a:t>
+            </a:r>
+          </a:p>
+        </p:txBody>
+      </p:sp>
+    </p:spTree>
+    <p:extLst>
+      <p:ext uri="{BB962C8B-B14F-4D97-AF65-F5344CB8AC3E}">
+        <p14:creationId xmlns:p14="http://schemas.microsoft.com/office/powerpoint/2010/main" val="3608801134"/>
+      </p:ext>
+    </p:extLst>
+  </p:cSld>
+  <p:clrMapOvr>
+    <a:masterClrMapping/>
+  </p:clrMapOvr>
+</p:sld>
+</file>
+
+<file path=ppt/slides/slide40.xml><?xml version="1.0" encoding="utf-8"?>
 <p:sld xmlns:a="http://schemas.openxmlformats.org/drawingml/2006/main" xmlns:r="http://schemas.openxmlformats.org/officeDocument/2006/relationships" xmlns:p="http://schemas.openxmlformats.org/presentationml/2006/main">
   <p:cSld>
     <p:spTree>
@@ -16021,7 +17432,7 @@
 </p:sld>
 </file>
 
-<file path=ppt/slides/slide36.xml><?xml version="1.0" encoding="utf-8"?>
+<file path=ppt/slides/slide41.xml><?xml version="1.0" encoding="utf-8"?>
 <p:sld xmlns:a="http://schemas.openxmlformats.org/drawingml/2006/main" xmlns:r="http://schemas.openxmlformats.org/officeDocument/2006/relationships" xmlns:p="http://schemas.openxmlformats.org/presentationml/2006/main">
   <p:cSld>
     <p:spTree>
@@ -16261,7 +17672,7 @@
 </p:sld>
 </file>
 
-<file path=ppt/slides/slide37.xml><?xml version="1.0" encoding="utf-8"?>
+<file path=ppt/slides/slide42.xml><?xml version="1.0" encoding="utf-8"?>
 <p:sld xmlns:a="http://schemas.openxmlformats.org/drawingml/2006/main" xmlns:r="http://schemas.openxmlformats.org/officeDocument/2006/relationships" xmlns:p="http://schemas.openxmlformats.org/presentationml/2006/main">
   <p:cSld>
     <p:spTree>
@@ -16501,7 +17912,7 @@
 </p:sld>
 </file>
 
-<file path=ppt/slides/slide38.xml><?xml version="1.0" encoding="utf-8"?>
+<file path=ppt/slides/slide43.xml><?xml version="1.0" encoding="utf-8"?>
 <p:sld xmlns:a="http://schemas.openxmlformats.org/drawingml/2006/main" xmlns:r="http://schemas.openxmlformats.org/officeDocument/2006/relationships" xmlns:p="http://schemas.openxmlformats.org/presentationml/2006/main">
   <p:cSld>
     <p:spTree>
@@ -16741,7 +18152,7 @@
 </p:sld>
 </file>
 
-<file path=ppt/slides/slide39.xml><?xml version="1.0" encoding="utf-8"?>
+<file path=ppt/slides/slide44.xml><?xml version="1.0" encoding="utf-8"?>
 <p:sld xmlns:a="http://schemas.openxmlformats.org/drawingml/2006/main" xmlns:r="http://schemas.openxmlformats.org/officeDocument/2006/relationships" xmlns:p="http://schemas.openxmlformats.org/presentationml/2006/main">
   <p:cSld>
     <p:spTree>
@@ -18203,96 +19614,7 @@
 </p:sld>
 </file>
 
-<file path=ppt/slides/slide4.xml><?xml version="1.0" encoding="utf-8"?>
-<p:sld xmlns:a="http://schemas.openxmlformats.org/drawingml/2006/main" xmlns:r="http://schemas.openxmlformats.org/officeDocument/2006/relationships" xmlns:p="http://schemas.openxmlformats.org/presentationml/2006/main">
-  <p:cSld>
-    <p:spTree>
-      <p:nvGrpSpPr>
-        <p:cNvPr id="1" name=""/>
-        <p:cNvGrpSpPr/>
-        <p:nvPr/>
-      </p:nvGrpSpPr>
-      <p:grpSpPr>
-        <a:xfrm>
-          <a:off x="0" y="0"/>
-          <a:ext cx="0" cy="0"/>
-          <a:chOff x="0" y="0"/>
-          <a:chExt cx="0" cy="0"/>
-        </a:xfrm>
-      </p:grpSpPr>
-      <p:sp>
-        <p:nvSpPr>
-          <p:cNvPr id="2" name="Content Placeholder 1"/>
-          <p:cNvSpPr>
-            <a:spLocks noGrp="1"/>
-          </p:cNvSpPr>
-          <p:nvPr>
-            <p:ph idx="1"/>
-          </p:nvPr>
-        </p:nvSpPr>
-        <p:spPr/>
-        <p:txBody>
-          <a:bodyPr/>
-          <a:lstStyle/>
-          <a:p>
-            <a:r>
-              <a:rPr lang="en-US" b="1" dirty="0"/>
-              <a:t>Binding affinity </a:t>
-            </a:r>
-            <a:r>
-              <a:rPr lang="en-US" dirty="0"/>
-              <a:t>is the strength of the binding interaction between a single </a:t>
-            </a:r>
-            <a:r>
-              <a:rPr lang="en-US" dirty="0" smtClean="0"/>
-              <a:t>molecule </a:t>
-            </a:r>
-            <a:r>
-              <a:rPr lang="en-US" dirty="0"/>
-              <a:t>(e.g., a virus protein) to its ligand or binding partner (e.g., a drug)</a:t>
-            </a:r>
-          </a:p>
-          <a:p>
-            <a:endParaRPr lang="en-US" dirty="0"/>
-          </a:p>
-        </p:txBody>
-      </p:sp>
-      <p:sp>
-        <p:nvSpPr>
-          <p:cNvPr id="3" name="Title 2"/>
-          <p:cNvSpPr>
-            <a:spLocks noGrp="1"/>
-          </p:cNvSpPr>
-          <p:nvPr>
-            <p:ph type="title"/>
-          </p:nvPr>
-        </p:nvSpPr>
-        <p:spPr/>
-        <p:txBody>
-          <a:bodyPr/>
-          <a:lstStyle/>
-          <a:p>
-            <a:r>
-              <a:rPr lang="en-US" dirty="0"/>
-              <a:t>Introduction</a:t>
-            </a:r>
-          </a:p>
-        </p:txBody>
-      </p:sp>
-    </p:spTree>
-    <p:extLst>
-      <p:ext uri="{BB962C8B-B14F-4D97-AF65-F5344CB8AC3E}">
-        <p14:creationId xmlns:p14="http://schemas.microsoft.com/office/powerpoint/2010/main" val="3608801134"/>
-      </p:ext>
-    </p:extLst>
-  </p:cSld>
-  <p:clrMapOvr>
-    <a:masterClrMapping/>
-  </p:clrMapOvr>
-</p:sld>
-</file>
-
-<file path=ppt/slides/slide40.xml><?xml version="1.0" encoding="utf-8"?>
+<file path=ppt/slides/slide45.xml><?xml version="1.0" encoding="utf-8"?>
 <p:sld xmlns:a="http://schemas.openxmlformats.org/drawingml/2006/main" xmlns:r="http://schemas.openxmlformats.org/officeDocument/2006/relationships" xmlns:p="http://schemas.openxmlformats.org/presentationml/2006/main">
   <p:cSld>
     <p:spTree>
